--- a/docs/REST-presentation.pptx
+++ b/docs/REST-presentation.pptx
@@ -13,6 +13,8 @@
     <p:sldId id="262" r:id="rId7"/>
     <p:sldId id="263" r:id="rId8"/>
     <p:sldId id="264" r:id="rId9"/>
+    <p:sldId id="265" r:id="rId10"/>
+    <p:sldId id="266" r:id="rId11"/>
   </p:sldIdLst>
   <p:sldSz cx="12192000" cy="6858000"/>
   <p:notesSz cx="6858000" cy="9144000"/>
@@ -111,6 +113,11 @@
       </a:defRPr>
     </a:lvl9pPr>
   </p:defaultTextStyle>
+  <p:extLst>
+    <p:ext uri="{EFAFB233-063F-42B5-8137-9DF3F51BA10A}">
+      <p15:sldGuideLst xmlns:p15="http://schemas.microsoft.com/office/powerpoint/2012/main"/>
+    </p:ext>
+  </p:extLst>
 </p:presentation>
 </file>
 
@@ -3771,7 +3778,7 @@
           <a:noFill/>
           <a:extLst>
             <a:ext uri="{909E8E84-426E-40dd-AFC4-6F175D3DCCD1}">
-              <a14:hiddenFill xmlns:a14="http://schemas.microsoft.com/office/drawing/2010/main" xmlns="">
+              <a14:hiddenFill xmlns="" xmlns:a14="http://schemas.microsoft.com/office/drawing/2010/main">
                 <a:solidFill>
                   <a:srgbClr val="FFFFFF"/>
                 </a:solidFill>
@@ -3831,7 +3838,7 @@
             </a:ln>
             <a:extLst>
               <a:ext uri="{91240B29-F687-4f45-9708-019B960494DF}">
-                <a14:hiddenLine xmlns:a14="http://schemas.microsoft.com/office/drawing/2010/main" xmlns="" w="9525">
+                <a14:hiddenLine xmlns="" xmlns:a14="http://schemas.microsoft.com/office/drawing/2010/main" w="9525">
                   <a:solidFill>
                     <a:srgbClr val="000000"/>
                   </a:solidFill>
@@ -3921,7 +3928,7 @@
             </a:ln>
             <a:extLst>
               <a:ext uri="{91240B29-F687-4f45-9708-019B960494DF}">
-                <a14:hiddenLine xmlns:a14="http://schemas.microsoft.com/office/drawing/2010/main" xmlns="" w="9525">
+                <a14:hiddenLine xmlns="" xmlns:a14="http://schemas.microsoft.com/office/drawing/2010/main" w="9525">
                   <a:solidFill>
                     <a:srgbClr val="000000"/>
                   </a:solidFill>
@@ -4011,7 +4018,7 @@
             </a:ln>
             <a:extLst>
               <a:ext uri="{91240B29-F687-4f45-9708-019B960494DF}">
-                <a14:hiddenLine xmlns:a14="http://schemas.microsoft.com/office/drawing/2010/main" xmlns="" w="9525">
+                <a14:hiddenLine xmlns="" xmlns:a14="http://schemas.microsoft.com/office/drawing/2010/main" w="9525">
                   <a:solidFill>
                     <a:srgbClr val="000000"/>
                   </a:solidFill>
@@ -4045,7 +4052,7 @@
             </a:ln>
             <a:extLst>
               <a:ext uri="{91240B29-F687-4f45-9708-019B960494DF}">
-                <a14:hiddenLine xmlns:a14="http://schemas.microsoft.com/office/drawing/2010/main" xmlns="" w="9525">
+                <a14:hiddenLine xmlns="" xmlns:a14="http://schemas.microsoft.com/office/drawing/2010/main" w="9525">
                   <a:solidFill>
                     <a:srgbClr val="000000"/>
                   </a:solidFill>
@@ -4135,7 +4142,7 @@
             </a:ln>
             <a:extLst>
               <a:ext uri="{91240B29-F687-4f45-9708-019B960494DF}">
-                <a14:hiddenLine xmlns:a14="http://schemas.microsoft.com/office/drawing/2010/main" xmlns="" w="9525">
+                <a14:hiddenLine xmlns="" xmlns:a14="http://schemas.microsoft.com/office/drawing/2010/main" w="9525">
                   <a:solidFill>
                     <a:srgbClr val="000000"/>
                   </a:solidFill>
@@ -4197,7 +4204,7 @@
             </a:ln>
             <a:extLst>
               <a:ext uri="{91240B29-F687-4f45-9708-019B960494DF}">
-                <a14:hiddenLine xmlns:a14="http://schemas.microsoft.com/office/drawing/2010/main" xmlns="" w="9525">
+                <a14:hiddenLine xmlns="" xmlns:a14="http://schemas.microsoft.com/office/drawing/2010/main" w="9525">
                   <a:solidFill>
                     <a:srgbClr val="000000"/>
                   </a:solidFill>
@@ -4259,7 +4266,7 @@
             </a:ln>
             <a:extLst>
               <a:ext uri="{91240B29-F687-4f45-9708-019B960494DF}">
-                <a14:hiddenLine xmlns:a14="http://schemas.microsoft.com/office/drawing/2010/main" xmlns="" w="9525">
+                <a14:hiddenLine xmlns="" xmlns:a14="http://schemas.microsoft.com/office/drawing/2010/main" w="9525">
                   <a:solidFill>
                     <a:srgbClr val="000000"/>
                   </a:solidFill>
@@ -4349,7 +4356,7 @@
             </a:ln>
             <a:extLst>
               <a:ext uri="{91240B29-F687-4f45-9708-019B960494DF}">
-                <a14:hiddenLine xmlns:a14="http://schemas.microsoft.com/office/drawing/2010/main" xmlns="" w="9525">
+                <a14:hiddenLine xmlns="" xmlns:a14="http://schemas.microsoft.com/office/drawing/2010/main" w="9525">
                   <a:solidFill>
                     <a:srgbClr val="000000"/>
                   </a:solidFill>
@@ -4411,7 +4418,7 @@
             </a:ln>
             <a:extLst>
               <a:ext uri="{91240B29-F687-4f45-9708-019B960494DF}">
-                <a14:hiddenLine xmlns:a14="http://schemas.microsoft.com/office/drawing/2010/main" xmlns="" w="9525">
+                <a14:hiddenLine xmlns="" xmlns:a14="http://schemas.microsoft.com/office/drawing/2010/main" w="9525">
                   <a:solidFill>
                     <a:srgbClr val="000000"/>
                   </a:solidFill>
@@ -4473,7 +4480,7 @@
             </a:ln>
             <a:extLst>
               <a:ext uri="{91240B29-F687-4f45-9708-019B960494DF}">
-                <a14:hiddenLine xmlns:a14="http://schemas.microsoft.com/office/drawing/2010/main" xmlns="" w="9525">
+                <a14:hiddenLine xmlns="" xmlns:a14="http://schemas.microsoft.com/office/drawing/2010/main" w="9525">
                   <a:solidFill>
                     <a:srgbClr val="000000"/>
                   </a:solidFill>
@@ -4563,7 +4570,7 @@
             </a:ln>
             <a:extLst>
               <a:ext uri="{91240B29-F687-4f45-9708-019B960494DF}">
-                <a14:hiddenLine xmlns:a14="http://schemas.microsoft.com/office/drawing/2010/main" xmlns="" w="9525">
+                <a14:hiddenLine xmlns="" xmlns:a14="http://schemas.microsoft.com/office/drawing/2010/main" w="9525">
                   <a:solidFill>
                     <a:srgbClr val="000000"/>
                   </a:solidFill>
@@ -4653,7 +4660,7 @@
             </a:ln>
             <a:extLst>
               <a:ext uri="{91240B29-F687-4f45-9708-019B960494DF}">
-                <a14:hiddenLine xmlns:a14="http://schemas.microsoft.com/office/drawing/2010/main" xmlns="" w="9525">
+                <a14:hiddenLine xmlns="" xmlns:a14="http://schemas.microsoft.com/office/drawing/2010/main" w="9525">
                   <a:solidFill>
                     <a:srgbClr val="000000"/>
                   </a:solidFill>
@@ -4715,7 +4722,7 @@
             </a:ln>
             <a:extLst>
               <a:ext uri="{91240B29-F687-4f45-9708-019B960494DF}">
-                <a14:hiddenLine xmlns:a14="http://schemas.microsoft.com/office/drawing/2010/main" xmlns="" w="9525">
+                <a14:hiddenLine xmlns="" xmlns:a14="http://schemas.microsoft.com/office/drawing/2010/main" w="9525">
                   <a:solidFill>
                     <a:srgbClr val="000000"/>
                   </a:solidFill>
@@ -4825,7 +4832,7 @@
             </a:ln>
             <a:extLst>
               <a:ext uri="{91240B29-F687-4f45-9708-019B960494DF}">
-                <a14:hiddenLine xmlns:a14="http://schemas.microsoft.com/office/drawing/2010/main" xmlns="" w="9525">
+                <a14:hiddenLine xmlns="" xmlns:a14="http://schemas.microsoft.com/office/drawing/2010/main" w="9525">
                   <a:solidFill>
                     <a:srgbClr val="000000"/>
                   </a:solidFill>
@@ -4887,7 +4894,7 @@
             </a:ln>
             <a:extLst>
               <a:ext uri="{91240B29-F687-4f45-9708-019B960494DF}">
-                <a14:hiddenLine xmlns:a14="http://schemas.microsoft.com/office/drawing/2010/main" xmlns="" w="9525">
+                <a14:hiddenLine xmlns="" xmlns:a14="http://schemas.microsoft.com/office/drawing/2010/main" w="9525">
                   <a:solidFill>
                     <a:srgbClr val="000000"/>
                   </a:solidFill>
@@ -4977,7 +4984,7 @@
             </a:ln>
             <a:extLst>
               <a:ext uri="{91240B29-F687-4f45-9708-019B960494DF}">
-                <a14:hiddenLine xmlns:a14="http://schemas.microsoft.com/office/drawing/2010/main" xmlns="" w="9525">
+                <a14:hiddenLine xmlns="" xmlns:a14="http://schemas.microsoft.com/office/drawing/2010/main" w="9525">
                   <a:solidFill>
                     <a:srgbClr val="000000"/>
                   </a:solidFill>
@@ -5067,7 +5074,7 @@
             </a:ln>
             <a:extLst>
               <a:ext uri="{91240B29-F687-4f45-9708-019B960494DF}">
-                <a14:hiddenLine xmlns:a14="http://schemas.microsoft.com/office/drawing/2010/main" xmlns="" w="9525">
+                <a14:hiddenLine xmlns="" xmlns:a14="http://schemas.microsoft.com/office/drawing/2010/main" w="9525">
                   <a:solidFill>
                     <a:srgbClr val="000000"/>
                   </a:solidFill>
@@ -5129,7 +5136,7 @@
             </a:ln>
             <a:extLst>
               <a:ext uri="{91240B29-F687-4f45-9708-019B960494DF}">
-                <a14:hiddenLine xmlns:a14="http://schemas.microsoft.com/office/drawing/2010/main" xmlns="" w="9525">
+                <a14:hiddenLine xmlns="" xmlns:a14="http://schemas.microsoft.com/office/drawing/2010/main" w="9525">
                   <a:solidFill>
                     <a:srgbClr val="000000"/>
                   </a:solidFill>
@@ -5219,7 +5226,7 @@
             </a:ln>
             <a:extLst>
               <a:ext uri="{91240B29-F687-4f45-9708-019B960494DF}">
-                <a14:hiddenLine xmlns:a14="http://schemas.microsoft.com/office/drawing/2010/main" xmlns="" w="9525">
+                <a14:hiddenLine xmlns="" xmlns:a14="http://schemas.microsoft.com/office/drawing/2010/main" w="9525">
                   <a:solidFill>
                     <a:srgbClr val="000000"/>
                   </a:solidFill>
@@ -5309,7 +5316,7 @@
             </a:ln>
             <a:extLst>
               <a:ext uri="{91240B29-F687-4f45-9708-019B960494DF}">
-                <a14:hiddenLine xmlns:a14="http://schemas.microsoft.com/office/drawing/2010/main" xmlns="" w="9525">
+                <a14:hiddenLine xmlns="" xmlns:a14="http://schemas.microsoft.com/office/drawing/2010/main" w="9525">
                   <a:solidFill>
                     <a:srgbClr val="000000"/>
                   </a:solidFill>
@@ -5365,7 +5372,7 @@
             </a:ln>
             <a:extLst>
               <a:ext uri="{91240B29-F687-4f45-9708-019B960494DF}">
-                <a14:hiddenLine xmlns:a14="http://schemas.microsoft.com/office/drawing/2010/main" xmlns="" w="9525">
+                <a14:hiddenLine xmlns="" xmlns:a14="http://schemas.microsoft.com/office/drawing/2010/main" w="9525">
                   <a:solidFill>
                     <a:srgbClr val="000000"/>
                   </a:solidFill>
@@ -5455,7 +5462,7 @@
             </a:ln>
             <a:extLst>
               <a:ext uri="{91240B29-F687-4f45-9708-019B960494DF}">
-                <a14:hiddenLine xmlns:a14="http://schemas.microsoft.com/office/drawing/2010/main" xmlns="" w="9525">
+                <a14:hiddenLine xmlns="" xmlns:a14="http://schemas.microsoft.com/office/drawing/2010/main" w="9525">
                   <a:solidFill>
                     <a:srgbClr val="000000"/>
                   </a:solidFill>
@@ -5511,7 +5518,7 @@
             </a:ln>
             <a:extLst>
               <a:ext uri="{91240B29-F687-4f45-9708-019B960494DF}">
-                <a14:hiddenLine xmlns:a14="http://schemas.microsoft.com/office/drawing/2010/main" xmlns="" w="9525">
+                <a14:hiddenLine xmlns="" xmlns:a14="http://schemas.microsoft.com/office/drawing/2010/main" w="9525">
                   <a:solidFill>
                     <a:srgbClr val="000000"/>
                   </a:solidFill>
@@ -5601,7 +5608,7 @@
             </a:ln>
             <a:extLst>
               <a:ext uri="{91240B29-F687-4f45-9708-019B960494DF}">
-                <a14:hiddenLine xmlns:a14="http://schemas.microsoft.com/office/drawing/2010/main" xmlns="" w="9525">
+                <a14:hiddenLine xmlns="" xmlns:a14="http://schemas.microsoft.com/office/drawing/2010/main" w="9525">
                   <a:solidFill>
                     <a:srgbClr val="000000"/>
                   </a:solidFill>
@@ -5669,7 +5676,7 @@
             </a:ln>
             <a:extLst>
               <a:ext uri="{91240B29-F687-4f45-9708-019B960494DF}">
-                <a14:hiddenLine xmlns:a14="http://schemas.microsoft.com/office/drawing/2010/main" xmlns="" w="9525">
+                <a14:hiddenLine xmlns="" xmlns:a14="http://schemas.microsoft.com/office/drawing/2010/main" w="9525">
                   <a:solidFill>
                     <a:srgbClr val="000000"/>
                   </a:solidFill>
@@ -5759,7 +5766,7 @@
             </a:ln>
             <a:extLst>
               <a:ext uri="{91240B29-F687-4f45-9708-019B960494DF}">
-                <a14:hiddenLine xmlns:a14="http://schemas.microsoft.com/office/drawing/2010/main" xmlns="" w="9525">
+                <a14:hiddenLine xmlns="" xmlns:a14="http://schemas.microsoft.com/office/drawing/2010/main" w="9525">
                   <a:solidFill>
                     <a:srgbClr val="000000"/>
                   </a:solidFill>
@@ -5827,7 +5834,7 @@
             </a:ln>
             <a:extLst>
               <a:ext uri="{91240B29-F687-4f45-9708-019B960494DF}">
-                <a14:hiddenLine xmlns:a14="http://schemas.microsoft.com/office/drawing/2010/main" xmlns="" w="9525">
+                <a14:hiddenLine xmlns="" xmlns:a14="http://schemas.microsoft.com/office/drawing/2010/main" w="9525">
                   <a:solidFill>
                     <a:srgbClr val="000000"/>
                   </a:solidFill>
@@ -5917,7 +5924,7 @@
             </a:ln>
             <a:extLst>
               <a:ext uri="{91240B29-F687-4f45-9708-019B960494DF}">
-                <a14:hiddenLine xmlns:a14="http://schemas.microsoft.com/office/drawing/2010/main" xmlns="" w="9525">
+                <a14:hiddenLine xmlns="" xmlns:a14="http://schemas.microsoft.com/office/drawing/2010/main" w="9525">
                   <a:solidFill>
                     <a:srgbClr val="000000"/>
                   </a:solidFill>
@@ -5951,7 +5958,7 @@
             </a:ln>
             <a:extLst>
               <a:ext uri="{91240B29-F687-4f45-9708-019B960494DF}">
-                <a14:hiddenLine xmlns:a14="http://schemas.microsoft.com/office/drawing/2010/main" xmlns="" w="9525">
+                <a14:hiddenLine xmlns="" xmlns:a14="http://schemas.microsoft.com/office/drawing/2010/main" w="9525">
                   <a:solidFill>
                     <a:srgbClr val="000000"/>
                   </a:solidFill>
@@ -6041,7 +6048,7 @@
             </a:ln>
             <a:extLst>
               <a:ext uri="{91240B29-F687-4f45-9708-019B960494DF}">
-                <a14:hiddenLine xmlns:a14="http://schemas.microsoft.com/office/drawing/2010/main" xmlns="" w="9525">
+                <a14:hiddenLine xmlns="" xmlns:a14="http://schemas.microsoft.com/office/drawing/2010/main" w="9525">
                   <a:solidFill>
                     <a:srgbClr val="000000"/>
                   </a:solidFill>
@@ -6103,7 +6110,7 @@
             </a:ln>
             <a:extLst>
               <a:ext uri="{91240B29-F687-4f45-9708-019B960494DF}">
-                <a14:hiddenLine xmlns:a14="http://schemas.microsoft.com/office/drawing/2010/main" xmlns="" w="9525">
+                <a14:hiddenLine xmlns="" xmlns:a14="http://schemas.microsoft.com/office/drawing/2010/main" w="9525">
                   <a:solidFill>
                     <a:srgbClr val="000000"/>
                   </a:solidFill>
@@ -6165,7 +6172,7 @@
             </a:ln>
             <a:extLst>
               <a:ext uri="{91240B29-F687-4f45-9708-019B960494DF}">
-                <a14:hiddenLine xmlns:a14="http://schemas.microsoft.com/office/drawing/2010/main" xmlns="" w="9525">
+                <a14:hiddenLine xmlns="" xmlns:a14="http://schemas.microsoft.com/office/drawing/2010/main" w="9525">
                   <a:solidFill>
                     <a:srgbClr val="000000"/>
                   </a:solidFill>
@@ -6255,7 +6262,7 @@
             </a:ln>
             <a:extLst>
               <a:ext uri="{91240B29-F687-4f45-9708-019B960494DF}">
-                <a14:hiddenLine xmlns:a14="http://schemas.microsoft.com/office/drawing/2010/main" xmlns="" w="9525">
+                <a14:hiddenLine xmlns="" xmlns:a14="http://schemas.microsoft.com/office/drawing/2010/main" w="9525">
                   <a:solidFill>
                     <a:srgbClr val="000000"/>
                   </a:solidFill>
@@ -6323,7 +6330,7 @@
             </a:ln>
             <a:extLst>
               <a:ext uri="{91240B29-F687-4f45-9708-019B960494DF}">
-                <a14:hiddenLine xmlns:a14="http://schemas.microsoft.com/office/drawing/2010/main" xmlns="" w="9525">
+                <a14:hiddenLine xmlns="" xmlns:a14="http://schemas.microsoft.com/office/drawing/2010/main" w="9525">
                   <a:solidFill>
                     <a:srgbClr val="000000"/>
                   </a:solidFill>
@@ -6385,7 +6392,7 @@
             </a:ln>
             <a:extLst>
               <a:ext uri="{91240B29-F687-4f45-9708-019B960494DF}">
-                <a14:hiddenLine xmlns:a14="http://schemas.microsoft.com/office/drawing/2010/main" xmlns="" w="9525">
+                <a14:hiddenLine xmlns="" xmlns:a14="http://schemas.microsoft.com/office/drawing/2010/main" w="9525">
                   <a:solidFill>
                     <a:srgbClr val="000000"/>
                   </a:solidFill>
@@ -6475,7 +6482,7 @@
             </a:ln>
             <a:extLst>
               <a:ext uri="{91240B29-F687-4f45-9708-019B960494DF}">
-                <a14:hiddenLine xmlns:a14="http://schemas.microsoft.com/office/drawing/2010/main" xmlns="" w="9525">
+                <a14:hiddenLine xmlns="" xmlns:a14="http://schemas.microsoft.com/office/drawing/2010/main" w="9525">
                   <a:solidFill>
                     <a:srgbClr val="000000"/>
                   </a:solidFill>
@@ -6537,7 +6544,7 @@
             </a:ln>
             <a:extLst>
               <a:ext uri="{91240B29-F687-4f45-9708-019B960494DF}">
-                <a14:hiddenLine xmlns:a14="http://schemas.microsoft.com/office/drawing/2010/main" xmlns="" w="9525">
+                <a14:hiddenLine xmlns="" xmlns:a14="http://schemas.microsoft.com/office/drawing/2010/main" w="9525">
                   <a:solidFill>
                     <a:srgbClr val="000000"/>
                   </a:solidFill>
@@ -6627,7 +6634,7 @@
             </a:ln>
             <a:extLst>
               <a:ext uri="{91240B29-F687-4f45-9708-019B960494DF}">
-                <a14:hiddenLine xmlns:a14="http://schemas.microsoft.com/office/drawing/2010/main" xmlns="" w="9525">
+                <a14:hiddenLine xmlns="" xmlns:a14="http://schemas.microsoft.com/office/drawing/2010/main" w="9525">
                   <a:solidFill>
                     <a:srgbClr val="000000"/>
                   </a:solidFill>
@@ -6689,7 +6696,7 @@
             </a:ln>
             <a:extLst>
               <a:ext uri="{91240B29-F687-4f45-9708-019B960494DF}">
-                <a14:hiddenLine xmlns:a14="http://schemas.microsoft.com/office/drawing/2010/main" xmlns="" w="9525">
+                <a14:hiddenLine xmlns="" xmlns:a14="http://schemas.microsoft.com/office/drawing/2010/main" w="9525">
                   <a:solidFill>
                     <a:srgbClr val="000000"/>
                   </a:solidFill>
@@ -6779,7 +6786,7 @@
             </a:ln>
             <a:extLst>
               <a:ext uri="{91240B29-F687-4f45-9708-019B960494DF}">
-                <a14:hiddenLine xmlns:a14="http://schemas.microsoft.com/office/drawing/2010/main" xmlns="" w="9525">
+                <a14:hiddenLine xmlns="" xmlns:a14="http://schemas.microsoft.com/office/drawing/2010/main" w="9525">
                   <a:solidFill>
                     <a:srgbClr val="000000"/>
                   </a:solidFill>
@@ -6813,7 +6820,7 @@
             </a:ln>
             <a:extLst>
               <a:ext uri="{91240B29-F687-4f45-9708-019B960494DF}">
-                <a14:hiddenLine xmlns:a14="http://schemas.microsoft.com/office/drawing/2010/main" xmlns="" w="9525">
+                <a14:hiddenLine xmlns="" xmlns:a14="http://schemas.microsoft.com/office/drawing/2010/main" w="9525">
                   <a:solidFill>
                     <a:srgbClr val="000000"/>
                   </a:solidFill>
@@ -6878,7 +6885,7 @@
             </a:ln>
             <a:extLst>
               <a:ext uri="{91240B29-F687-4f45-9708-019B960494DF}">
-                <a14:hiddenLine xmlns:a14="http://schemas.microsoft.com/office/drawing/2010/main" xmlns="" w="9525">
+                <a14:hiddenLine xmlns="" xmlns:a14="http://schemas.microsoft.com/office/drawing/2010/main" w="9525">
                   <a:solidFill>
                     <a:srgbClr val="000000"/>
                   </a:solidFill>
@@ -6968,7 +6975,7 @@
             </a:ln>
             <a:extLst>
               <a:ext uri="{91240B29-F687-4f45-9708-019B960494DF}">
-                <a14:hiddenLine xmlns:a14="http://schemas.microsoft.com/office/drawing/2010/main" xmlns="" w="9525">
+                <a14:hiddenLine xmlns="" xmlns:a14="http://schemas.microsoft.com/office/drawing/2010/main" w="9525">
                   <a:solidFill>
                     <a:srgbClr val="000000"/>
                   </a:solidFill>
@@ -7030,7 +7037,7 @@
             </a:ln>
             <a:extLst>
               <a:ext uri="{91240B29-F687-4f45-9708-019B960494DF}">
-                <a14:hiddenLine xmlns:a14="http://schemas.microsoft.com/office/drawing/2010/main" xmlns="" w="9525">
+                <a14:hiddenLine xmlns="" xmlns:a14="http://schemas.microsoft.com/office/drawing/2010/main" w="9525">
                   <a:solidFill>
                     <a:srgbClr val="000000"/>
                   </a:solidFill>
@@ -7120,7 +7127,7 @@
             </a:ln>
             <a:extLst>
               <a:ext uri="{91240B29-F687-4f45-9708-019B960494DF}">
-                <a14:hiddenLine xmlns:a14="http://schemas.microsoft.com/office/drawing/2010/main" xmlns="" w="9525">
+                <a14:hiddenLine xmlns="" xmlns:a14="http://schemas.microsoft.com/office/drawing/2010/main" w="9525">
                   <a:solidFill>
                     <a:srgbClr val="000000"/>
                   </a:solidFill>
@@ -7210,7 +7217,7 @@
             </a:ln>
             <a:extLst>
               <a:ext uri="{91240B29-F687-4f45-9708-019B960494DF}">
-                <a14:hiddenLine xmlns:a14="http://schemas.microsoft.com/office/drawing/2010/main" xmlns="" w="9525">
+                <a14:hiddenLine xmlns="" xmlns:a14="http://schemas.microsoft.com/office/drawing/2010/main" w="9525">
                   <a:solidFill>
                     <a:srgbClr val="000000"/>
                   </a:solidFill>
@@ -7275,7 +7282,7 @@
             </a:ln>
             <a:extLst>
               <a:ext uri="{91240B29-F687-4f45-9708-019B960494DF}">
-                <a14:hiddenLine xmlns:a14="http://schemas.microsoft.com/office/drawing/2010/main" xmlns="" w="9525">
+                <a14:hiddenLine xmlns="" xmlns:a14="http://schemas.microsoft.com/office/drawing/2010/main" w="9525">
                   <a:solidFill>
                     <a:srgbClr val="000000"/>
                   </a:solidFill>
@@ -7337,7 +7344,7 @@
             </a:ln>
             <a:extLst>
               <a:ext uri="{91240B29-F687-4f45-9708-019B960494DF}">
-                <a14:hiddenLine xmlns:a14="http://schemas.microsoft.com/office/drawing/2010/main" xmlns="" w="9525">
+                <a14:hiddenLine xmlns="" xmlns:a14="http://schemas.microsoft.com/office/drawing/2010/main" w="9525">
                   <a:solidFill>
                     <a:srgbClr val="000000"/>
                   </a:solidFill>
@@ -7427,7 +7434,7 @@
             </a:ln>
             <a:extLst>
               <a:ext uri="{91240B29-F687-4f45-9708-019B960494DF}">
-                <a14:hiddenLine xmlns:a14="http://schemas.microsoft.com/office/drawing/2010/main" xmlns="" w="9525">
+                <a14:hiddenLine xmlns="" xmlns:a14="http://schemas.microsoft.com/office/drawing/2010/main" w="9525">
                   <a:solidFill>
                     <a:srgbClr val="000000"/>
                   </a:solidFill>
@@ -7517,7 +7524,7 @@
             </a:ln>
             <a:extLst>
               <a:ext uri="{91240B29-F687-4f45-9708-019B960494DF}">
-                <a14:hiddenLine xmlns:a14="http://schemas.microsoft.com/office/drawing/2010/main" xmlns="" w="9525">
+                <a14:hiddenLine xmlns="" xmlns:a14="http://schemas.microsoft.com/office/drawing/2010/main" w="9525">
                   <a:solidFill>
                     <a:srgbClr val="000000"/>
                   </a:solidFill>
@@ -7579,7 +7586,7 @@
             </a:ln>
             <a:extLst>
               <a:ext uri="{91240B29-F687-4f45-9708-019B960494DF}">
-                <a14:hiddenLine xmlns:a14="http://schemas.microsoft.com/office/drawing/2010/main" xmlns="" w="9525">
+                <a14:hiddenLine xmlns="" xmlns:a14="http://schemas.microsoft.com/office/drawing/2010/main" w="9525">
                   <a:solidFill>
                     <a:srgbClr val="000000"/>
                   </a:solidFill>
@@ -7699,7 +7706,7 @@
             </a:ln>
             <a:extLst>
               <a:ext uri="{91240B29-F687-4f45-9708-019B960494DF}">
-                <a14:hiddenLine xmlns:a14="http://schemas.microsoft.com/office/drawing/2010/main" xmlns="" w="9525">
+                <a14:hiddenLine xmlns="" xmlns:a14="http://schemas.microsoft.com/office/drawing/2010/main" w="9525">
                   <a:solidFill>
                     <a:srgbClr val="000000"/>
                   </a:solidFill>
@@ -7767,7 +7774,7 @@
             </a:ln>
             <a:extLst>
               <a:ext uri="{91240B29-F687-4f45-9708-019B960494DF}">
-                <a14:hiddenLine xmlns:a14="http://schemas.microsoft.com/office/drawing/2010/main" xmlns="" w="9525">
+                <a14:hiddenLine xmlns="" xmlns:a14="http://schemas.microsoft.com/office/drawing/2010/main" w="9525">
                   <a:solidFill>
                     <a:srgbClr val="000000"/>
                   </a:solidFill>
@@ -7857,7 +7864,7 @@
             </a:ln>
             <a:extLst>
               <a:ext uri="{91240B29-F687-4f45-9708-019B960494DF}">
-                <a14:hiddenLine xmlns:a14="http://schemas.microsoft.com/office/drawing/2010/main" xmlns="" w="9525">
+                <a14:hiddenLine xmlns="" xmlns:a14="http://schemas.microsoft.com/office/drawing/2010/main" w="9525">
                   <a:solidFill>
                     <a:srgbClr val="000000"/>
                   </a:solidFill>
@@ -7997,7 +8004,7 @@
           <a:p>
             <a:fld id="{48A87A34-81AB-432B-8DAE-1953F412C126}" type="datetimeFigureOut">
               <a:rPr lang="en-US" dirty="0"/>
-              <a:t>1/28/22</a:t>
+              <a:t>2/4/22</a:t>
             </a:fld>
             <a:endParaRPr lang="en-US" dirty="0"/>
           </a:p>
@@ -8259,7 +8266,7 @@
           <a:p>
             <a:fld id="{48A87A34-81AB-432B-8DAE-1953F412C126}" type="datetimeFigureOut">
               <a:rPr lang="en-US" dirty="0"/>
-              <a:t>1/28/22</a:t>
+              <a:t>2/4/22</a:t>
             </a:fld>
             <a:endParaRPr lang="en-US" dirty="0"/>
           </a:p>
@@ -8450,7 +8457,7 @@
           <a:p>
             <a:fld id="{48A87A34-81AB-432B-8DAE-1953F412C126}" type="datetimeFigureOut">
               <a:rPr lang="en-US" dirty="0"/>
-              <a:t>1/28/22</a:t>
+              <a:t>2/4/22</a:t>
             </a:fld>
             <a:endParaRPr lang="en-US" dirty="0"/>
           </a:p>
@@ -8708,7 +8715,7 @@
           <a:p>
             <a:fld id="{48A87A34-81AB-432B-8DAE-1953F412C126}" type="datetimeFigureOut">
               <a:rPr lang="en-US" dirty="0"/>
-              <a:t>1/28/22</a:t>
+              <a:t>2/4/22</a:t>
             </a:fld>
             <a:endParaRPr lang="en-US" dirty="0"/>
           </a:p>
@@ -9137,7 +9144,7 @@
           <a:p>
             <a:fld id="{48A87A34-81AB-432B-8DAE-1953F412C126}" type="datetimeFigureOut">
               <a:rPr lang="en-US" dirty="0"/>
-              <a:t>1/28/22</a:t>
+              <a:t>2/4/22</a:t>
             </a:fld>
             <a:endParaRPr lang="en-US" dirty="0"/>
           </a:p>
@@ -9678,7 +9685,7 @@
           <a:p>
             <a:fld id="{48A87A34-81AB-432B-8DAE-1953F412C126}" type="datetimeFigureOut">
               <a:rPr lang="en-US" dirty="0"/>
-              <a:t>1/28/22</a:t>
+              <a:t>2/4/22</a:t>
             </a:fld>
             <a:endParaRPr lang="en-US" dirty="0"/>
           </a:p>
@@ -10393,7 +10400,7 @@
           <a:p>
             <a:fld id="{48A87A34-81AB-432B-8DAE-1953F412C126}" type="datetimeFigureOut">
               <a:rPr lang="en-US" dirty="0"/>
-              <a:t>1/28/22</a:t>
+              <a:t>2/4/22</a:t>
             </a:fld>
             <a:endParaRPr lang="en-US" dirty="0"/>
           </a:p>
@@ -10558,7 +10565,7 @@
           <a:p>
             <a:fld id="{48A87A34-81AB-432B-8DAE-1953F412C126}" type="datetimeFigureOut">
               <a:rPr lang="en-US" dirty="0"/>
-              <a:t>1/28/22</a:t>
+              <a:t>2/4/22</a:t>
             </a:fld>
             <a:endParaRPr lang="en-US" dirty="0"/>
           </a:p>
@@ -10733,7 +10740,7 @@
           <a:p>
             <a:fld id="{48A87A34-81AB-432B-8DAE-1953F412C126}" type="datetimeFigureOut">
               <a:rPr lang="en-US" dirty="0"/>
-              <a:t>1/28/22</a:t>
+              <a:t>2/4/22</a:t>
             </a:fld>
             <a:endParaRPr lang="en-US" dirty="0"/>
           </a:p>
@@ -10898,7 +10905,7 @@
           <a:p>
             <a:fld id="{48A87A34-81AB-432B-8DAE-1953F412C126}" type="datetimeFigureOut">
               <a:rPr lang="en-US" dirty="0"/>
-              <a:t>1/28/22</a:t>
+              <a:t>2/4/22</a:t>
             </a:fld>
             <a:endParaRPr lang="en-US" dirty="0"/>
           </a:p>
@@ -11143,7 +11150,7 @@
           <a:p>
             <a:fld id="{48A87A34-81AB-432B-8DAE-1953F412C126}" type="datetimeFigureOut">
               <a:rPr lang="en-US" dirty="0"/>
-              <a:t>1/28/22</a:t>
+              <a:t>2/4/22</a:t>
             </a:fld>
             <a:endParaRPr lang="en-US" dirty="0"/>
           </a:p>
@@ -11370,7 +11377,7 @@
           <a:p>
             <a:fld id="{48A87A34-81AB-432B-8DAE-1953F412C126}" type="datetimeFigureOut">
               <a:rPr lang="en-US" dirty="0"/>
-              <a:t>1/28/22</a:t>
+              <a:t>2/4/22</a:t>
             </a:fld>
             <a:endParaRPr lang="en-US" dirty="0"/>
           </a:p>
@@ -11746,7 +11753,7 @@
           <a:p>
             <a:fld id="{48A87A34-81AB-432B-8DAE-1953F412C126}" type="datetimeFigureOut">
               <a:rPr lang="en-US" dirty="0"/>
-              <a:t>1/28/22</a:t>
+              <a:t>2/4/22</a:t>
             </a:fld>
             <a:endParaRPr lang="en-US" dirty="0"/>
           </a:p>
@@ -11859,7 +11866,7 @@
           <a:p>
             <a:fld id="{48A87A34-81AB-432B-8DAE-1953F412C126}" type="datetimeFigureOut">
               <a:rPr lang="en-US" dirty="0"/>
-              <a:t>1/28/22</a:t>
+              <a:t>2/4/22</a:t>
             </a:fld>
             <a:endParaRPr lang="en-US" dirty="0"/>
           </a:p>
@@ -11949,7 +11956,7 @@
           <a:p>
             <a:fld id="{48A87A34-81AB-432B-8DAE-1953F412C126}" type="datetimeFigureOut">
               <a:rPr lang="en-US" dirty="0"/>
-              <a:t>1/28/22</a:t>
+              <a:t>2/4/22</a:t>
             </a:fld>
             <a:endParaRPr lang="en-US" dirty="0"/>
           </a:p>
@@ -12193,7 +12200,7 @@
           <a:p>
             <a:fld id="{48A87A34-81AB-432B-8DAE-1953F412C126}" type="datetimeFigureOut">
               <a:rPr lang="en-US" dirty="0"/>
-              <a:t>1/28/22</a:t>
+              <a:t>2/4/22</a:t>
             </a:fld>
             <a:endParaRPr lang="en-US" dirty="0"/>
           </a:p>
@@ -12468,7 +12475,7 @@
           <a:p>
             <a:fld id="{48A87A34-81AB-432B-8DAE-1953F412C126}" type="datetimeFigureOut">
               <a:rPr lang="en-US" dirty="0"/>
-              <a:t>1/28/22</a:t>
+              <a:t>2/4/22</a:t>
             </a:fld>
             <a:endParaRPr lang="en-US" dirty="0"/>
           </a:p>
@@ -12579,7 +12586,7 @@
           <a:noFill/>
           <a:extLst>
             <a:ext uri="{909E8E84-426E-40dd-AFC4-6F175D3DCCD1}">
-              <a14:hiddenFill xmlns:a14="http://schemas.microsoft.com/office/drawing/2010/main" xmlns="">
+              <a14:hiddenFill xmlns="" xmlns:a14="http://schemas.microsoft.com/office/drawing/2010/main">
                 <a:solidFill>
                   <a:srgbClr val="FFFFFF"/>
                 </a:solidFill>
@@ -12653,7 +12660,7 @@
               </a:ln>
               <a:extLst>
                 <a:ext uri="{91240B29-F687-4f45-9708-019B960494DF}">
-                  <a14:hiddenLine xmlns:a14="http://schemas.microsoft.com/office/drawing/2010/main" xmlns="" w="9525">
+                  <a14:hiddenLine xmlns="" xmlns:a14="http://schemas.microsoft.com/office/drawing/2010/main" w="9525">
                     <a:solidFill>
                       <a:srgbClr val="000000"/>
                     </a:solidFill>
@@ -12743,7 +12750,7 @@
               </a:ln>
               <a:extLst>
                 <a:ext uri="{91240B29-F687-4f45-9708-019B960494DF}">
-                  <a14:hiddenLine xmlns:a14="http://schemas.microsoft.com/office/drawing/2010/main" xmlns="" w="9525">
+                  <a14:hiddenLine xmlns="" xmlns:a14="http://schemas.microsoft.com/office/drawing/2010/main" w="9525">
                     <a:solidFill>
                       <a:srgbClr val="000000"/>
                     </a:solidFill>
@@ -12833,7 +12840,7 @@
               </a:ln>
               <a:extLst>
                 <a:ext uri="{91240B29-F687-4f45-9708-019B960494DF}">
-                  <a14:hiddenLine xmlns:a14="http://schemas.microsoft.com/office/drawing/2010/main" xmlns="" w="9525">
+                  <a14:hiddenLine xmlns="" xmlns:a14="http://schemas.microsoft.com/office/drawing/2010/main" w="9525">
                     <a:solidFill>
                       <a:srgbClr val="000000"/>
                     </a:solidFill>
@@ -12895,7 +12902,7 @@
               </a:ln>
               <a:extLst>
                 <a:ext uri="{91240B29-F687-4f45-9708-019B960494DF}">
-                  <a14:hiddenLine xmlns:a14="http://schemas.microsoft.com/office/drawing/2010/main" xmlns="" w="9525">
+                  <a14:hiddenLine xmlns="" xmlns:a14="http://schemas.microsoft.com/office/drawing/2010/main" w="9525">
                     <a:solidFill>
                       <a:srgbClr val="000000"/>
                     </a:solidFill>
@@ -12985,7 +12992,7 @@
               </a:ln>
               <a:extLst>
                 <a:ext uri="{91240B29-F687-4f45-9708-019B960494DF}">
-                  <a14:hiddenLine xmlns:a14="http://schemas.microsoft.com/office/drawing/2010/main" xmlns="" w="9525">
+                  <a14:hiddenLine xmlns="" xmlns:a14="http://schemas.microsoft.com/office/drawing/2010/main" w="9525">
                     <a:solidFill>
                       <a:srgbClr val="000000"/>
                     </a:solidFill>
@@ -13047,7 +13054,7 @@
               </a:ln>
               <a:extLst>
                 <a:ext uri="{91240B29-F687-4f45-9708-019B960494DF}">
-                  <a14:hiddenLine xmlns:a14="http://schemas.microsoft.com/office/drawing/2010/main" xmlns="" w="9525">
+                  <a14:hiddenLine xmlns="" xmlns:a14="http://schemas.microsoft.com/office/drawing/2010/main" w="9525">
                     <a:solidFill>
                       <a:srgbClr val="000000"/>
                     </a:solidFill>
@@ -13109,7 +13116,7 @@
               </a:ln>
               <a:extLst>
                 <a:ext uri="{91240B29-F687-4f45-9708-019B960494DF}">
-                  <a14:hiddenLine xmlns:a14="http://schemas.microsoft.com/office/drawing/2010/main" xmlns="" w="9525">
+                  <a14:hiddenLine xmlns="" xmlns:a14="http://schemas.microsoft.com/office/drawing/2010/main" w="9525">
                     <a:solidFill>
                       <a:srgbClr val="000000"/>
                     </a:solidFill>
@@ -13199,7 +13206,7 @@
               </a:ln>
               <a:extLst>
                 <a:ext uri="{91240B29-F687-4f45-9708-019B960494DF}">
-                  <a14:hiddenLine xmlns:a14="http://schemas.microsoft.com/office/drawing/2010/main" xmlns="" w="9525">
+                  <a14:hiddenLine xmlns="" xmlns:a14="http://schemas.microsoft.com/office/drawing/2010/main" w="9525">
                     <a:solidFill>
                       <a:srgbClr val="000000"/>
                     </a:solidFill>
@@ -13289,7 +13296,7 @@
               </a:ln>
               <a:extLst>
                 <a:ext uri="{91240B29-F687-4f45-9708-019B960494DF}">
-                  <a14:hiddenLine xmlns:a14="http://schemas.microsoft.com/office/drawing/2010/main" xmlns="" w="9525">
+                  <a14:hiddenLine xmlns="" xmlns:a14="http://schemas.microsoft.com/office/drawing/2010/main" w="9525">
                     <a:solidFill>
                       <a:srgbClr val="000000"/>
                     </a:solidFill>
@@ -13351,7 +13358,7 @@
               </a:ln>
               <a:extLst>
                 <a:ext uri="{91240B29-F687-4f45-9708-019B960494DF}">
-                  <a14:hiddenLine xmlns:a14="http://schemas.microsoft.com/office/drawing/2010/main" xmlns="" w="9525">
+                  <a14:hiddenLine xmlns="" xmlns:a14="http://schemas.microsoft.com/office/drawing/2010/main" w="9525">
                     <a:solidFill>
                       <a:srgbClr val="000000"/>
                     </a:solidFill>
@@ -13461,7 +13468,7 @@
               </a:ln>
               <a:extLst>
                 <a:ext uri="{91240B29-F687-4f45-9708-019B960494DF}">
-                  <a14:hiddenLine xmlns:a14="http://schemas.microsoft.com/office/drawing/2010/main" xmlns="" w="9525">
+                  <a14:hiddenLine xmlns="" xmlns:a14="http://schemas.microsoft.com/office/drawing/2010/main" w="9525">
                     <a:solidFill>
                       <a:srgbClr val="000000"/>
                     </a:solidFill>
@@ -13545,7 +13552,7 @@
               </a:ln>
               <a:extLst>
                 <a:ext uri="{91240B29-F687-4f45-9708-019B960494DF}">
-                  <a14:hiddenLine xmlns:a14="http://schemas.microsoft.com/office/drawing/2010/main" xmlns="" w="9525">
+                  <a14:hiddenLine xmlns="" xmlns:a14="http://schemas.microsoft.com/office/drawing/2010/main" w="9525">
                     <a:solidFill>
                       <a:srgbClr val="000000"/>
                     </a:solidFill>
@@ -13607,7 +13614,7 @@
               </a:ln>
               <a:extLst>
                 <a:ext uri="{91240B29-F687-4f45-9708-019B960494DF}">
-                  <a14:hiddenLine xmlns:a14="http://schemas.microsoft.com/office/drawing/2010/main" xmlns="" w="9525">
+                  <a14:hiddenLine xmlns="" xmlns:a14="http://schemas.microsoft.com/office/drawing/2010/main" w="9525">
                     <a:solidFill>
                       <a:srgbClr val="000000"/>
                     </a:solidFill>
@@ -13669,7 +13676,7 @@
               </a:ln>
               <a:extLst>
                 <a:ext uri="{91240B29-F687-4f45-9708-019B960494DF}">
-                  <a14:hiddenLine xmlns:a14="http://schemas.microsoft.com/office/drawing/2010/main" xmlns="" w="9525">
+                  <a14:hiddenLine xmlns="" xmlns:a14="http://schemas.microsoft.com/office/drawing/2010/main" w="9525">
                     <a:solidFill>
                       <a:srgbClr val="000000"/>
                     </a:solidFill>
@@ -13759,7 +13766,7 @@
               </a:ln>
               <a:extLst>
                 <a:ext uri="{91240B29-F687-4f45-9708-019B960494DF}">
-                  <a14:hiddenLine xmlns:a14="http://schemas.microsoft.com/office/drawing/2010/main" xmlns="" w="9525">
+                  <a14:hiddenLine xmlns="" xmlns:a14="http://schemas.microsoft.com/office/drawing/2010/main" w="9525">
                     <a:solidFill>
                       <a:srgbClr val="000000"/>
                     </a:solidFill>
@@ -13793,7 +13800,7 @@
               </a:ln>
               <a:extLst>
                 <a:ext uri="{91240B29-F687-4f45-9708-019B960494DF}">
-                  <a14:hiddenLine xmlns:a14="http://schemas.microsoft.com/office/drawing/2010/main" xmlns="" w="9525">
+                  <a14:hiddenLine xmlns="" xmlns:a14="http://schemas.microsoft.com/office/drawing/2010/main" w="9525">
                     <a:solidFill>
                       <a:srgbClr val="000000"/>
                     </a:solidFill>
@@ -13858,7 +13865,7 @@
               </a:ln>
               <a:extLst>
                 <a:ext uri="{91240B29-F687-4f45-9708-019B960494DF}">
-                  <a14:hiddenLine xmlns:a14="http://schemas.microsoft.com/office/drawing/2010/main" xmlns="" w="9525">
+                  <a14:hiddenLine xmlns="" xmlns:a14="http://schemas.microsoft.com/office/drawing/2010/main" w="9525">
                     <a:solidFill>
                       <a:srgbClr val="000000"/>
                     </a:solidFill>
@@ -13948,7 +13955,7 @@
               </a:ln>
               <a:extLst>
                 <a:ext uri="{91240B29-F687-4f45-9708-019B960494DF}">
-                  <a14:hiddenLine xmlns:a14="http://schemas.microsoft.com/office/drawing/2010/main" xmlns="" w="9525">
+                  <a14:hiddenLine xmlns="" xmlns:a14="http://schemas.microsoft.com/office/drawing/2010/main" w="9525">
                     <a:solidFill>
                       <a:srgbClr val="000000"/>
                     </a:solidFill>
@@ -14010,7 +14017,7 @@
               </a:ln>
               <a:extLst>
                 <a:ext uri="{91240B29-F687-4f45-9708-019B960494DF}">
-                  <a14:hiddenLine xmlns:a14="http://schemas.microsoft.com/office/drawing/2010/main" xmlns="" w="9525">
+                  <a14:hiddenLine xmlns="" xmlns:a14="http://schemas.microsoft.com/office/drawing/2010/main" w="9525">
                     <a:solidFill>
                       <a:srgbClr val="000000"/>
                     </a:solidFill>
@@ -14100,7 +14107,7 @@
               </a:ln>
               <a:extLst>
                 <a:ext uri="{91240B29-F687-4f45-9708-019B960494DF}">
-                  <a14:hiddenLine xmlns:a14="http://schemas.microsoft.com/office/drawing/2010/main" xmlns="" w="9525">
+                  <a14:hiddenLine xmlns="" xmlns:a14="http://schemas.microsoft.com/office/drawing/2010/main" w="9525">
                     <a:solidFill>
                       <a:srgbClr val="000000"/>
                     </a:solidFill>
@@ -14165,7 +14172,7 @@
               </a:ln>
               <a:extLst>
                 <a:ext uri="{91240B29-F687-4f45-9708-019B960494DF}">
-                  <a14:hiddenLine xmlns:a14="http://schemas.microsoft.com/office/drawing/2010/main" xmlns="" w="9525">
+                  <a14:hiddenLine xmlns="" xmlns:a14="http://schemas.microsoft.com/office/drawing/2010/main" w="9525">
                     <a:solidFill>
                       <a:srgbClr val="000000"/>
                     </a:solidFill>
@@ -14227,7 +14234,7 @@
               </a:ln>
               <a:extLst>
                 <a:ext uri="{91240B29-F687-4f45-9708-019B960494DF}">
-                  <a14:hiddenLine xmlns:a14="http://schemas.microsoft.com/office/drawing/2010/main" xmlns="" w="9525">
+                  <a14:hiddenLine xmlns="" xmlns:a14="http://schemas.microsoft.com/office/drawing/2010/main" w="9525">
                     <a:solidFill>
                       <a:srgbClr val="000000"/>
                     </a:solidFill>
@@ -14317,7 +14324,7 @@
               </a:ln>
               <a:extLst>
                 <a:ext uri="{91240B29-F687-4f45-9708-019B960494DF}">
-                  <a14:hiddenLine xmlns:a14="http://schemas.microsoft.com/office/drawing/2010/main" xmlns="" w="9525">
+                  <a14:hiddenLine xmlns="" xmlns:a14="http://schemas.microsoft.com/office/drawing/2010/main" w="9525">
                     <a:solidFill>
                       <a:srgbClr val="000000"/>
                     </a:solidFill>
@@ -14407,7 +14414,7 @@
               </a:ln>
               <a:extLst>
                 <a:ext uri="{91240B29-F687-4f45-9708-019B960494DF}">
-                  <a14:hiddenLine xmlns:a14="http://schemas.microsoft.com/office/drawing/2010/main" xmlns="" w="9525">
+                  <a14:hiddenLine xmlns="" xmlns:a14="http://schemas.microsoft.com/office/drawing/2010/main" w="9525">
                     <a:solidFill>
                       <a:srgbClr val="000000"/>
                     </a:solidFill>
@@ -14472,7 +14479,7 @@
               </a:ln>
               <a:extLst>
                 <a:ext uri="{91240B29-F687-4f45-9708-019B960494DF}">
-                  <a14:hiddenLine xmlns:a14="http://schemas.microsoft.com/office/drawing/2010/main" xmlns="" w="9525">
+                  <a14:hiddenLine xmlns="" xmlns:a14="http://schemas.microsoft.com/office/drawing/2010/main" w="9525">
                     <a:solidFill>
                       <a:srgbClr val="000000"/>
                     </a:solidFill>
@@ -14592,7 +14599,7 @@
               </a:ln>
               <a:extLst>
                 <a:ext uri="{91240B29-F687-4f45-9708-019B960494DF}">
-                  <a14:hiddenLine xmlns:a14="http://schemas.microsoft.com/office/drawing/2010/main" xmlns="" w="9525">
+                  <a14:hiddenLine xmlns="" xmlns:a14="http://schemas.microsoft.com/office/drawing/2010/main" w="9525">
                     <a:solidFill>
                       <a:srgbClr val="000000"/>
                     </a:solidFill>
@@ -14690,7 +14697,7 @@
               </a:ln>
               <a:extLst>
                 <a:ext uri="{91240B29-F687-4f45-9708-019B960494DF}">
-                  <a14:hiddenLine xmlns:a14="http://schemas.microsoft.com/office/drawing/2010/main" xmlns="" w="9525">
+                  <a14:hiddenLine xmlns="" xmlns:a14="http://schemas.microsoft.com/office/drawing/2010/main" w="9525">
                     <a:solidFill>
                       <a:srgbClr val="000000"/>
                     </a:solidFill>
@@ -14805,7 +14812,7 @@
               </a:ln>
               <a:extLst>
                 <a:ext uri="{91240B29-F687-4f45-9708-019B960494DF}">
-                  <a14:hiddenLine xmlns:a14="http://schemas.microsoft.com/office/drawing/2010/main" xmlns="" w="9525">
+                  <a14:hiddenLine xmlns="" xmlns:a14="http://schemas.microsoft.com/office/drawing/2010/main" w="9525">
                     <a:solidFill>
                       <a:srgbClr val="000000"/>
                     </a:solidFill>
@@ -14895,7 +14902,7 @@
               </a:ln>
               <a:extLst>
                 <a:ext uri="{91240B29-F687-4f45-9708-019B960494DF}">
-                  <a14:hiddenLine xmlns:a14="http://schemas.microsoft.com/office/drawing/2010/main" xmlns="" w="9525">
+                  <a14:hiddenLine xmlns="" xmlns:a14="http://schemas.microsoft.com/office/drawing/2010/main" w="9525">
                     <a:solidFill>
                       <a:srgbClr val="000000"/>
                     </a:solidFill>
@@ -14960,7 +14967,7 @@
               </a:ln>
               <a:extLst>
                 <a:ext uri="{91240B29-F687-4f45-9708-019B960494DF}">
-                  <a14:hiddenLine xmlns:a14="http://schemas.microsoft.com/office/drawing/2010/main" xmlns="" w="9525">
+                  <a14:hiddenLine xmlns="" xmlns:a14="http://schemas.microsoft.com/office/drawing/2010/main" w="9525">
                     <a:solidFill>
                       <a:srgbClr val="000000"/>
                     </a:solidFill>
@@ -15050,7 +15057,7 @@
               </a:ln>
               <a:extLst>
                 <a:ext uri="{91240B29-F687-4f45-9708-019B960494DF}">
-                  <a14:hiddenLine xmlns:a14="http://schemas.microsoft.com/office/drawing/2010/main" xmlns="" w="9525">
+                  <a14:hiddenLine xmlns="" xmlns:a14="http://schemas.microsoft.com/office/drawing/2010/main" w="9525">
                     <a:solidFill>
                       <a:srgbClr val="000000"/>
                     </a:solidFill>
@@ -15118,7 +15125,7 @@
               </a:ln>
               <a:extLst>
                 <a:ext uri="{91240B29-F687-4f45-9708-019B960494DF}">
-                  <a14:hiddenLine xmlns:a14="http://schemas.microsoft.com/office/drawing/2010/main" xmlns="" w="9525">
+                  <a14:hiddenLine xmlns="" xmlns:a14="http://schemas.microsoft.com/office/drawing/2010/main" w="9525">
                     <a:solidFill>
                       <a:srgbClr val="000000"/>
                     </a:solidFill>
@@ -15208,7 +15215,7 @@
               </a:ln>
               <a:extLst>
                 <a:ext uri="{91240B29-F687-4f45-9708-019B960494DF}">
-                  <a14:hiddenLine xmlns:a14="http://schemas.microsoft.com/office/drawing/2010/main" xmlns="" w="9525">
+                  <a14:hiddenLine xmlns="" xmlns:a14="http://schemas.microsoft.com/office/drawing/2010/main" w="9525">
                     <a:solidFill>
                       <a:srgbClr val="000000"/>
                     </a:solidFill>
@@ -15276,7 +15283,7 @@
               </a:ln>
               <a:extLst>
                 <a:ext uri="{91240B29-F687-4f45-9708-019B960494DF}">
-                  <a14:hiddenLine xmlns:a14="http://schemas.microsoft.com/office/drawing/2010/main" xmlns="" w="9525">
+                  <a14:hiddenLine xmlns="" xmlns:a14="http://schemas.microsoft.com/office/drawing/2010/main" w="9525">
                     <a:solidFill>
                       <a:srgbClr val="000000"/>
                     </a:solidFill>
@@ -15366,7 +15373,7 @@
               </a:ln>
               <a:extLst>
                 <a:ext uri="{91240B29-F687-4f45-9708-019B960494DF}">
-                  <a14:hiddenLine xmlns:a14="http://schemas.microsoft.com/office/drawing/2010/main" xmlns="" w="9525">
+                  <a14:hiddenLine xmlns="" xmlns:a14="http://schemas.microsoft.com/office/drawing/2010/main" w="9525">
                     <a:solidFill>
                       <a:srgbClr val="000000"/>
                     </a:solidFill>
@@ -15400,7 +15407,7 @@
               </a:ln>
               <a:extLst>
                 <a:ext uri="{91240B29-F687-4f45-9708-019B960494DF}">
-                  <a14:hiddenLine xmlns:a14="http://schemas.microsoft.com/office/drawing/2010/main" xmlns="" w="9525">
+                  <a14:hiddenLine xmlns="" xmlns:a14="http://schemas.microsoft.com/office/drawing/2010/main" w="9525">
                     <a:solidFill>
                       <a:srgbClr val="000000"/>
                     </a:solidFill>
@@ -15541,7 +15548,7 @@
             <a:fld id="{48A87A34-81AB-432B-8DAE-1953F412C126}" type="datetimeFigureOut">
               <a:rPr lang="en-US" dirty="0"/>
               <a:pPr/>
-              <a:t>1/28/22</a:t>
+              <a:t>2/4/22</a:t>
             </a:fld>
             <a:endParaRPr lang="en-US" dirty="0"/>
           </a:p>
@@ -16107,7 +16114,7 @@
             </a:ln>
             <a:extLst>
               <a:ext uri="{91240B29-F687-4f45-9708-019B960494DF}">
-                <a14:hiddenLine xmlns="" xmlns:a16="http://schemas.microsoft.com/office/drawing/2014/main" xmlns:p14="http://schemas.microsoft.com/office/powerpoint/2010/main" xmlns:a14="http://schemas.microsoft.com/office/drawing/2010/main" w="9525">
+                <a14:hiddenLine xmlns:a14="http://schemas.microsoft.com/office/drawing/2010/main" xmlns:p14="http://schemas.microsoft.com/office/powerpoint/2010/main" xmlns:a16="http://schemas.microsoft.com/office/drawing/2014/main" xmlns="" w="9525">
                   <a:solidFill>
                     <a:srgbClr val="000000"/>
                   </a:solidFill>
@@ -16212,7 +16219,7 @@
             </a:ln>
             <a:extLst>
               <a:ext uri="{91240B29-F687-4f45-9708-019B960494DF}">
-                <a14:hiddenLine xmlns="" xmlns:a16="http://schemas.microsoft.com/office/drawing/2014/main" xmlns:p14="http://schemas.microsoft.com/office/powerpoint/2010/main" xmlns:a14="http://schemas.microsoft.com/office/drawing/2010/main" w="9525">
+                <a14:hiddenLine xmlns:a14="http://schemas.microsoft.com/office/drawing/2010/main" xmlns:p14="http://schemas.microsoft.com/office/powerpoint/2010/main" xmlns:a16="http://schemas.microsoft.com/office/drawing/2014/main" xmlns="" w="9525">
                   <a:solidFill>
                     <a:srgbClr val="000000"/>
                   </a:solidFill>
@@ -16317,7 +16324,7 @@
             </a:ln>
             <a:extLst>
               <a:ext uri="{91240B29-F687-4f45-9708-019B960494DF}">
-                <a14:hiddenLine xmlns="" xmlns:a16="http://schemas.microsoft.com/office/drawing/2014/main" xmlns:p14="http://schemas.microsoft.com/office/powerpoint/2010/main" xmlns:a14="http://schemas.microsoft.com/office/drawing/2010/main" w="9525">
+                <a14:hiddenLine xmlns:a14="http://schemas.microsoft.com/office/drawing/2010/main" xmlns:p14="http://schemas.microsoft.com/office/powerpoint/2010/main" xmlns:a16="http://schemas.microsoft.com/office/drawing/2014/main" xmlns="" w="9525">
                   <a:solidFill>
                     <a:srgbClr val="000000"/>
                   </a:solidFill>
@@ -16366,7 +16373,7 @@
             </a:ln>
             <a:extLst>
               <a:ext uri="{91240B29-F687-4f45-9708-019B960494DF}">
-                <a14:hiddenLine xmlns="" xmlns:a16="http://schemas.microsoft.com/office/drawing/2014/main" xmlns:p14="http://schemas.microsoft.com/office/powerpoint/2010/main" xmlns:a14="http://schemas.microsoft.com/office/drawing/2010/main" w="9525">
+                <a14:hiddenLine xmlns:a14="http://schemas.microsoft.com/office/drawing/2010/main" xmlns:p14="http://schemas.microsoft.com/office/powerpoint/2010/main" xmlns:a16="http://schemas.microsoft.com/office/drawing/2014/main" xmlns="" w="9525">
                   <a:solidFill>
                     <a:srgbClr val="000000"/>
                   </a:solidFill>
@@ -16471,7 +16478,7 @@
             </a:ln>
             <a:extLst>
               <a:ext uri="{91240B29-F687-4f45-9708-019B960494DF}">
-                <a14:hiddenLine xmlns="" xmlns:a16="http://schemas.microsoft.com/office/drawing/2014/main" xmlns:p14="http://schemas.microsoft.com/office/powerpoint/2010/main" xmlns:a14="http://schemas.microsoft.com/office/drawing/2010/main" w="9525">
+                <a14:hiddenLine xmlns:a14="http://schemas.microsoft.com/office/drawing/2010/main" xmlns:p14="http://schemas.microsoft.com/office/powerpoint/2010/main" xmlns:a16="http://schemas.microsoft.com/office/drawing/2014/main" xmlns="" w="9525">
                   <a:solidFill>
                     <a:srgbClr val="000000"/>
                   </a:solidFill>
@@ -16548,7 +16555,7 @@
             </a:ln>
             <a:extLst>
               <a:ext uri="{91240B29-F687-4f45-9708-019B960494DF}">
-                <a14:hiddenLine xmlns="" xmlns:a16="http://schemas.microsoft.com/office/drawing/2014/main" xmlns:p14="http://schemas.microsoft.com/office/powerpoint/2010/main" xmlns:a14="http://schemas.microsoft.com/office/drawing/2010/main" w="9525">
+                <a14:hiddenLine xmlns:a14="http://schemas.microsoft.com/office/drawing/2010/main" xmlns:p14="http://schemas.microsoft.com/office/powerpoint/2010/main" xmlns:a16="http://schemas.microsoft.com/office/drawing/2014/main" xmlns="" w="9525">
                   <a:solidFill>
                     <a:srgbClr val="000000"/>
                   </a:solidFill>
@@ -16625,7 +16632,7 @@
             </a:ln>
             <a:extLst>
               <a:ext uri="{91240B29-F687-4f45-9708-019B960494DF}">
-                <a14:hiddenLine xmlns="" xmlns:a16="http://schemas.microsoft.com/office/drawing/2014/main" xmlns:p14="http://schemas.microsoft.com/office/powerpoint/2010/main" xmlns:a14="http://schemas.microsoft.com/office/drawing/2010/main" w="9525">
+                <a14:hiddenLine xmlns:a14="http://schemas.microsoft.com/office/drawing/2010/main" xmlns:p14="http://schemas.microsoft.com/office/powerpoint/2010/main" xmlns:a16="http://schemas.microsoft.com/office/drawing/2014/main" xmlns="" w="9525">
                   <a:solidFill>
                     <a:srgbClr val="000000"/>
                   </a:solidFill>
@@ -16730,7 +16737,7 @@
             </a:ln>
             <a:extLst>
               <a:ext uri="{91240B29-F687-4f45-9708-019B960494DF}">
-                <a14:hiddenLine xmlns="" xmlns:a16="http://schemas.microsoft.com/office/drawing/2014/main" xmlns:p14="http://schemas.microsoft.com/office/powerpoint/2010/main" xmlns:a14="http://schemas.microsoft.com/office/drawing/2010/main" w="9525">
+                <a14:hiddenLine xmlns:a14="http://schemas.microsoft.com/office/drawing/2010/main" xmlns:p14="http://schemas.microsoft.com/office/powerpoint/2010/main" xmlns:a16="http://schemas.microsoft.com/office/drawing/2014/main" xmlns="" w="9525">
                   <a:solidFill>
                     <a:srgbClr val="000000"/>
                   </a:solidFill>
@@ -16807,7 +16814,7 @@
             </a:ln>
             <a:extLst>
               <a:ext uri="{91240B29-F687-4f45-9708-019B960494DF}">
-                <a14:hiddenLine xmlns="" xmlns:a16="http://schemas.microsoft.com/office/drawing/2014/main" xmlns:p14="http://schemas.microsoft.com/office/powerpoint/2010/main" xmlns:a14="http://schemas.microsoft.com/office/drawing/2010/main" w="9525">
+                <a14:hiddenLine xmlns:a14="http://schemas.microsoft.com/office/drawing/2010/main" xmlns:p14="http://schemas.microsoft.com/office/powerpoint/2010/main" xmlns:a16="http://schemas.microsoft.com/office/drawing/2014/main" xmlns="" w="9525">
                   <a:solidFill>
                     <a:srgbClr val="000000"/>
                   </a:solidFill>
@@ -16884,7 +16891,7 @@
             </a:ln>
             <a:extLst>
               <a:ext uri="{91240B29-F687-4f45-9708-019B960494DF}">
-                <a14:hiddenLine xmlns="" xmlns:a16="http://schemas.microsoft.com/office/drawing/2014/main" xmlns:p14="http://schemas.microsoft.com/office/powerpoint/2010/main" xmlns:a14="http://schemas.microsoft.com/office/drawing/2010/main" w="9525">
+                <a14:hiddenLine xmlns:a14="http://schemas.microsoft.com/office/drawing/2010/main" xmlns:p14="http://schemas.microsoft.com/office/powerpoint/2010/main" xmlns:a16="http://schemas.microsoft.com/office/drawing/2014/main" xmlns="" w="9525">
                   <a:solidFill>
                     <a:srgbClr val="000000"/>
                   </a:solidFill>
@@ -16989,7 +16996,7 @@
             </a:ln>
             <a:extLst>
               <a:ext uri="{91240B29-F687-4f45-9708-019B960494DF}">
-                <a14:hiddenLine xmlns="" xmlns:a16="http://schemas.microsoft.com/office/drawing/2014/main" xmlns:p14="http://schemas.microsoft.com/office/powerpoint/2010/main" xmlns:a14="http://schemas.microsoft.com/office/drawing/2010/main" w="9525">
+                <a14:hiddenLine xmlns:a14="http://schemas.microsoft.com/office/drawing/2010/main" xmlns:p14="http://schemas.microsoft.com/office/powerpoint/2010/main" xmlns:a16="http://schemas.microsoft.com/office/drawing/2014/main" xmlns="" w="9525">
                   <a:solidFill>
                     <a:srgbClr val="000000"/>
                   </a:solidFill>
@@ -17094,7 +17101,7 @@
             </a:ln>
             <a:extLst>
               <a:ext uri="{91240B29-F687-4f45-9708-019B960494DF}">
-                <a14:hiddenLine xmlns="" xmlns:a16="http://schemas.microsoft.com/office/drawing/2014/main" xmlns:p14="http://schemas.microsoft.com/office/powerpoint/2010/main" xmlns:a14="http://schemas.microsoft.com/office/drawing/2010/main" w="9525">
+                <a14:hiddenLine xmlns:a14="http://schemas.microsoft.com/office/drawing/2010/main" xmlns:p14="http://schemas.microsoft.com/office/powerpoint/2010/main" xmlns:a16="http://schemas.microsoft.com/office/drawing/2014/main" xmlns="" w="9525">
                   <a:solidFill>
                     <a:srgbClr val="000000"/>
                   </a:solidFill>
@@ -17171,7 +17178,7 @@
             </a:ln>
             <a:extLst>
               <a:ext uri="{91240B29-F687-4f45-9708-019B960494DF}">
-                <a14:hiddenLine xmlns="" xmlns:a16="http://schemas.microsoft.com/office/drawing/2014/main" xmlns:p14="http://schemas.microsoft.com/office/powerpoint/2010/main" xmlns:a14="http://schemas.microsoft.com/office/drawing/2010/main" w="9525">
+                <a14:hiddenLine xmlns:a14="http://schemas.microsoft.com/office/drawing/2010/main" xmlns:p14="http://schemas.microsoft.com/office/powerpoint/2010/main" xmlns:a16="http://schemas.microsoft.com/office/drawing/2014/main" xmlns="" w="9525">
                   <a:solidFill>
                     <a:srgbClr val="000000"/>
                   </a:solidFill>
@@ -17296,7 +17303,7 @@
             </a:ln>
             <a:extLst>
               <a:ext uri="{91240B29-F687-4f45-9708-019B960494DF}">
-                <a14:hiddenLine xmlns="" xmlns:a16="http://schemas.microsoft.com/office/drawing/2014/main" xmlns:p14="http://schemas.microsoft.com/office/powerpoint/2010/main" xmlns:a14="http://schemas.microsoft.com/office/drawing/2010/main" w="9525">
+                <a14:hiddenLine xmlns:a14="http://schemas.microsoft.com/office/drawing/2010/main" xmlns:p14="http://schemas.microsoft.com/office/powerpoint/2010/main" xmlns:a16="http://schemas.microsoft.com/office/drawing/2014/main" xmlns="" w="9525">
                   <a:solidFill>
                     <a:srgbClr val="000000"/>
                   </a:solidFill>
@@ -17373,7 +17380,7 @@
             </a:ln>
             <a:extLst>
               <a:ext uri="{91240B29-F687-4f45-9708-019B960494DF}">
-                <a14:hiddenLine xmlns="" xmlns:a16="http://schemas.microsoft.com/office/drawing/2014/main" xmlns:p14="http://schemas.microsoft.com/office/powerpoint/2010/main" xmlns:a14="http://schemas.microsoft.com/office/drawing/2010/main" w="9525">
+                <a14:hiddenLine xmlns:a14="http://schemas.microsoft.com/office/drawing/2010/main" xmlns:p14="http://schemas.microsoft.com/office/powerpoint/2010/main" xmlns:a16="http://schemas.microsoft.com/office/drawing/2014/main" xmlns="" w="9525">
                   <a:solidFill>
                     <a:srgbClr val="000000"/>
                   </a:solidFill>
@@ -17478,7 +17485,7 @@
             </a:ln>
             <a:extLst>
               <a:ext uri="{91240B29-F687-4f45-9708-019B960494DF}">
-                <a14:hiddenLine xmlns="" xmlns:a16="http://schemas.microsoft.com/office/drawing/2014/main" xmlns:p14="http://schemas.microsoft.com/office/powerpoint/2010/main" xmlns:a14="http://schemas.microsoft.com/office/drawing/2010/main" w="9525">
+                <a14:hiddenLine xmlns:a14="http://schemas.microsoft.com/office/drawing/2010/main" xmlns:p14="http://schemas.microsoft.com/office/powerpoint/2010/main" xmlns:a16="http://schemas.microsoft.com/office/drawing/2014/main" xmlns="" w="9525">
                   <a:solidFill>
                     <a:srgbClr val="000000"/>
                   </a:solidFill>
@@ -17583,7 +17590,7 @@
             </a:ln>
             <a:extLst>
               <a:ext uri="{91240B29-F687-4f45-9708-019B960494DF}">
-                <a14:hiddenLine xmlns="" xmlns:a16="http://schemas.microsoft.com/office/drawing/2014/main" xmlns:p14="http://schemas.microsoft.com/office/powerpoint/2010/main" xmlns:a14="http://schemas.microsoft.com/office/drawing/2010/main" w="9525">
+                <a14:hiddenLine xmlns:a14="http://schemas.microsoft.com/office/drawing/2010/main" xmlns:p14="http://schemas.microsoft.com/office/powerpoint/2010/main" xmlns:a16="http://schemas.microsoft.com/office/drawing/2014/main" xmlns="" w="9525">
                   <a:solidFill>
                     <a:srgbClr val="000000"/>
                   </a:solidFill>
@@ -17660,7 +17667,7 @@
             </a:ln>
             <a:extLst>
               <a:ext uri="{91240B29-F687-4f45-9708-019B960494DF}">
-                <a14:hiddenLine xmlns="" xmlns:a16="http://schemas.microsoft.com/office/drawing/2014/main" xmlns:p14="http://schemas.microsoft.com/office/powerpoint/2010/main" xmlns:a14="http://schemas.microsoft.com/office/drawing/2010/main" w="9525">
+                <a14:hiddenLine xmlns:a14="http://schemas.microsoft.com/office/drawing/2010/main" xmlns:p14="http://schemas.microsoft.com/office/powerpoint/2010/main" xmlns:a16="http://schemas.microsoft.com/office/drawing/2014/main" xmlns="" w="9525">
                   <a:solidFill>
                     <a:srgbClr val="000000"/>
                   </a:solidFill>
@@ -17765,7 +17772,7 @@
             </a:ln>
             <a:extLst>
               <a:ext uri="{91240B29-F687-4f45-9708-019B960494DF}">
-                <a14:hiddenLine xmlns="" xmlns:a16="http://schemas.microsoft.com/office/drawing/2014/main" xmlns:p14="http://schemas.microsoft.com/office/powerpoint/2010/main" xmlns:a14="http://schemas.microsoft.com/office/drawing/2010/main" w="9525">
+                <a14:hiddenLine xmlns:a14="http://schemas.microsoft.com/office/drawing/2010/main" xmlns:p14="http://schemas.microsoft.com/office/powerpoint/2010/main" xmlns:a16="http://schemas.microsoft.com/office/drawing/2014/main" xmlns="" w="9525">
                   <a:solidFill>
                     <a:srgbClr val="000000"/>
                   </a:solidFill>
@@ -17870,7 +17877,7 @@
             </a:ln>
             <a:extLst>
               <a:ext uri="{91240B29-F687-4f45-9708-019B960494DF}">
-                <a14:hiddenLine xmlns="" xmlns:a16="http://schemas.microsoft.com/office/drawing/2014/main" xmlns:p14="http://schemas.microsoft.com/office/powerpoint/2010/main" xmlns:a14="http://schemas.microsoft.com/office/drawing/2010/main" w="9525">
+                <a14:hiddenLine xmlns:a14="http://schemas.microsoft.com/office/drawing/2010/main" xmlns:p14="http://schemas.microsoft.com/office/powerpoint/2010/main" xmlns:a16="http://schemas.microsoft.com/office/drawing/2014/main" xmlns="" w="9525">
                   <a:solidFill>
                     <a:srgbClr val="000000"/>
                   </a:solidFill>
@@ -17941,7 +17948,7 @@
             </a:ln>
             <a:extLst>
               <a:ext uri="{91240B29-F687-4f45-9708-019B960494DF}">
-                <a14:hiddenLine xmlns="" xmlns:a16="http://schemas.microsoft.com/office/drawing/2014/main" xmlns:p14="http://schemas.microsoft.com/office/powerpoint/2010/main" xmlns:a14="http://schemas.microsoft.com/office/drawing/2010/main" w="9525">
+                <a14:hiddenLine xmlns:a14="http://schemas.microsoft.com/office/drawing/2010/main" xmlns:p14="http://schemas.microsoft.com/office/powerpoint/2010/main" xmlns:a16="http://schemas.microsoft.com/office/drawing/2014/main" xmlns="" w="9525">
                   <a:solidFill>
                     <a:srgbClr val="000000"/>
                   </a:solidFill>
@@ -18046,7 +18053,7 @@
             </a:ln>
             <a:extLst>
               <a:ext uri="{91240B29-F687-4f45-9708-019B960494DF}">
-                <a14:hiddenLine xmlns="" xmlns:a16="http://schemas.microsoft.com/office/drawing/2014/main" xmlns:p14="http://schemas.microsoft.com/office/powerpoint/2010/main" xmlns:a14="http://schemas.microsoft.com/office/drawing/2010/main" w="9525">
+                <a14:hiddenLine xmlns:a14="http://schemas.microsoft.com/office/drawing/2010/main" xmlns:p14="http://schemas.microsoft.com/office/powerpoint/2010/main" xmlns:a16="http://schemas.microsoft.com/office/drawing/2014/main" xmlns="" w="9525">
                   <a:solidFill>
                     <a:srgbClr val="000000"/>
                   </a:solidFill>
@@ -18117,7 +18124,7 @@
             </a:ln>
             <a:extLst>
               <a:ext uri="{91240B29-F687-4f45-9708-019B960494DF}">
-                <a14:hiddenLine xmlns="" xmlns:a16="http://schemas.microsoft.com/office/drawing/2014/main" xmlns:p14="http://schemas.microsoft.com/office/powerpoint/2010/main" xmlns:a14="http://schemas.microsoft.com/office/drawing/2010/main" w="9525">
+                <a14:hiddenLine xmlns:a14="http://schemas.microsoft.com/office/drawing/2010/main" xmlns:p14="http://schemas.microsoft.com/office/powerpoint/2010/main" xmlns:a16="http://schemas.microsoft.com/office/drawing/2014/main" xmlns="" w="9525">
                   <a:solidFill>
                     <a:srgbClr val="000000"/>
                   </a:solidFill>
@@ -18222,7 +18229,7 @@
             </a:ln>
             <a:extLst>
               <a:ext uri="{91240B29-F687-4f45-9708-019B960494DF}">
-                <a14:hiddenLine xmlns="" xmlns:a16="http://schemas.microsoft.com/office/drawing/2014/main" xmlns:p14="http://schemas.microsoft.com/office/powerpoint/2010/main" xmlns:a14="http://schemas.microsoft.com/office/drawing/2010/main" w="9525">
+                <a14:hiddenLine xmlns:a14="http://schemas.microsoft.com/office/drawing/2010/main" xmlns:p14="http://schemas.microsoft.com/office/powerpoint/2010/main" xmlns:a16="http://schemas.microsoft.com/office/drawing/2014/main" xmlns="" w="9525">
                   <a:solidFill>
                     <a:srgbClr val="000000"/>
                   </a:solidFill>
@@ -18305,7 +18312,7 @@
             </a:ln>
             <a:extLst>
               <a:ext uri="{91240B29-F687-4f45-9708-019B960494DF}">
-                <a14:hiddenLine xmlns="" xmlns:a16="http://schemas.microsoft.com/office/drawing/2014/main" xmlns:p14="http://schemas.microsoft.com/office/powerpoint/2010/main" xmlns:a14="http://schemas.microsoft.com/office/drawing/2010/main" w="9525">
+                <a14:hiddenLine xmlns:a14="http://schemas.microsoft.com/office/drawing/2010/main" xmlns:p14="http://schemas.microsoft.com/office/powerpoint/2010/main" xmlns:a16="http://schemas.microsoft.com/office/drawing/2014/main" xmlns="" w="9525">
                   <a:solidFill>
                     <a:srgbClr val="000000"/>
                   </a:solidFill>
@@ -18410,7 +18417,7 @@
             </a:ln>
             <a:extLst>
               <a:ext uri="{91240B29-F687-4f45-9708-019B960494DF}">
-                <a14:hiddenLine xmlns="" xmlns:a16="http://schemas.microsoft.com/office/drawing/2014/main" xmlns:p14="http://schemas.microsoft.com/office/powerpoint/2010/main" xmlns:a14="http://schemas.microsoft.com/office/drawing/2010/main" w="9525">
+                <a14:hiddenLine xmlns:a14="http://schemas.microsoft.com/office/drawing/2010/main" xmlns:p14="http://schemas.microsoft.com/office/powerpoint/2010/main" xmlns:a16="http://schemas.microsoft.com/office/drawing/2014/main" xmlns="" w="9525">
                   <a:solidFill>
                     <a:srgbClr val="000000"/>
                   </a:solidFill>
@@ -18493,7 +18500,7 @@
             </a:ln>
             <a:extLst>
               <a:ext uri="{91240B29-F687-4f45-9708-019B960494DF}">
-                <a14:hiddenLine xmlns="" xmlns:a16="http://schemas.microsoft.com/office/drawing/2014/main" xmlns:p14="http://schemas.microsoft.com/office/powerpoint/2010/main" xmlns:a14="http://schemas.microsoft.com/office/drawing/2010/main" w="9525">
+                <a14:hiddenLine xmlns:a14="http://schemas.microsoft.com/office/drawing/2010/main" xmlns:p14="http://schemas.microsoft.com/office/powerpoint/2010/main" xmlns:a16="http://schemas.microsoft.com/office/drawing/2014/main" xmlns="" w="9525">
                   <a:solidFill>
                     <a:srgbClr val="000000"/>
                   </a:solidFill>
@@ -18598,7 +18605,7 @@
             </a:ln>
             <a:extLst>
               <a:ext uri="{91240B29-F687-4f45-9708-019B960494DF}">
-                <a14:hiddenLine xmlns="" xmlns:a16="http://schemas.microsoft.com/office/drawing/2014/main" xmlns:p14="http://schemas.microsoft.com/office/powerpoint/2010/main" xmlns:a14="http://schemas.microsoft.com/office/drawing/2010/main" w="9525">
+                <a14:hiddenLine xmlns:a14="http://schemas.microsoft.com/office/drawing/2010/main" xmlns:p14="http://schemas.microsoft.com/office/powerpoint/2010/main" xmlns:a16="http://schemas.microsoft.com/office/drawing/2014/main" xmlns="" w="9525">
                   <a:solidFill>
                     <a:srgbClr val="000000"/>
                   </a:solidFill>
@@ -18647,7 +18654,7 @@
             </a:ln>
             <a:extLst>
               <a:ext uri="{91240B29-F687-4f45-9708-019B960494DF}">
-                <a14:hiddenLine xmlns="" xmlns:a16="http://schemas.microsoft.com/office/drawing/2014/main" xmlns:p14="http://schemas.microsoft.com/office/powerpoint/2010/main" xmlns:a14="http://schemas.microsoft.com/office/drawing/2010/main" w="9525">
+                <a14:hiddenLine xmlns:a14="http://schemas.microsoft.com/office/drawing/2010/main" xmlns:p14="http://schemas.microsoft.com/office/powerpoint/2010/main" xmlns:a16="http://schemas.microsoft.com/office/drawing/2014/main" xmlns="" w="9525">
                   <a:solidFill>
                     <a:srgbClr val="000000"/>
                   </a:solidFill>
@@ -18752,7 +18759,7 @@
             </a:ln>
             <a:extLst>
               <a:ext uri="{91240B29-F687-4f45-9708-019B960494DF}">
-                <a14:hiddenLine xmlns="" xmlns:a16="http://schemas.microsoft.com/office/drawing/2014/main" xmlns:p14="http://schemas.microsoft.com/office/powerpoint/2010/main" xmlns:a14="http://schemas.microsoft.com/office/drawing/2010/main" w="9525">
+                <a14:hiddenLine xmlns:a14="http://schemas.microsoft.com/office/drawing/2010/main" xmlns:p14="http://schemas.microsoft.com/office/powerpoint/2010/main" xmlns:a16="http://schemas.microsoft.com/office/drawing/2014/main" xmlns="" w="9525">
                   <a:solidFill>
                     <a:srgbClr val="000000"/>
                   </a:solidFill>
@@ -18829,7 +18836,7 @@
             </a:ln>
             <a:extLst>
               <a:ext uri="{91240B29-F687-4f45-9708-019B960494DF}">
-                <a14:hiddenLine xmlns="" xmlns:a16="http://schemas.microsoft.com/office/drawing/2014/main" xmlns:p14="http://schemas.microsoft.com/office/powerpoint/2010/main" xmlns:a14="http://schemas.microsoft.com/office/drawing/2010/main" w="9525">
+                <a14:hiddenLine xmlns:a14="http://schemas.microsoft.com/office/drawing/2010/main" xmlns:p14="http://schemas.microsoft.com/office/powerpoint/2010/main" xmlns:a16="http://schemas.microsoft.com/office/drawing/2014/main" xmlns="" w="9525">
                   <a:solidFill>
                     <a:srgbClr val="000000"/>
                   </a:solidFill>
@@ -18906,7 +18913,7 @@
             </a:ln>
             <a:extLst>
               <a:ext uri="{91240B29-F687-4f45-9708-019B960494DF}">
-                <a14:hiddenLine xmlns="" xmlns:a16="http://schemas.microsoft.com/office/drawing/2014/main" xmlns:p14="http://schemas.microsoft.com/office/powerpoint/2010/main" xmlns:a14="http://schemas.microsoft.com/office/drawing/2010/main" w="9525">
+                <a14:hiddenLine xmlns:a14="http://schemas.microsoft.com/office/drawing/2010/main" xmlns:p14="http://schemas.microsoft.com/office/powerpoint/2010/main" xmlns:a16="http://schemas.microsoft.com/office/drawing/2014/main" xmlns="" w="9525">
                   <a:solidFill>
                     <a:srgbClr val="000000"/>
                   </a:solidFill>
@@ -19011,7 +19018,7 @@
             </a:ln>
             <a:extLst>
               <a:ext uri="{91240B29-F687-4f45-9708-019B960494DF}">
-                <a14:hiddenLine xmlns="" xmlns:a16="http://schemas.microsoft.com/office/drawing/2014/main" xmlns:p14="http://schemas.microsoft.com/office/powerpoint/2010/main" xmlns:a14="http://schemas.microsoft.com/office/drawing/2010/main" w="9525">
+                <a14:hiddenLine xmlns:a14="http://schemas.microsoft.com/office/drawing/2010/main" xmlns:p14="http://schemas.microsoft.com/office/powerpoint/2010/main" xmlns:a16="http://schemas.microsoft.com/office/drawing/2014/main" xmlns="" w="9525">
                   <a:solidFill>
                     <a:srgbClr val="000000"/>
                   </a:solidFill>
@@ -19094,7 +19101,7 @@
             </a:ln>
             <a:extLst>
               <a:ext uri="{91240B29-F687-4f45-9708-019B960494DF}">
-                <a14:hiddenLine xmlns="" xmlns:a16="http://schemas.microsoft.com/office/drawing/2014/main" xmlns:p14="http://schemas.microsoft.com/office/powerpoint/2010/main" xmlns:a14="http://schemas.microsoft.com/office/drawing/2010/main" w="9525">
+                <a14:hiddenLine xmlns:a14="http://schemas.microsoft.com/office/drawing/2010/main" xmlns:p14="http://schemas.microsoft.com/office/powerpoint/2010/main" xmlns:a16="http://schemas.microsoft.com/office/drawing/2014/main" xmlns="" w="9525">
                   <a:solidFill>
                     <a:srgbClr val="000000"/>
                   </a:solidFill>
@@ -19171,7 +19178,7 @@
             </a:ln>
             <a:extLst>
               <a:ext uri="{91240B29-F687-4f45-9708-019B960494DF}">
-                <a14:hiddenLine xmlns="" xmlns:a16="http://schemas.microsoft.com/office/drawing/2014/main" xmlns:p14="http://schemas.microsoft.com/office/powerpoint/2010/main" xmlns:a14="http://schemas.microsoft.com/office/drawing/2010/main" w="9525">
+                <a14:hiddenLine xmlns:a14="http://schemas.microsoft.com/office/drawing/2010/main" xmlns:p14="http://schemas.microsoft.com/office/powerpoint/2010/main" xmlns:a16="http://schemas.microsoft.com/office/drawing/2014/main" xmlns="" w="9525">
                   <a:solidFill>
                     <a:srgbClr val="000000"/>
                   </a:solidFill>
@@ -19276,7 +19283,7 @@
             </a:ln>
             <a:extLst>
               <a:ext uri="{91240B29-F687-4f45-9708-019B960494DF}">
-                <a14:hiddenLine xmlns="" xmlns:a16="http://schemas.microsoft.com/office/drawing/2014/main" xmlns:p14="http://schemas.microsoft.com/office/powerpoint/2010/main" xmlns:a14="http://schemas.microsoft.com/office/drawing/2010/main" w="9525">
+                <a14:hiddenLine xmlns:a14="http://schemas.microsoft.com/office/drawing/2010/main" xmlns:p14="http://schemas.microsoft.com/office/powerpoint/2010/main" xmlns:a16="http://schemas.microsoft.com/office/drawing/2014/main" xmlns="" w="9525">
                   <a:solidFill>
                     <a:srgbClr val="000000"/>
                   </a:solidFill>
@@ -19353,7 +19360,7 @@
             </a:ln>
             <a:extLst>
               <a:ext uri="{91240B29-F687-4f45-9708-019B960494DF}">
-                <a14:hiddenLine xmlns="" xmlns:a16="http://schemas.microsoft.com/office/drawing/2014/main" xmlns:p14="http://schemas.microsoft.com/office/powerpoint/2010/main" xmlns:a14="http://schemas.microsoft.com/office/drawing/2010/main" w="9525">
+                <a14:hiddenLine xmlns:a14="http://schemas.microsoft.com/office/drawing/2010/main" xmlns:p14="http://schemas.microsoft.com/office/powerpoint/2010/main" xmlns:a16="http://schemas.microsoft.com/office/drawing/2014/main" xmlns="" w="9525">
                   <a:solidFill>
                     <a:srgbClr val="000000"/>
                   </a:solidFill>
@@ -19458,7 +19465,7 @@
             </a:ln>
             <a:extLst>
               <a:ext uri="{91240B29-F687-4f45-9708-019B960494DF}">
-                <a14:hiddenLine xmlns="" xmlns:a16="http://schemas.microsoft.com/office/drawing/2014/main" xmlns:p14="http://schemas.microsoft.com/office/powerpoint/2010/main" xmlns:a14="http://schemas.microsoft.com/office/drawing/2010/main" w="9525">
+                <a14:hiddenLine xmlns:a14="http://schemas.microsoft.com/office/drawing/2010/main" xmlns:p14="http://schemas.microsoft.com/office/powerpoint/2010/main" xmlns:a16="http://schemas.microsoft.com/office/drawing/2014/main" xmlns="" w="9525">
                   <a:solidFill>
                     <a:srgbClr val="000000"/>
                   </a:solidFill>
@@ -19535,7 +19542,7 @@
             </a:ln>
             <a:extLst>
               <a:ext uri="{91240B29-F687-4f45-9708-019B960494DF}">
-                <a14:hiddenLine xmlns="" xmlns:a16="http://schemas.microsoft.com/office/drawing/2014/main" xmlns:p14="http://schemas.microsoft.com/office/powerpoint/2010/main" xmlns:a14="http://schemas.microsoft.com/office/drawing/2010/main" w="9525">
+                <a14:hiddenLine xmlns:a14="http://schemas.microsoft.com/office/drawing/2010/main" xmlns:p14="http://schemas.microsoft.com/office/powerpoint/2010/main" xmlns:a16="http://schemas.microsoft.com/office/drawing/2014/main" xmlns="" w="9525">
                   <a:solidFill>
                     <a:srgbClr val="000000"/>
                   </a:solidFill>
@@ -19640,7 +19647,7 @@
             </a:ln>
             <a:extLst>
               <a:ext uri="{91240B29-F687-4f45-9708-019B960494DF}">
-                <a14:hiddenLine xmlns="" xmlns:a16="http://schemas.microsoft.com/office/drawing/2014/main" xmlns:p14="http://schemas.microsoft.com/office/powerpoint/2010/main" xmlns:a14="http://schemas.microsoft.com/office/drawing/2010/main" w="9525">
+                <a14:hiddenLine xmlns:a14="http://schemas.microsoft.com/office/drawing/2010/main" xmlns:p14="http://schemas.microsoft.com/office/powerpoint/2010/main" xmlns:a16="http://schemas.microsoft.com/office/drawing/2014/main" xmlns="" w="9525">
                   <a:solidFill>
                     <a:srgbClr val="000000"/>
                   </a:solidFill>
@@ -19689,7 +19696,7 @@
             </a:ln>
             <a:extLst>
               <a:ext uri="{91240B29-F687-4f45-9708-019B960494DF}">
-                <a14:hiddenLine xmlns="" xmlns:a16="http://schemas.microsoft.com/office/drawing/2014/main" xmlns:p14="http://schemas.microsoft.com/office/powerpoint/2010/main" xmlns:a14="http://schemas.microsoft.com/office/drawing/2010/main" w="9525">
+                <a14:hiddenLine xmlns:a14="http://schemas.microsoft.com/office/drawing/2010/main" xmlns:p14="http://schemas.microsoft.com/office/powerpoint/2010/main" xmlns:a16="http://schemas.microsoft.com/office/drawing/2014/main" xmlns="" w="9525">
                   <a:solidFill>
                     <a:srgbClr val="000000"/>
                   </a:solidFill>
@@ -19769,7 +19776,7 @@
             </a:ln>
             <a:extLst>
               <a:ext uri="{91240B29-F687-4f45-9708-019B960494DF}">
-                <a14:hiddenLine xmlns="" xmlns:a16="http://schemas.microsoft.com/office/drawing/2014/main" xmlns:p14="http://schemas.microsoft.com/office/powerpoint/2010/main" xmlns:a14="http://schemas.microsoft.com/office/drawing/2010/main" w="9525">
+                <a14:hiddenLine xmlns:a14="http://schemas.microsoft.com/office/drawing/2010/main" xmlns:p14="http://schemas.microsoft.com/office/powerpoint/2010/main" xmlns:a16="http://schemas.microsoft.com/office/drawing/2014/main" xmlns="" w="9525">
                   <a:solidFill>
                     <a:srgbClr val="000000"/>
                   </a:solidFill>
@@ -19874,7 +19881,7 @@
             </a:ln>
             <a:extLst>
               <a:ext uri="{91240B29-F687-4f45-9708-019B960494DF}">
-                <a14:hiddenLine xmlns="" xmlns:a16="http://schemas.microsoft.com/office/drawing/2014/main" xmlns:p14="http://schemas.microsoft.com/office/powerpoint/2010/main" xmlns:a14="http://schemas.microsoft.com/office/drawing/2010/main" w="9525">
+                <a14:hiddenLine xmlns:a14="http://schemas.microsoft.com/office/drawing/2010/main" xmlns:p14="http://schemas.microsoft.com/office/powerpoint/2010/main" xmlns:a16="http://schemas.microsoft.com/office/drawing/2014/main" xmlns="" w="9525">
                   <a:solidFill>
                     <a:srgbClr val="000000"/>
                   </a:solidFill>
@@ -19951,7 +19958,7 @@
             </a:ln>
             <a:extLst>
               <a:ext uri="{91240B29-F687-4f45-9708-019B960494DF}">
-                <a14:hiddenLine xmlns="" xmlns:a16="http://schemas.microsoft.com/office/drawing/2014/main" xmlns:p14="http://schemas.microsoft.com/office/powerpoint/2010/main" xmlns:a14="http://schemas.microsoft.com/office/drawing/2010/main" w="9525">
+                <a14:hiddenLine xmlns:a14="http://schemas.microsoft.com/office/drawing/2010/main" xmlns:p14="http://schemas.microsoft.com/office/powerpoint/2010/main" xmlns:a16="http://schemas.microsoft.com/office/drawing/2014/main" xmlns="" w="9525">
                   <a:solidFill>
                     <a:srgbClr val="000000"/>
                   </a:solidFill>
@@ -20056,7 +20063,7 @@
             </a:ln>
             <a:extLst>
               <a:ext uri="{91240B29-F687-4f45-9708-019B960494DF}">
-                <a14:hiddenLine xmlns="" xmlns:a16="http://schemas.microsoft.com/office/drawing/2014/main" xmlns:p14="http://schemas.microsoft.com/office/powerpoint/2010/main" xmlns:a14="http://schemas.microsoft.com/office/drawing/2010/main" w="9525">
+                <a14:hiddenLine xmlns:a14="http://schemas.microsoft.com/office/drawing/2010/main" xmlns:p14="http://schemas.microsoft.com/office/powerpoint/2010/main" xmlns:a16="http://schemas.microsoft.com/office/drawing/2014/main" xmlns="" w="9525">
                   <a:solidFill>
                     <a:srgbClr val="000000"/>
                   </a:solidFill>
@@ -20161,7 +20168,7 @@
             </a:ln>
             <a:extLst>
               <a:ext uri="{91240B29-F687-4f45-9708-019B960494DF}">
-                <a14:hiddenLine xmlns="" xmlns:a16="http://schemas.microsoft.com/office/drawing/2014/main" xmlns:p14="http://schemas.microsoft.com/office/powerpoint/2010/main" xmlns:a14="http://schemas.microsoft.com/office/drawing/2010/main" w="9525">
+                <a14:hiddenLine xmlns:a14="http://schemas.microsoft.com/office/drawing/2010/main" xmlns:p14="http://schemas.microsoft.com/office/powerpoint/2010/main" xmlns:a16="http://schemas.microsoft.com/office/drawing/2014/main" xmlns="" w="9525">
                   <a:solidFill>
                     <a:srgbClr val="000000"/>
                   </a:solidFill>
@@ -20241,7 +20248,7 @@
             </a:ln>
             <a:extLst>
               <a:ext uri="{91240B29-F687-4f45-9708-019B960494DF}">
-                <a14:hiddenLine xmlns="" xmlns:a16="http://schemas.microsoft.com/office/drawing/2014/main" xmlns:p14="http://schemas.microsoft.com/office/powerpoint/2010/main" xmlns:a14="http://schemas.microsoft.com/office/drawing/2010/main" w="9525">
+                <a14:hiddenLine xmlns:a14="http://schemas.microsoft.com/office/drawing/2010/main" xmlns:p14="http://schemas.microsoft.com/office/powerpoint/2010/main" xmlns:a16="http://schemas.microsoft.com/office/drawing/2014/main" xmlns="" w="9525">
                   <a:solidFill>
                     <a:srgbClr val="000000"/>
                   </a:solidFill>
@@ -20318,7 +20325,7 @@
             </a:ln>
             <a:extLst>
               <a:ext uri="{91240B29-F687-4f45-9708-019B960494DF}">
-                <a14:hiddenLine xmlns="" xmlns:a16="http://schemas.microsoft.com/office/drawing/2014/main" xmlns:p14="http://schemas.microsoft.com/office/powerpoint/2010/main" xmlns:a14="http://schemas.microsoft.com/office/drawing/2010/main" w="9525">
+                <a14:hiddenLine xmlns:a14="http://schemas.microsoft.com/office/drawing/2010/main" xmlns:p14="http://schemas.microsoft.com/office/powerpoint/2010/main" xmlns:a16="http://schemas.microsoft.com/office/drawing/2014/main" xmlns="" w="9525">
                   <a:solidFill>
                     <a:srgbClr val="000000"/>
                   </a:solidFill>
@@ -20423,7 +20430,7 @@
             </a:ln>
             <a:extLst>
               <a:ext uri="{91240B29-F687-4f45-9708-019B960494DF}">
-                <a14:hiddenLine xmlns="" xmlns:a16="http://schemas.microsoft.com/office/drawing/2014/main" xmlns:p14="http://schemas.microsoft.com/office/powerpoint/2010/main" xmlns:a14="http://schemas.microsoft.com/office/drawing/2010/main" w="9525">
+                <a14:hiddenLine xmlns:a14="http://schemas.microsoft.com/office/drawing/2010/main" xmlns:p14="http://schemas.microsoft.com/office/powerpoint/2010/main" xmlns:a16="http://schemas.microsoft.com/office/drawing/2014/main" xmlns="" w="9525">
                   <a:solidFill>
                     <a:srgbClr val="000000"/>
                   </a:solidFill>
@@ -20528,7 +20535,7 @@
             </a:ln>
             <a:extLst>
               <a:ext uri="{91240B29-F687-4f45-9708-019B960494DF}">
-                <a14:hiddenLine xmlns="" xmlns:a16="http://schemas.microsoft.com/office/drawing/2014/main" xmlns:p14="http://schemas.microsoft.com/office/powerpoint/2010/main" xmlns:a14="http://schemas.microsoft.com/office/drawing/2010/main" w="9525">
+                <a14:hiddenLine xmlns:a14="http://schemas.microsoft.com/office/drawing/2010/main" xmlns:p14="http://schemas.microsoft.com/office/powerpoint/2010/main" xmlns:a16="http://schemas.microsoft.com/office/drawing/2014/main" xmlns="" w="9525">
                   <a:solidFill>
                     <a:srgbClr val="000000"/>
                   </a:solidFill>
@@ -20605,7 +20612,7 @@
             </a:ln>
             <a:extLst>
               <a:ext uri="{91240B29-F687-4f45-9708-019B960494DF}">
-                <a14:hiddenLine xmlns="" xmlns:a16="http://schemas.microsoft.com/office/drawing/2014/main" xmlns:p14="http://schemas.microsoft.com/office/powerpoint/2010/main" xmlns:a14="http://schemas.microsoft.com/office/drawing/2010/main" w="9525">
+                <a14:hiddenLine xmlns:a14="http://schemas.microsoft.com/office/drawing/2010/main" xmlns:p14="http://schemas.microsoft.com/office/powerpoint/2010/main" xmlns:a16="http://schemas.microsoft.com/office/drawing/2014/main" xmlns="" w="9525">
                   <a:solidFill>
                     <a:srgbClr val="000000"/>
                   </a:solidFill>
@@ -20740,7 +20747,7 @@
             </a:ln>
             <a:extLst>
               <a:ext uri="{91240B29-F687-4f45-9708-019B960494DF}">
-                <a14:hiddenLine xmlns="" xmlns:a16="http://schemas.microsoft.com/office/drawing/2014/main" xmlns:p14="http://schemas.microsoft.com/office/powerpoint/2010/main" xmlns:a14="http://schemas.microsoft.com/office/drawing/2010/main" w="9525">
+                <a14:hiddenLine xmlns:a14="http://schemas.microsoft.com/office/drawing/2010/main" xmlns:p14="http://schemas.microsoft.com/office/powerpoint/2010/main" xmlns:a16="http://schemas.microsoft.com/office/drawing/2014/main" xmlns="" w="9525">
                   <a:solidFill>
                     <a:srgbClr val="000000"/>
                   </a:solidFill>
@@ -20823,7 +20830,7 @@
             </a:ln>
             <a:extLst>
               <a:ext uri="{91240B29-F687-4f45-9708-019B960494DF}">
-                <a14:hiddenLine xmlns="" xmlns:a16="http://schemas.microsoft.com/office/drawing/2014/main" xmlns:p14="http://schemas.microsoft.com/office/powerpoint/2010/main" xmlns:a14="http://schemas.microsoft.com/office/drawing/2010/main" w="9525">
+                <a14:hiddenLine xmlns:a14="http://schemas.microsoft.com/office/drawing/2010/main" xmlns:p14="http://schemas.microsoft.com/office/powerpoint/2010/main" xmlns:a16="http://schemas.microsoft.com/office/drawing/2014/main" xmlns="" w="9525">
                   <a:solidFill>
                     <a:srgbClr val="000000"/>
                   </a:solidFill>
@@ -20928,7 +20935,7 @@
             </a:ln>
             <a:extLst>
               <a:ext uri="{91240B29-F687-4f45-9708-019B960494DF}">
-                <a14:hiddenLine xmlns="" xmlns:a16="http://schemas.microsoft.com/office/drawing/2014/main" xmlns:p14="http://schemas.microsoft.com/office/powerpoint/2010/main" xmlns:a14="http://schemas.microsoft.com/office/drawing/2010/main" w="9525">
+                <a14:hiddenLine xmlns:a14="http://schemas.microsoft.com/office/drawing/2010/main" xmlns:p14="http://schemas.microsoft.com/office/powerpoint/2010/main" xmlns:a16="http://schemas.microsoft.com/office/drawing/2014/main" xmlns="" w="9525">
                   <a:solidFill>
                     <a:srgbClr val="000000"/>
                   </a:solidFill>
@@ -21231,6 +21238,2755 @@
     <p:bldLst>
       <p:bldP spid="2" grpId="0"/>
       <p:bldP spid="3" grpId="0" build="p"/>
+    </p:bldLst>
+  </p:timing>
+</p:sld>
+</file>
+
+<file path=ppt/slides/slide10.xml><?xml version="1.0" encoding="utf-8"?>
+<p:sld xmlns:a="http://schemas.openxmlformats.org/drawingml/2006/main" xmlns:r="http://schemas.openxmlformats.org/officeDocument/2006/relationships" xmlns:p="http://schemas.openxmlformats.org/presentationml/2006/main">
+  <p:cSld>
+    <p:bg>
+      <p:bgPr>
+        <a:solidFill>
+          <a:schemeClr val="bg2"/>
+        </a:solidFill>
+        <a:effectLst/>
+      </p:bgPr>
+    </p:bg>
+    <p:spTree>
+      <p:nvGrpSpPr>
+        <p:cNvPr id="1" name=""/>
+        <p:cNvGrpSpPr/>
+        <p:nvPr/>
+      </p:nvGrpSpPr>
+      <p:grpSpPr>
+        <a:xfrm>
+          <a:off x="0" y="0"/>
+          <a:ext cx="0" cy="0"/>
+          <a:chOff x="0" y="0"/>
+          <a:chExt cx="0" cy="0"/>
+        </a:xfrm>
+      </p:grpSpPr>
+      <p:sp>
+        <p:nvSpPr>
+          <p:cNvPr id="132" name="Rectangle 7">
+            <a:extLst>
+              <a:ext uri="{FF2B5EF4-FFF2-40B4-BE49-F238E27FC236}">
+                <a16:creationId xmlns:a16="http://schemas.microsoft.com/office/drawing/2014/main" id="{6BFC9644-673A-459F-B3C5-9310A4E50E3B}"/>
+              </a:ext>
+              <a:ext uri="{C183D7F6-B498-43B3-948B-1728B52AA6E4}">
+                <adec:decorative xmlns:adec="http://schemas.microsoft.com/office/drawing/2017/decorative" val="1"/>
+              </a:ext>
+            </a:extLst>
+          </p:cNvPr>
+          <p:cNvSpPr>
+            <a:spLocks noGrp="1" noRot="1" noChangeAspect="1" noMove="1" noResize="1" noEditPoints="1" noAdjustHandles="1" noChangeArrowheads="1" noChangeShapeType="1" noTextEdit="1"/>
+          </p:cNvSpPr>
+          <p:nvPr>
+            <p:extLst>
+              <p:ext uri="{386F3935-93C4-4BCD-93E2-E3B085C9AB24}">
+                <p16:designElem xmlns:p16="http://schemas.microsoft.com/office/powerpoint/2015/main" val="1"/>
+              </p:ext>
+            </p:extLst>
+          </p:nvPr>
+        </p:nvSpPr>
+        <p:spPr>
+          <a:xfrm>
+            <a:off x="0" y="0"/>
+            <a:ext cx="12192000" cy="6858000"/>
+          </a:xfrm>
+          <a:prstGeom prst="rect">
+            <a:avLst/>
+          </a:prstGeom>
+          <a:solidFill>
+            <a:schemeClr val="bg1">
+              <a:lumMod val="85000"/>
+              <a:lumOff val="15000"/>
+            </a:schemeClr>
+          </a:solidFill>
+          <a:ln>
+            <a:noFill/>
+          </a:ln>
+        </p:spPr>
+        <p:style>
+          <a:lnRef idx="2">
+            <a:schemeClr val="accent1">
+              <a:shade val="50000"/>
+            </a:schemeClr>
+          </a:lnRef>
+          <a:fillRef idx="1">
+            <a:schemeClr val="accent1"/>
+          </a:fillRef>
+          <a:effectRef idx="0">
+            <a:schemeClr val="accent1"/>
+          </a:effectRef>
+          <a:fontRef idx="minor">
+            <a:schemeClr val="lt1"/>
+          </a:fontRef>
+        </p:style>
+        <p:txBody>
+          <a:bodyPr rtlCol="0" anchor="ctr"/>
+          <a:lstStyle/>
+          <a:p>
+            <a:pPr algn="ctr"/>
+            <a:endParaRPr lang="en-US"/>
+          </a:p>
+        </p:txBody>
+      </p:sp>
+      <p:grpSp>
+        <p:nvGrpSpPr>
+          <p:cNvPr id="10" name="Group 9">
+            <a:extLst>
+              <a:ext uri="{FF2B5EF4-FFF2-40B4-BE49-F238E27FC236}">
+                <a16:creationId xmlns:a16="http://schemas.microsoft.com/office/drawing/2014/main" id="{4ADB9295-9645-4BF2-ADFD-75800B7FAD06}"/>
+              </a:ext>
+              <a:ext uri="{C183D7F6-B498-43B3-948B-1728B52AA6E4}">
+                <adec:decorative xmlns:adec="http://schemas.microsoft.com/office/drawing/2017/decorative" val="1"/>
+              </a:ext>
+            </a:extLst>
+          </p:cNvPr>
+          <p:cNvGrpSpPr>
+            <a:grpSpLocks noGrp="1" noUngrp="1" noRot="1" noChangeAspect="1" noMove="1" noResize="1"/>
+          </p:cNvGrpSpPr>
+          <p:nvPr>
+            <p:extLst>
+              <p:ext uri="{386F3935-93C4-4BCD-93E2-E3B085C9AB24}">
+                <p16:designElem xmlns:p16="http://schemas.microsoft.com/office/powerpoint/2015/main" val="1"/>
+              </p:ext>
+            </p:extLst>
+          </p:nvPr>
+        </p:nvGrpSpPr>
+        <p:grpSpPr>
+          <a:xfrm>
+            <a:off x="-14288" y="0"/>
+            <a:ext cx="1220788" cy="6858001"/>
+            <a:chOff x="-14288" y="0"/>
+            <a:chExt cx="1220788" cy="6858001"/>
+          </a:xfrm>
+          <a:solidFill>
+            <a:schemeClr val="bg2">
+              <a:lumMod val="60000"/>
+              <a:lumOff val="40000"/>
+              <a:alpha val="60000"/>
+            </a:schemeClr>
+          </a:solidFill>
+        </p:grpSpPr>
+        <p:sp>
+          <p:nvSpPr>
+            <p:cNvPr id="11" name="Rectangle 5">
+              <a:extLst>
+                <a:ext uri="{FF2B5EF4-FFF2-40B4-BE49-F238E27FC236}">
+                  <a16:creationId xmlns:a16="http://schemas.microsoft.com/office/drawing/2014/main" id="{95B061E9-E435-4E1B-B160-96584A116691}"/>
+                </a:ext>
+                <a:ext uri="{C183D7F6-B498-43B3-948B-1728B52AA6E4}">
+                  <adec:decorative xmlns:adec="http://schemas.microsoft.com/office/drawing/2017/decorative" val="1"/>
+                </a:ext>
+              </a:extLst>
+            </p:cNvPr>
+            <p:cNvSpPr>
+              <a:spLocks noChangeArrowheads="1"/>
+            </p:cNvSpPr>
+            <p:nvPr>
+              <p:extLst>
+                <p:ext uri="{386F3935-93C4-4BCD-93E2-E3B085C9AB24}">
+                  <p16:designElem xmlns:p16="http://schemas.microsoft.com/office/powerpoint/2015/main" val="1"/>
+                </p:ext>
+              </p:extLst>
+            </p:nvPr>
+          </p:nvSpPr>
+          <p:spPr bwMode="auto">
+            <a:xfrm>
+              <a:off x="114300" y="4763"/>
+              <a:ext cx="23813" cy="2181225"/>
+            </a:xfrm>
+            <a:prstGeom prst="rect">
+              <a:avLst/>
+            </a:prstGeom>
+            <a:grpFill/>
+            <a:ln>
+              <a:noFill/>
+            </a:ln>
+            <a:extLst>
+              <a:ext uri="{91240B29-F687-4f45-9708-019B960494DF}">
+                <a14:hiddenLine xmlns="" xmlns:a16="http://schemas.microsoft.com/office/drawing/2014/main" xmlns:p14="http://schemas.microsoft.com/office/powerpoint/2010/main" xmlns:a14="http://schemas.microsoft.com/office/drawing/2010/main" w="9525">
+                  <a:solidFill>
+                    <a:srgbClr val="000000"/>
+                  </a:solidFill>
+                  <a:miter lim="800000"/>
+                  <a:headEnd/>
+                  <a:tailEnd/>
+                </a14:hiddenLine>
+              </a:ext>
+            </a:extLst>
+          </p:spPr>
+        </p:sp>
+        <p:sp>
+          <p:nvSpPr>
+            <p:cNvPr id="12" name="Freeform 6">
+              <a:extLst>
+                <a:ext uri="{FF2B5EF4-FFF2-40B4-BE49-F238E27FC236}">
+                  <a16:creationId xmlns:a16="http://schemas.microsoft.com/office/drawing/2014/main" id="{3CD7972E-7D38-40EE-A80B-E2A848811EDD}"/>
+                </a:ext>
+                <a:ext uri="{C183D7F6-B498-43B3-948B-1728B52AA6E4}">
+                  <adec:decorative xmlns:adec="http://schemas.microsoft.com/office/drawing/2017/decorative" val="1"/>
+                </a:ext>
+              </a:extLst>
+            </p:cNvPr>
+            <p:cNvSpPr>
+              <a:spLocks noEditPoints="1"/>
+            </p:cNvSpPr>
+            <p:nvPr>
+              <p:extLst>
+                <p:ext uri="{386F3935-93C4-4BCD-93E2-E3B085C9AB24}">
+                  <p16:designElem xmlns:p16="http://schemas.microsoft.com/office/powerpoint/2015/main" val="1"/>
+                </p:ext>
+              </p:extLst>
+            </p:nvPr>
+          </p:nvSpPr>
+          <p:spPr bwMode="auto">
+            <a:xfrm>
+              <a:off x="33337" y="2176463"/>
+              <a:ext cx="190500" cy="190500"/>
+            </a:xfrm>
+            <a:custGeom>
+              <a:avLst/>
+              <a:gdLst/>
+              <a:ahLst/>
+              <a:cxnLst/>
+              <a:rect l="0" t="0" r="r" b="b"/>
+              <a:pathLst>
+                <a:path w="40" h="40">
+                  <a:moveTo>
+                    <a:pt x="20" y="40"/>
+                  </a:moveTo>
+                  <a:cubicBezTo>
+                    <a:pt x="9" y="40"/>
+                    <a:pt x="0" y="31"/>
+                    <a:pt x="0" y="20"/>
+                  </a:cubicBezTo>
+                  <a:cubicBezTo>
+                    <a:pt x="0" y="9"/>
+                    <a:pt x="9" y="0"/>
+                    <a:pt x="20" y="0"/>
+                  </a:cubicBezTo>
+                  <a:cubicBezTo>
+                    <a:pt x="31" y="0"/>
+                    <a:pt x="40" y="9"/>
+                    <a:pt x="40" y="20"/>
+                  </a:cubicBezTo>
+                  <a:cubicBezTo>
+                    <a:pt x="40" y="31"/>
+                    <a:pt x="31" y="40"/>
+                    <a:pt x="20" y="40"/>
+                  </a:cubicBezTo>
+                  <a:close/>
+                  <a:moveTo>
+                    <a:pt x="20" y="4"/>
+                  </a:moveTo>
+                  <a:cubicBezTo>
+                    <a:pt x="11" y="4"/>
+                    <a:pt x="4" y="11"/>
+                    <a:pt x="4" y="20"/>
+                  </a:cubicBezTo>
+                  <a:cubicBezTo>
+                    <a:pt x="4" y="29"/>
+                    <a:pt x="11" y="36"/>
+                    <a:pt x="20" y="36"/>
+                  </a:cubicBezTo>
+                  <a:cubicBezTo>
+                    <a:pt x="28" y="36"/>
+                    <a:pt x="36" y="29"/>
+                    <a:pt x="36" y="20"/>
+                  </a:cubicBezTo>
+                  <a:cubicBezTo>
+                    <a:pt x="36" y="11"/>
+                    <a:pt x="28" y="4"/>
+                    <a:pt x="20" y="4"/>
+                  </a:cubicBezTo>
+                  <a:close/>
+                </a:path>
+              </a:pathLst>
+            </a:custGeom>
+            <a:grpFill/>
+            <a:ln>
+              <a:noFill/>
+            </a:ln>
+            <a:extLst>
+              <a:ext uri="{91240B29-F687-4f45-9708-019B960494DF}">
+                <a14:hiddenLine xmlns="" xmlns:a16="http://schemas.microsoft.com/office/drawing/2014/main" xmlns:p14="http://schemas.microsoft.com/office/powerpoint/2010/main" xmlns:a14="http://schemas.microsoft.com/office/drawing/2010/main" w="9525">
+                  <a:solidFill>
+                    <a:srgbClr val="000000"/>
+                  </a:solidFill>
+                  <a:round/>
+                  <a:headEnd/>
+                  <a:tailEnd/>
+                </a14:hiddenLine>
+              </a:ext>
+            </a:extLst>
+          </p:spPr>
+        </p:sp>
+        <p:sp>
+          <p:nvSpPr>
+            <p:cNvPr id="13" name="Freeform 7">
+              <a:extLst>
+                <a:ext uri="{FF2B5EF4-FFF2-40B4-BE49-F238E27FC236}">
+                  <a16:creationId xmlns:a16="http://schemas.microsoft.com/office/drawing/2014/main" id="{524A3B55-746F-419F-8CFF-5F3A4BE14345}"/>
+                </a:ext>
+                <a:ext uri="{C183D7F6-B498-43B3-948B-1728B52AA6E4}">
+                  <adec:decorative xmlns:adec="http://schemas.microsoft.com/office/drawing/2017/decorative" val="1"/>
+                </a:ext>
+              </a:extLst>
+            </p:cNvPr>
+            <p:cNvSpPr>
+              <a:spLocks noEditPoints="1"/>
+            </p:cNvSpPr>
+            <p:nvPr>
+              <p:extLst>
+                <p:ext uri="{386F3935-93C4-4BCD-93E2-E3B085C9AB24}">
+                  <p16:designElem xmlns:p16="http://schemas.microsoft.com/office/powerpoint/2015/main" val="1"/>
+                </p:ext>
+              </p:extLst>
+            </p:nvPr>
+          </p:nvSpPr>
+          <p:spPr bwMode="auto">
+            <a:xfrm>
+              <a:off x="28575" y="4021138"/>
+              <a:ext cx="190500" cy="188913"/>
+            </a:xfrm>
+            <a:custGeom>
+              <a:avLst/>
+              <a:gdLst/>
+              <a:ahLst/>
+              <a:cxnLst/>
+              <a:rect l="0" t="0" r="r" b="b"/>
+              <a:pathLst>
+                <a:path w="40" h="40">
+                  <a:moveTo>
+                    <a:pt x="20" y="40"/>
+                  </a:moveTo>
+                  <a:cubicBezTo>
+                    <a:pt x="9" y="40"/>
+                    <a:pt x="0" y="31"/>
+                    <a:pt x="0" y="20"/>
+                  </a:cubicBezTo>
+                  <a:cubicBezTo>
+                    <a:pt x="0" y="9"/>
+                    <a:pt x="9" y="0"/>
+                    <a:pt x="20" y="0"/>
+                  </a:cubicBezTo>
+                  <a:cubicBezTo>
+                    <a:pt x="31" y="0"/>
+                    <a:pt x="40" y="9"/>
+                    <a:pt x="40" y="20"/>
+                  </a:cubicBezTo>
+                  <a:cubicBezTo>
+                    <a:pt x="40" y="31"/>
+                    <a:pt x="31" y="40"/>
+                    <a:pt x="20" y="40"/>
+                  </a:cubicBezTo>
+                  <a:close/>
+                  <a:moveTo>
+                    <a:pt x="20" y="4"/>
+                  </a:moveTo>
+                  <a:cubicBezTo>
+                    <a:pt x="12" y="4"/>
+                    <a:pt x="4" y="11"/>
+                    <a:pt x="4" y="20"/>
+                  </a:cubicBezTo>
+                  <a:cubicBezTo>
+                    <a:pt x="4" y="29"/>
+                    <a:pt x="12" y="36"/>
+                    <a:pt x="20" y="36"/>
+                  </a:cubicBezTo>
+                  <a:cubicBezTo>
+                    <a:pt x="29" y="36"/>
+                    <a:pt x="36" y="29"/>
+                    <a:pt x="36" y="20"/>
+                  </a:cubicBezTo>
+                  <a:cubicBezTo>
+                    <a:pt x="36" y="11"/>
+                    <a:pt x="29" y="4"/>
+                    <a:pt x="20" y="4"/>
+                  </a:cubicBezTo>
+                  <a:close/>
+                </a:path>
+              </a:pathLst>
+            </a:custGeom>
+            <a:grpFill/>
+            <a:ln>
+              <a:noFill/>
+            </a:ln>
+            <a:extLst>
+              <a:ext uri="{91240B29-F687-4f45-9708-019B960494DF}">
+                <a14:hiddenLine xmlns="" xmlns:a16="http://schemas.microsoft.com/office/drawing/2014/main" xmlns:p14="http://schemas.microsoft.com/office/powerpoint/2010/main" xmlns:a14="http://schemas.microsoft.com/office/drawing/2010/main" w="9525">
+                  <a:solidFill>
+                    <a:srgbClr val="000000"/>
+                  </a:solidFill>
+                  <a:round/>
+                  <a:headEnd/>
+                  <a:tailEnd/>
+                </a14:hiddenLine>
+              </a:ext>
+            </a:extLst>
+          </p:spPr>
+        </p:sp>
+        <p:sp>
+          <p:nvSpPr>
+            <p:cNvPr id="14" name="Freeform 8">
+              <a:extLst>
+                <a:ext uri="{FF2B5EF4-FFF2-40B4-BE49-F238E27FC236}">
+                  <a16:creationId xmlns:a16="http://schemas.microsoft.com/office/drawing/2014/main" id="{9C63219B-AD72-4494-935E-F5C70DB5497C}"/>
+                </a:ext>
+                <a:ext uri="{C183D7F6-B498-43B3-948B-1728B52AA6E4}">
+                  <adec:decorative xmlns:adec="http://schemas.microsoft.com/office/drawing/2017/decorative" val="1"/>
+                </a:ext>
+              </a:extLst>
+            </p:cNvPr>
+            <p:cNvSpPr/>
+            <p:nvPr>
+              <p:extLst>
+                <p:ext uri="{386F3935-93C4-4BCD-93E2-E3B085C9AB24}">
+                  <p16:designElem xmlns:p16="http://schemas.microsoft.com/office/powerpoint/2015/main" val="1"/>
+                </p:ext>
+              </p:extLst>
+            </p:nvPr>
+          </p:nvSpPr>
+          <p:spPr bwMode="auto">
+            <a:xfrm>
+              <a:off x="200025" y="4763"/>
+              <a:ext cx="369888" cy="1811338"/>
+            </a:xfrm>
+            <a:custGeom>
+              <a:avLst/>
+              <a:gdLst/>
+              <a:ahLst/>
+              <a:cxnLst/>
+              <a:rect l="0" t="0" r="r" b="b"/>
+              <a:pathLst>
+                <a:path w="233" h="1141">
+                  <a:moveTo>
+                    <a:pt x="218" y="1141"/>
+                  </a:moveTo>
+                  <a:lnTo>
+                    <a:pt x="0" y="626"/>
+                  </a:lnTo>
+                  <a:lnTo>
+                    <a:pt x="0" y="0"/>
+                  </a:lnTo>
+                  <a:lnTo>
+                    <a:pt x="15" y="0"/>
+                  </a:lnTo>
+                  <a:lnTo>
+                    <a:pt x="15" y="623"/>
+                  </a:lnTo>
+                  <a:lnTo>
+                    <a:pt x="233" y="1135"/>
+                  </a:lnTo>
+                  <a:lnTo>
+                    <a:pt x="218" y="1141"/>
+                  </a:lnTo>
+                  <a:close/>
+                </a:path>
+              </a:pathLst>
+            </a:custGeom>
+            <a:grpFill/>
+            <a:ln>
+              <a:noFill/>
+            </a:ln>
+            <a:extLst>
+              <a:ext uri="{91240B29-F687-4f45-9708-019B960494DF}">
+                <a14:hiddenLine xmlns="" xmlns:a16="http://schemas.microsoft.com/office/drawing/2014/main" xmlns:p14="http://schemas.microsoft.com/office/powerpoint/2010/main" xmlns:a14="http://schemas.microsoft.com/office/drawing/2010/main" w="9525">
+                  <a:solidFill>
+                    <a:srgbClr val="000000"/>
+                  </a:solidFill>
+                  <a:round/>
+                  <a:headEnd/>
+                  <a:tailEnd/>
+                </a14:hiddenLine>
+              </a:ext>
+            </a:extLst>
+          </p:spPr>
+        </p:sp>
+        <p:sp>
+          <p:nvSpPr>
+            <p:cNvPr id="15" name="Freeform 9">
+              <a:extLst>
+                <a:ext uri="{FF2B5EF4-FFF2-40B4-BE49-F238E27FC236}">
+                  <a16:creationId xmlns:a16="http://schemas.microsoft.com/office/drawing/2014/main" id="{15B41FD2-05E2-44E7-8760-09E65D1C6034}"/>
+                </a:ext>
+                <a:ext uri="{C183D7F6-B498-43B3-948B-1728B52AA6E4}">
+                  <adec:decorative xmlns:adec="http://schemas.microsoft.com/office/drawing/2017/decorative" val="1"/>
+                </a:ext>
+              </a:extLst>
+            </p:cNvPr>
+            <p:cNvSpPr>
+              <a:spLocks noEditPoints="1"/>
+            </p:cNvSpPr>
+            <p:nvPr>
+              <p:extLst>
+                <p:ext uri="{386F3935-93C4-4BCD-93E2-E3B085C9AB24}">
+                  <p16:designElem xmlns:p16="http://schemas.microsoft.com/office/powerpoint/2015/main" val="1"/>
+                </p:ext>
+              </p:extLst>
+            </p:nvPr>
+          </p:nvSpPr>
+          <p:spPr bwMode="auto">
+            <a:xfrm>
+              <a:off x="503237" y="1801813"/>
+              <a:ext cx="190500" cy="188913"/>
+            </a:xfrm>
+            <a:custGeom>
+              <a:avLst/>
+              <a:gdLst/>
+              <a:ahLst/>
+              <a:cxnLst/>
+              <a:rect l="0" t="0" r="r" b="b"/>
+              <a:pathLst>
+                <a:path w="40" h="40">
+                  <a:moveTo>
+                    <a:pt x="20" y="40"/>
+                  </a:moveTo>
+                  <a:cubicBezTo>
+                    <a:pt x="9" y="40"/>
+                    <a:pt x="0" y="31"/>
+                    <a:pt x="0" y="20"/>
+                  </a:cubicBezTo>
+                  <a:cubicBezTo>
+                    <a:pt x="0" y="9"/>
+                    <a:pt x="9" y="0"/>
+                    <a:pt x="20" y="0"/>
+                  </a:cubicBezTo>
+                  <a:cubicBezTo>
+                    <a:pt x="33" y="0"/>
+                    <a:pt x="40" y="6"/>
+                    <a:pt x="40" y="20"/>
+                  </a:cubicBezTo>
+                  <a:cubicBezTo>
+                    <a:pt x="40" y="31"/>
+                    <a:pt x="31" y="40"/>
+                    <a:pt x="20" y="40"/>
+                  </a:cubicBezTo>
+                  <a:close/>
+                  <a:moveTo>
+                    <a:pt x="20" y="4"/>
+                  </a:moveTo>
+                  <a:cubicBezTo>
+                    <a:pt x="11" y="4"/>
+                    <a:pt x="4" y="11"/>
+                    <a:pt x="4" y="20"/>
+                  </a:cubicBezTo>
+                  <a:cubicBezTo>
+                    <a:pt x="4" y="29"/>
+                    <a:pt x="11" y="36"/>
+                    <a:pt x="20" y="36"/>
+                  </a:cubicBezTo>
+                  <a:cubicBezTo>
+                    <a:pt x="28" y="36"/>
+                    <a:pt x="36" y="29"/>
+                    <a:pt x="36" y="20"/>
+                  </a:cubicBezTo>
+                  <a:cubicBezTo>
+                    <a:pt x="36" y="9"/>
+                    <a:pt x="31" y="4"/>
+                    <a:pt x="20" y="4"/>
+                  </a:cubicBezTo>
+                  <a:close/>
+                </a:path>
+              </a:pathLst>
+            </a:custGeom>
+            <a:grpFill/>
+            <a:ln>
+              <a:noFill/>
+            </a:ln>
+            <a:extLst>
+              <a:ext uri="{91240B29-F687-4f45-9708-019B960494DF}">
+                <a14:hiddenLine xmlns="" xmlns:a16="http://schemas.microsoft.com/office/drawing/2014/main" xmlns:p14="http://schemas.microsoft.com/office/powerpoint/2010/main" xmlns:a14="http://schemas.microsoft.com/office/drawing/2010/main" w="9525">
+                  <a:solidFill>
+                    <a:srgbClr val="000000"/>
+                  </a:solidFill>
+                  <a:round/>
+                  <a:headEnd/>
+                  <a:tailEnd/>
+                </a14:hiddenLine>
+              </a:ext>
+            </a:extLst>
+          </p:spPr>
+        </p:sp>
+        <p:sp>
+          <p:nvSpPr>
+            <p:cNvPr id="16" name="Freeform 10">
+              <a:extLst>
+                <a:ext uri="{FF2B5EF4-FFF2-40B4-BE49-F238E27FC236}">
+                  <a16:creationId xmlns:a16="http://schemas.microsoft.com/office/drawing/2014/main" id="{FE6D63D0-3347-4EE2-8F65-F1C32168FA22}"/>
+                </a:ext>
+                <a:ext uri="{C183D7F6-B498-43B3-948B-1728B52AA6E4}">
+                  <adec:decorative xmlns:adec="http://schemas.microsoft.com/office/drawing/2017/decorative" val="1"/>
+                </a:ext>
+              </a:extLst>
+            </p:cNvPr>
+            <p:cNvSpPr/>
+            <p:nvPr>
+              <p:extLst>
+                <p:ext uri="{386F3935-93C4-4BCD-93E2-E3B085C9AB24}">
+                  <p16:designElem xmlns:p16="http://schemas.microsoft.com/office/powerpoint/2015/main" val="1"/>
+                </p:ext>
+              </p:extLst>
+            </p:nvPr>
+          </p:nvSpPr>
+          <p:spPr bwMode="auto">
+            <a:xfrm>
+              <a:off x="285750" y="4763"/>
+              <a:ext cx="369888" cy="1430338"/>
+            </a:xfrm>
+            <a:custGeom>
+              <a:avLst/>
+              <a:gdLst/>
+              <a:ahLst/>
+              <a:cxnLst/>
+              <a:rect l="0" t="0" r="r" b="b"/>
+              <a:pathLst>
+                <a:path w="233" h="901">
+                  <a:moveTo>
+                    <a:pt x="221" y="901"/>
+                  </a:moveTo>
+                  <a:lnTo>
+                    <a:pt x="0" y="383"/>
+                  </a:lnTo>
+                  <a:lnTo>
+                    <a:pt x="0" y="0"/>
+                  </a:lnTo>
+                  <a:lnTo>
+                    <a:pt x="18" y="0"/>
+                  </a:lnTo>
+                  <a:lnTo>
+                    <a:pt x="18" y="380"/>
+                  </a:lnTo>
+                  <a:lnTo>
+                    <a:pt x="233" y="895"/>
+                  </a:lnTo>
+                  <a:lnTo>
+                    <a:pt x="221" y="901"/>
+                  </a:lnTo>
+                  <a:close/>
+                </a:path>
+              </a:pathLst>
+            </a:custGeom>
+            <a:grpFill/>
+            <a:ln>
+              <a:noFill/>
+            </a:ln>
+            <a:extLst>
+              <a:ext uri="{91240B29-F687-4f45-9708-019B960494DF}">
+                <a14:hiddenLine xmlns="" xmlns:a16="http://schemas.microsoft.com/office/drawing/2014/main" xmlns:p14="http://schemas.microsoft.com/office/powerpoint/2010/main" xmlns:a14="http://schemas.microsoft.com/office/drawing/2010/main" w="9525">
+                  <a:solidFill>
+                    <a:srgbClr val="000000"/>
+                  </a:solidFill>
+                  <a:round/>
+                  <a:headEnd/>
+                  <a:tailEnd/>
+                </a14:hiddenLine>
+              </a:ext>
+            </a:extLst>
+          </p:spPr>
+        </p:sp>
+        <p:sp>
+          <p:nvSpPr>
+            <p:cNvPr id="17" name="Freeform 11">
+              <a:extLst>
+                <a:ext uri="{FF2B5EF4-FFF2-40B4-BE49-F238E27FC236}">
+                  <a16:creationId xmlns:a16="http://schemas.microsoft.com/office/drawing/2014/main" id="{538A46A3-DB16-45D5-B636-03EFE39FE96C}"/>
+                </a:ext>
+                <a:ext uri="{C183D7F6-B498-43B3-948B-1728B52AA6E4}">
+                  <adec:decorative xmlns:adec="http://schemas.microsoft.com/office/drawing/2017/decorative" val="1"/>
+                </a:ext>
+              </a:extLst>
+            </p:cNvPr>
+            <p:cNvSpPr/>
+            <p:nvPr>
+              <p:extLst>
+                <p:ext uri="{386F3935-93C4-4BCD-93E2-E3B085C9AB24}">
+                  <p16:designElem xmlns:p16="http://schemas.microsoft.com/office/powerpoint/2015/main" val="1"/>
+                </p:ext>
+              </p:extLst>
+            </p:nvPr>
+          </p:nvSpPr>
+          <p:spPr bwMode="auto">
+            <a:xfrm>
+              <a:off x="546100" y="0"/>
+              <a:ext cx="152400" cy="912813"/>
+            </a:xfrm>
+            <a:custGeom>
+              <a:avLst/>
+              <a:gdLst/>
+              <a:ahLst/>
+              <a:cxnLst/>
+              <a:rect l="0" t="0" r="r" b="b"/>
+              <a:pathLst>
+                <a:path w="96" h="575">
+                  <a:moveTo>
+                    <a:pt x="96" y="575"/>
+                  </a:moveTo>
+                  <a:lnTo>
+                    <a:pt x="78" y="575"/>
+                  </a:lnTo>
+                  <a:lnTo>
+                    <a:pt x="78" y="192"/>
+                  </a:lnTo>
+                  <a:lnTo>
+                    <a:pt x="0" y="6"/>
+                  </a:lnTo>
+                  <a:lnTo>
+                    <a:pt x="15" y="0"/>
+                  </a:lnTo>
+                  <a:lnTo>
+                    <a:pt x="96" y="189"/>
+                  </a:lnTo>
+                  <a:lnTo>
+                    <a:pt x="96" y="575"/>
+                  </a:lnTo>
+                  <a:close/>
+                </a:path>
+              </a:pathLst>
+            </a:custGeom>
+            <a:grpFill/>
+            <a:ln>
+              <a:noFill/>
+            </a:ln>
+            <a:extLst>
+              <a:ext uri="{91240B29-F687-4f45-9708-019B960494DF}">
+                <a14:hiddenLine xmlns="" xmlns:a16="http://schemas.microsoft.com/office/drawing/2014/main" xmlns:p14="http://schemas.microsoft.com/office/powerpoint/2010/main" xmlns:a14="http://schemas.microsoft.com/office/drawing/2010/main" w="9525">
+                  <a:solidFill>
+                    <a:srgbClr val="000000"/>
+                  </a:solidFill>
+                  <a:round/>
+                  <a:headEnd/>
+                  <a:tailEnd/>
+                </a14:hiddenLine>
+              </a:ext>
+            </a:extLst>
+          </p:spPr>
+        </p:sp>
+        <p:sp>
+          <p:nvSpPr>
+            <p:cNvPr id="18" name="Freeform 12">
+              <a:extLst>
+                <a:ext uri="{FF2B5EF4-FFF2-40B4-BE49-F238E27FC236}">
+                  <a16:creationId xmlns:a16="http://schemas.microsoft.com/office/drawing/2014/main" id="{0B8A2B0E-823F-4BE8-9359-45143BB1248E}"/>
+                </a:ext>
+                <a:ext uri="{C183D7F6-B498-43B3-948B-1728B52AA6E4}">
+                  <adec:decorative xmlns:adec="http://schemas.microsoft.com/office/drawing/2017/decorative" val="1"/>
+                </a:ext>
+              </a:extLst>
+            </p:cNvPr>
+            <p:cNvSpPr>
+              <a:spLocks noEditPoints="1"/>
+            </p:cNvSpPr>
+            <p:nvPr>
+              <p:extLst>
+                <p:ext uri="{386F3935-93C4-4BCD-93E2-E3B085C9AB24}">
+                  <p16:designElem xmlns:p16="http://schemas.microsoft.com/office/powerpoint/2015/main" val="1"/>
+                </p:ext>
+              </p:extLst>
+            </p:nvPr>
+          </p:nvSpPr>
+          <p:spPr bwMode="auto">
+            <a:xfrm>
+              <a:off x="588962" y="1420813"/>
+              <a:ext cx="190500" cy="190500"/>
+            </a:xfrm>
+            <a:custGeom>
+              <a:avLst/>
+              <a:gdLst/>
+              <a:ahLst/>
+              <a:cxnLst/>
+              <a:rect l="0" t="0" r="r" b="b"/>
+              <a:pathLst>
+                <a:path w="40" h="40">
+                  <a:moveTo>
+                    <a:pt x="20" y="40"/>
+                  </a:moveTo>
+                  <a:cubicBezTo>
+                    <a:pt x="9" y="40"/>
+                    <a:pt x="0" y="31"/>
+                    <a:pt x="0" y="20"/>
+                  </a:cubicBezTo>
+                  <a:cubicBezTo>
+                    <a:pt x="0" y="9"/>
+                    <a:pt x="9" y="0"/>
+                    <a:pt x="20" y="0"/>
+                  </a:cubicBezTo>
+                  <a:cubicBezTo>
+                    <a:pt x="33" y="0"/>
+                    <a:pt x="40" y="7"/>
+                    <a:pt x="40" y="20"/>
+                  </a:cubicBezTo>
+                  <a:cubicBezTo>
+                    <a:pt x="40" y="31"/>
+                    <a:pt x="31" y="40"/>
+                    <a:pt x="20" y="40"/>
+                  </a:cubicBezTo>
+                  <a:close/>
+                  <a:moveTo>
+                    <a:pt x="20" y="4"/>
+                  </a:moveTo>
+                  <a:cubicBezTo>
+                    <a:pt x="11" y="4"/>
+                    <a:pt x="4" y="11"/>
+                    <a:pt x="4" y="20"/>
+                  </a:cubicBezTo>
+                  <a:cubicBezTo>
+                    <a:pt x="4" y="29"/>
+                    <a:pt x="11" y="36"/>
+                    <a:pt x="20" y="36"/>
+                  </a:cubicBezTo>
+                  <a:cubicBezTo>
+                    <a:pt x="29" y="36"/>
+                    <a:pt x="36" y="29"/>
+                    <a:pt x="36" y="20"/>
+                  </a:cubicBezTo>
+                  <a:cubicBezTo>
+                    <a:pt x="36" y="9"/>
+                    <a:pt x="31" y="4"/>
+                    <a:pt x="20" y="4"/>
+                  </a:cubicBezTo>
+                  <a:close/>
+                </a:path>
+              </a:pathLst>
+            </a:custGeom>
+            <a:grpFill/>
+            <a:ln>
+              <a:noFill/>
+            </a:ln>
+            <a:extLst>
+              <a:ext uri="{91240B29-F687-4f45-9708-019B960494DF}">
+                <a14:hiddenLine xmlns="" xmlns:a16="http://schemas.microsoft.com/office/drawing/2014/main" xmlns:p14="http://schemas.microsoft.com/office/powerpoint/2010/main" xmlns:a14="http://schemas.microsoft.com/office/drawing/2010/main" w="9525">
+                  <a:solidFill>
+                    <a:srgbClr val="000000"/>
+                  </a:solidFill>
+                  <a:round/>
+                  <a:headEnd/>
+                  <a:tailEnd/>
+                </a14:hiddenLine>
+              </a:ext>
+            </a:extLst>
+          </p:spPr>
+        </p:sp>
+        <p:sp>
+          <p:nvSpPr>
+            <p:cNvPr id="19" name="Freeform 13">
+              <a:extLst>
+                <a:ext uri="{FF2B5EF4-FFF2-40B4-BE49-F238E27FC236}">
+                  <a16:creationId xmlns:a16="http://schemas.microsoft.com/office/drawing/2014/main" id="{44516B3C-A8BE-46FC-B643-3DFEB7F28386}"/>
+                </a:ext>
+                <a:ext uri="{C183D7F6-B498-43B3-948B-1728B52AA6E4}">
+                  <adec:decorative xmlns:adec="http://schemas.microsoft.com/office/drawing/2017/decorative" val="1"/>
+                </a:ext>
+              </a:extLst>
+            </p:cNvPr>
+            <p:cNvSpPr>
+              <a:spLocks noEditPoints="1"/>
+            </p:cNvSpPr>
+            <p:nvPr>
+              <p:extLst>
+                <p:ext uri="{386F3935-93C4-4BCD-93E2-E3B085C9AB24}">
+                  <p16:designElem xmlns:p16="http://schemas.microsoft.com/office/powerpoint/2015/main" val="1"/>
+                </p:ext>
+              </p:extLst>
+            </p:nvPr>
+          </p:nvSpPr>
+          <p:spPr bwMode="auto">
+            <a:xfrm>
+              <a:off x="588962" y="903288"/>
+              <a:ext cx="190500" cy="190500"/>
+            </a:xfrm>
+            <a:custGeom>
+              <a:avLst/>
+              <a:gdLst/>
+              <a:ahLst/>
+              <a:cxnLst/>
+              <a:rect l="0" t="0" r="r" b="b"/>
+              <a:pathLst>
+                <a:path w="40" h="40">
+                  <a:moveTo>
+                    <a:pt x="20" y="40"/>
+                  </a:moveTo>
+                  <a:cubicBezTo>
+                    <a:pt x="9" y="40"/>
+                    <a:pt x="0" y="31"/>
+                    <a:pt x="0" y="20"/>
+                  </a:cubicBezTo>
+                  <a:cubicBezTo>
+                    <a:pt x="0" y="9"/>
+                    <a:pt x="9" y="0"/>
+                    <a:pt x="20" y="0"/>
+                  </a:cubicBezTo>
+                  <a:cubicBezTo>
+                    <a:pt x="31" y="0"/>
+                    <a:pt x="40" y="9"/>
+                    <a:pt x="40" y="20"/>
+                  </a:cubicBezTo>
+                  <a:cubicBezTo>
+                    <a:pt x="40" y="31"/>
+                    <a:pt x="31" y="40"/>
+                    <a:pt x="20" y="40"/>
+                  </a:cubicBezTo>
+                  <a:close/>
+                  <a:moveTo>
+                    <a:pt x="20" y="4"/>
+                  </a:moveTo>
+                  <a:cubicBezTo>
+                    <a:pt x="11" y="4"/>
+                    <a:pt x="4" y="11"/>
+                    <a:pt x="4" y="20"/>
+                  </a:cubicBezTo>
+                  <a:cubicBezTo>
+                    <a:pt x="4" y="29"/>
+                    <a:pt x="11" y="36"/>
+                    <a:pt x="20" y="36"/>
+                  </a:cubicBezTo>
+                  <a:cubicBezTo>
+                    <a:pt x="29" y="36"/>
+                    <a:pt x="36" y="29"/>
+                    <a:pt x="36" y="20"/>
+                  </a:cubicBezTo>
+                  <a:cubicBezTo>
+                    <a:pt x="36" y="11"/>
+                    <a:pt x="29" y="4"/>
+                    <a:pt x="20" y="4"/>
+                  </a:cubicBezTo>
+                  <a:close/>
+                </a:path>
+              </a:pathLst>
+            </a:custGeom>
+            <a:grpFill/>
+            <a:ln>
+              <a:noFill/>
+            </a:ln>
+            <a:extLst>
+              <a:ext uri="{91240B29-F687-4f45-9708-019B960494DF}">
+                <a14:hiddenLine xmlns="" xmlns:a16="http://schemas.microsoft.com/office/drawing/2014/main" xmlns:p14="http://schemas.microsoft.com/office/powerpoint/2010/main" xmlns:a14="http://schemas.microsoft.com/office/drawing/2010/main" w="9525">
+                  <a:solidFill>
+                    <a:srgbClr val="000000"/>
+                  </a:solidFill>
+                  <a:round/>
+                  <a:headEnd/>
+                  <a:tailEnd/>
+                </a14:hiddenLine>
+              </a:ext>
+            </a:extLst>
+          </p:spPr>
+        </p:sp>
+        <p:sp>
+          <p:nvSpPr>
+            <p:cNvPr id="20" name="Freeform 14">
+              <a:extLst>
+                <a:ext uri="{FF2B5EF4-FFF2-40B4-BE49-F238E27FC236}">
+                  <a16:creationId xmlns:a16="http://schemas.microsoft.com/office/drawing/2014/main" id="{59FD699C-3920-4E57-BE27-165A3F036C20}"/>
+                </a:ext>
+                <a:ext uri="{C183D7F6-B498-43B3-948B-1728B52AA6E4}">
+                  <adec:decorative xmlns:adec="http://schemas.microsoft.com/office/drawing/2017/decorative" val="1"/>
+                </a:ext>
+              </a:extLst>
+            </p:cNvPr>
+            <p:cNvSpPr/>
+            <p:nvPr>
+              <p:extLst>
+                <p:ext uri="{386F3935-93C4-4BCD-93E2-E3B085C9AB24}">
+                  <p16:designElem xmlns:p16="http://schemas.microsoft.com/office/powerpoint/2015/main" val="1"/>
+                </p:ext>
+              </p:extLst>
+            </p:nvPr>
+          </p:nvSpPr>
+          <p:spPr bwMode="auto">
+            <a:xfrm>
+              <a:off x="641350" y="0"/>
+              <a:ext cx="422275" cy="527050"/>
+            </a:xfrm>
+            <a:custGeom>
+              <a:avLst/>
+              <a:gdLst/>
+              <a:ahLst/>
+              <a:cxnLst/>
+              <a:rect l="0" t="0" r="r" b="b"/>
+              <a:pathLst>
+                <a:path w="266" h="332">
+                  <a:moveTo>
+                    <a:pt x="257" y="332"/>
+                  </a:moveTo>
+                  <a:lnTo>
+                    <a:pt x="48" y="123"/>
+                  </a:lnTo>
+                  <a:lnTo>
+                    <a:pt x="0" y="6"/>
+                  </a:lnTo>
+                  <a:lnTo>
+                    <a:pt x="15" y="0"/>
+                  </a:lnTo>
+                  <a:lnTo>
+                    <a:pt x="63" y="114"/>
+                  </a:lnTo>
+                  <a:lnTo>
+                    <a:pt x="266" y="320"/>
+                  </a:lnTo>
+                  <a:lnTo>
+                    <a:pt x="257" y="332"/>
+                  </a:lnTo>
+                  <a:close/>
+                </a:path>
+              </a:pathLst>
+            </a:custGeom>
+            <a:grpFill/>
+            <a:ln>
+              <a:noFill/>
+            </a:ln>
+            <a:extLst>
+              <a:ext uri="{91240B29-F687-4f45-9708-019B960494DF}">
+                <a14:hiddenLine xmlns="" xmlns:a16="http://schemas.microsoft.com/office/drawing/2014/main" xmlns:p14="http://schemas.microsoft.com/office/powerpoint/2010/main" xmlns:a14="http://schemas.microsoft.com/office/drawing/2010/main" w="9525">
+                  <a:solidFill>
+                    <a:srgbClr val="000000"/>
+                  </a:solidFill>
+                  <a:round/>
+                  <a:headEnd/>
+                  <a:tailEnd/>
+                </a14:hiddenLine>
+              </a:ext>
+            </a:extLst>
+          </p:spPr>
+        </p:sp>
+        <p:sp>
+          <p:nvSpPr>
+            <p:cNvPr id="21" name="Freeform 15">
+              <a:extLst>
+                <a:ext uri="{FF2B5EF4-FFF2-40B4-BE49-F238E27FC236}">
+                  <a16:creationId xmlns:a16="http://schemas.microsoft.com/office/drawing/2014/main" id="{0FB0C02E-3F53-4889-8ADF-80DBC43F693C}"/>
+                </a:ext>
+                <a:ext uri="{C183D7F6-B498-43B3-948B-1728B52AA6E4}">
+                  <adec:decorative xmlns:adec="http://schemas.microsoft.com/office/drawing/2017/decorative" val="1"/>
+                </a:ext>
+              </a:extLst>
+            </p:cNvPr>
+            <p:cNvSpPr>
+              <a:spLocks noEditPoints="1"/>
+            </p:cNvSpPr>
+            <p:nvPr>
+              <p:extLst>
+                <p:ext uri="{386F3935-93C4-4BCD-93E2-E3B085C9AB24}">
+                  <p16:designElem xmlns:p16="http://schemas.microsoft.com/office/powerpoint/2015/main" val="1"/>
+                </p:ext>
+              </p:extLst>
+            </p:nvPr>
+          </p:nvSpPr>
+          <p:spPr bwMode="auto">
+            <a:xfrm>
+              <a:off x="1020762" y="488950"/>
+              <a:ext cx="161925" cy="147638"/>
+            </a:xfrm>
+            <a:custGeom>
+              <a:avLst/>
+              <a:gdLst/>
+              <a:ahLst/>
+              <a:cxnLst/>
+              <a:rect l="0" t="0" r="r" b="b"/>
+              <a:pathLst>
+                <a:path w="34" h="31">
+                  <a:moveTo>
+                    <a:pt x="17" y="31"/>
+                  </a:moveTo>
+                  <a:cubicBezTo>
+                    <a:pt x="13" y="31"/>
+                    <a:pt x="9" y="30"/>
+                    <a:pt x="6" y="27"/>
+                  </a:cubicBezTo>
+                  <a:cubicBezTo>
+                    <a:pt x="0" y="20"/>
+                    <a:pt x="0" y="10"/>
+                    <a:pt x="6" y="4"/>
+                  </a:cubicBezTo>
+                  <a:cubicBezTo>
+                    <a:pt x="9" y="1"/>
+                    <a:pt x="13" y="0"/>
+                    <a:pt x="17" y="0"/>
+                  </a:cubicBezTo>
+                  <a:cubicBezTo>
+                    <a:pt x="21" y="0"/>
+                    <a:pt x="25" y="1"/>
+                    <a:pt x="28" y="4"/>
+                  </a:cubicBezTo>
+                  <a:cubicBezTo>
+                    <a:pt x="34" y="10"/>
+                    <a:pt x="34" y="20"/>
+                    <a:pt x="28" y="27"/>
+                  </a:cubicBezTo>
+                  <a:cubicBezTo>
+                    <a:pt x="25" y="30"/>
+                    <a:pt x="21" y="31"/>
+                    <a:pt x="17" y="31"/>
+                  </a:cubicBezTo>
+                  <a:close/>
+                  <a:moveTo>
+                    <a:pt x="17" y="4"/>
+                  </a:moveTo>
+                  <a:cubicBezTo>
+                    <a:pt x="14" y="4"/>
+                    <a:pt x="11" y="5"/>
+                    <a:pt x="9" y="7"/>
+                  </a:cubicBezTo>
+                  <a:cubicBezTo>
+                    <a:pt x="4" y="12"/>
+                    <a:pt x="4" y="19"/>
+                    <a:pt x="9" y="24"/>
+                  </a:cubicBezTo>
+                  <a:cubicBezTo>
+                    <a:pt x="11" y="26"/>
+                    <a:pt x="14" y="27"/>
+                    <a:pt x="17" y="27"/>
+                  </a:cubicBezTo>
+                  <a:cubicBezTo>
+                    <a:pt x="20" y="27"/>
+                    <a:pt x="23" y="26"/>
+                    <a:pt x="25" y="24"/>
+                  </a:cubicBezTo>
+                  <a:cubicBezTo>
+                    <a:pt x="30" y="19"/>
+                    <a:pt x="30" y="12"/>
+                    <a:pt x="25" y="7"/>
+                  </a:cubicBezTo>
+                  <a:cubicBezTo>
+                    <a:pt x="23" y="5"/>
+                    <a:pt x="20" y="4"/>
+                    <a:pt x="17" y="4"/>
+                  </a:cubicBezTo>
+                  <a:close/>
+                </a:path>
+              </a:pathLst>
+            </a:custGeom>
+            <a:grpFill/>
+            <a:ln>
+              <a:noFill/>
+            </a:ln>
+            <a:extLst>
+              <a:ext uri="{91240B29-F687-4f45-9708-019B960494DF}">
+                <a14:hiddenLine xmlns="" xmlns:a16="http://schemas.microsoft.com/office/drawing/2014/main" xmlns:p14="http://schemas.microsoft.com/office/powerpoint/2010/main" xmlns:a14="http://schemas.microsoft.com/office/drawing/2010/main" w="9525">
+                  <a:solidFill>
+                    <a:srgbClr val="000000"/>
+                  </a:solidFill>
+                  <a:round/>
+                  <a:headEnd/>
+                  <a:tailEnd/>
+                </a14:hiddenLine>
+              </a:ext>
+            </a:extLst>
+          </p:spPr>
+        </p:sp>
+        <p:sp>
+          <p:nvSpPr>
+            <p:cNvPr id="22" name="Line 16">
+              <a:extLst>
+                <a:ext uri="{FF2B5EF4-FFF2-40B4-BE49-F238E27FC236}">
+                  <a16:creationId xmlns:a16="http://schemas.microsoft.com/office/drawing/2014/main" id="{F8A0C89C-946F-4BCD-8A27-BB73E37FE525}"/>
+                </a:ext>
+                <a:ext uri="{C183D7F6-B498-43B3-948B-1728B52AA6E4}">
+                  <adec:decorative xmlns:adec="http://schemas.microsoft.com/office/drawing/2017/decorative" val="1"/>
+                </a:ext>
+              </a:extLst>
+            </p:cNvPr>
+            <p:cNvSpPr>
+              <a:spLocks noChangeShapeType="1"/>
+            </p:cNvSpPr>
+            <p:nvPr>
+              <p:extLst>
+                <p:ext uri="{386F3935-93C4-4BCD-93E2-E3B085C9AB24}">
+                  <p16:designElem xmlns:p16="http://schemas.microsoft.com/office/powerpoint/2015/main" val="1"/>
+                </p:ext>
+              </p:extLst>
+            </p:nvPr>
+          </p:nvSpPr>
+          <p:spPr bwMode="auto">
+            <a:xfrm>
+              <a:off x="-4763" y="9525"/>
+              <a:ext cx="0" cy="0"/>
+            </a:xfrm>
+            <a:prstGeom prst="line">
+              <a:avLst/>
+            </a:prstGeom>
+            <a:grpFill/>
+            <a:ln w="15" cap="flat">
+              <a:solidFill>
+                <a:srgbClr val="FFFFFF"/>
+              </a:solidFill>
+              <a:prstDash val="solid"/>
+              <a:miter lim="800000"/>
+              <a:headEnd/>
+              <a:tailEnd/>
+            </a:ln>
+          </p:spPr>
+        </p:sp>
+        <p:sp>
+          <p:nvSpPr>
+            <p:cNvPr id="23" name="Freeform 17">
+              <a:extLst>
+                <a:ext uri="{FF2B5EF4-FFF2-40B4-BE49-F238E27FC236}">
+                  <a16:creationId xmlns:a16="http://schemas.microsoft.com/office/drawing/2014/main" id="{70C83EAF-4E92-4849-A240-B257871DC033}"/>
+                </a:ext>
+                <a:ext uri="{C183D7F6-B498-43B3-948B-1728B52AA6E4}">
+                  <adec:decorative xmlns:adec="http://schemas.microsoft.com/office/drawing/2017/decorative" val="1"/>
+                </a:ext>
+              </a:extLst>
+            </p:cNvPr>
+            <p:cNvSpPr/>
+            <p:nvPr>
+              <p:extLst>
+                <p:ext uri="{386F3935-93C4-4BCD-93E2-E3B085C9AB24}">
+                  <p16:designElem xmlns:p16="http://schemas.microsoft.com/office/powerpoint/2015/main" val="1"/>
+                </p:ext>
+              </p:extLst>
+            </p:nvPr>
+          </p:nvSpPr>
+          <p:spPr bwMode="auto">
+            <a:xfrm>
+              <a:off x="9525" y="1801813"/>
+              <a:ext cx="123825" cy="127000"/>
+            </a:xfrm>
+            <a:custGeom>
+              <a:avLst/>
+              <a:gdLst/>
+              <a:ahLst/>
+              <a:cxnLst/>
+              <a:rect l="0" t="0" r="r" b="b"/>
+              <a:pathLst>
+                <a:path w="78" h="80">
+                  <a:moveTo>
+                    <a:pt x="6" y="80"/>
+                  </a:moveTo>
+                  <a:lnTo>
+                    <a:pt x="0" y="71"/>
+                  </a:lnTo>
+                  <a:lnTo>
+                    <a:pt x="69" y="0"/>
+                  </a:lnTo>
+                  <a:lnTo>
+                    <a:pt x="78" y="9"/>
+                  </a:lnTo>
+                  <a:lnTo>
+                    <a:pt x="6" y="80"/>
+                  </a:lnTo>
+                  <a:close/>
+                </a:path>
+              </a:pathLst>
+            </a:custGeom>
+            <a:grpFill/>
+            <a:ln>
+              <a:noFill/>
+            </a:ln>
+            <a:extLst>
+              <a:ext uri="{91240B29-F687-4f45-9708-019B960494DF}">
+                <a14:hiddenLine xmlns="" xmlns:a16="http://schemas.microsoft.com/office/drawing/2014/main" xmlns:p14="http://schemas.microsoft.com/office/powerpoint/2010/main" xmlns:a14="http://schemas.microsoft.com/office/drawing/2010/main" w="9525">
+                  <a:solidFill>
+                    <a:srgbClr val="000000"/>
+                  </a:solidFill>
+                  <a:round/>
+                  <a:headEnd/>
+                  <a:tailEnd/>
+                </a14:hiddenLine>
+              </a:ext>
+            </a:extLst>
+          </p:spPr>
+        </p:sp>
+        <p:sp>
+          <p:nvSpPr>
+            <p:cNvPr id="24" name="Freeform 18">
+              <a:extLst>
+                <a:ext uri="{FF2B5EF4-FFF2-40B4-BE49-F238E27FC236}">
+                  <a16:creationId xmlns:a16="http://schemas.microsoft.com/office/drawing/2014/main" id="{320FD164-4D7A-469C-B3F4-B926BFACF53D}"/>
+                </a:ext>
+                <a:ext uri="{C183D7F6-B498-43B3-948B-1728B52AA6E4}">
+                  <adec:decorative xmlns:adec="http://schemas.microsoft.com/office/drawing/2017/decorative" val="1"/>
+                </a:ext>
+              </a:extLst>
+            </p:cNvPr>
+            <p:cNvSpPr/>
+            <p:nvPr>
+              <p:extLst>
+                <p:ext uri="{386F3935-93C4-4BCD-93E2-E3B085C9AB24}">
+                  <p16:designElem xmlns:p16="http://schemas.microsoft.com/office/powerpoint/2015/main" val="1"/>
+                </p:ext>
+              </p:extLst>
+            </p:nvPr>
+          </p:nvSpPr>
+          <p:spPr bwMode="auto">
+            <a:xfrm>
+              <a:off x="-9525" y="3549650"/>
+              <a:ext cx="147638" cy="481013"/>
+            </a:xfrm>
+            <a:custGeom>
+              <a:avLst/>
+              <a:gdLst/>
+              <a:ahLst/>
+              <a:cxnLst/>
+              <a:rect l="0" t="0" r="r" b="b"/>
+              <a:pathLst>
+                <a:path w="93" h="303">
+                  <a:moveTo>
+                    <a:pt x="93" y="303"/>
+                  </a:moveTo>
+                  <a:lnTo>
+                    <a:pt x="78" y="303"/>
+                  </a:lnTo>
+                  <a:lnTo>
+                    <a:pt x="78" y="78"/>
+                  </a:lnTo>
+                  <a:lnTo>
+                    <a:pt x="0" y="12"/>
+                  </a:lnTo>
+                  <a:lnTo>
+                    <a:pt x="12" y="0"/>
+                  </a:lnTo>
+                  <a:lnTo>
+                    <a:pt x="93" y="69"/>
+                  </a:lnTo>
+                  <a:lnTo>
+                    <a:pt x="93" y="303"/>
+                  </a:lnTo>
+                  <a:close/>
+                </a:path>
+              </a:pathLst>
+            </a:custGeom>
+            <a:grpFill/>
+            <a:ln>
+              <a:noFill/>
+            </a:ln>
+            <a:extLst>
+              <a:ext uri="{91240B29-F687-4f45-9708-019B960494DF}">
+                <a14:hiddenLine xmlns="" xmlns:a16="http://schemas.microsoft.com/office/drawing/2014/main" xmlns:p14="http://schemas.microsoft.com/office/powerpoint/2010/main" xmlns:a14="http://schemas.microsoft.com/office/drawing/2010/main" w="9525">
+                  <a:solidFill>
+                    <a:srgbClr val="000000"/>
+                  </a:solidFill>
+                  <a:round/>
+                  <a:headEnd/>
+                  <a:tailEnd/>
+                </a14:hiddenLine>
+              </a:ext>
+            </a:extLst>
+          </p:spPr>
+        </p:sp>
+        <p:sp>
+          <p:nvSpPr>
+            <p:cNvPr id="25" name="Freeform 19">
+              <a:extLst>
+                <a:ext uri="{FF2B5EF4-FFF2-40B4-BE49-F238E27FC236}">
+                  <a16:creationId xmlns:a16="http://schemas.microsoft.com/office/drawing/2014/main" id="{F6E14D9A-4E63-48FF-95C5-9E8DDFF86C45}"/>
+                </a:ext>
+                <a:ext uri="{C183D7F6-B498-43B3-948B-1728B52AA6E4}">
+                  <adec:decorative xmlns:adec="http://schemas.microsoft.com/office/drawing/2017/decorative" val="1"/>
+                </a:ext>
+              </a:extLst>
+            </p:cNvPr>
+            <p:cNvSpPr/>
+            <p:nvPr>
+              <p:extLst>
+                <p:ext uri="{386F3935-93C4-4BCD-93E2-E3B085C9AB24}">
+                  <p16:designElem xmlns:p16="http://schemas.microsoft.com/office/powerpoint/2015/main" val="1"/>
+                </p:ext>
+              </p:extLst>
+            </p:nvPr>
+          </p:nvSpPr>
+          <p:spPr bwMode="auto">
+            <a:xfrm>
+              <a:off x="128587" y="1382713"/>
+              <a:ext cx="142875" cy="476250"/>
+            </a:xfrm>
+            <a:custGeom>
+              <a:avLst/>
+              <a:gdLst/>
+              <a:ahLst/>
+              <a:cxnLst/>
+              <a:rect l="0" t="0" r="r" b="b"/>
+              <a:pathLst>
+                <a:path w="90" h="300">
+                  <a:moveTo>
+                    <a:pt x="90" y="300"/>
+                  </a:moveTo>
+                  <a:lnTo>
+                    <a:pt x="78" y="300"/>
+                  </a:lnTo>
+                  <a:lnTo>
+                    <a:pt x="78" y="84"/>
+                  </a:lnTo>
+                  <a:lnTo>
+                    <a:pt x="0" y="9"/>
+                  </a:lnTo>
+                  <a:lnTo>
+                    <a:pt x="9" y="0"/>
+                  </a:lnTo>
+                  <a:lnTo>
+                    <a:pt x="90" y="81"/>
+                  </a:lnTo>
+                  <a:lnTo>
+                    <a:pt x="90" y="300"/>
+                  </a:lnTo>
+                  <a:close/>
+                </a:path>
+              </a:pathLst>
+            </a:custGeom>
+            <a:grpFill/>
+            <a:ln>
+              <a:noFill/>
+            </a:ln>
+            <a:extLst>
+              <a:ext uri="{91240B29-F687-4f45-9708-019B960494DF}">
+                <a14:hiddenLine xmlns="" xmlns:a16="http://schemas.microsoft.com/office/drawing/2014/main" xmlns:p14="http://schemas.microsoft.com/office/powerpoint/2010/main" xmlns:a14="http://schemas.microsoft.com/office/drawing/2010/main" w="9525">
+                  <a:solidFill>
+                    <a:srgbClr val="000000"/>
+                  </a:solidFill>
+                  <a:round/>
+                  <a:headEnd/>
+                  <a:tailEnd/>
+                </a14:hiddenLine>
+              </a:ext>
+            </a:extLst>
+          </p:spPr>
+        </p:sp>
+        <p:sp>
+          <p:nvSpPr>
+            <p:cNvPr id="26" name="Freeform 20">
+              <a:extLst>
+                <a:ext uri="{FF2B5EF4-FFF2-40B4-BE49-F238E27FC236}">
+                  <a16:creationId xmlns:a16="http://schemas.microsoft.com/office/drawing/2014/main" id="{F3DCD24F-3CA8-4404-B22C-E4C928995F3B}"/>
+                </a:ext>
+                <a:ext uri="{C183D7F6-B498-43B3-948B-1728B52AA6E4}">
+                  <adec:decorative xmlns:adec="http://schemas.microsoft.com/office/drawing/2017/decorative" val="1"/>
+                </a:ext>
+              </a:extLst>
+            </p:cNvPr>
+            <p:cNvSpPr>
+              <a:spLocks noEditPoints="1"/>
+            </p:cNvSpPr>
+            <p:nvPr>
+              <p:extLst>
+                <p:ext uri="{386F3935-93C4-4BCD-93E2-E3B085C9AB24}">
+                  <p16:designElem xmlns:p16="http://schemas.microsoft.com/office/powerpoint/2015/main" val="1"/>
+                </p:ext>
+              </p:extLst>
+            </p:nvPr>
+          </p:nvSpPr>
+          <p:spPr bwMode="auto">
+            <a:xfrm>
+              <a:off x="204787" y="1849438"/>
+              <a:ext cx="114300" cy="107950"/>
+            </a:xfrm>
+            <a:custGeom>
+              <a:avLst/>
+              <a:gdLst/>
+              <a:ahLst/>
+              <a:cxnLst/>
+              <a:rect l="0" t="0" r="r" b="b"/>
+              <a:pathLst>
+                <a:path w="24" h="23">
+                  <a:moveTo>
+                    <a:pt x="12" y="23"/>
+                  </a:moveTo>
+                  <a:cubicBezTo>
+                    <a:pt x="6" y="23"/>
+                    <a:pt x="0" y="18"/>
+                    <a:pt x="0" y="12"/>
+                  </a:cubicBezTo>
+                  <a:cubicBezTo>
+                    <a:pt x="0" y="5"/>
+                    <a:pt x="6" y="0"/>
+                    <a:pt x="12" y="0"/>
+                  </a:cubicBezTo>
+                  <a:cubicBezTo>
+                    <a:pt x="18" y="0"/>
+                    <a:pt x="24" y="5"/>
+                    <a:pt x="24" y="12"/>
+                  </a:cubicBezTo>
+                  <a:cubicBezTo>
+                    <a:pt x="24" y="18"/>
+                    <a:pt x="18" y="23"/>
+                    <a:pt x="12" y="23"/>
+                  </a:cubicBezTo>
+                  <a:close/>
+                  <a:moveTo>
+                    <a:pt x="12" y="4"/>
+                  </a:moveTo>
+                  <a:cubicBezTo>
+                    <a:pt x="8" y="4"/>
+                    <a:pt x="4" y="8"/>
+                    <a:pt x="4" y="12"/>
+                  </a:cubicBezTo>
+                  <a:cubicBezTo>
+                    <a:pt x="4" y="16"/>
+                    <a:pt x="8" y="19"/>
+                    <a:pt x="12" y="19"/>
+                  </a:cubicBezTo>
+                  <a:cubicBezTo>
+                    <a:pt x="16" y="19"/>
+                    <a:pt x="20" y="16"/>
+                    <a:pt x="20" y="12"/>
+                  </a:cubicBezTo>
+                  <a:cubicBezTo>
+                    <a:pt x="20" y="8"/>
+                    <a:pt x="16" y="4"/>
+                    <a:pt x="12" y="4"/>
+                  </a:cubicBezTo>
+                  <a:close/>
+                </a:path>
+              </a:pathLst>
+            </a:custGeom>
+            <a:grpFill/>
+            <a:ln>
+              <a:noFill/>
+            </a:ln>
+            <a:extLst>
+              <a:ext uri="{91240B29-F687-4f45-9708-019B960494DF}">
+                <a14:hiddenLine xmlns="" xmlns:a16="http://schemas.microsoft.com/office/drawing/2014/main" xmlns:p14="http://schemas.microsoft.com/office/powerpoint/2010/main" xmlns:a14="http://schemas.microsoft.com/office/drawing/2010/main" w="9525">
+                  <a:solidFill>
+                    <a:srgbClr val="000000"/>
+                  </a:solidFill>
+                  <a:round/>
+                  <a:headEnd/>
+                  <a:tailEnd/>
+                </a14:hiddenLine>
+              </a:ext>
+            </a:extLst>
+          </p:spPr>
+        </p:sp>
+        <p:sp>
+          <p:nvSpPr>
+            <p:cNvPr id="27" name="Rectangle 21">
+              <a:extLst>
+                <a:ext uri="{FF2B5EF4-FFF2-40B4-BE49-F238E27FC236}">
+                  <a16:creationId xmlns:a16="http://schemas.microsoft.com/office/drawing/2014/main" id="{8AD2E827-32A3-4BE4-9CC6-8315629177AE}"/>
+                </a:ext>
+                <a:ext uri="{C183D7F6-B498-43B3-948B-1728B52AA6E4}">
+                  <adec:decorative xmlns:adec="http://schemas.microsoft.com/office/drawing/2017/decorative" val="1"/>
+                </a:ext>
+              </a:extLst>
+            </p:cNvPr>
+            <p:cNvSpPr>
+              <a:spLocks noChangeArrowheads="1"/>
+            </p:cNvSpPr>
+            <p:nvPr>
+              <p:extLst>
+                <p:ext uri="{386F3935-93C4-4BCD-93E2-E3B085C9AB24}">
+                  <p16:designElem xmlns:p16="http://schemas.microsoft.com/office/powerpoint/2015/main" val="1"/>
+                </p:ext>
+              </p:extLst>
+            </p:nvPr>
+          </p:nvSpPr>
+          <p:spPr bwMode="auto">
+            <a:xfrm>
+              <a:off x="133350" y="4662488"/>
+              <a:ext cx="23813" cy="2181225"/>
+            </a:xfrm>
+            <a:prstGeom prst="rect">
+              <a:avLst/>
+            </a:prstGeom>
+            <a:grpFill/>
+            <a:ln>
+              <a:noFill/>
+            </a:ln>
+            <a:extLst>
+              <a:ext uri="{91240B29-F687-4f45-9708-019B960494DF}">
+                <a14:hiddenLine xmlns="" xmlns:a16="http://schemas.microsoft.com/office/drawing/2014/main" xmlns:p14="http://schemas.microsoft.com/office/powerpoint/2010/main" xmlns:a14="http://schemas.microsoft.com/office/drawing/2010/main" w="9525">
+                  <a:solidFill>
+                    <a:srgbClr val="000000"/>
+                  </a:solidFill>
+                  <a:miter lim="800000"/>
+                  <a:headEnd/>
+                  <a:tailEnd/>
+                </a14:hiddenLine>
+              </a:ext>
+            </a:extLst>
+          </p:spPr>
+        </p:sp>
+        <p:sp>
+          <p:nvSpPr>
+            <p:cNvPr id="28" name="Freeform 22">
+              <a:extLst>
+                <a:ext uri="{FF2B5EF4-FFF2-40B4-BE49-F238E27FC236}">
+                  <a16:creationId xmlns:a16="http://schemas.microsoft.com/office/drawing/2014/main" id="{47FB2CCC-1230-494F-B2D1-F05E5B8EDF55}"/>
+                </a:ext>
+                <a:ext uri="{C183D7F6-B498-43B3-948B-1728B52AA6E4}">
+                  <adec:decorative xmlns:adec="http://schemas.microsoft.com/office/drawing/2017/decorative" val="1"/>
+                </a:ext>
+              </a:extLst>
+            </p:cNvPr>
+            <p:cNvSpPr/>
+            <p:nvPr>
+              <p:extLst>
+                <p:ext uri="{386F3935-93C4-4BCD-93E2-E3B085C9AB24}">
+                  <p16:designElem xmlns:p16="http://schemas.microsoft.com/office/powerpoint/2015/main" val="1"/>
+                </p:ext>
+              </p:extLst>
+            </p:nvPr>
+          </p:nvSpPr>
+          <p:spPr bwMode="auto">
+            <a:xfrm>
+              <a:off x="223837" y="5041900"/>
+              <a:ext cx="369888" cy="1801813"/>
+            </a:xfrm>
+            <a:custGeom>
+              <a:avLst/>
+              <a:gdLst/>
+              <a:ahLst/>
+              <a:cxnLst/>
+              <a:rect l="0" t="0" r="r" b="b"/>
+              <a:pathLst>
+                <a:path w="233" h="1135">
+                  <a:moveTo>
+                    <a:pt x="15" y="1135"/>
+                  </a:moveTo>
+                  <a:lnTo>
+                    <a:pt x="0" y="1135"/>
+                  </a:lnTo>
+                  <a:lnTo>
+                    <a:pt x="0" y="515"/>
+                  </a:lnTo>
+                  <a:lnTo>
+                    <a:pt x="0" y="512"/>
+                  </a:lnTo>
+                  <a:lnTo>
+                    <a:pt x="218" y="0"/>
+                  </a:lnTo>
+                  <a:lnTo>
+                    <a:pt x="233" y="6"/>
+                  </a:lnTo>
+                  <a:lnTo>
+                    <a:pt x="15" y="518"/>
+                  </a:lnTo>
+                  <a:lnTo>
+                    <a:pt x="15" y="1135"/>
+                  </a:lnTo>
+                  <a:close/>
+                </a:path>
+              </a:pathLst>
+            </a:custGeom>
+            <a:grpFill/>
+            <a:ln>
+              <a:noFill/>
+            </a:ln>
+            <a:extLst>
+              <a:ext uri="{91240B29-F687-4f45-9708-019B960494DF}">
+                <a14:hiddenLine xmlns="" xmlns:a16="http://schemas.microsoft.com/office/drawing/2014/main" xmlns:p14="http://schemas.microsoft.com/office/powerpoint/2010/main" xmlns:a14="http://schemas.microsoft.com/office/drawing/2010/main" w="9525">
+                  <a:solidFill>
+                    <a:srgbClr val="000000"/>
+                  </a:solidFill>
+                  <a:round/>
+                  <a:headEnd/>
+                  <a:tailEnd/>
+                </a14:hiddenLine>
+              </a:ext>
+            </a:extLst>
+          </p:spPr>
+        </p:sp>
+        <p:sp>
+          <p:nvSpPr>
+            <p:cNvPr id="29" name="Freeform 23">
+              <a:extLst>
+                <a:ext uri="{FF2B5EF4-FFF2-40B4-BE49-F238E27FC236}">
+                  <a16:creationId xmlns:a16="http://schemas.microsoft.com/office/drawing/2014/main" id="{A5F44514-9274-47E3-9243-CA9356C166B5}"/>
+                </a:ext>
+                <a:ext uri="{C183D7F6-B498-43B3-948B-1728B52AA6E4}">
+                  <adec:decorative xmlns:adec="http://schemas.microsoft.com/office/drawing/2017/decorative" val="1"/>
+                </a:ext>
+              </a:extLst>
+            </p:cNvPr>
+            <p:cNvSpPr>
+              <a:spLocks noEditPoints="1"/>
+            </p:cNvSpPr>
+            <p:nvPr>
+              <p:extLst>
+                <p:ext uri="{386F3935-93C4-4BCD-93E2-E3B085C9AB24}">
+                  <p16:designElem xmlns:p16="http://schemas.microsoft.com/office/powerpoint/2015/main" val="1"/>
+                </p:ext>
+              </p:extLst>
+            </p:nvPr>
+          </p:nvSpPr>
+          <p:spPr bwMode="auto">
+            <a:xfrm>
+              <a:off x="52387" y="4481513"/>
+              <a:ext cx="190500" cy="190500"/>
+            </a:xfrm>
+            <a:custGeom>
+              <a:avLst/>
+              <a:gdLst/>
+              <a:ahLst/>
+              <a:cxnLst/>
+              <a:rect l="0" t="0" r="r" b="b"/>
+              <a:pathLst>
+                <a:path w="40" h="40">
+                  <a:moveTo>
+                    <a:pt x="20" y="40"/>
+                  </a:moveTo>
+                  <a:cubicBezTo>
+                    <a:pt x="9" y="40"/>
+                    <a:pt x="0" y="31"/>
+                    <a:pt x="0" y="20"/>
+                  </a:cubicBezTo>
+                  <a:cubicBezTo>
+                    <a:pt x="0" y="9"/>
+                    <a:pt x="9" y="0"/>
+                    <a:pt x="20" y="0"/>
+                  </a:cubicBezTo>
+                  <a:cubicBezTo>
+                    <a:pt x="31" y="0"/>
+                    <a:pt x="40" y="9"/>
+                    <a:pt x="40" y="20"/>
+                  </a:cubicBezTo>
+                  <a:cubicBezTo>
+                    <a:pt x="40" y="31"/>
+                    <a:pt x="31" y="40"/>
+                    <a:pt x="20" y="40"/>
+                  </a:cubicBezTo>
+                  <a:close/>
+                  <a:moveTo>
+                    <a:pt x="20" y="4"/>
+                  </a:moveTo>
+                  <a:cubicBezTo>
+                    <a:pt x="11" y="4"/>
+                    <a:pt x="4" y="11"/>
+                    <a:pt x="4" y="20"/>
+                  </a:cubicBezTo>
+                  <a:cubicBezTo>
+                    <a:pt x="4" y="29"/>
+                    <a:pt x="11" y="36"/>
+                    <a:pt x="20" y="36"/>
+                  </a:cubicBezTo>
+                  <a:cubicBezTo>
+                    <a:pt x="28" y="36"/>
+                    <a:pt x="36" y="29"/>
+                    <a:pt x="36" y="20"/>
+                  </a:cubicBezTo>
+                  <a:cubicBezTo>
+                    <a:pt x="36" y="11"/>
+                    <a:pt x="28" y="4"/>
+                    <a:pt x="20" y="4"/>
+                  </a:cubicBezTo>
+                  <a:close/>
+                </a:path>
+              </a:pathLst>
+            </a:custGeom>
+            <a:grpFill/>
+            <a:ln>
+              <a:noFill/>
+            </a:ln>
+            <a:extLst>
+              <a:ext uri="{91240B29-F687-4f45-9708-019B960494DF}">
+                <a14:hiddenLine xmlns="" xmlns:a16="http://schemas.microsoft.com/office/drawing/2014/main" xmlns:p14="http://schemas.microsoft.com/office/powerpoint/2010/main" xmlns:a14="http://schemas.microsoft.com/office/drawing/2010/main" w="9525">
+                  <a:solidFill>
+                    <a:srgbClr val="000000"/>
+                  </a:solidFill>
+                  <a:round/>
+                  <a:headEnd/>
+                  <a:tailEnd/>
+                </a14:hiddenLine>
+              </a:ext>
+            </a:extLst>
+          </p:spPr>
+        </p:sp>
+        <p:sp>
+          <p:nvSpPr>
+            <p:cNvPr id="30" name="Freeform 24">
+              <a:extLst>
+                <a:ext uri="{FF2B5EF4-FFF2-40B4-BE49-F238E27FC236}">
+                  <a16:creationId xmlns:a16="http://schemas.microsoft.com/office/drawing/2014/main" id="{D06192CD-AD86-4DCA-8B53-4ACCA46583A9}"/>
+                </a:ext>
+                <a:ext uri="{C183D7F6-B498-43B3-948B-1728B52AA6E4}">
+                  <adec:decorative xmlns:adec="http://schemas.microsoft.com/office/drawing/2017/decorative" val="1"/>
+                </a:ext>
+              </a:extLst>
+            </p:cNvPr>
+            <p:cNvSpPr/>
+            <p:nvPr>
+              <p:extLst>
+                <p:ext uri="{386F3935-93C4-4BCD-93E2-E3B085C9AB24}">
+                  <p16:designElem xmlns:p16="http://schemas.microsoft.com/office/powerpoint/2015/main" val="1"/>
+                </p:ext>
+              </p:extLst>
+            </p:nvPr>
+          </p:nvSpPr>
+          <p:spPr bwMode="auto">
+            <a:xfrm>
+              <a:off x="-14288" y="5627688"/>
+              <a:ext cx="85725" cy="1216025"/>
+            </a:xfrm>
+            <a:custGeom>
+              <a:avLst/>
+              <a:gdLst/>
+              <a:ahLst/>
+              <a:cxnLst/>
+              <a:rect l="0" t="0" r="r" b="b"/>
+              <a:pathLst>
+                <a:path w="54" h="766">
+                  <a:moveTo>
+                    <a:pt x="54" y="766"/>
+                  </a:moveTo>
+                  <a:lnTo>
+                    <a:pt x="36" y="766"/>
+                  </a:lnTo>
+                  <a:lnTo>
+                    <a:pt x="36" y="149"/>
+                  </a:lnTo>
+                  <a:lnTo>
+                    <a:pt x="0" y="3"/>
+                  </a:lnTo>
+                  <a:lnTo>
+                    <a:pt x="18" y="0"/>
+                  </a:lnTo>
+                  <a:lnTo>
+                    <a:pt x="54" y="146"/>
+                  </a:lnTo>
+                  <a:lnTo>
+                    <a:pt x="54" y="766"/>
+                  </a:lnTo>
+                  <a:close/>
+                </a:path>
+              </a:pathLst>
+            </a:custGeom>
+            <a:grpFill/>
+            <a:ln>
+              <a:noFill/>
+            </a:ln>
+            <a:extLst>
+              <a:ext uri="{91240B29-F687-4f45-9708-019B960494DF}">
+                <a14:hiddenLine xmlns="" xmlns:a16="http://schemas.microsoft.com/office/drawing/2014/main" xmlns:p14="http://schemas.microsoft.com/office/powerpoint/2010/main" xmlns:a14="http://schemas.microsoft.com/office/drawing/2010/main" w="9525">
+                  <a:solidFill>
+                    <a:srgbClr val="000000"/>
+                  </a:solidFill>
+                  <a:round/>
+                  <a:headEnd/>
+                  <a:tailEnd/>
+                </a14:hiddenLine>
+              </a:ext>
+            </a:extLst>
+          </p:spPr>
+        </p:sp>
+        <p:sp>
+          <p:nvSpPr>
+            <p:cNvPr id="31" name="Freeform 25">
+              <a:extLst>
+                <a:ext uri="{FF2B5EF4-FFF2-40B4-BE49-F238E27FC236}">
+                  <a16:creationId xmlns:a16="http://schemas.microsoft.com/office/drawing/2014/main" id="{99E9203A-21E4-46D8-981A-4B28CA320A69}"/>
+                </a:ext>
+                <a:ext uri="{C183D7F6-B498-43B3-948B-1728B52AA6E4}">
+                  <adec:decorative xmlns:adec="http://schemas.microsoft.com/office/drawing/2017/decorative" val="1"/>
+                </a:ext>
+              </a:extLst>
+            </p:cNvPr>
+            <p:cNvSpPr>
+              <a:spLocks noEditPoints="1"/>
+            </p:cNvSpPr>
+            <p:nvPr>
+              <p:extLst>
+                <p:ext uri="{386F3935-93C4-4BCD-93E2-E3B085C9AB24}">
+                  <p16:designElem xmlns:p16="http://schemas.microsoft.com/office/powerpoint/2015/main" val="1"/>
+                </p:ext>
+              </p:extLst>
+            </p:nvPr>
+          </p:nvSpPr>
+          <p:spPr bwMode="auto">
+            <a:xfrm>
+              <a:off x="527050" y="4867275"/>
+              <a:ext cx="190500" cy="188913"/>
+            </a:xfrm>
+            <a:custGeom>
+              <a:avLst/>
+              <a:gdLst/>
+              <a:ahLst/>
+              <a:cxnLst/>
+              <a:rect l="0" t="0" r="r" b="b"/>
+              <a:pathLst>
+                <a:path w="40" h="40">
+                  <a:moveTo>
+                    <a:pt x="20" y="40"/>
+                  </a:moveTo>
+                  <a:cubicBezTo>
+                    <a:pt x="9" y="40"/>
+                    <a:pt x="0" y="31"/>
+                    <a:pt x="0" y="20"/>
+                  </a:cubicBezTo>
+                  <a:cubicBezTo>
+                    <a:pt x="0" y="9"/>
+                    <a:pt x="9" y="0"/>
+                    <a:pt x="20" y="0"/>
+                  </a:cubicBezTo>
+                  <a:cubicBezTo>
+                    <a:pt x="31" y="0"/>
+                    <a:pt x="40" y="9"/>
+                    <a:pt x="40" y="20"/>
+                  </a:cubicBezTo>
+                  <a:cubicBezTo>
+                    <a:pt x="40" y="31"/>
+                    <a:pt x="31" y="40"/>
+                    <a:pt x="20" y="40"/>
+                  </a:cubicBezTo>
+                  <a:close/>
+                  <a:moveTo>
+                    <a:pt x="20" y="4"/>
+                  </a:moveTo>
+                  <a:cubicBezTo>
+                    <a:pt x="11" y="4"/>
+                    <a:pt x="4" y="11"/>
+                    <a:pt x="4" y="20"/>
+                  </a:cubicBezTo>
+                  <a:cubicBezTo>
+                    <a:pt x="4" y="29"/>
+                    <a:pt x="11" y="36"/>
+                    <a:pt x="20" y="36"/>
+                  </a:cubicBezTo>
+                  <a:cubicBezTo>
+                    <a:pt x="29" y="36"/>
+                    <a:pt x="36" y="29"/>
+                    <a:pt x="36" y="20"/>
+                  </a:cubicBezTo>
+                  <a:cubicBezTo>
+                    <a:pt x="36" y="11"/>
+                    <a:pt x="29" y="4"/>
+                    <a:pt x="20" y="4"/>
+                  </a:cubicBezTo>
+                  <a:close/>
+                </a:path>
+              </a:pathLst>
+            </a:custGeom>
+            <a:grpFill/>
+            <a:ln>
+              <a:noFill/>
+            </a:ln>
+            <a:extLst>
+              <a:ext uri="{91240B29-F687-4f45-9708-019B960494DF}">
+                <a14:hiddenLine xmlns="" xmlns:a16="http://schemas.microsoft.com/office/drawing/2014/main" xmlns:p14="http://schemas.microsoft.com/office/powerpoint/2010/main" xmlns:a14="http://schemas.microsoft.com/office/drawing/2010/main" w="9525">
+                  <a:solidFill>
+                    <a:srgbClr val="000000"/>
+                  </a:solidFill>
+                  <a:round/>
+                  <a:headEnd/>
+                  <a:tailEnd/>
+                </a14:hiddenLine>
+              </a:ext>
+            </a:extLst>
+          </p:spPr>
+        </p:sp>
+        <p:sp>
+          <p:nvSpPr>
+            <p:cNvPr id="32" name="Freeform 26">
+              <a:extLst>
+                <a:ext uri="{FF2B5EF4-FFF2-40B4-BE49-F238E27FC236}">
+                  <a16:creationId xmlns:a16="http://schemas.microsoft.com/office/drawing/2014/main" id="{32FCE9B6-FB52-4045-8DCC-E5959B9A403B}"/>
+                </a:ext>
+                <a:ext uri="{C183D7F6-B498-43B3-948B-1728B52AA6E4}">
+                  <adec:decorative xmlns:adec="http://schemas.microsoft.com/office/drawing/2017/decorative" val="1"/>
+                </a:ext>
+              </a:extLst>
+            </p:cNvPr>
+            <p:cNvSpPr/>
+            <p:nvPr>
+              <p:extLst>
+                <p:ext uri="{386F3935-93C4-4BCD-93E2-E3B085C9AB24}">
+                  <p16:designElem xmlns:p16="http://schemas.microsoft.com/office/powerpoint/2015/main" val="1"/>
+                </p:ext>
+              </p:extLst>
+            </p:nvPr>
+          </p:nvSpPr>
+          <p:spPr bwMode="auto">
+            <a:xfrm>
+              <a:off x="309562" y="5422900"/>
+              <a:ext cx="374650" cy="1425575"/>
+            </a:xfrm>
+            <a:custGeom>
+              <a:avLst/>
+              <a:gdLst/>
+              <a:ahLst/>
+              <a:cxnLst/>
+              <a:rect l="0" t="0" r="r" b="b"/>
+              <a:pathLst>
+                <a:path w="236" h="898">
+                  <a:moveTo>
+                    <a:pt x="18" y="898"/>
+                  </a:moveTo>
+                  <a:lnTo>
+                    <a:pt x="0" y="898"/>
+                  </a:lnTo>
+                  <a:lnTo>
+                    <a:pt x="0" y="515"/>
+                  </a:lnTo>
+                  <a:lnTo>
+                    <a:pt x="3" y="512"/>
+                  </a:lnTo>
+                  <a:lnTo>
+                    <a:pt x="221" y="0"/>
+                  </a:lnTo>
+                  <a:lnTo>
+                    <a:pt x="236" y="6"/>
+                  </a:lnTo>
+                  <a:lnTo>
+                    <a:pt x="18" y="518"/>
+                  </a:lnTo>
+                  <a:lnTo>
+                    <a:pt x="18" y="898"/>
+                  </a:lnTo>
+                  <a:close/>
+                </a:path>
+              </a:pathLst>
+            </a:custGeom>
+            <a:grpFill/>
+            <a:ln>
+              <a:noFill/>
+            </a:ln>
+            <a:extLst>
+              <a:ext uri="{91240B29-F687-4f45-9708-019B960494DF}">
+                <a14:hiddenLine xmlns="" xmlns:a16="http://schemas.microsoft.com/office/drawing/2014/main" xmlns:p14="http://schemas.microsoft.com/office/powerpoint/2010/main" xmlns:a14="http://schemas.microsoft.com/office/drawing/2010/main" w="9525">
+                  <a:solidFill>
+                    <a:srgbClr val="000000"/>
+                  </a:solidFill>
+                  <a:round/>
+                  <a:headEnd/>
+                  <a:tailEnd/>
+                </a14:hiddenLine>
+              </a:ext>
+            </a:extLst>
+          </p:spPr>
+        </p:sp>
+        <p:sp>
+          <p:nvSpPr>
+            <p:cNvPr id="33" name="Freeform 27">
+              <a:extLst>
+                <a:ext uri="{FF2B5EF4-FFF2-40B4-BE49-F238E27FC236}">
+                  <a16:creationId xmlns:a16="http://schemas.microsoft.com/office/drawing/2014/main" id="{E4A7025C-CDE8-429A-BBB9-E7380C962388}"/>
+                </a:ext>
+                <a:ext uri="{C183D7F6-B498-43B3-948B-1728B52AA6E4}">
+                  <adec:decorative xmlns:adec="http://schemas.microsoft.com/office/drawing/2017/decorative" val="1"/>
+                </a:ext>
+              </a:extLst>
+            </p:cNvPr>
+            <p:cNvSpPr/>
+            <p:nvPr>
+              <p:extLst>
+                <p:ext uri="{386F3935-93C4-4BCD-93E2-E3B085C9AB24}">
+                  <p16:designElem xmlns:p16="http://schemas.microsoft.com/office/powerpoint/2015/main" val="1"/>
+                </p:ext>
+              </p:extLst>
+            </p:nvPr>
+          </p:nvSpPr>
+          <p:spPr bwMode="auto">
+            <a:xfrm>
+              <a:off x="569912" y="5945188"/>
+              <a:ext cx="152400" cy="912813"/>
+            </a:xfrm>
+            <a:custGeom>
+              <a:avLst/>
+              <a:gdLst/>
+              <a:ahLst/>
+              <a:cxnLst/>
+              <a:rect l="0" t="0" r="r" b="b"/>
+              <a:pathLst>
+                <a:path w="96" h="575">
+                  <a:moveTo>
+                    <a:pt x="15" y="575"/>
+                  </a:moveTo>
+                  <a:lnTo>
+                    <a:pt x="0" y="569"/>
+                  </a:lnTo>
+                  <a:lnTo>
+                    <a:pt x="81" y="383"/>
+                  </a:lnTo>
+                  <a:lnTo>
+                    <a:pt x="81" y="0"/>
+                  </a:lnTo>
+                  <a:lnTo>
+                    <a:pt x="96" y="0"/>
+                  </a:lnTo>
+                  <a:lnTo>
+                    <a:pt x="96" y="386"/>
+                  </a:lnTo>
+                  <a:lnTo>
+                    <a:pt x="15" y="575"/>
+                  </a:lnTo>
+                  <a:close/>
+                </a:path>
+              </a:pathLst>
+            </a:custGeom>
+            <a:grpFill/>
+            <a:ln>
+              <a:noFill/>
+            </a:ln>
+            <a:extLst>
+              <a:ext uri="{91240B29-F687-4f45-9708-019B960494DF}">
+                <a14:hiddenLine xmlns="" xmlns:a16="http://schemas.microsoft.com/office/drawing/2014/main" xmlns:p14="http://schemas.microsoft.com/office/powerpoint/2010/main" xmlns:a14="http://schemas.microsoft.com/office/drawing/2010/main" w="9525">
+                  <a:solidFill>
+                    <a:srgbClr val="000000"/>
+                  </a:solidFill>
+                  <a:round/>
+                  <a:headEnd/>
+                  <a:tailEnd/>
+                </a14:hiddenLine>
+              </a:ext>
+            </a:extLst>
+          </p:spPr>
+        </p:sp>
+        <p:sp>
+          <p:nvSpPr>
+            <p:cNvPr id="34" name="Freeform 28">
+              <a:extLst>
+                <a:ext uri="{FF2B5EF4-FFF2-40B4-BE49-F238E27FC236}">
+                  <a16:creationId xmlns:a16="http://schemas.microsoft.com/office/drawing/2014/main" id="{A4EA0256-5DF5-437A-98A7-B79F3E6BB89A}"/>
+                </a:ext>
+                <a:ext uri="{C183D7F6-B498-43B3-948B-1728B52AA6E4}">
+                  <adec:decorative xmlns:adec="http://schemas.microsoft.com/office/drawing/2017/decorative" val="1"/>
+                </a:ext>
+              </a:extLst>
+            </p:cNvPr>
+            <p:cNvSpPr>
+              <a:spLocks noEditPoints="1"/>
+            </p:cNvSpPr>
+            <p:nvPr>
+              <p:extLst>
+                <p:ext uri="{386F3935-93C4-4BCD-93E2-E3B085C9AB24}">
+                  <p16:designElem xmlns:p16="http://schemas.microsoft.com/office/powerpoint/2015/main" val="1"/>
+                </p:ext>
+              </p:extLst>
+            </p:nvPr>
+          </p:nvSpPr>
+          <p:spPr bwMode="auto">
+            <a:xfrm>
+              <a:off x="612775" y="5246688"/>
+              <a:ext cx="190500" cy="190500"/>
+            </a:xfrm>
+            <a:custGeom>
+              <a:avLst/>
+              <a:gdLst/>
+              <a:ahLst/>
+              <a:cxnLst/>
+              <a:rect l="0" t="0" r="r" b="b"/>
+              <a:pathLst>
+                <a:path w="40" h="40">
+                  <a:moveTo>
+                    <a:pt x="20" y="40"/>
+                  </a:moveTo>
+                  <a:cubicBezTo>
+                    <a:pt x="9" y="40"/>
+                    <a:pt x="0" y="31"/>
+                    <a:pt x="0" y="20"/>
+                  </a:cubicBezTo>
+                  <a:cubicBezTo>
+                    <a:pt x="0" y="9"/>
+                    <a:pt x="9" y="0"/>
+                    <a:pt x="20" y="0"/>
+                  </a:cubicBezTo>
+                  <a:cubicBezTo>
+                    <a:pt x="31" y="0"/>
+                    <a:pt x="40" y="9"/>
+                    <a:pt x="40" y="20"/>
+                  </a:cubicBezTo>
+                  <a:cubicBezTo>
+                    <a:pt x="40" y="31"/>
+                    <a:pt x="31" y="40"/>
+                    <a:pt x="20" y="40"/>
+                  </a:cubicBezTo>
+                  <a:close/>
+                  <a:moveTo>
+                    <a:pt x="20" y="4"/>
+                  </a:moveTo>
+                  <a:cubicBezTo>
+                    <a:pt x="12" y="4"/>
+                    <a:pt x="4" y="11"/>
+                    <a:pt x="4" y="20"/>
+                  </a:cubicBezTo>
+                  <a:cubicBezTo>
+                    <a:pt x="4" y="29"/>
+                    <a:pt x="12" y="36"/>
+                    <a:pt x="20" y="36"/>
+                  </a:cubicBezTo>
+                  <a:cubicBezTo>
+                    <a:pt x="29" y="36"/>
+                    <a:pt x="36" y="29"/>
+                    <a:pt x="36" y="20"/>
+                  </a:cubicBezTo>
+                  <a:cubicBezTo>
+                    <a:pt x="36" y="11"/>
+                    <a:pt x="29" y="4"/>
+                    <a:pt x="20" y="4"/>
+                  </a:cubicBezTo>
+                  <a:close/>
+                </a:path>
+              </a:pathLst>
+            </a:custGeom>
+            <a:grpFill/>
+            <a:ln>
+              <a:noFill/>
+            </a:ln>
+            <a:extLst>
+              <a:ext uri="{91240B29-F687-4f45-9708-019B960494DF}">
+                <a14:hiddenLine xmlns="" xmlns:a16="http://schemas.microsoft.com/office/drawing/2014/main" xmlns:p14="http://schemas.microsoft.com/office/powerpoint/2010/main" xmlns:a14="http://schemas.microsoft.com/office/drawing/2010/main" w="9525">
+                  <a:solidFill>
+                    <a:srgbClr val="000000"/>
+                  </a:solidFill>
+                  <a:round/>
+                  <a:headEnd/>
+                  <a:tailEnd/>
+                </a14:hiddenLine>
+              </a:ext>
+            </a:extLst>
+          </p:spPr>
+        </p:sp>
+        <p:sp>
+          <p:nvSpPr>
+            <p:cNvPr id="35" name="Freeform 29">
+              <a:extLst>
+                <a:ext uri="{FF2B5EF4-FFF2-40B4-BE49-F238E27FC236}">
+                  <a16:creationId xmlns:a16="http://schemas.microsoft.com/office/drawing/2014/main" id="{90C9433D-9E1C-493B-BEBD-C3081FFA328F}"/>
+                </a:ext>
+                <a:ext uri="{C183D7F6-B498-43B3-948B-1728B52AA6E4}">
+                  <adec:decorative xmlns:adec="http://schemas.microsoft.com/office/drawing/2017/decorative" val="1"/>
+                </a:ext>
+              </a:extLst>
+            </p:cNvPr>
+            <p:cNvSpPr>
+              <a:spLocks noEditPoints="1"/>
+            </p:cNvSpPr>
+            <p:nvPr>
+              <p:extLst>
+                <p:ext uri="{386F3935-93C4-4BCD-93E2-E3B085C9AB24}">
+                  <p16:designElem xmlns:p16="http://schemas.microsoft.com/office/powerpoint/2015/main" val="1"/>
+                </p:ext>
+              </p:extLst>
+            </p:nvPr>
+          </p:nvSpPr>
+          <p:spPr bwMode="auto">
+            <a:xfrm>
+              <a:off x="612775" y="5764213"/>
+              <a:ext cx="190500" cy="190500"/>
+            </a:xfrm>
+            <a:custGeom>
+              <a:avLst/>
+              <a:gdLst/>
+              <a:ahLst/>
+              <a:cxnLst/>
+              <a:rect l="0" t="0" r="r" b="b"/>
+              <a:pathLst>
+                <a:path w="40" h="40">
+                  <a:moveTo>
+                    <a:pt x="20" y="40"/>
+                  </a:moveTo>
+                  <a:cubicBezTo>
+                    <a:pt x="9" y="40"/>
+                    <a:pt x="0" y="31"/>
+                    <a:pt x="0" y="20"/>
+                  </a:cubicBezTo>
+                  <a:cubicBezTo>
+                    <a:pt x="0" y="9"/>
+                    <a:pt x="9" y="0"/>
+                    <a:pt x="20" y="0"/>
+                  </a:cubicBezTo>
+                  <a:cubicBezTo>
+                    <a:pt x="31" y="0"/>
+                    <a:pt x="40" y="9"/>
+                    <a:pt x="40" y="20"/>
+                  </a:cubicBezTo>
+                  <a:cubicBezTo>
+                    <a:pt x="40" y="31"/>
+                    <a:pt x="31" y="40"/>
+                    <a:pt x="20" y="40"/>
+                  </a:cubicBezTo>
+                  <a:close/>
+                  <a:moveTo>
+                    <a:pt x="20" y="4"/>
+                  </a:moveTo>
+                  <a:cubicBezTo>
+                    <a:pt x="12" y="4"/>
+                    <a:pt x="4" y="11"/>
+                    <a:pt x="4" y="20"/>
+                  </a:cubicBezTo>
+                  <a:cubicBezTo>
+                    <a:pt x="4" y="29"/>
+                    <a:pt x="12" y="36"/>
+                    <a:pt x="20" y="36"/>
+                  </a:cubicBezTo>
+                  <a:cubicBezTo>
+                    <a:pt x="29" y="36"/>
+                    <a:pt x="36" y="29"/>
+                    <a:pt x="36" y="20"/>
+                  </a:cubicBezTo>
+                  <a:cubicBezTo>
+                    <a:pt x="36" y="11"/>
+                    <a:pt x="29" y="4"/>
+                    <a:pt x="20" y="4"/>
+                  </a:cubicBezTo>
+                  <a:close/>
+                </a:path>
+              </a:pathLst>
+            </a:custGeom>
+            <a:grpFill/>
+            <a:ln>
+              <a:noFill/>
+            </a:ln>
+            <a:extLst>
+              <a:ext uri="{91240B29-F687-4f45-9708-019B960494DF}">
+                <a14:hiddenLine xmlns="" xmlns:a16="http://schemas.microsoft.com/office/drawing/2014/main" xmlns:p14="http://schemas.microsoft.com/office/powerpoint/2010/main" xmlns:a14="http://schemas.microsoft.com/office/drawing/2010/main" w="9525">
+                  <a:solidFill>
+                    <a:srgbClr val="000000"/>
+                  </a:solidFill>
+                  <a:round/>
+                  <a:headEnd/>
+                  <a:tailEnd/>
+                </a14:hiddenLine>
+              </a:ext>
+            </a:extLst>
+          </p:spPr>
+        </p:sp>
+        <p:sp>
+          <p:nvSpPr>
+            <p:cNvPr id="36" name="Freeform 30">
+              <a:extLst>
+                <a:ext uri="{FF2B5EF4-FFF2-40B4-BE49-F238E27FC236}">
+                  <a16:creationId xmlns:a16="http://schemas.microsoft.com/office/drawing/2014/main" id="{352B39BB-F298-4285-A709-1FBA0CB722C9}"/>
+                </a:ext>
+                <a:ext uri="{C183D7F6-B498-43B3-948B-1728B52AA6E4}">
+                  <adec:decorative xmlns:adec="http://schemas.microsoft.com/office/drawing/2017/decorative" val="1"/>
+                </a:ext>
+              </a:extLst>
+            </p:cNvPr>
+            <p:cNvSpPr/>
+            <p:nvPr>
+              <p:extLst>
+                <p:ext uri="{386F3935-93C4-4BCD-93E2-E3B085C9AB24}">
+                  <p16:designElem xmlns:p16="http://schemas.microsoft.com/office/powerpoint/2015/main" val="1"/>
+                </p:ext>
+              </p:extLst>
+            </p:nvPr>
+          </p:nvSpPr>
+          <p:spPr bwMode="auto">
+            <a:xfrm>
+              <a:off x="669925" y="6330950"/>
+              <a:ext cx="417513" cy="517525"/>
+            </a:xfrm>
+            <a:custGeom>
+              <a:avLst/>
+              <a:gdLst/>
+              <a:ahLst/>
+              <a:cxnLst/>
+              <a:rect l="0" t="0" r="r" b="b"/>
+              <a:pathLst>
+                <a:path w="263" h="326">
+                  <a:moveTo>
+                    <a:pt x="15" y="326"/>
+                  </a:moveTo>
+                  <a:lnTo>
+                    <a:pt x="0" y="320"/>
+                  </a:lnTo>
+                  <a:lnTo>
+                    <a:pt x="45" y="206"/>
+                  </a:lnTo>
+                  <a:lnTo>
+                    <a:pt x="48" y="206"/>
+                  </a:lnTo>
+                  <a:lnTo>
+                    <a:pt x="254" y="0"/>
+                  </a:lnTo>
+                  <a:lnTo>
+                    <a:pt x="263" y="12"/>
+                  </a:lnTo>
+                  <a:lnTo>
+                    <a:pt x="60" y="215"/>
+                  </a:lnTo>
+                  <a:lnTo>
+                    <a:pt x="15" y="326"/>
+                  </a:lnTo>
+                  <a:close/>
+                </a:path>
+              </a:pathLst>
+            </a:custGeom>
+            <a:grpFill/>
+            <a:ln>
+              <a:noFill/>
+            </a:ln>
+            <a:extLst>
+              <a:ext uri="{91240B29-F687-4f45-9708-019B960494DF}">
+                <a14:hiddenLine xmlns="" xmlns:a16="http://schemas.microsoft.com/office/drawing/2014/main" xmlns:p14="http://schemas.microsoft.com/office/powerpoint/2010/main" xmlns:a14="http://schemas.microsoft.com/office/drawing/2010/main" w="9525">
+                  <a:solidFill>
+                    <a:srgbClr val="000000"/>
+                  </a:solidFill>
+                  <a:round/>
+                  <a:headEnd/>
+                  <a:tailEnd/>
+                </a14:hiddenLine>
+              </a:ext>
+            </a:extLst>
+          </p:spPr>
+        </p:sp>
+        <p:sp>
+          <p:nvSpPr>
+            <p:cNvPr id="37" name="Freeform 31">
+              <a:extLst>
+                <a:ext uri="{FF2B5EF4-FFF2-40B4-BE49-F238E27FC236}">
+                  <a16:creationId xmlns:a16="http://schemas.microsoft.com/office/drawing/2014/main" id="{31CAF2A0-CBA0-4E86-AA87-8750EC1AFB2E}"/>
+                </a:ext>
+                <a:ext uri="{C183D7F6-B498-43B3-948B-1728B52AA6E4}">
+                  <adec:decorative xmlns:adec="http://schemas.microsoft.com/office/drawing/2017/decorative" val="1"/>
+                </a:ext>
+              </a:extLst>
+            </p:cNvPr>
+            <p:cNvSpPr>
+              <a:spLocks noEditPoints="1"/>
+            </p:cNvSpPr>
+            <p:nvPr>
+              <p:extLst>
+                <p:ext uri="{386F3935-93C4-4BCD-93E2-E3B085C9AB24}">
+                  <p16:designElem xmlns:p16="http://schemas.microsoft.com/office/powerpoint/2015/main" val="1"/>
+                </p:ext>
+              </p:extLst>
+            </p:nvPr>
+          </p:nvSpPr>
+          <p:spPr bwMode="auto">
+            <a:xfrm>
+              <a:off x="1049337" y="6221413"/>
+              <a:ext cx="157163" cy="147638"/>
+            </a:xfrm>
+            <a:custGeom>
+              <a:avLst/>
+              <a:gdLst/>
+              <a:ahLst/>
+              <a:cxnLst/>
+              <a:rect l="0" t="0" r="r" b="b"/>
+              <a:pathLst>
+                <a:path w="33" h="31">
+                  <a:moveTo>
+                    <a:pt x="16" y="31"/>
+                  </a:moveTo>
+                  <a:cubicBezTo>
+                    <a:pt x="12" y="31"/>
+                    <a:pt x="8" y="29"/>
+                    <a:pt x="5" y="26"/>
+                  </a:cubicBezTo>
+                  <a:cubicBezTo>
+                    <a:pt x="2" y="24"/>
+                    <a:pt x="0" y="20"/>
+                    <a:pt x="0" y="15"/>
+                  </a:cubicBezTo>
+                  <a:cubicBezTo>
+                    <a:pt x="0" y="11"/>
+                    <a:pt x="2" y="7"/>
+                    <a:pt x="5" y="4"/>
+                  </a:cubicBezTo>
+                  <a:cubicBezTo>
+                    <a:pt x="8" y="1"/>
+                    <a:pt x="12" y="0"/>
+                    <a:pt x="16" y="0"/>
+                  </a:cubicBezTo>
+                  <a:cubicBezTo>
+                    <a:pt x="20" y="0"/>
+                    <a:pt x="24" y="1"/>
+                    <a:pt x="27" y="4"/>
+                  </a:cubicBezTo>
+                  <a:cubicBezTo>
+                    <a:pt x="33" y="10"/>
+                    <a:pt x="33" y="20"/>
+                    <a:pt x="27" y="26"/>
+                  </a:cubicBezTo>
+                  <a:cubicBezTo>
+                    <a:pt x="24" y="29"/>
+                    <a:pt x="20" y="31"/>
+                    <a:pt x="16" y="31"/>
+                  </a:cubicBezTo>
+                  <a:close/>
+                  <a:moveTo>
+                    <a:pt x="16" y="4"/>
+                  </a:moveTo>
+                  <a:cubicBezTo>
+                    <a:pt x="13" y="4"/>
+                    <a:pt x="10" y="5"/>
+                    <a:pt x="8" y="7"/>
+                  </a:cubicBezTo>
+                  <a:cubicBezTo>
+                    <a:pt x="6" y="9"/>
+                    <a:pt x="4" y="12"/>
+                    <a:pt x="4" y="15"/>
+                  </a:cubicBezTo>
+                  <a:cubicBezTo>
+                    <a:pt x="4" y="19"/>
+                    <a:pt x="6" y="21"/>
+                    <a:pt x="8" y="24"/>
+                  </a:cubicBezTo>
+                  <a:cubicBezTo>
+                    <a:pt x="10" y="26"/>
+                    <a:pt x="13" y="27"/>
+                    <a:pt x="16" y="27"/>
+                  </a:cubicBezTo>
+                  <a:cubicBezTo>
+                    <a:pt x="19" y="27"/>
+                    <a:pt x="22" y="26"/>
+                    <a:pt x="24" y="24"/>
+                  </a:cubicBezTo>
+                  <a:cubicBezTo>
+                    <a:pt x="29" y="19"/>
+                    <a:pt x="29" y="12"/>
+                    <a:pt x="24" y="7"/>
+                  </a:cubicBezTo>
+                  <a:cubicBezTo>
+                    <a:pt x="22" y="5"/>
+                    <a:pt x="19" y="4"/>
+                    <a:pt x="16" y="4"/>
+                  </a:cubicBezTo>
+                  <a:close/>
+                </a:path>
+              </a:pathLst>
+            </a:custGeom>
+            <a:grpFill/>
+            <a:ln>
+              <a:noFill/>
+            </a:ln>
+            <a:extLst>
+              <a:ext uri="{91240B29-F687-4f45-9708-019B960494DF}">
+                <a14:hiddenLine xmlns="" xmlns:a16="http://schemas.microsoft.com/office/drawing/2014/main" xmlns:p14="http://schemas.microsoft.com/office/powerpoint/2010/main" xmlns:a14="http://schemas.microsoft.com/office/drawing/2010/main" w="9525">
+                  <a:solidFill>
+                    <a:srgbClr val="000000"/>
+                  </a:solidFill>
+                  <a:round/>
+                  <a:headEnd/>
+                  <a:tailEnd/>
+                </a14:hiddenLine>
+              </a:ext>
+            </a:extLst>
+          </p:spPr>
+        </p:sp>
+      </p:grpSp>
+      <p:sp>
+        <p:nvSpPr>
+          <p:cNvPr id="2" name="Titel 1">
+            <a:extLst>
+              <a:ext uri="{FF2B5EF4-FFF2-40B4-BE49-F238E27FC236}">
+                <a16:creationId xmlns:a16="http://schemas.microsoft.com/office/drawing/2014/main" id="{0DF37BB4-3EE7-FD45-84DC-D826BD43084C}"/>
+              </a:ext>
+            </a:extLst>
+          </p:cNvPr>
+          <p:cNvSpPr>
+            <a:spLocks noGrp="1"/>
+          </p:cNvSpPr>
+          <p:nvPr>
+            <p:ph type="title"/>
+          </p:nvPr>
+        </p:nvSpPr>
+        <p:spPr>
+          <a:xfrm>
+            <a:off x="1019015" y="1093787"/>
+            <a:ext cx="3059969" cy="4697413"/>
+          </a:xfrm>
+        </p:spPr>
+        <p:txBody>
+          <a:bodyPr>
+            <a:normAutofit/>
+          </a:bodyPr>
+          <a:lstStyle/>
+          <a:p>
+            <a:r>
+              <a:rPr lang="en-US"/>
+              <a:t>Thanks</a:t>
+            </a:r>
+          </a:p>
+        </p:txBody>
+      </p:sp>
+      <p:sp useBgFill="1">
+        <p:nvSpPr>
+          <p:cNvPr id="39" name="Round Diagonal Corner Rectangle 7">
+            <a:extLst>
+              <a:ext uri="{FF2B5EF4-FFF2-40B4-BE49-F238E27FC236}">
+                <a16:creationId xmlns:a16="http://schemas.microsoft.com/office/drawing/2014/main" id="{7D1C411D-0818-4640-8657-2AF78250C802}"/>
+              </a:ext>
+              <a:ext uri="{C183D7F6-B498-43B3-948B-1728B52AA6E4}">
+                <adec:decorative xmlns:adec="http://schemas.microsoft.com/office/drawing/2017/decorative" val="1"/>
+              </a:ext>
+            </a:extLst>
+          </p:cNvPr>
+          <p:cNvSpPr>
+            <a:spLocks noGrp="1" noRot="1" noChangeAspect="1" noMove="1" noResize="1" noEditPoints="1" noAdjustHandles="1" noChangeArrowheads="1" noChangeShapeType="1" noTextEdit="1"/>
+          </p:cNvSpPr>
+          <p:nvPr>
+            <p:extLst>
+              <p:ext uri="{386F3935-93C4-4BCD-93E2-E3B085C9AB24}">
+                <p16:designElem xmlns:p16="http://schemas.microsoft.com/office/powerpoint/2015/main" val="1"/>
+              </p:ext>
+            </p:extLst>
+          </p:nvPr>
+        </p:nvSpPr>
+        <p:spPr>
+          <a:xfrm>
+            <a:off x="4625084" y="0"/>
+            <a:ext cx="7566916" cy="6848476"/>
+          </a:xfrm>
+          <a:prstGeom prst="round2DiagRect">
+            <a:avLst>
+              <a:gd name="adj1" fmla="val 0"/>
+              <a:gd name="adj2" fmla="val 0"/>
+            </a:avLst>
+          </a:prstGeom>
+          <a:ln w="19050" cap="sq">
+            <a:noFill/>
+            <a:miter lim="800000"/>
+          </a:ln>
+          <a:effectLst/>
+        </p:spPr>
+        <p:style>
+          <a:lnRef idx="1">
+            <a:schemeClr val="accent1"/>
+          </a:lnRef>
+          <a:fillRef idx="3">
+            <a:schemeClr val="accent1"/>
+          </a:fillRef>
+          <a:effectRef idx="2">
+            <a:schemeClr val="accent1"/>
+          </a:effectRef>
+          <a:fontRef idx="minor">
+            <a:schemeClr val="lt1"/>
+          </a:fontRef>
+        </p:style>
+        <p:txBody>
+          <a:bodyPr rtlCol="0" anchor="ctr"/>
+          <a:lstStyle/>
+          <a:p>
+            <a:pPr algn="ctr"/>
+            <a:endParaRPr lang="en-US"/>
+          </a:p>
+        </p:txBody>
+      </p:sp>
+      <p:sp>
+        <p:nvSpPr>
+          <p:cNvPr id="3" name="Inhaltsplatzhalter 2">
+            <a:extLst>
+              <a:ext uri="{FF2B5EF4-FFF2-40B4-BE49-F238E27FC236}">
+                <a16:creationId xmlns:a16="http://schemas.microsoft.com/office/drawing/2014/main" id="{2D80D726-5113-5A40-9AEA-0635352E2212}"/>
+              </a:ext>
+            </a:extLst>
+          </p:cNvPr>
+          <p:cNvSpPr>
+            <a:spLocks noGrp="1"/>
+          </p:cNvSpPr>
+          <p:nvPr>
+            <p:ph idx="1"/>
+          </p:nvPr>
+        </p:nvSpPr>
+        <p:spPr>
+          <a:xfrm>
+            <a:off x="5215467" y="1093788"/>
+            <a:ext cx="5831944" cy="4697413"/>
+          </a:xfrm>
+        </p:spPr>
+        <p:txBody>
+          <a:bodyPr>
+            <a:normAutofit/>
+          </a:bodyPr>
+          <a:lstStyle/>
+          <a:p>
+            <a:pPr marL="0" indent="0">
+              <a:buNone/>
+            </a:pPr>
+            <a:r>
+              <a:rPr lang="en-US" dirty="0"/>
+              <a:t>Questions?</a:t>
+            </a:r>
+          </a:p>
+        </p:txBody>
+      </p:sp>
+    </p:spTree>
+    <p:extLst>
+      <p:ext uri="{BB962C8B-B14F-4D97-AF65-F5344CB8AC3E}">
+        <p14:creationId xmlns:p14="http://schemas.microsoft.com/office/powerpoint/2010/main" val="2316053612"/>
+      </p:ext>
+    </p:extLst>
+  </p:cSld>
+  <p:clrMapOvr>
+    <a:masterClrMapping/>
+  </p:clrMapOvr>
+  <p:timing>
+    <p:tnLst>
+      <p:par>
+        <p:cTn id="1" dur="indefinite" restart="never" nodeType="tmRoot">
+          <p:childTnLst>
+            <p:seq concurrent="1" nextAc="seek">
+              <p:cTn id="2" dur="indefinite" nodeType="mainSeq">
+                <p:childTnLst>
+                  <p:par>
+                    <p:cTn id="3" fill="hold">
+                      <p:stCondLst>
+                        <p:cond delay="indefinite"/>
+                        <p:cond evt="onBegin" delay="0">
+                          <p:tn val="2"/>
+                        </p:cond>
+                      </p:stCondLst>
+                      <p:childTnLst>
+                        <p:par>
+                          <p:cTn id="4" fill="hold">
+                            <p:stCondLst>
+                              <p:cond delay="0"/>
+                            </p:stCondLst>
+                            <p:childTnLst>
+                              <p:par>
+                                <p:cTn id="5" presetID="10" presetClass="entr" presetSubtype="0" fill="hold" grpId="0" nodeType="withEffect">
+                                  <p:stCondLst>
+                                    <p:cond delay="500"/>
+                                  </p:stCondLst>
+                                  <p:iterate>
+                                    <p:tmPct val="10000"/>
+                                  </p:iterate>
+                                  <p:childTnLst>
+                                    <p:set>
+                                      <p:cBhvr>
+                                        <p:cTn id="6" dur="1" fill="hold">
+                                          <p:stCondLst>
+                                            <p:cond delay="0"/>
+                                          </p:stCondLst>
+                                        </p:cTn>
+                                        <p:tgtEl>
+                                          <p:spTgt spid="2"/>
+                                        </p:tgtEl>
+                                        <p:attrNameLst>
+                                          <p:attrName>style.visibility</p:attrName>
+                                        </p:attrNameLst>
+                                      </p:cBhvr>
+                                      <p:to>
+                                        <p:strVal val="visible"/>
+                                      </p:to>
+                                    </p:set>
+                                    <p:animEffect transition="in" filter="fade">
+                                      <p:cBhvr>
+                                        <p:cTn id="7" dur="700"/>
+                                        <p:tgtEl>
+                                          <p:spTgt spid="2"/>
+                                        </p:tgtEl>
+                                      </p:cBhvr>
+                                    </p:animEffect>
+                                  </p:childTnLst>
+                                </p:cTn>
+                              </p:par>
+                            </p:childTnLst>
+                          </p:cTn>
+                        </p:par>
+                      </p:childTnLst>
+                    </p:cTn>
+                  </p:par>
+                </p:childTnLst>
+              </p:cTn>
+              <p:prevCondLst>
+                <p:cond evt="onPrev" delay="0">
+                  <p:tgtEl>
+                    <p:sldTgt/>
+                  </p:tgtEl>
+                </p:cond>
+              </p:prevCondLst>
+              <p:nextCondLst>
+                <p:cond evt="onNext" delay="0">
+                  <p:tgtEl>
+                    <p:sldTgt/>
+                  </p:tgtEl>
+                </p:cond>
+              </p:nextCondLst>
+            </p:seq>
+          </p:childTnLst>
+        </p:cTn>
+      </p:par>
+    </p:tnLst>
+    <p:bldLst>
+      <p:bldP spid="2" grpId="0"/>
     </p:bldLst>
   </p:timing>
 </p:sld>
@@ -21930,7 +24686,7 @@
             </a:ln>
             <a:extLst>
               <a:ext uri="{91240B29-F687-4f45-9708-019B960494DF}">
-                <a14:hiddenLine xmlns="" xmlns:a16="http://schemas.microsoft.com/office/drawing/2014/main" xmlns:p14="http://schemas.microsoft.com/office/powerpoint/2010/main" xmlns:a14="http://schemas.microsoft.com/office/drawing/2010/main" w="9525">
+                <a14:hiddenLine xmlns:a14="http://schemas.microsoft.com/office/drawing/2010/main" xmlns:p14="http://schemas.microsoft.com/office/powerpoint/2010/main" xmlns:a16="http://schemas.microsoft.com/office/drawing/2014/main" xmlns="" w="9525">
                   <a:solidFill>
                     <a:srgbClr val="000000"/>
                   </a:solidFill>
@@ -22035,7 +24791,7 @@
             </a:ln>
             <a:extLst>
               <a:ext uri="{91240B29-F687-4f45-9708-019B960494DF}">
-                <a14:hiddenLine xmlns="" xmlns:a16="http://schemas.microsoft.com/office/drawing/2014/main" xmlns:p14="http://schemas.microsoft.com/office/powerpoint/2010/main" xmlns:a14="http://schemas.microsoft.com/office/drawing/2010/main" w="9525">
+                <a14:hiddenLine xmlns:a14="http://schemas.microsoft.com/office/drawing/2010/main" xmlns:p14="http://schemas.microsoft.com/office/powerpoint/2010/main" xmlns:a16="http://schemas.microsoft.com/office/drawing/2014/main" xmlns="" w="9525">
                   <a:solidFill>
                     <a:srgbClr val="000000"/>
                   </a:solidFill>
@@ -22140,7 +24896,7 @@
             </a:ln>
             <a:extLst>
               <a:ext uri="{91240B29-F687-4f45-9708-019B960494DF}">
-                <a14:hiddenLine xmlns="" xmlns:a16="http://schemas.microsoft.com/office/drawing/2014/main" xmlns:p14="http://schemas.microsoft.com/office/powerpoint/2010/main" xmlns:a14="http://schemas.microsoft.com/office/drawing/2010/main" w="9525">
+                <a14:hiddenLine xmlns:a14="http://schemas.microsoft.com/office/drawing/2010/main" xmlns:p14="http://schemas.microsoft.com/office/powerpoint/2010/main" xmlns:a16="http://schemas.microsoft.com/office/drawing/2014/main" xmlns="" w="9525">
                   <a:solidFill>
                     <a:srgbClr val="000000"/>
                   </a:solidFill>
@@ -22217,7 +24973,7 @@
             </a:ln>
             <a:extLst>
               <a:ext uri="{91240B29-F687-4f45-9708-019B960494DF}">
-                <a14:hiddenLine xmlns="" xmlns:a16="http://schemas.microsoft.com/office/drawing/2014/main" xmlns:p14="http://schemas.microsoft.com/office/powerpoint/2010/main" xmlns:a14="http://schemas.microsoft.com/office/drawing/2010/main" w="9525">
+                <a14:hiddenLine xmlns:a14="http://schemas.microsoft.com/office/drawing/2010/main" xmlns:p14="http://schemas.microsoft.com/office/powerpoint/2010/main" xmlns:a16="http://schemas.microsoft.com/office/drawing/2014/main" xmlns="" w="9525">
                   <a:solidFill>
                     <a:srgbClr val="000000"/>
                   </a:solidFill>
@@ -22322,7 +25078,7 @@
             </a:ln>
             <a:extLst>
               <a:ext uri="{91240B29-F687-4f45-9708-019B960494DF}">
-                <a14:hiddenLine xmlns="" xmlns:a16="http://schemas.microsoft.com/office/drawing/2014/main" xmlns:p14="http://schemas.microsoft.com/office/powerpoint/2010/main" xmlns:a14="http://schemas.microsoft.com/office/drawing/2010/main" w="9525">
+                <a14:hiddenLine xmlns:a14="http://schemas.microsoft.com/office/drawing/2010/main" xmlns:p14="http://schemas.microsoft.com/office/powerpoint/2010/main" xmlns:a16="http://schemas.microsoft.com/office/drawing/2014/main" xmlns="" w="9525">
                   <a:solidFill>
                     <a:srgbClr val="000000"/>
                   </a:solidFill>
@@ -22399,7 +25155,7 @@
             </a:ln>
             <a:extLst>
               <a:ext uri="{91240B29-F687-4f45-9708-019B960494DF}">
-                <a14:hiddenLine xmlns="" xmlns:a16="http://schemas.microsoft.com/office/drawing/2014/main" xmlns:p14="http://schemas.microsoft.com/office/powerpoint/2010/main" xmlns:a14="http://schemas.microsoft.com/office/drawing/2010/main" w="9525">
+                <a14:hiddenLine xmlns:a14="http://schemas.microsoft.com/office/drawing/2010/main" xmlns:p14="http://schemas.microsoft.com/office/powerpoint/2010/main" xmlns:a16="http://schemas.microsoft.com/office/drawing/2014/main" xmlns="" w="9525">
                   <a:solidFill>
                     <a:srgbClr val="000000"/>
                   </a:solidFill>
@@ -22476,7 +25232,7 @@
             </a:ln>
             <a:extLst>
               <a:ext uri="{91240B29-F687-4f45-9708-019B960494DF}">
-                <a14:hiddenLine xmlns="" xmlns:a16="http://schemas.microsoft.com/office/drawing/2014/main" xmlns:p14="http://schemas.microsoft.com/office/powerpoint/2010/main" xmlns:a14="http://schemas.microsoft.com/office/drawing/2010/main" w="9525">
+                <a14:hiddenLine xmlns:a14="http://schemas.microsoft.com/office/drawing/2010/main" xmlns:p14="http://schemas.microsoft.com/office/powerpoint/2010/main" xmlns:a16="http://schemas.microsoft.com/office/drawing/2014/main" xmlns="" w="9525">
                   <a:solidFill>
                     <a:srgbClr val="000000"/>
                   </a:solidFill>
@@ -22581,7 +25337,7 @@
             </a:ln>
             <a:extLst>
               <a:ext uri="{91240B29-F687-4f45-9708-019B960494DF}">
-                <a14:hiddenLine xmlns="" xmlns:a16="http://schemas.microsoft.com/office/drawing/2014/main" xmlns:p14="http://schemas.microsoft.com/office/powerpoint/2010/main" xmlns:a14="http://schemas.microsoft.com/office/drawing/2010/main" w="9525">
+                <a14:hiddenLine xmlns:a14="http://schemas.microsoft.com/office/drawing/2010/main" xmlns:p14="http://schemas.microsoft.com/office/powerpoint/2010/main" xmlns:a16="http://schemas.microsoft.com/office/drawing/2014/main" xmlns="" w="9525">
                   <a:solidFill>
                     <a:srgbClr val="000000"/>
                   </a:solidFill>
@@ -22686,7 +25442,7 @@
             </a:ln>
             <a:extLst>
               <a:ext uri="{91240B29-F687-4f45-9708-019B960494DF}">
-                <a14:hiddenLine xmlns="" xmlns:a16="http://schemas.microsoft.com/office/drawing/2014/main" xmlns:p14="http://schemas.microsoft.com/office/powerpoint/2010/main" xmlns:a14="http://schemas.microsoft.com/office/drawing/2010/main" w="9525">
+                <a14:hiddenLine xmlns:a14="http://schemas.microsoft.com/office/drawing/2010/main" xmlns:p14="http://schemas.microsoft.com/office/powerpoint/2010/main" xmlns:a16="http://schemas.microsoft.com/office/drawing/2014/main" xmlns="" w="9525">
                   <a:solidFill>
                     <a:srgbClr val="000000"/>
                   </a:solidFill>
@@ -22763,7 +25519,7 @@
             </a:ln>
             <a:extLst>
               <a:ext uri="{91240B29-F687-4f45-9708-019B960494DF}">
-                <a14:hiddenLine xmlns="" xmlns:a16="http://schemas.microsoft.com/office/drawing/2014/main" xmlns:p14="http://schemas.microsoft.com/office/powerpoint/2010/main" xmlns:a14="http://schemas.microsoft.com/office/drawing/2010/main" w="9525">
+                <a14:hiddenLine xmlns:a14="http://schemas.microsoft.com/office/drawing/2010/main" xmlns:p14="http://schemas.microsoft.com/office/powerpoint/2010/main" xmlns:a16="http://schemas.microsoft.com/office/drawing/2014/main" xmlns="" w="9525">
                   <a:solidFill>
                     <a:srgbClr val="000000"/>
                   </a:solidFill>
@@ -22888,7 +25644,7 @@
             </a:ln>
             <a:extLst>
               <a:ext uri="{91240B29-F687-4f45-9708-019B960494DF}">
-                <a14:hiddenLine xmlns="" xmlns:a16="http://schemas.microsoft.com/office/drawing/2014/main" xmlns:p14="http://schemas.microsoft.com/office/powerpoint/2010/main" xmlns:a14="http://schemas.microsoft.com/office/drawing/2010/main" w="9525">
+                <a14:hiddenLine xmlns:a14="http://schemas.microsoft.com/office/drawing/2010/main" xmlns:p14="http://schemas.microsoft.com/office/powerpoint/2010/main" xmlns:a16="http://schemas.microsoft.com/office/drawing/2014/main" xmlns="" w="9525">
                   <a:solidFill>
                     <a:srgbClr val="000000"/>
                   </a:solidFill>
@@ -23002,7 +25758,7 @@
             </a:ln>
             <a:extLst>
               <a:ext uri="{91240B29-F687-4f45-9708-019B960494DF}">
-                <a14:hiddenLine xmlns="" xmlns:a16="http://schemas.microsoft.com/office/drawing/2014/main" xmlns:p14="http://schemas.microsoft.com/office/powerpoint/2010/main" xmlns:a14="http://schemas.microsoft.com/office/drawing/2010/main" w="9525">
+                <a14:hiddenLine xmlns:a14="http://schemas.microsoft.com/office/drawing/2010/main" xmlns:p14="http://schemas.microsoft.com/office/powerpoint/2010/main" xmlns:a16="http://schemas.microsoft.com/office/drawing/2014/main" xmlns="" w="9525">
                   <a:solidFill>
                     <a:srgbClr val="000000"/>
                   </a:solidFill>
@@ -23079,7 +25835,7 @@
             </a:ln>
             <a:extLst>
               <a:ext uri="{91240B29-F687-4f45-9708-019B960494DF}">
-                <a14:hiddenLine xmlns="" xmlns:a16="http://schemas.microsoft.com/office/drawing/2014/main" xmlns:p14="http://schemas.microsoft.com/office/powerpoint/2010/main" xmlns:a14="http://schemas.microsoft.com/office/drawing/2010/main" w="9525">
+                <a14:hiddenLine xmlns:a14="http://schemas.microsoft.com/office/drawing/2010/main" xmlns:p14="http://schemas.microsoft.com/office/powerpoint/2010/main" xmlns:a16="http://schemas.microsoft.com/office/drawing/2014/main" xmlns="" w="9525">
                   <a:solidFill>
                     <a:srgbClr val="000000"/>
                   </a:solidFill>
@@ -23156,7 +25912,7 @@
             </a:ln>
             <a:extLst>
               <a:ext uri="{91240B29-F687-4f45-9708-019B960494DF}">
-                <a14:hiddenLine xmlns="" xmlns:a16="http://schemas.microsoft.com/office/drawing/2014/main" xmlns:p14="http://schemas.microsoft.com/office/powerpoint/2010/main" xmlns:a14="http://schemas.microsoft.com/office/drawing/2010/main" w="9525">
+                <a14:hiddenLine xmlns:a14="http://schemas.microsoft.com/office/drawing/2010/main" xmlns:p14="http://schemas.microsoft.com/office/powerpoint/2010/main" xmlns:a16="http://schemas.microsoft.com/office/drawing/2014/main" xmlns="" w="9525">
                   <a:solidFill>
                     <a:srgbClr val="000000"/>
                   </a:solidFill>
@@ -23261,7 +26017,7 @@
             </a:ln>
             <a:extLst>
               <a:ext uri="{91240B29-F687-4f45-9708-019B960494DF}">
-                <a14:hiddenLine xmlns="" xmlns:a16="http://schemas.microsoft.com/office/drawing/2014/main" xmlns:p14="http://schemas.microsoft.com/office/powerpoint/2010/main" xmlns:a14="http://schemas.microsoft.com/office/drawing/2010/main" w="9525">
+                <a14:hiddenLine xmlns:a14="http://schemas.microsoft.com/office/drawing/2010/main" xmlns:p14="http://schemas.microsoft.com/office/powerpoint/2010/main" xmlns:a16="http://schemas.microsoft.com/office/drawing/2014/main" xmlns="" w="9525">
                   <a:solidFill>
                     <a:srgbClr val="000000"/>
                   </a:solidFill>
@@ -23310,7 +26066,7 @@
             </a:ln>
             <a:extLst>
               <a:ext uri="{91240B29-F687-4f45-9708-019B960494DF}">
-                <a14:hiddenLine xmlns="" xmlns:a16="http://schemas.microsoft.com/office/drawing/2014/main" xmlns:p14="http://schemas.microsoft.com/office/powerpoint/2010/main" xmlns:a14="http://schemas.microsoft.com/office/drawing/2010/main" w="9525">
+                <a14:hiddenLine xmlns:a14="http://schemas.microsoft.com/office/drawing/2010/main" xmlns:p14="http://schemas.microsoft.com/office/powerpoint/2010/main" xmlns:a16="http://schemas.microsoft.com/office/drawing/2014/main" xmlns="" w="9525">
                   <a:solidFill>
                     <a:srgbClr val="000000"/>
                   </a:solidFill>
@@ -23390,7 +26146,7 @@
             </a:ln>
             <a:extLst>
               <a:ext uri="{91240B29-F687-4f45-9708-019B960494DF}">
-                <a14:hiddenLine xmlns="" xmlns:a16="http://schemas.microsoft.com/office/drawing/2014/main" xmlns:p14="http://schemas.microsoft.com/office/powerpoint/2010/main" xmlns:a14="http://schemas.microsoft.com/office/drawing/2010/main" w="9525">
+                <a14:hiddenLine xmlns:a14="http://schemas.microsoft.com/office/drawing/2010/main" xmlns:p14="http://schemas.microsoft.com/office/powerpoint/2010/main" xmlns:a16="http://schemas.microsoft.com/office/drawing/2014/main" xmlns="" w="9525">
                   <a:solidFill>
                     <a:srgbClr val="000000"/>
                   </a:solidFill>
@@ -23495,7 +26251,7 @@
             </a:ln>
             <a:extLst>
               <a:ext uri="{91240B29-F687-4f45-9708-019B960494DF}">
-                <a14:hiddenLine xmlns="" xmlns:a16="http://schemas.microsoft.com/office/drawing/2014/main" xmlns:p14="http://schemas.microsoft.com/office/powerpoint/2010/main" xmlns:a14="http://schemas.microsoft.com/office/drawing/2010/main" w="9525">
+                <a14:hiddenLine xmlns:a14="http://schemas.microsoft.com/office/drawing/2010/main" xmlns:p14="http://schemas.microsoft.com/office/powerpoint/2010/main" xmlns:a16="http://schemas.microsoft.com/office/drawing/2014/main" xmlns="" w="9525">
                   <a:solidFill>
                     <a:srgbClr val="000000"/>
                   </a:solidFill>
@@ -23572,7 +26328,7 @@
             </a:ln>
             <a:extLst>
               <a:ext uri="{91240B29-F687-4f45-9708-019B960494DF}">
-                <a14:hiddenLine xmlns="" xmlns:a16="http://schemas.microsoft.com/office/drawing/2014/main" xmlns:p14="http://schemas.microsoft.com/office/powerpoint/2010/main" xmlns:a14="http://schemas.microsoft.com/office/drawing/2010/main" w="9525">
+                <a14:hiddenLine xmlns:a14="http://schemas.microsoft.com/office/drawing/2010/main" xmlns:p14="http://schemas.microsoft.com/office/powerpoint/2010/main" xmlns:a16="http://schemas.microsoft.com/office/drawing/2014/main" xmlns="" w="9525">
                   <a:solidFill>
                     <a:srgbClr val="000000"/>
                   </a:solidFill>
@@ -23677,7 +26433,7 @@
             </a:ln>
             <a:extLst>
               <a:ext uri="{91240B29-F687-4f45-9708-019B960494DF}">
-                <a14:hiddenLine xmlns="" xmlns:a16="http://schemas.microsoft.com/office/drawing/2014/main" xmlns:p14="http://schemas.microsoft.com/office/powerpoint/2010/main" xmlns:a14="http://schemas.microsoft.com/office/drawing/2010/main" w="9525">
+                <a14:hiddenLine xmlns:a14="http://schemas.microsoft.com/office/drawing/2010/main" xmlns:p14="http://schemas.microsoft.com/office/powerpoint/2010/main" xmlns:a16="http://schemas.microsoft.com/office/drawing/2014/main" xmlns="" w="9525">
                   <a:solidFill>
                     <a:srgbClr val="000000"/>
                   </a:solidFill>
@@ -23757,7 +26513,7 @@
             </a:ln>
             <a:extLst>
               <a:ext uri="{91240B29-F687-4f45-9708-019B960494DF}">
-                <a14:hiddenLine xmlns="" xmlns:a16="http://schemas.microsoft.com/office/drawing/2014/main" xmlns:p14="http://schemas.microsoft.com/office/powerpoint/2010/main" xmlns:a14="http://schemas.microsoft.com/office/drawing/2010/main" w="9525">
+                <a14:hiddenLine xmlns:a14="http://schemas.microsoft.com/office/drawing/2010/main" xmlns:p14="http://schemas.microsoft.com/office/powerpoint/2010/main" xmlns:a16="http://schemas.microsoft.com/office/drawing/2014/main" xmlns="" w="9525">
                   <a:solidFill>
                     <a:srgbClr val="000000"/>
                   </a:solidFill>
@@ -23834,7 +26590,7 @@
             </a:ln>
             <a:extLst>
               <a:ext uri="{91240B29-F687-4f45-9708-019B960494DF}">
-                <a14:hiddenLine xmlns="" xmlns:a16="http://schemas.microsoft.com/office/drawing/2014/main" xmlns:p14="http://schemas.microsoft.com/office/powerpoint/2010/main" xmlns:a14="http://schemas.microsoft.com/office/drawing/2010/main" w="9525">
+                <a14:hiddenLine xmlns:a14="http://schemas.microsoft.com/office/drawing/2010/main" xmlns:p14="http://schemas.microsoft.com/office/powerpoint/2010/main" xmlns:a16="http://schemas.microsoft.com/office/drawing/2014/main" xmlns="" w="9525">
                   <a:solidFill>
                     <a:srgbClr val="000000"/>
                   </a:solidFill>
@@ -23939,7 +26695,7 @@
             </a:ln>
             <a:extLst>
               <a:ext uri="{91240B29-F687-4f45-9708-019B960494DF}">
-                <a14:hiddenLine xmlns="" xmlns:a16="http://schemas.microsoft.com/office/drawing/2014/main" xmlns:p14="http://schemas.microsoft.com/office/powerpoint/2010/main" xmlns:a14="http://schemas.microsoft.com/office/drawing/2010/main" w="9525">
+                <a14:hiddenLine xmlns:a14="http://schemas.microsoft.com/office/drawing/2010/main" xmlns:p14="http://schemas.microsoft.com/office/powerpoint/2010/main" xmlns:a16="http://schemas.microsoft.com/office/drawing/2014/main" xmlns="" w="9525">
                   <a:solidFill>
                     <a:srgbClr val="000000"/>
                   </a:solidFill>
@@ -24044,7 +26800,7 @@
             </a:ln>
             <a:extLst>
               <a:ext uri="{91240B29-F687-4f45-9708-019B960494DF}">
-                <a14:hiddenLine xmlns="" xmlns:a16="http://schemas.microsoft.com/office/drawing/2014/main" xmlns:p14="http://schemas.microsoft.com/office/powerpoint/2010/main" xmlns:a14="http://schemas.microsoft.com/office/drawing/2010/main" w="9525">
+                <a14:hiddenLine xmlns:a14="http://schemas.microsoft.com/office/drawing/2010/main" xmlns:p14="http://schemas.microsoft.com/office/powerpoint/2010/main" xmlns:a16="http://schemas.microsoft.com/office/drawing/2014/main" xmlns="" w="9525">
                   <a:solidFill>
                     <a:srgbClr val="000000"/>
                   </a:solidFill>
@@ -24124,7 +26880,7 @@
             </a:ln>
             <a:extLst>
               <a:ext uri="{91240B29-F687-4f45-9708-019B960494DF}">
-                <a14:hiddenLine xmlns="" xmlns:a16="http://schemas.microsoft.com/office/drawing/2014/main" xmlns:p14="http://schemas.microsoft.com/office/powerpoint/2010/main" xmlns:a14="http://schemas.microsoft.com/office/drawing/2010/main" w="9525">
+                <a14:hiddenLine xmlns:a14="http://schemas.microsoft.com/office/drawing/2010/main" xmlns:p14="http://schemas.microsoft.com/office/powerpoint/2010/main" xmlns:a16="http://schemas.microsoft.com/office/drawing/2014/main" xmlns="" w="9525">
                   <a:solidFill>
                     <a:srgbClr val="000000"/>
                   </a:solidFill>
@@ -24259,7 +27015,7 @@
             </a:ln>
             <a:extLst>
               <a:ext uri="{91240B29-F687-4f45-9708-019B960494DF}">
-                <a14:hiddenLine xmlns="" xmlns:a16="http://schemas.microsoft.com/office/drawing/2014/main" xmlns:p14="http://schemas.microsoft.com/office/powerpoint/2010/main" xmlns:a14="http://schemas.microsoft.com/office/drawing/2010/main" w="9525">
+                <a14:hiddenLine xmlns:a14="http://schemas.microsoft.com/office/drawing/2010/main" xmlns:p14="http://schemas.microsoft.com/office/powerpoint/2010/main" xmlns:a16="http://schemas.microsoft.com/office/drawing/2014/main" xmlns="" w="9525">
                   <a:solidFill>
                     <a:srgbClr val="000000"/>
                   </a:solidFill>
@@ -24677,7 +27433,7 @@
             </a:ln>
             <a:extLst>
               <a:ext uri="{91240B29-F687-4f45-9708-019B960494DF}">
-                <a14:hiddenLine xmlns="" xmlns:a16="http://schemas.microsoft.com/office/drawing/2014/main" xmlns:p14="http://schemas.microsoft.com/office/powerpoint/2010/main" xmlns:a14="http://schemas.microsoft.com/office/drawing/2010/main" w="9525">
+                <a14:hiddenLine xmlns:a14="http://schemas.microsoft.com/office/drawing/2010/main" xmlns:p14="http://schemas.microsoft.com/office/powerpoint/2010/main" xmlns:a16="http://schemas.microsoft.com/office/drawing/2014/main" xmlns="" w="9525">
                   <a:solidFill>
                     <a:srgbClr val="000000"/>
                   </a:solidFill>
@@ -24782,7 +27538,7 @@
             </a:ln>
             <a:extLst>
               <a:ext uri="{91240B29-F687-4f45-9708-019B960494DF}">
-                <a14:hiddenLine xmlns="" xmlns:a16="http://schemas.microsoft.com/office/drawing/2014/main" xmlns:p14="http://schemas.microsoft.com/office/powerpoint/2010/main" xmlns:a14="http://schemas.microsoft.com/office/drawing/2010/main" w="9525">
+                <a14:hiddenLine xmlns:a14="http://schemas.microsoft.com/office/drawing/2010/main" xmlns:p14="http://schemas.microsoft.com/office/powerpoint/2010/main" xmlns:a16="http://schemas.microsoft.com/office/drawing/2014/main" xmlns="" w="9525">
                   <a:solidFill>
                     <a:srgbClr val="000000"/>
                   </a:solidFill>
@@ -24887,7 +27643,7 @@
             </a:ln>
             <a:extLst>
               <a:ext uri="{91240B29-F687-4f45-9708-019B960494DF}">
-                <a14:hiddenLine xmlns="" xmlns:a16="http://schemas.microsoft.com/office/drawing/2014/main" xmlns:p14="http://schemas.microsoft.com/office/powerpoint/2010/main" xmlns:a14="http://schemas.microsoft.com/office/drawing/2010/main" w="9525">
+                <a14:hiddenLine xmlns:a14="http://schemas.microsoft.com/office/drawing/2010/main" xmlns:p14="http://schemas.microsoft.com/office/powerpoint/2010/main" xmlns:a16="http://schemas.microsoft.com/office/drawing/2014/main" xmlns="" w="9525">
                   <a:solidFill>
                     <a:srgbClr val="000000"/>
                   </a:solidFill>
@@ -24964,7 +27720,7 @@
             </a:ln>
             <a:extLst>
               <a:ext uri="{91240B29-F687-4f45-9708-019B960494DF}">
-                <a14:hiddenLine xmlns="" xmlns:a16="http://schemas.microsoft.com/office/drawing/2014/main" xmlns:p14="http://schemas.microsoft.com/office/powerpoint/2010/main" xmlns:a14="http://schemas.microsoft.com/office/drawing/2010/main" w="9525">
+                <a14:hiddenLine xmlns:a14="http://schemas.microsoft.com/office/drawing/2010/main" xmlns:p14="http://schemas.microsoft.com/office/powerpoint/2010/main" xmlns:a16="http://schemas.microsoft.com/office/drawing/2014/main" xmlns="" w="9525">
                   <a:solidFill>
                     <a:srgbClr val="000000"/>
                   </a:solidFill>
@@ -25069,7 +27825,7 @@
             </a:ln>
             <a:extLst>
               <a:ext uri="{91240B29-F687-4f45-9708-019B960494DF}">
-                <a14:hiddenLine xmlns="" xmlns:a16="http://schemas.microsoft.com/office/drawing/2014/main" xmlns:p14="http://schemas.microsoft.com/office/powerpoint/2010/main" xmlns:a14="http://schemas.microsoft.com/office/drawing/2010/main" w="9525">
+                <a14:hiddenLine xmlns:a14="http://schemas.microsoft.com/office/drawing/2010/main" xmlns:p14="http://schemas.microsoft.com/office/powerpoint/2010/main" xmlns:a16="http://schemas.microsoft.com/office/drawing/2014/main" xmlns="" w="9525">
                   <a:solidFill>
                     <a:srgbClr val="000000"/>
                   </a:solidFill>
@@ -25146,7 +27902,7 @@
             </a:ln>
             <a:extLst>
               <a:ext uri="{91240B29-F687-4f45-9708-019B960494DF}">
-                <a14:hiddenLine xmlns="" xmlns:a16="http://schemas.microsoft.com/office/drawing/2014/main" xmlns:p14="http://schemas.microsoft.com/office/powerpoint/2010/main" xmlns:a14="http://schemas.microsoft.com/office/drawing/2010/main" w="9525">
+                <a14:hiddenLine xmlns:a14="http://schemas.microsoft.com/office/drawing/2010/main" xmlns:p14="http://schemas.microsoft.com/office/powerpoint/2010/main" xmlns:a16="http://schemas.microsoft.com/office/drawing/2014/main" xmlns="" w="9525">
                   <a:solidFill>
                     <a:srgbClr val="000000"/>
                   </a:solidFill>
@@ -25223,7 +27979,7 @@
             </a:ln>
             <a:extLst>
               <a:ext uri="{91240B29-F687-4f45-9708-019B960494DF}">
-                <a14:hiddenLine xmlns="" xmlns:a16="http://schemas.microsoft.com/office/drawing/2014/main" xmlns:p14="http://schemas.microsoft.com/office/powerpoint/2010/main" xmlns:a14="http://schemas.microsoft.com/office/drawing/2010/main" w="9525">
+                <a14:hiddenLine xmlns:a14="http://schemas.microsoft.com/office/drawing/2010/main" xmlns:p14="http://schemas.microsoft.com/office/powerpoint/2010/main" xmlns:a16="http://schemas.microsoft.com/office/drawing/2014/main" xmlns="" w="9525">
                   <a:solidFill>
                     <a:srgbClr val="000000"/>
                   </a:solidFill>
@@ -25328,7 +28084,7 @@
             </a:ln>
             <a:extLst>
               <a:ext uri="{91240B29-F687-4f45-9708-019B960494DF}">
-                <a14:hiddenLine xmlns="" xmlns:a16="http://schemas.microsoft.com/office/drawing/2014/main" xmlns:p14="http://schemas.microsoft.com/office/powerpoint/2010/main" xmlns:a14="http://schemas.microsoft.com/office/drawing/2010/main" w="9525">
+                <a14:hiddenLine xmlns:a14="http://schemas.microsoft.com/office/drawing/2010/main" xmlns:p14="http://schemas.microsoft.com/office/powerpoint/2010/main" xmlns:a16="http://schemas.microsoft.com/office/drawing/2014/main" xmlns="" w="9525">
                   <a:solidFill>
                     <a:srgbClr val="000000"/>
                   </a:solidFill>
@@ -25433,7 +28189,7 @@
             </a:ln>
             <a:extLst>
               <a:ext uri="{91240B29-F687-4f45-9708-019B960494DF}">
-                <a14:hiddenLine xmlns="" xmlns:a16="http://schemas.microsoft.com/office/drawing/2014/main" xmlns:p14="http://schemas.microsoft.com/office/powerpoint/2010/main" xmlns:a14="http://schemas.microsoft.com/office/drawing/2010/main" w="9525">
+                <a14:hiddenLine xmlns:a14="http://schemas.microsoft.com/office/drawing/2010/main" xmlns:p14="http://schemas.microsoft.com/office/powerpoint/2010/main" xmlns:a16="http://schemas.microsoft.com/office/drawing/2014/main" xmlns="" w="9525">
                   <a:solidFill>
                     <a:srgbClr val="000000"/>
                   </a:solidFill>
@@ -25510,7 +28266,7 @@
             </a:ln>
             <a:extLst>
               <a:ext uri="{91240B29-F687-4f45-9708-019B960494DF}">
-                <a14:hiddenLine xmlns="" xmlns:a16="http://schemas.microsoft.com/office/drawing/2014/main" xmlns:p14="http://schemas.microsoft.com/office/powerpoint/2010/main" xmlns:a14="http://schemas.microsoft.com/office/drawing/2010/main" w="9525">
+                <a14:hiddenLine xmlns:a14="http://schemas.microsoft.com/office/drawing/2010/main" xmlns:p14="http://schemas.microsoft.com/office/powerpoint/2010/main" xmlns:a16="http://schemas.microsoft.com/office/drawing/2014/main" xmlns="" w="9525">
                   <a:solidFill>
                     <a:srgbClr val="000000"/>
                   </a:solidFill>
@@ -25635,7 +28391,7 @@
             </a:ln>
             <a:extLst>
               <a:ext uri="{91240B29-F687-4f45-9708-019B960494DF}">
-                <a14:hiddenLine xmlns="" xmlns:a16="http://schemas.microsoft.com/office/drawing/2014/main" xmlns:p14="http://schemas.microsoft.com/office/powerpoint/2010/main" xmlns:a14="http://schemas.microsoft.com/office/drawing/2010/main" w="9525">
+                <a14:hiddenLine xmlns:a14="http://schemas.microsoft.com/office/drawing/2010/main" xmlns:p14="http://schemas.microsoft.com/office/powerpoint/2010/main" xmlns:a16="http://schemas.microsoft.com/office/drawing/2014/main" xmlns="" w="9525">
                   <a:solidFill>
                     <a:srgbClr val="000000"/>
                   </a:solidFill>
@@ -25749,7 +28505,7 @@
             </a:ln>
             <a:extLst>
               <a:ext uri="{91240B29-F687-4f45-9708-019B960494DF}">
-                <a14:hiddenLine xmlns="" xmlns:a16="http://schemas.microsoft.com/office/drawing/2014/main" xmlns:p14="http://schemas.microsoft.com/office/powerpoint/2010/main" xmlns:a14="http://schemas.microsoft.com/office/drawing/2010/main" w="9525">
+                <a14:hiddenLine xmlns:a14="http://schemas.microsoft.com/office/drawing/2010/main" xmlns:p14="http://schemas.microsoft.com/office/powerpoint/2010/main" xmlns:a16="http://schemas.microsoft.com/office/drawing/2014/main" xmlns="" w="9525">
                   <a:solidFill>
                     <a:srgbClr val="000000"/>
                   </a:solidFill>
@@ -25826,7 +28582,7 @@
             </a:ln>
             <a:extLst>
               <a:ext uri="{91240B29-F687-4f45-9708-019B960494DF}">
-                <a14:hiddenLine xmlns="" xmlns:a16="http://schemas.microsoft.com/office/drawing/2014/main" xmlns:p14="http://schemas.microsoft.com/office/powerpoint/2010/main" xmlns:a14="http://schemas.microsoft.com/office/drawing/2010/main" w="9525">
+                <a14:hiddenLine xmlns:a14="http://schemas.microsoft.com/office/drawing/2010/main" xmlns:p14="http://schemas.microsoft.com/office/powerpoint/2010/main" xmlns:a16="http://schemas.microsoft.com/office/drawing/2014/main" xmlns="" w="9525">
                   <a:solidFill>
                     <a:srgbClr val="000000"/>
                   </a:solidFill>
@@ -25903,7 +28659,7 @@
             </a:ln>
             <a:extLst>
               <a:ext uri="{91240B29-F687-4f45-9708-019B960494DF}">
-                <a14:hiddenLine xmlns="" xmlns:a16="http://schemas.microsoft.com/office/drawing/2014/main" xmlns:p14="http://schemas.microsoft.com/office/powerpoint/2010/main" xmlns:a14="http://schemas.microsoft.com/office/drawing/2010/main" w="9525">
+                <a14:hiddenLine xmlns:a14="http://schemas.microsoft.com/office/drawing/2010/main" xmlns:p14="http://schemas.microsoft.com/office/powerpoint/2010/main" xmlns:a16="http://schemas.microsoft.com/office/drawing/2014/main" xmlns="" w="9525">
                   <a:solidFill>
                     <a:srgbClr val="000000"/>
                   </a:solidFill>
@@ -26008,7 +28764,7 @@
             </a:ln>
             <a:extLst>
               <a:ext uri="{91240B29-F687-4f45-9708-019B960494DF}">
-                <a14:hiddenLine xmlns="" xmlns:a16="http://schemas.microsoft.com/office/drawing/2014/main" xmlns:p14="http://schemas.microsoft.com/office/powerpoint/2010/main" xmlns:a14="http://schemas.microsoft.com/office/drawing/2010/main" w="9525">
+                <a14:hiddenLine xmlns:a14="http://schemas.microsoft.com/office/drawing/2010/main" xmlns:p14="http://schemas.microsoft.com/office/powerpoint/2010/main" xmlns:a16="http://schemas.microsoft.com/office/drawing/2014/main" xmlns="" w="9525">
                   <a:solidFill>
                     <a:srgbClr val="000000"/>
                   </a:solidFill>
@@ -26057,7 +28813,7 @@
             </a:ln>
             <a:extLst>
               <a:ext uri="{91240B29-F687-4f45-9708-019B960494DF}">
-                <a14:hiddenLine xmlns="" xmlns:a16="http://schemas.microsoft.com/office/drawing/2014/main" xmlns:p14="http://schemas.microsoft.com/office/powerpoint/2010/main" xmlns:a14="http://schemas.microsoft.com/office/drawing/2010/main" w="9525">
+                <a14:hiddenLine xmlns:a14="http://schemas.microsoft.com/office/drawing/2010/main" xmlns:p14="http://schemas.microsoft.com/office/powerpoint/2010/main" xmlns:a16="http://schemas.microsoft.com/office/drawing/2014/main" xmlns="" w="9525">
                   <a:solidFill>
                     <a:srgbClr val="000000"/>
                   </a:solidFill>
@@ -26137,7 +28893,7 @@
             </a:ln>
             <a:extLst>
               <a:ext uri="{91240B29-F687-4f45-9708-019B960494DF}">
-                <a14:hiddenLine xmlns="" xmlns:a16="http://schemas.microsoft.com/office/drawing/2014/main" xmlns:p14="http://schemas.microsoft.com/office/powerpoint/2010/main" xmlns:a14="http://schemas.microsoft.com/office/drawing/2010/main" w="9525">
+                <a14:hiddenLine xmlns:a14="http://schemas.microsoft.com/office/drawing/2010/main" xmlns:p14="http://schemas.microsoft.com/office/powerpoint/2010/main" xmlns:a16="http://schemas.microsoft.com/office/drawing/2014/main" xmlns="" w="9525">
                   <a:solidFill>
                     <a:srgbClr val="000000"/>
                   </a:solidFill>
@@ -26242,7 +28998,7 @@
             </a:ln>
             <a:extLst>
               <a:ext uri="{91240B29-F687-4f45-9708-019B960494DF}">
-                <a14:hiddenLine xmlns="" xmlns:a16="http://schemas.microsoft.com/office/drawing/2014/main" xmlns:p14="http://schemas.microsoft.com/office/powerpoint/2010/main" xmlns:a14="http://schemas.microsoft.com/office/drawing/2010/main" w="9525">
+                <a14:hiddenLine xmlns:a14="http://schemas.microsoft.com/office/drawing/2010/main" xmlns:p14="http://schemas.microsoft.com/office/powerpoint/2010/main" xmlns:a16="http://schemas.microsoft.com/office/drawing/2014/main" xmlns="" w="9525">
                   <a:solidFill>
                     <a:srgbClr val="000000"/>
                   </a:solidFill>
@@ -26319,7 +29075,7 @@
             </a:ln>
             <a:extLst>
               <a:ext uri="{91240B29-F687-4f45-9708-019B960494DF}">
-                <a14:hiddenLine xmlns="" xmlns:a16="http://schemas.microsoft.com/office/drawing/2014/main" xmlns:p14="http://schemas.microsoft.com/office/powerpoint/2010/main" xmlns:a14="http://schemas.microsoft.com/office/drawing/2010/main" w="9525">
+                <a14:hiddenLine xmlns:a14="http://schemas.microsoft.com/office/drawing/2010/main" xmlns:p14="http://schemas.microsoft.com/office/powerpoint/2010/main" xmlns:a16="http://schemas.microsoft.com/office/drawing/2014/main" xmlns="" w="9525">
                   <a:solidFill>
                     <a:srgbClr val="000000"/>
                   </a:solidFill>
@@ -26424,7 +29180,7 @@
             </a:ln>
             <a:extLst>
               <a:ext uri="{91240B29-F687-4f45-9708-019B960494DF}">
-                <a14:hiddenLine xmlns="" xmlns:a16="http://schemas.microsoft.com/office/drawing/2014/main" xmlns:p14="http://schemas.microsoft.com/office/powerpoint/2010/main" xmlns:a14="http://schemas.microsoft.com/office/drawing/2010/main" w="9525">
+                <a14:hiddenLine xmlns:a14="http://schemas.microsoft.com/office/drawing/2010/main" xmlns:p14="http://schemas.microsoft.com/office/powerpoint/2010/main" xmlns:a16="http://schemas.microsoft.com/office/drawing/2014/main" xmlns="" w="9525">
                   <a:solidFill>
                     <a:srgbClr val="000000"/>
                   </a:solidFill>
@@ -26504,7 +29260,7 @@
             </a:ln>
             <a:extLst>
               <a:ext uri="{91240B29-F687-4f45-9708-019B960494DF}">
-                <a14:hiddenLine xmlns="" xmlns:a16="http://schemas.microsoft.com/office/drawing/2014/main" xmlns:p14="http://schemas.microsoft.com/office/powerpoint/2010/main" xmlns:a14="http://schemas.microsoft.com/office/drawing/2010/main" w="9525">
+                <a14:hiddenLine xmlns:a14="http://schemas.microsoft.com/office/drawing/2010/main" xmlns:p14="http://schemas.microsoft.com/office/powerpoint/2010/main" xmlns:a16="http://schemas.microsoft.com/office/drawing/2014/main" xmlns="" w="9525">
                   <a:solidFill>
                     <a:srgbClr val="000000"/>
                   </a:solidFill>
@@ -26581,7 +29337,7 @@
             </a:ln>
             <a:extLst>
               <a:ext uri="{91240B29-F687-4f45-9708-019B960494DF}">
-                <a14:hiddenLine xmlns="" xmlns:a16="http://schemas.microsoft.com/office/drawing/2014/main" xmlns:p14="http://schemas.microsoft.com/office/powerpoint/2010/main" xmlns:a14="http://schemas.microsoft.com/office/drawing/2010/main" w="9525">
+                <a14:hiddenLine xmlns:a14="http://schemas.microsoft.com/office/drawing/2010/main" xmlns:p14="http://schemas.microsoft.com/office/powerpoint/2010/main" xmlns:a16="http://schemas.microsoft.com/office/drawing/2014/main" xmlns="" w="9525">
                   <a:solidFill>
                     <a:srgbClr val="000000"/>
                   </a:solidFill>
@@ -26686,7 +29442,7 @@
             </a:ln>
             <a:extLst>
               <a:ext uri="{91240B29-F687-4f45-9708-019B960494DF}">
-                <a14:hiddenLine xmlns="" xmlns:a16="http://schemas.microsoft.com/office/drawing/2014/main" xmlns:p14="http://schemas.microsoft.com/office/powerpoint/2010/main" xmlns:a14="http://schemas.microsoft.com/office/drawing/2010/main" w="9525">
+                <a14:hiddenLine xmlns:a14="http://schemas.microsoft.com/office/drawing/2010/main" xmlns:p14="http://schemas.microsoft.com/office/powerpoint/2010/main" xmlns:a16="http://schemas.microsoft.com/office/drawing/2014/main" xmlns="" w="9525">
                   <a:solidFill>
                     <a:srgbClr val="000000"/>
                   </a:solidFill>
@@ -26791,7 +29547,7 @@
             </a:ln>
             <a:extLst>
               <a:ext uri="{91240B29-F687-4f45-9708-019B960494DF}">
-                <a14:hiddenLine xmlns="" xmlns:a16="http://schemas.microsoft.com/office/drawing/2014/main" xmlns:p14="http://schemas.microsoft.com/office/powerpoint/2010/main" xmlns:a14="http://schemas.microsoft.com/office/drawing/2010/main" w="9525">
+                <a14:hiddenLine xmlns:a14="http://schemas.microsoft.com/office/drawing/2010/main" xmlns:p14="http://schemas.microsoft.com/office/powerpoint/2010/main" xmlns:a16="http://schemas.microsoft.com/office/drawing/2014/main" xmlns="" w="9525">
                   <a:solidFill>
                     <a:srgbClr val="000000"/>
                   </a:solidFill>
@@ -26871,7 +29627,7 @@
             </a:ln>
             <a:extLst>
               <a:ext uri="{91240B29-F687-4f45-9708-019B960494DF}">
-                <a14:hiddenLine xmlns="" xmlns:a16="http://schemas.microsoft.com/office/drawing/2014/main" xmlns:p14="http://schemas.microsoft.com/office/powerpoint/2010/main" xmlns:a14="http://schemas.microsoft.com/office/drawing/2010/main" w="9525">
+                <a14:hiddenLine xmlns:a14="http://schemas.microsoft.com/office/drawing/2010/main" xmlns:p14="http://schemas.microsoft.com/office/powerpoint/2010/main" xmlns:a16="http://schemas.microsoft.com/office/drawing/2014/main" xmlns="" w="9525">
                   <a:solidFill>
                     <a:srgbClr val="000000"/>
                   </a:solidFill>
@@ -27006,7 +29762,7 @@
             </a:ln>
             <a:extLst>
               <a:ext uri="{91240B29-F687-4f45-9708-019B960494DF}">
-                <a14:hiddenLine xmlns="" xmlns:a16="http://schemas.microsoft.com/office/drawing/2014/main" xmlns:p14="http://schemas.microsoft.com/office/powerpoint/2010/main" xmlns:a14="http://schemas.microsoft.com/office/drawing/2010/main" w="9525">
+                <a14:hiddenLine xmlns:a14="http://schemas.microsoft.com/office/drawing/2010/main" xmlns:p14="http://schemas.microsoft.com/office/powerpoint/2010/main" xmlns:a16="http://schemas.microsoft.com/office/drawing/2014/main" xmlns="" w="9525">
                   <a:solidFill>
                     <a:srgbClr val="000000"/>
                   </a:solidFill>
@@ -27522,7 +30278,7 @@
             </a:ln>
             <a:extLst>
               <a:ext uri="{91240B29-F687-4f45-9708-019B960494DF}">
-                <a14:hiddenLine xmlns:a14="http://schemas.microsoft.com/office/drawing/2010/main" xmlns:p14="http://schemas.microsoft.com/office/powerpoint/2010/main" xmlns:a16="http://schemas.microsoft.com/office/drawing/2014/main" xmlns="" w="9525">
+                <a14:hiddenLine xmlns="" xmlns:a16="http://schemas.microsoft.com/office/drawing/2014/main" xmlns:p14="http://schemas.microsoft.com/office/powerpoint/2010/main" xmlns:a14="http://schemas.microsoft.com/office/drawing/2010/main" w="9525">
                   <a:solidFill>
                     <a:srgbClr val="000000"/>
                   </a:solidFill>
@@ -27627,7 +30383,7 @@
             </a:ln>
             <a:extLst>
               <a:ext uri="{91240B29-F687-4f45-9708-019B960494DF}">
-                <a14:hiddenLine xmlns:a14="http://schemas.microsoft.com/office/drawing/2010/main" xmlns:p14="http://schemas.microsoft.com/office/powerpoint/2010/main" xmlns:a16="http://schemas.microsoft.com/office/drawing/2014/main" xmlns="" w="9525">
+                <a14:hiddenLine xmlns="" xmlns:a16="http://schemas.microsoft.com/office/drawing/2014/main" xmlns:p14="http://schemas.microsoft.com/office/powerpoint/2010/main" xmlns:a14="http://schemas.microsoft.com/office/drawing/2010/main" w="9525">
                   <a:solidFill>
                     <a:srgbClr val="000000"/>
                   </a:solidFill>
@@ -27732,7 +30488,7 @@
             </a:ln>
             <a:extLst>
               <a:ext uri="{91240B29-F687-4f45-9708-019B960494DF}">
-                <a14:hiddenLine xmlns:a14="http://schemas.microsoft.com/office/drawing/2010/main" xmlns:p14="http://schemas.microsoft.com/office/powerpoint/2010/main" xmlns:a16="http://schemas.microsoft.com/office/drawing/2014/main" xmlns="" w="9525">
+                <a14:hiddenLine xmlns="" xmlns:a16="http://schemas.microsoft.com/office/drawing/2014/main" xmlns:p14="http://schemas.microsoft.com/office/powerpoint/2010/main" xmlns:a14="http://schemas.microsoft.com/office/drawing/2010/main" w="9525">
                   <a:solidFill>
                     <a:srgbClr val="000000"/>
                   </a:solidFill>
@@ -27809,7 +30565,7 @@
             </a:ln>
             <a:extLst>
               <a:ext uri="{91240B29-F687-4f45-9708-019B960494DF}">
-                <a14:hiddenLine xmlns:a14="http://schemas.microsoft.com/office/drawing/2010/main" xmlns:p14="http://schemas.microsoft.com/office/powerpoint/2010/main" xmlns:a16="http://schemas.microsoft.com/office/drawing/2014/main" xmlns="" w="9525">
+                <a14:hiddenLine xmlns="" xmlns:a16="http://schemas.microsoft.com/office/drawing/2014/main" xmlns:p14="http://schemas.microsoft.com/office/powerpoint/2010/main" xmlns:a14="http://schemas.microsoft.com/office/drawing/2010/main" w="9525">
                   <a:solidFill>
                     <a:srgbClr val="000000"/>
                   </a:solidFill>
@@ -27914,7 +30670,7 @@
             </a:ln>
             <a:extLst>
               <a:ext uri="{91240B29-F687-4f45-9708-019B960494DF}">
-                <a14:hiddenLine xmlns:a14="http://schemas.microsoft.com/office/drawing/2010/main" xmlns:p14="http://schemas.microsoft.com/office/powerpoint/2010/main" xmlns:a16="http://schemas.microsoft.com/office/drawing/2014/main" xmlns="" w="9525">
+                <a14:hiddenLine xmlns="" xmlns:a16="http://schemas.microsoft.com/office/drawing/2014/main" xmlns:p14="http://schemas.microsoft.com/office/powerpoint/2010/main" xmlns:a14="http://schemas.microsoft.com/office/drawing/2010/main" w="9525">
                   <a:solidFill>
                     <a:srgbClr val="000000"/>
                   </a:solidFill>
@@ -27991,7 +30747,7 @@
             </a:ln>
             <a:extLst>
               <a:ext uri="{91240B29-F687-4f45-9708-019B960494DF}">
-                <a14:hiddenLine xmlns:a14="http://schemas.microsoft.com/office/drawing/2010/main" xmlns:p14="http://schemas.microsoft.com/office/powerpoint/2010/main" xmlns:a16="http://schemas.microsoft.com/office/drawing/2014/main" xmlns="" w="9525">
+                <a14:hiddenLine xmlns="" xmlns:a16="http://schemas.microsoft.com/office/drawing/2014/main" xmlns:p14="http://schemas.microsoft.com/office/powerpoint/2010/main" xmlns:a14="http://schemas.microsoft.com/office/drawing/2010/main" w="9525">
                   <a:solidFill>
                     <a:srgbClr val="000000"/>
                   </a:solidFill>
@@ -28068,7 +30824,7 @@
             </a:ln>
             <a:extLst>
               <a:ext uri="{91240B29-F687-4f45-9708-019B960494DF}">
-                <a14:hiddenLine xmlns:a14="http://schemas.microsoft.com/office/drawing/2010/main" xmlns:p14="http://schemas.microsoft.com/office/powerpoint/2010/main" xmlns:a16="http://schemas.microsoft.com/office/drawing/2014/main" xmlns="" w="9525">
+                <a14:hiddenLine xmlns="" xmlns:a16="http://schemas.microsoft.com/office/drawing/2014/main" xmlns:p14="http://schemas.microsoft.com/office/powerpoint/2010/main" xmlns:a14="http://schemas.microsoft.com/office/drawing/2010/main" w="9525">
                   <a:solidFill>
                     <a:srgbClr val="000000"/>
                   </a:solidFill>
@@ -28173,7 +30929,7 @@
             </a:ln>
             <a:extLst>
               <a:ext uri="{91240B29-F687-4f45-9708-019B960494DF}">
-                <a14:hiddenLine xmlns:a14="http://schemas.microsoft.com/office/drawing/2010/main" xmlns:p14="http://schemas.microsoft.com/office/powerpoint/2010/main" xmlns:a16="http://schemas.microsoft.com/office/drawing/2014/main" xmlns="" w="9525">
+                <a14:hiddenLine xmlns="" xmlns:a16="http://schemas.microsoft.com/office/drawing/2014/main" xmlns:p14="http://schemas.microsoft.com/office/powerpoint/2010/main" xmlns:a14="http://schemas.microsoft.com/office/drawing/2010/main" w="9525">
                   <a:solidFill>
                     <a:srgbClr val="000000"/>
                   </a:solidFill>
@@ -28278,7 +31034,7 @@
             </a:ln>
             <a:extLst>
               <a:ext uri="{91240B29-F687-4f45-9708-019B960494DF}">
-                <a14:hiddenLine xmlns:a14="http://schemas.microsoft.com/office/drawing/2010/main" xmlns:p14="http://schemas.microsoft.com/office/powerpoint/2010/main" xmlns:a16="http://schemas.microsoft.com/office/drawing/2014/main" xmlns="" w="9525">
+                <a14:hiddenLine xmlns="" xmlns:a16="http://schemas.microsoft.com/office/drawing/2014/main" xmlns:p14="http://schemas.microsoft.com/office/powerpoint/2010/main" xmlns:a14="http://schemas.microsoft.com/office/drawing/2010/main" w="9525">
                   <a:solidFill>
                     <a:srgbClr val="000000"/>
                   </a:solidFill>
@@ -28355,7 +31111,7 @@
             </a:ln>
             <a:extLst>
               <a:ext uri="{91240B29-F687-4f45-9708-019B960494DF}">
-                <a14:hiddenLine xmlns:a14="http://schemas.microsoft.com/office/drawing/2010/main" xmlns:p14="http://schemas.microsoft.com/office/powerpoint/2010/main" xmlns:a16="http://schemas.microsoft.com/office/drawing/2014/main" xmlns="" w="9525">
+                <a14:hiddenLine xmlns="" xmlns:a16="http://schemas.microsoft.com/office/drawing/2014/main" xmlns:p14="http://schemas.microsoft.com/office/powerpoint/2010/main" xmlns:a14="http://schemas.microsoft.com/office/drawing/2010/main" w="9525">
                   <a:solidFill>
                     <a:srgbClr val="000000"/>
                   </a:solidFill>
@@ -28480,7 +31236,7 @@
             </a:ln>
             <a:extLst>
               <a:ext uri="{91240B29-F687-4f45-9708-019B960494DF}">
-                <a14:hiddenLine xmlns:a14="http://schemas.microsoft.com/office/drawing/2010/main" xmlns:p14="http://schemas.microsoft.com/office/powerpoint/2010/main" xmlns:a16="http://schemas.microsoft.com/office/drawing/2014/main" xmlns="" w="9525">
+                <a14:hiddenLine xmlns="" xmlns:a16="http://schemas.microsoft.com/office/drawing/2014/main" xmlns:p14="http://schemas.microsoft.com/office/powerpoint/2010/main" xmlns:a14="http://schemas.microsoft.com/office/drawing/2010/main" w="9525">
                   <a:solidFill>
                     <a:srgbClr val="000000"/>
                   </a:solidFill>
@@ -28594,7 +31350,7 @@
             </a:ln>
             <a:extLst>
               <a:ext uri="{91240B29-F687-4f45-9708-019B960494DF}">
-                <a14:hiddenLine xmlns:a14="http://schemas.microsoft.com/office/drawing/2010/main" xmlns:p14="http://schemas.microsoft.com/office/powerpoint/2010/main" xmlns:a16="http://schemas.microsoft.com/office/drawing/2014/main" xmlns="" w="9525">
+                <a14:hiddenLine xmlns="" xmlns:a16="http://schemas.microsoft.com/office/drawing/2014/main" xmlns:p14="http://schemas.microsoft.com/office/powerpoint/2010/main" xmlns:a14="http://schemas.microsoft.com/office/drawing/2010/main" w="9525">
                   <a:solidFill>
                     <a:srgbClr val="000000"/>
                   </a:solidFill>
@@ -28671,7 +31427,7 @@
             </a:ln>
             <a:extLst>
               <a:ext uri="{91240B29-F687-4f45-9708-019B960494DF}">
-                <a14:hiddenLine xmlns:a14="http://schemas.microsoft.com/office/drawing/2010/main" xmlns:p14="http://schemas.microsoft.com/office/powerpoint/2010/main" xmlns:a16="http://schemas.microsoft.com/office/drawing/2014/main" xmlns="" w="9525">
+                <a14:hiddenLine xmlns="" xmlns:a16="http://schemas.microsoft.com/office/drawing/2014/main" xmlns:p14="http://schemas.microsoft.com/office/powerpoint/2010/main" xmlns:a14="http://schemas.microsoft.com/office/drawing/2010/main" w="9525">
                   <a:solidFill>
                     <a:srgbClr val="000000"/>
                   </a:solidFill>
@@ -28748,7 +31504,7 @@
             </a:ln>
             <a:extLst>
               <a:ext uri="{91240B29-F687-4f45-9708-019B960494DF}">
-                <a14:hiddenLine xmlns:a14="http://schemas.microsoft.com/office/drawing/2010/main" xmlns:p14="http://schemas.microsoft.com/office/powerpoint/2010/main" xmlns:a16="http://schemas.microsoft.com/office/drawing/2014/main" xmlns="" w="9525">
+                <a14:hiddenLine xmlns="" xmlns:a16="http://schemas.microsoft.com/office/drawing/2014/main" xmlns:p14="http://schemas.microsoft.com/office/powerpoint/2010/main" xmlns:a14="http://schemas.microsoft.com/office/drawing/2010/main" w="9525">
                   <a:solidFill>
                     <a:srgbClr val="000000"/>
                   </a:solidFill>
@@ -28853,7 +31609,7 @@
             </a:ln>
             <a:extLst>
               <a:ext uri="{91240B29-F687-4f45-9708-019B960494DF}">
-                <a14:hiddenLine xmlns:a14="http://schemas.microsoft.com/office/drawing/2010/main" xmlns:p14="http://schemas.microsoft.com/office/powerpoint/2010/main" xmlns:a16="http://schemas.microsoft.com/office/drawing/2014/main" xmlns="" w="9525">
+                <a14:hiddenLine xmlns="" xmlns:a16="http://schemas.microsoft.com/office/drawing/2014/main" xmlns:p14="http://schemas.microsoft.com/office/powerpoint/2010/main" xmlns:a14="http://schemas.microsoft.com/office/drawing/2010/main" w="9525">
                   <a:solidFill>
                     <a:srgbClr val="000000"/>
                   </a:solidFill>
@@ -28902,7 +31658,7 @@
             </a:ln>
             <a:extLst>
               <a:ext uri="{91240B29-F687-4f45-9708-019B960494DF}">
-                <a14:hiddenLine xmlns:a14="http://schemas.microsoft.com/office/drawing/2010/main" xmlns:p14="http://schemas.microsoft.com/office/powerpoint/2010/main" xmlns:a16="http://schemas.microsoft.com/office/drawing/2014/main" xmlns="" w="9525">
+                <a14:hiddenLine xmlns="" xmlns:a16="http://schemas.microsoft.com/office/drawing/2014/main" xmlns:p14="http://schemas.microsoft.com/office/powerpoint/2010/main" xmlns:a14="http://schemas.microsoft.com/office/drawing/2010/main" w="9525">
                   <a:solidFill>
                     <a:srgbClr val="000000"/>
                   </a:solidFill>
@@ -28982,7 +31738,7 @@
             </a:ln>
             <a:extLst>
               <a:ext uri="{91240B29-F687-4f45-9708-019B960494DF}">
-                <a14:hiddenLine xmlns:a14="http://schemas.microsoft.com/office/drawing/2010/main" xmlns:p14="http://schemas.microsoft.com/office/powerpoint/2010/main" xmlns:a16="http://schemas.microsoft.com/office/drawing/2014/main" xmlns="" w="9525">
+                <a14:hiddenLine xmlns="" xmlns:a16="http://schemas.microsoft.com/office/drawing/2014/main" xmlns:p14="http://schemas.microsoft.com/office/powerpoint/2010/main" xmlns:a14="http://schemas.microsoft.com/office/drawing/2010/main" w="9525">
                   <a:solidFill>
                     <a:srgbClr val="000000"/>
                   </a:solidFill>
@@ -29087,7 +31843,7 @@
             </a:ln>
             <a:extLst>
               <a:ext uri="{91240B29-F687-4f45-9708-019B960494DF}">
-                <a14:hiddenLine xmlns:a14="http://schemas.microsoft.com/office/drawing/2010/main" xmlns:p14="http://schemas.microsoft.com/office/powerpoint/2010/main" xmlns:a16="http://schemas.microsoft.com/office/drawing/2014/main" xmlns="" w="9525">
+                <a14:hiddenLine xmlns="" xmlns:a16="http://schemas.microsoft.com/office/drawing/2014/main" xmlns:p14="http://schemas.microsoft.com/office/powerpoint/2010/main" xmlns:a14="http://schemas.microsoft.com/office/drawing/2010/main" w="9525">
                   <a:solidFill>
                     <a:srgbClr val="000000"/>
                   </a:solidFill>
@@ -29164,7 +31920,7 @@
             </a:ln>
             <a:extLst>
               <a:ext uri="{91240B29-F687-4f45-9708-019B960494DF}">
-                <a14:hiddenLine xmlns:a14="http://schemas.microsoft.com/office/drawing/2010/main" xmlns:p14="http://schemas.microsoft.com/office/powerpoint/2010/main" xmlns:a16="http://schemas.microsoft.com/office/drawing/2014/main" xmlns="" w="9525">
+                <a14:hiddenLine xmlns="" xmlns:a16="http://schemas.microsoft.com/office/drawing/2014/main" xmlns:p14="http://schemas.microsoft.com/office/powerpoint/2010/main" xmlns:a14="http://schemas.microsoft.com/office/drawing/2010/main" w="9525">
                   <a:solidFill>
                     <a:srgbClr val="000000"/>
                   </a:solidFill>
@@ -29269,7 +32025,7 @@
             </a:ln>
             <a:extLst>
               <a:ext uri="{91240B29-F687-4f45-9708-019B960494DF}">
-                <a14:hiddenLine xmlns:a14="http://schemas.microsoft.com/office/drawing/2010/main" xmlns:p14="http://schemas.microsoft.com/office/powerpoint/2010/main" xmlns:a16="http://schemas.microsoft.com/office/drawing/2014/main" xmlns="" w="9525">
+                <a14:hiddenLine xmlns="" xmlns:a16="http://schemas.microsoft.com/office/drawing/2014/main" xmlns:p14="http://schemas.microsoft.com/office/powerpoint/2010/main" xmlns:a14="http://schemas.microsoft.com/office/drawing/2010/main" w="9525">
                   <a:solidFill>
                     <a:srgbClr val="000000"/>
                   </a:solidFill>
@@ -29349,7 +32105,7 @@
             </a:ln>
             <a:extLst>
               <a:ext uri="{91240B29-F687-4f45-9708-019B960494DF}">
-                <a14:hiddenLine xmlns:a14="http://schemas.microsoft.com/office/drawing/2010/main" xmlns:p14="http://schemas.microsoft.com/office/powerpoint/2010/main" xmlns:a16="http://schemas.microsoft.com/office/drawing/2014/main" xmlns="" w="9525">
+                <a14:hiddenLine xmlns="" xmlns:a16="http://schemas.microsoft.com/office/drawing/2014/main" xmlns:p14="http://schemas.microsoft.com/office/powerpoint/2010/main" xmlns:a14="http://schemas.microsoft.com/office/drawing/2010/main" w="9525">
                   <a:solidFill>
                     <a:srgbClr val="000000"/>
                   </a:solidFill>
@@ -29426,7 +32182,7 @@
             </a:ln>
             <a:extLst>
               <a:ext uri="{91240B29-F687-4f45-9708-019B960494DF}">
-                <a14:hiddenLine xmlns:a14="http://schemas.microsoft.com/office/drawing/2010/main" xmlns:p14="http://schemas.microsoft.com/office/powerpoint/2010/main" xmlns:a16="http://schemas.microsoft.com/office/drawing/2014/main" xmlns="" w="9525">
+                <a14:hiddenLine xmlns="" xmlns:a16="http://schemas.microsoft.com/office/drawing/2014/main" xmlns:p14="http://schemas.microsoft.com/office/powerpoint/2010/main" xmlns:a14="http://schemas.microsoft.com/office/drawing/2010/main" w="9525">
                   <a:solidFill>
                     <a:srgbClr val="000000"/>
                   </a:solidFill>
@@ -29531,7 +32287,7 @@
             </a:ln>
             <a:extLst>
               <a:ext uri="{91240B29-F687-4f45-9708-019B960494DF}">
-                <a14:hiddenLine xmlns:a14="http://schemas.microsoft.com/office/drawing/2010/main" xmlns:p14="http://schemas.microsoft.com/office/powerpoint/2010/main" xmlns:a16="http://schemas.microsoft.com/office/drawing/2014/main" xmlns="" w="9525">
+                <a14:hiddenLine xmlns="" xmlns:a16="http://schemas.microsoft.com/office/drawing/2014/main" xmlns:p14="http://schemas.microsoft.com/office/powerpoint/2010/main" xmlns:a14="http://schemas.microsoft.com/office/drawing/2010/main" w="9525">
                   <a:solidFill>
                     <a:srgbClr val="000000"/>
                   </a:solidFill>
@@ -29636,7 +32392,7 @@
             </a:ln>
             <a:extLst>
               <a:ext uri="{91240B29-F687-4f45-9708-019B960494DF}">
-                <a14:hiddenLine xmlns:a14="http://schemas.microsoft.com/office/drawing/2010/main" xmlns:p14="http://schemas.microsoft.com/office/powerpoint/2010/main" xmlns:a16="http://schemas.microsoft.com/office/drawing/2014/main" xmlns="" w="9525">
+                <a14:hiddenLine xmlns="" xmlns:a16="http://schemas.microsoft.com/office/drawing/2014/main" xmlns:p14="http://schemas.microsoft.com/office/powerpoint/2010/main" xmlns:a14="http://schemas.microsoft.com/office/drawing/2010/main" w="9525">
                   <a:solidFill>
                     <a:srgbClr val="000000"/>
                   </a:solidFill>
@@ -29716,7 +32472,7 @@
             </a:ln>
             <a:extLst>
               <a:ext uri="{91240B29-F687-4f45-9708-019B960494DF}">
-                <a14:hiddenLine xmlns:a14="http://schemas.microsoft.com/office/drawing/2010/main" xmlns:p14="http://schemas.microsoft.com/office/powerpoint/2010/main" xmlns:a16="http://schemas.microsoft.com/office/drawing/2014/main" xmlns="" w="9525">
+                <a14:hiddenLine xmlns="" xmlns:a16="http://schemas.microsoft.com/office/drawing/2014/main" xmlns:p14="http://schemas.microsoft.com/office/powerpoint/2010/main" xmlns:a14="http://schemas.microsoft.com/office/drawing/2010/main" w="9525">
                   <a:solidFill>
                     <a:srgbClr val="000000"/>
                   </a:solidFill>
@@ -29851,7 +32607,7 @@
             </a:ln>
             <a:extLst>
               <a:ext uri="{91240B29-F687-4f45-9708-019B960494DF}">
-                <a14:hiddenLine xmlns:a14="http://schemas.microsoft.com/office/drawing/2010/main" xmlns:p14="http://schemas.microsoft.com/office/powerpoint/2010/main" xmlns:a16="http://schemas.microsoft.com/office/drawing/2014/main" xmlns="" w="9525">
+                <a14:hiddenLine xmlns="" xmlns:a16="http://schemas.microsoft.com/office/drawing/2014/main" xmlns:p14="http://schemas.microsoft.com/office/powerpoint/2010/main" xmlns:a14="http://schemas.microsoft.com/office/drawing/2010/main" w="9525">
                   <a:solidFill>
                     <a:srgbClr val="000000"/>
                   </a:solidFill>
@@ -30243,7 +32999,7 @@
             </a:ln>
             <a:extLst>
               <a:ext uri="{91240B29-F687-4f45-9708-019B960494DF}">
-                <a14:hiddenLine xmlns="" xmlns:a16="http://schemas.microsoft.com/office/drawing/2014/main" xmlns:p14="http://schemas.microsoft.com/office/powerpoint/2010/main" xmlns:a14="http://schemas.microsoft.com/office/drawing/2010/main" w="9525">
+                <a14:hiddenLine xmlns:a14="http://schemas.microsoft.com/office/drawing/2010/main" xmlns:p14="http://schemas.microsoft.com/office/powerpoint/2010/main" xmlns:a16="http://schemas.microsoft.com/office/drawing/2014/main" xmlns="" w="9525">
                   <a:solidFill>
                     <a:srgbClr val="000000"/>
                   </a:solidFill>
@@ -30348,7 +33104,7 @@
             </a:ln>
             <a:extLst>
               <a:ext uri="{91240B29-F687-4f45-9708-019B960494DF}">
-                <a14:hiddenLine xmlns="" xmlns:a16="http://schemas.microsoft.com/office/drawing/2014/main" xmlns:p14="http://schemas.microsoft.com/office/powerpoint/2010/main" xmlns:a14="http://schemas.microsoft.com/office/drawing/2010/main" w="9525">
+                <a14:hiddenLine xmlns:a14="http://schemas.microsoft.com/office/drawing/2010/main" xmlns:p14="http://schemas.microsoft.com/office/powerpoint/2010/main" xmlns:a16="http://schemas.microsoft.com/office/drawing/2014/main" xmlns="" w="9525">
                   <a:solidFill>
                     <a:srgbClr val="000000"/>
                   </a:solidFill>
@@ -30453,7 +33209,7 @@
             </a:ln>
             <a:extLst>
               <a:ext uri="{91240B29-F687-4f45-9708-019B960494DF}">
-                <a14:hiddenLine xmlns="" xmlns:a16="http://schemas.microsoft.com/office/drawing/2014/main" xmlns:p14="http://schemas.microsoft.com/office/powerpoint/2010/main" xmlns:a14="http://schemas.microsoft.com/office/drawing/2010/main" w="9525">
+                <a14:hiddenLine xmlns:a14="http://schemas.microsoft.com/office/drawing/2010/main" xmlns:p14="http://schemas.microsoft.com/office/powerpoint/2010/main" xmlns:a16="http://schemas.microsoft.com/office/drawing/2014/main" xmlns="" w="9525">
                   <a:solidFill>
                     <a:srgbClr val="000000"/>
                   </a:solidFill>
@@ -30530,7 +33286,7 @@
             </a:ln>
             <a:extLst>
               <a:ext uri="{91240B29-F687-4f45-9708-019B960494DF}">
-                <a14:hiddenLine xmlns="" xmlns:a16="http://schemas.microsoft.com/office/drawing/2014/main" xmlns:p14="http://schemas.microsoft.com/office/powerpoint/2010/main" xmlns:a14="http://schemas.microsoft.com/office/drawing/2010/main" w="9525">
+                <a14:hiddenLine xmlns:a14="http://schemas.microsoft.com/office/drawing/2010/main" xmlns:p14="http://schemas.microsoft.com/office/powerpoint/2010/main" xmlns:a16="http://schemas.microsoft.com/office/drawing/2014/main" xmlns="" w="9525">
                   <a:solidFill>
                     <a:srgbClr val="000000"/>
                   </a:solidFill>
@@ -30635,7 +33391,7 @@
             </a:ln>
             <a:extLst>
               <a:ext uri="{91240B29-F687-4f45-9708-019B960494DF}">
-                <a14:hiddenLine xmlns="" xmlns:a16="http://schemas.microsoft.com/office/drawing/2014/main" xmlns:p14="http://schemas.microsoft.com/office/powerpoint/2010/main" xmlns:a14="http://schemas.microsoft.com/office/drawing/2010/main" w="9525">
+                <a14:hiddenLine xmlns:a14="http://schemas.microsoft.com/office/drawing/2010/main" xmlns:p14="http://schemas.microsoft.com/office/powerpoint/2010/main" xmlns:a16="http://schemas.microsoft.com/office/drawing/2014/main" xmlns="" w="9525">
                   <a:solidFill>
                     <a:srgbClr val="000000"/>
                   </a:solidFill>
@@ -30712,7 +33468,7 @@
             </a:ln>
             <a:extLst>
               <a:ext uri="{91240B29-F687-4f45-9708-019B960494DF}">
-                <a14:hiddenLine xmlns="" xmlns:a16="http://schemas.microsoft.com/office/drawing/2014/main" xmlns:p14="http://schemas.microsoft.com/office/powerpoint/2010/main" xmlns:a14="http://schemas.microsoft.com/office/drawing/2010/main" w="9525">
+                <a14:hiddenLine xmlns:a14="http://schemas.microsoft.com/office/drawing/2010/main" xmlns:p14="http://schemas.microsoft.com/office/powerpoint/2010/main" xmlns:a16="http://schemas.microsoft.com/office/drawing/2014/main" xmlns="" w="9525">
                   <a:solidFill>
                     <a:srgbClr val="000000"/>
                   </a:solidFill>
@@ -30789,7 +33545,7 @@
             </a:ln>
             <a:extLst>
               <a:ext uri="{91240B29-F687-4f45-9708-019B960494DF}">
-                <a14:hiddenLine xmlns="" xmlns:a16="http://schemas.microsoft.com/office/drawing/2014/main" xmlns:p14="http://schemas.microsoft.com/office/powerpoint/2010/main" xmlns:a14="http://schemas.microsoft.com/office/drawing/2010/main" w="9525">
+                <a14:hiddenLine xmlns:a14="http://schemas.microsoft.com/office/drawing/2010/main" xmlns:p14="http://schemas.microsoft.com/office/powerpoint/2010/main" xmlns:a16="http://schemas.microsoft.com/office/drawing/2014/main" xmlns="" w="9525">
                   <a:solidFill>
                     <a:srgbClr val="000000"/>
                   </a:solidFill>
@@ -30894,7 +33650,7 @@
             </a:ln>
             <a:extLst>
               <a:ext uri="{91240B29-F687-4f45-9708-019B960494DF}">
-                <a14:hiddenLine xmlns="" xmlns:a16="http://schemas.microsoft.com/office/drawing/2014/main" xmlns:p14="http://schemas.microsoft.com/office/powerpoint/2010/main" xmlns:a14="http://schemas.microsoft.com/office/drawing/2010/main" w="9525">
+                <a14:hiddenLine xmlns:a14="http://schemas.microsoft.com/office/drawing/2010/main" xmlns:p14="http://schemas.microsoft.com/office/powerpoint/2010/main" xmlns:a16="http://schemas.microsoft.com/office/drawing/2014/main" xmlns="" w="9525">
                   <a:solidFill>
                     <a:srgbClr val="000000"/>
                   </a:solidFill>
@@ -30999,7 +33755,7 @@
             </a:ln>
             <a:extLst>
               <a:ext uri="{91240B29-F687-4f45-9708-019B960494DF}">
-                <a14:hiddenLine xmlns="" xmlns:a16="http://schemas.microsoft.com/office/drawing/2014/main" xmlns:p14="http://schemas.microsoft.com/office/powerpoint/2010/main" xmlns:a14="http://schemas.microsoft.com/office/drawing/2010/main" w="9525">
+                <a14:hiddenLine xmlns:a14="http://schemas.microsoft.com/office/drawing/2010/main" xmlns:p14="http://schemas.microsoft.com/office/powerpoint/2010/main" xmlns:a16="http://schemas.microsoft.com/office/drawing/2014/main" xmlns="" w="9525">
                   <a:solidFill>
                     <a:srgbClr val="000000"/>
                   </a:solidFill>
@@ -31076,7 +33832,7 @@
             </a:ln>
             <a:extLst>
               <a:ext uri="{91240B29-F687-4f45-9708-019B960494DF}">
-                <a14:hiddenLine xmlns="" xmlns:a16="http://schemas.microsoft.com/office/drawing/2014/main" xmlns:p14="http://schemas.microsoft.com/office/powerpoint/2010/main" xmlns:a14="http://schemas.microsoft.com/office/drawing/2010/main" w="9525">
+                <a14:hiddenLine xmlns:a14="http://schemas.microsoft.com/office/drawing/2010/main" xmlns:p14="http://schemas.microsoft.com/office/powerpoint/2010/main" xmlns:a16="http://schemas.microsoft.com/office/drawing/2014/main" xmlns="" w="9525">
                   <a:solidFill>
                     <a:srgbClr val="000000"/>
                   </a:solidFill>
@@ -31201,7 +33957,7 @@
             </a:ln>
             <a:extLst>
               <a:ext uri="{91240B29-F687-4f45-9708-019B960494DF}">
-                <a14:hiddenLine xmlns="" xmlns:a16="http://schemas.microsoft.com/office/drawing/2014/main" xmlns:p14="http://schemas.microsoft.com/office/powerpoint/2010/main" xmlns:a14="http://schemas.microsoft.com/office/drawing/2010/main" w="9525">
+                <a14:hiddenLine xmlns:a14="http://schemas.microsoft.com/office/drawing/2010/main" xmlns:p14="http://schemas.microsoft.com/office/powerpoint/2010/main" xmlns:a16="http://schemas.microsoft.com/office/drawing/2014/main" xmlns="" w="9525">
                   <a:solidFill>
                     <a:srgbClr val="000000"/>
                   </a:solidFill>
@@ -31315,7 +34071,7 @@
             </a:ln>
             <a:extLst>
               <a:ext uri="{91240B29-F687-4f45-9708-019B960494DF}">
-                <a14:hiddenLine xmlns="" xmlns:a16="http://schemas.microsoft.com/office/drawing/2014/main" xmlns:p14="http://schemas.microsoft.com/office/powerpoint/2010/main" xmlns:a14="http://schemas.microsoft.com/office/drawing/2010/main" w="9525">
+                <a14:hiddenLine xmlns:a14="http://schemas.microsoft.com/office/drawing/2010/main" xmlns:p14="http://schemas.microsoft.com/office/powerpoint/2010/main" xmlns:a16="http://schemas.microsoft.com/office/drawing/2014/main" xmlns="" w="9525">
                   <a:solidFill>
                     <a:srgbClr val="000000"/>
                   </a:solidFill>
@@ -31392,7 +34148,7 @@
             </a:ln>
             <a:extLst>
               <a:ext uri="{91240B29-F687-4f45-9708-019B960494DF}">
-                <a14:hiddenLine xmlns="" xmlns:a16="http://schemas.microsoft.com/office/drawing/2014/main" xmlns:p14="http://schemas.microsoft.com/office/powerpoint/2010/main" xmlns:a14="http://schemas.microsoft.com/office/drawing/2010/main" w="9525">
+                <a14:hiddenLine xmlns:a14="http://schemas.microsoft.com/office/drawing/2010/main" xmlns:p14="http://schemas.microsoft.com/office/powerpoint/2010/main" xmlns:a16="http://schemas.microsoft.com/office/drawing/2014/main" xmlns="" w="9525">
                   <a:solidFill>
                     <a:srgbClr val="000000"/>
                   </a:solidFill>
@@ -31469,7 +34225,7 @@
             </a:ln>
             <a:extLst>
               <a:ext uri="{91240B29-F687-4f45-9708-019B960494DF}">
-                <a14:hiddenLine xmlns="" xmlns:a16="http://schemas.microsoft.com/office/drawing/2014/main" xmlns:p14="http://schemas.microsoft.com/office/powerpoint/2010/main" xmlns:a14="http://schemas.microsoft.com/office/drawing/2010/main" w="9525">
+                <a14:hiddenLine xmlns:a14="http://schemas.microsoft.com/office/drawing/2010/main" xmlns:p14="http://schemas.microsoft.com/office/powerpoint/2010/main" xmlns:a16="http://schemas.microsoft.com/office/drawing/2014/main" xmlns="" w="9525">
                   <a:solidFill>
                     <a:srgbClr val="000000"/>
                   </a:solidFill>
@@ -31574,7 +34330,7 @@
             </a:ln>
             <a:extLst>
               <a:ext uri="{91240B29-F687-4f45-9708-019B960494DF}">
-                <a14:hiddenLine xmlns="" xmlns:a16="http://schemas.microsoft.com/office/drawing/2014/main" xmlns:p14="http://schemas.microsoft.com/office/powerpoint/2010/main" xmlns:a14="http://schemas.microsoft.com/office/drawing/2010/main" w="9525">
+                <a14:hiddenLine xmlns:a14="http://schemas.microsoft.com/office/drawing/2010/main" xmlns:p14="http://schemas.microsoft.com/office/powerpoint/2010/main" xmlns:a16="http://schemas.microsoft.com/office/drawing/2014/main" xmlns="" w="9525">
                   <a:solidFill>
                     <a:srgbClr val="000000"/>
                   </a:solidFill>
@@ -31623,7 +34379,7 @@
             </a:ln>
             <a:extLst>
               <a:ext uri="{91240B29-F687-4f45-9708-019B960494DF}">
-                <a14:hiddenLine xmlns="" xmlns:a16="http://schemas.microsoft.com/office/drawing/2014/main" xmlns:p14="http://schemas.microsoft.com/office/powerpoint/2010/main" xmlns:a14="http://schemas.microsoft.com/office/drawing/2010/main" w="9525">
+                <a14:hiddenLine xmlns:a14="http://schemas.microsoft.com/office/drawing/2010/main" xmlns:p14="http://schemas.microsoft.com/office/powerpoint/2010/main" xmlns:a16="http://schemas.microsoft.com/office/drawing/2014/main" xmlns="" w="9525">
                   <a:solidFill>
                     <a:srgbClr val="000000"/>
                   </a:solidFill>
@@ -31703,7 +34459,7 @@
             </a:ln>
             <a:extLst>
               <a:ext uri="{91240B29-F687-4f45-9708-019B960494DF}">
-                <a14:hiddenLine xmlns="" xmlns:a16="http://schemas.microsoft.com/office/drawing/2014/main" xmlns:p14="http://schemas.microsoft.com/office/powerpoint/2010/main" xmlns:a14="http://schemas.microsoft.com/office/drawing/2010/main" w="9525">
+                <a14:hiddenLine xmlns:a14="http://schemas.microsoft.com/office/drawing/2010/main" xmlns:p14="http://schemas.microsoft.com/office/powerpoint/2010/main" xmlns:a16="http://schemas.microsoft.com/office/drawing/2014/main" xmlns="" w="9525">
                   <a:solidFill>
                     <a:srgbClr val="000000"/>
                   </a:solidFill>
@@ -31808,7 +34564,7 @@
             </a:ln>
             <a:extLst>
               <a:ext uri="{91240B29-F687-4f45-9708-019B960494DF}">
-                <a14:hiddenLine xmlns="" xmlns:a16="http://schemas.microsoft.com/office/drawing/2014/main" xmlns:p14="http://schemas.microsoft.com/office/powerpoint/2010/main" xmlns:a14="http://schemas.microsoft.com/office/drawing/2010/main" w="9525">
+                <a14:hiddenLine xmlns:a14="http://schemas.microsoft.com/office/drawing/2010/main" xmlns:p14="http://schemas.microsoft.com/office/powerpoint/2010/main" xmlns:a16="http://schemas.microsoft.com/office/drawing/2014/main" xmlns="" w="9525">
                   <a:solidFill>
                     <a:srgbClr val="000000"/>
                   </a:solidFill>
@@ -31885,7 +34641,7 @@
             </a:ln>
             <a:extLst>
               <a:ext uri="{91240B29-F687-4f45-9708-019B960494DF}">
-                <a14:hiddenLine xmlns="" xmlns:a16="http://schemas.microsoft.com/office/drawing/2014/main" xmlns:p14="http://schemas.microsoft.com/office/powerpoint/2010/main" xmlns:a14="http://schemas.microsoft.com/office/drawing/2010/main" w="9525">
+                <a14:hiddenLine xmlns:a14="http://schemas.microsoft.com/office/drawing/2010/main" xmlns:p14="http://schemas.microsoft.com/office/powerpoint/2010/main" xmlns:a16="http://schemas.microsoft.com/office/drawing/2014/main" xmlns="" w="9525">
                   <a:solidFill>
                     <a:srgbClr val="000000"/>
                   </a:solidFill>
@@ -31990,7 +34746,7 @@
             </a:ln>
             <a:extLst>
               <a:ext uri="{91240B29-F687-4f45-9708-019B960494DF}">
-                <a14:hiddenLine xmlns="" xmlns:a16="http://schemas.microsoft.com/office/drawing/2014/main" xmlns:p14="http://schemas.microsoft.com/office/powerpoint/2010/main" xmlns:a14="http://schemas.microsoft.com/office/drawing/2010/main" w="9525">
+                <a14:hiddenLine xmlns:a14="http://schemas.microsoft.com/office/drawing/2010/main" xmlns:p14="http://schemas.microsoft.com/office/powerpoint/2010/main" xmlns:a16="http://schemas.microsoft.com/office/drawing/2014/main" xmlns="" w="9525">
                   <a:solidFill>
                     <a:srgbClr val="000000"/>
                   </a:solidFill>
@@ -32070,7 +34826,7 @@
             </a:ln>
             <a:extLst>
               <a:ext uri="{91240B29-F687-4f45-9708-019B960494DF}">
-                <a14:hiddenLine xmlns="" xmlns:a16="http://schemas.microsoft.com/office/drawing/2014/main" xmlns:p14="http://schemas.microsoft.com/office/powerpoint/2010/main" xmlns:a14="http://schemas.microsoft.com/office/drawing/2010/main" w="9525">
+                <a14:hiddenLine xmlns:a14="http://schemas.microsoft.com/office/drawing/2010/main" xmlns:p14="http://schemas.microsoft.com/office/powerpoint/2010/main" xmlns:a16="http://schemas.microsoft.com/office/drawing/2014/main" xmlns="" w="9525">
                   <a:solidFill>
                     <a:srgbClr val="000000"/>
                   </a:solidFill>
@@ -32147,7 +34903,7 @@
             </a:ln>
             <a:extLst>
               <a:ext uri="{91240B29-F687-4f45-9708-019B960494DF}">
-                <a14:hiddenLine xmlns="" xmlns:a16="http://schemas.microsoft.com/office/drawing/2014/main" xmlns:p14="http://schemas.microsoft.com/office/powerpoint/2010/main" xmlns:a14="http://schemas.microsoft.com/office/drawing/2010/main" w="9525">
+                <a14:hiddenLine xmlns:a14="http://schemas.microsoft.com/office/drawing/2010/main" xmlns:p14="http://schemas.microsoft.com/office/powerpoint/2010/main" xmlns:a16="http://schemas.microsoft.com/office/drawing/2014/main" xmlns="" w="9525">
                   <a:solidFill>
                     <a:srgbClr val="000000"/>
                   </a:solidFill>
@@ -32252,7 +35008,7 @@
             </a:ln>
             <a:extLst>
               <a:ext uri="{91240B29-F687-4f45-9708-019B960494DF}">
-                <a14:hiddenLine xmlns="" xmlns:a16="http://schemas.microsoft.com/office/drawing/2014/main" xmlns:p14="http://schemas.microsoft.com/office/powerpoint/2010/main" xmlns:a14="http://schemas.microsoft.com/office/drawing/2010/main" w="9525">
+                <a14:hiddenLine xmlns:a14="http://schemas.microsoft.com/office/drawing/2010/main" xmlns:p14="http://schemas.microsoft.com/office/powerpoint/2010/main" xmlns:a16="http://schemas.microsoft.com/office/drawing/2014/main" xmlns="" w="9525">
                   <a:solidFill>
                     <a:srgbClr val="000000"/>
                   </a:solidFill>
@@ -32357,7 +35113,7 @@
             </a:ln>
             <a:extLst>
               <a:ext uri="{91240B29-F687-4f45-9708-019B960494DF}">
-                <a14:hiddenLine xmlns="" xmlns:a16="http://schemas.microsoft.com/office/drawing/2014/main" xmlns:p14="http://schemas.microsoft.com/office/powerpoint/2010/main" xmlns:a14="http://schemas.microsoft.com/office/drawing/2010/main" w="9525">
+                <a14:hiddenLine xmlns:a14="http://schemas.microsoft.com/office/drawing/2010/main" xmlns:p14="http://schemas.microsoft.com/office/powerpoint/2010/main" xmlns:a16="http://schemas.microsoft.com/office/drawing/2014/main" xmlns="" w="9525">
                   <a:solidFill>
                     <a:srgbClr val="000000"/>
                   </a:solidFill>
@@ -32437,7 +35193,7 @@
             </a:ln>
             <a:extLst>
               <a:ext uri="{91240B29-F687-4f45-9708-019B960494DF}">
-                <a14:hiddenLine xmlns="" xmlns:a16="http://schemas.microsoft.com/office/drawing/2014/main" xmlns:p14="http://schemas.microsoft.com/office/powerpoint/2010/main" xmlns:a14="http://schemas.microsoft.com/office/drawing/2010/main" w="9525">
+                <a14:hiddenLine xmlns:a14="http://schemas.microsoft.com/office/drawing/2010/main" xmlns:p14="http://schemas.microsoft.com/office/powerpoint/2010/main" xmlns:a16="http://schemas.microsoft.com/office/drawing/2014/main" xmlns="" w="9525">
                   <a:solidFill>
                     <a:srgbClr val="000000"/>
                   </a:solidFill>
@@ -32572,7 +35328,7 @@
             </a:ln>
             <a:extLst>
               <a:ext uri="{91240B29-F687-4f45-9708-019B960494DF}">
-                <a14:hiddenLine xmlns="" xmlns:a16="http://schemas.microsoft.com/office/drawing/2014/main" xmlns:p14="http://schemas.microsoft.com/office/powerpoint/2010/main" xmlns:a14="http://schemas.microsoft.com/office/drawing/2010/main" w="9525">
+                <a14:hiddenLine xmlns:a14="http://schemas.microsoft.com/office/drawing/2010/main" xmlns:p14="http://schemas.microsoft.com/office/powerpoint/2010/main" xmlns:a16="http://schemas.microsoft.com/office/drawing/2014/main" xmlns="" w="9525">
                   <a:solidFill>
                     <a:srgbClr val="000000"/>
                   </a:solidFill>
@@ -32866,7 +35622,7 @@
           <a:noFill/>
           <a:extLst>
             <a:ext uri="{909E8E84-426E-40dd-AFC4-6F175D3DCCD1}">
-              <a14:hiddenFill xmlns="" xmlns:a16="http://schemas.microsoft.com/office/drawing/2014/main" xmlns:a14="http://schemas.microsoft.com/office/drawing/2010/main">
+              <a14:hiddenFill xmlns:a14="http://schemas.microsoft.com/office/drawing/2010/main" xmlns:a16="http://schemas.microsoft.com/office/drawing/2014/main" xmlns="">
                 <a:solidFill>
                   <a:srgbClr val="FFFFFF"/>
                 </a:solidFill>
@@ -32958,7 +35714,7 @@
             </a:ln>
             <a:extLst>
               <a:ext uri="{91240B29-F687-4f45-9708-019B960494DF}">
-                <a14:hiddenLine xmlns="" xmlns:a16="http://schemas.microsoft.com/office/drawing/2014/main" xmlns:a14="http://schemas.microsoft.com/office/drawing/2010/main" w="9525">
+                <a14:hiddenLine xmlns:a14="http://schemas.microsoft.com/office/drawing/2010/main" xmlns:a16="http://schemas.microsoft.com/office/drawing/2014/main" xmlns="" w="9525">
                   <a:solidFill>
                     <a:srgbClr val="000000"/>
                   </a:solidFill>
@@ -33063,7 +35819,7 @@
             </a:ln>
             <a:extLst>
               <a:ext uri="{91240B29-F687-4f45-9708-019B960494DF}">
-                <a14:hiddenLine xmlns="" xmlns:a16="http://schemas.microsoft.com/office/drawing/2014/main" xmlns:a14="http://schemas.microsoft.com/office/drawing/2010/main" w="9525">
+                <a14:hiddenLine xmlns:a14="http://schemas.microsoft.com/office/drawing/2010/main" xmlns:a16="http://schemas.microsoft.com/office/drawing/2014/main" xmlns="" w="9525">
                   <a:solidFill>
                     <a:srgbClr val="000000"/>
                   </a:solidFill>
@@ -33168,7 +35924,7 @@
             </a:ln>
             <a:extLst>
               <a:ext uri="{91240B29-F687-4f45-9708-019B960494DF}">
-                <a14:hiddenLine xmlns="" xmlns:a16="http://schemas.microsoft.com/office/drawing/2014/main" xmlns:a14="http://schemas.microsoft.com/office/drawing/2010/main" w="9525">
+                <a14:hiddenLine xmlns:a14="http://schemas.microsoft.com/office/drawing/2010/main" xmlns:a16="http://schemas.microsoft.com/office/drawing/2014/main" xmlns="" w="9525">
                   <a:solidFill>
                     <a:srgbClr val="000000"/>
                   </a:solidFill>
@@ -33217,7 +35973,7 @@
             </a:ln>
             <a:extLst>
               <a:ext uri="{91240B29-F687-4f45-9708-019B960494DF}">
-                <a14:hiddenLine xmlns="" xmlns:a16="http://schemas.microsoft.com/office/drawing/2014/main" xmlns:a14="http://schemas.microsoft.com/office/drawing/2010/main" w="9525">
+                <a14:hiddenLine xmlns:a14="http://schemas.microsoft.com/office/drawing/2010/main" xmlns:a16="http://schemas.microsoft.com/office/drawing/2014/main" xmlns="" w="9525">
                   <a:solidFill>
                     <a:srgbClr val="000000"/>
                   </a:solidFill>
@@ -33322,7 +36078,7 @@
             </a:ln>
             <a:extLst>
               <a:ext uri="{91240B29-F687-4f45-9708-019B960494DF}">
-                <a14:hiddenLine xmlns="" xmlns:a16="http://schemas.microsoft.com/office/drawing/2014/main" xmlns:a14="http://schemas.microsoft.com/office/drawing/2010/main" w="9525">
+                <a14:hiddenLine xmlns:a14="http://schemas.microsoft.com/office/drawing/2010/main" xmlns:a16="http://schemas.microsoft.com/office/drawing/2014/main" xmlns="" w="9525">
                   <a:solidFill>
                     <a:srgbClr val="000000"/>
                   </a:solidFill>
@@ -33399,7 +36155,7 @@
             </a:ln>
             <a:extLst>
               <a:ext uri="{91240B29-F687-4f45-9708-019B960494DF}">
-                <a14:hiddenLine xmlns="" xmlns:a16="http://schemas.microsoft.com/office/drawing/2014/main" xmlns:a14="http://schemas.microsoft.com/office/drawing/2010/main" w="9525">
+                <a14:hiddenLine xmlns:a14="http://schemas.microsoft.com/office/drawing/2010/main" xmlns:a16="http://schemas.microsoft.com/office/drawing/2014/main" xmlns="" w="9525">
                   <a:solidFill>
                     <a:srgbClr val="000000"/>
                   </a:solidFill>
@@ -33476,7 +36232,7 @@
             </a:ln>
             <a:extLst>
               <a:ext uri="{91240B29-F687-4f45-9708-019B960494DF}">
-                <a14:hiddenLine xmlns="" xmlns:a16="http://schemas.microsoft.com/office/drawing/2014/main" xmlns:a14="http://schemas.microsoft.com/office/drawing/2010/main" w="9525">
+                <a14:hiddenLine xmlns:a14="http://schemas.microsoft.com/office/drawing/2010/main" xmlns:a16="http://schemas.microsoft.com/office/drawing/2014/main" xmlns="" w="9525">
                   <a:solidFill>
                     <a:srgbClr val="000000"/>
                   </a:solidFill>
@@ -33581,7 +36337,7 @@
             </a:ln>
             <a:extLst>
               <a:ext uri="{91240B29-F687-4f45-9708-019B960494DF}">
-                <a14:hiddenLine xmlns="" xmlns:a16="http://schemas.microsoft.com/office/drawing/2014/main" xmlns:a14="http://schemas.microsoft.com/office/drawing/2010/main" w="9525">
+                <a14:hiddenLine xmlns:a14="http://schemas.microsoft.com/office/drawing/2010/main" xmlns:a16="http://schemas.microsoft.com/office/drawing/2014/main" xmlns="" w="9525">
                   <a:solidFill>
                     <a:srgbClr val="000000"/>
                   </a:solidFill>
@@ -33658,7 +36414,7 @@
             </a:ln>
             <a:extLst>
               <a:ext uri="{91240B29-F687-4f45-9708-019B960494DF}">
-                <a14:hiddenLine xmlns="" xmlns:a16="http://schemas.microsoft.com/office/drawing/2014/main" xmlns:a14="http://schemas.microsoft.com/office/drawing/2010/main" w="9525">
+                <a14:hiddenLine xmlns:a14="http://schemas.microsoft.com/office/drawing/2010/main" xmlns:a16="http://schemas.microsoft.com/office/drawing/2014/main" xmlns="" w="9525">
                   <a:solidFill>
                     <a:srgbClr val="000000"/>
                   </a:solidFill>
@@ -33735,7 +36491,7 @@
             </a:ln>
             <a:extLst>
               <a:ext uri="{91240B29-F687-4f45-9708-019B960494DF}">
-                <a14:hiddenLine xmlns="" xmlns:a16="http://schemas.microsoft.com/office/drawing/2014/main" xmlns:a14="http://schemas.microsoft.com/office/drawing/2010/main" w="9525">
+                <a14:hiddenLine xmlns:a14="http://schemas.microsoft.com/office/drawing/2010/main" xmlns:a16="http://schemas.microsoft.com/office/drawing/2014/main" xmlns="" w="9525">
                   <a:solidFill>
                     <a:srgbClr val="000000"/>
                   </a:solidFill>
@@ -33840,7 +36596,7 @@
             </a:ln>
             <a:extLst>
               <a:ext uri="{91240B29-F687-4f45-9708-019B960494DF}">
-                <a14:hiddenLine xmlns="" xmlns:a16="http://schemas.microsoft.com/office/drawing/2014/main" xmlns:a14="http://schemas.microsoft.com/office/drawing/2010/main" w="9525">
+                <a14:hiddenLine xmlns:a14="http://schemas.microsoft.com/office/drawing/2010/main" xmlns:a16="http://schemas.microsoft.com/office/drawing/2014/main" xmlns="" w="9525">
                   <a:solidFill>
                     <a:srgbClr val="000000"/>
                   </a:solidFill>
@@ -33945,7 +36701,7 @@
             </a:ln>
             <a:extLst>
               <a:ext uri="{91240B29-F687-4f45-9708-019B960494DF}">
-                <a14:hiddenLine xmlns="" xmlns:a16="http://schemas.microsoft.com/office/drawing/2014/main" xmlns:a14="http://schemas.microsoft.com/office/drawing/2010/main" w="9525">
+                <a14:hiddenLine xmlns:a14="http://schemas.microsoft.com/office/drawing/2010/main" xmlns:a16="http://schemas.microsoft.com/office/drawing/2014/main" xmlns="" w="9525">
                   <a:solidFill>
                     <a:srgbClr val="000000"/>
                   </a:solidFill>
@@ -34022,7 +36778,7 @@
             </a:ln>
             <a:extLst>
               <a:ext uri="{91240B29-F687-4f45-9708-019B960494DF}">
-                <a14:hiddenLine xmlns="" xmlns:a16="http://schemas.microsoft.com/office/drawing/2014/main" xmlns:a14="http://schemas.microsoft.com/office/drawing/2010/main" w="9525">
+                <a14:hiddenLine xmlns:a14="http://schemas.microsoft.com/office/drawing/2010/main" xmlns:a16="http://schemas.microsoft.com/office/drawing/2014/main" xmlns="" w="9525">
                   <a:solidFill>
                     <a:srgbClr val="000000"/>
                   </a:solidFill>
@@ -34147,7 +36903,7 @@
             </a:ln>
             <a:extLst>
               <a:ext uri="{91240B29-F687-4f45-9708-019B960494DF}">
-                <a14:hiddenLine xmlns="" xmlns:a16="http://schemas.microsoft.com/office/drawing/2014/main" xmlns:a14="http://schemas.microsoft.com/office/drawing/2010/main" w="9525">
+                <a14:hiddenLine xmlns:a14="http://schemas.microsoft.com/office/drawing/2010/main" xmlns:a16="http://schemas.microsoft.com/office/drawing/2014/main" xmlns="" w="9525">
                   <a:solidFill>
                     <a:srgbClr val="000000"/>
                   </a:solidFill>
@@ -34224,7 +36980,7 @@
             </a:ln>
             <a:extLst>
               <a:ext uri="{91240B29-F687-4f45-9708-019B960494DF}">
-                <a14:hiddenLine xmlns="" xmlns:a16="http://schemas.microsoft.com/office/drawing/2014/main" xmlns:a14="http://schemas.microsoft.com/office/drawing/2010/main" w="9525">
+                <a14:hiddenLine xmlns:a14="http://schemas.microsoft.com/office/drawing/2010/main" xmlns:a16="http://schemas.microsoft.com/office/drawing/2014/main" xmlns="" w="9525">
                   <a:solidFill>
                     <a:srgbClr val="000000"/>
                   </a:solidFill>
@@ -34329,7 +37085,7 @@
             </a:ln>
             <a:extLst>
               <a:ext uri="{91240B29-F687-4f45-9708-019B960494DF}">
-                <a14:hiddenLine xmlns="" xmlns:a16="http://schemas.microsoft.com/office/drawing/2014/main" xmlns:a14="http://schemas.microsoft.com/office/drawing/2010/main" w="9525">
+                <a14:hiddenLine xmlns:a14="http://schemas.microsoft.com/office/drawing/2010/main" xmlns:a16="http://schemas.microsoft.com/office/drawing/2014/main" xmlns="" w="9525">
                   <a:solidFill>
                     <a:srgbClr val="000000"/>
                   </a:solidFill>
@@ -34434,7 +37190,7 @@
             </a:ln>
             <a:extLst>
               <a:ext uri="{91240B29-F687-4f45-9708-019B960494DF}">
-                <a14:hiddenLine xmlns="" xmlns:a16="http://schemas.microsoft.com/office/drawing/2014/main" xmlns:a14="http://schemas.microsoft.com/office/drawing/2010/main" w="9525">
+                <a14:hiddenLine xmlns:a14="http://schemas.microsoft.com/office/drawing/2010/main" xmlns:a16="http://schemas.microsoft.com/office/drawing/2014/main" xmlns="" w="9525">
                   <a:solidFill>
                     <a:srgbClr val="000000"/>
                   </a:solidFill>
@@ -34511,7 +37267,7 @@
             </a:ln>
             <a:extLst>
               <a:ext uri="{91240B29-F687-4f45-9708-019B960494DF}">
-                <a14:hiddenLine xmlns="" xmlns:a16="http://schemas.microsoft.com/office/drawing/2014/main" xmlns:a14="http://schemas.microsoft.com/office/drawing/2010/main" w="9525">
+                <a14:hiddenLine xmlns:a14="http://schemas.microsoft.com/office/drawing/2010/main" xmlns:a16="http://schemas.microsoft.com/office/drawing/2014/main" xmlns="" w="9525">
                   <a:solidFill>
                     <a:srgbClr val="000000"/>
                   </a:solidFill>
@@ -34616,7 +37372,7 @@
             </a:ln>
             <a:extLst>
               <a:ext uri="{91240B29-F687-4f45-9708-019B960494DF}">
-                <a14:hiddenLine xmlns="" xmlns:a16="http://schemas.microsoft.com/office/drawing/2014/main" xmlns:a14="http://schemas.microsoft.com/office/drawing/2010/main" w="9525">
+                <a14:hiddenLine xmlns:a14="http://schemas.microsoft.com/office/drawing/2010/main" xmlns:a16="http://schemas.microsoft.com/office/drawing/2014/main" xmlns="" w="9525">
                   <a:solidFill>
                     <a:srgbClr val="000000"/>
                   </a:solidFill>
@@ -34721,7 +37477,7 @@
             </a:ln>
             <a:extLst>
               <a:ext uri="{91240B29-F687-4f45-9708-019B960494DF}">
-                <a14:hiddenLine xmlns="" xmlns:a16="http://schemas.microsoft.com/office/drawing/2014/main" xmlns:a14="http://schemas.microsoft.com/office/drawing/2010/main" w="9525">
+                <a14:hiddenLine xmlns:a14="http://schemas.microsoft.com/office/drawing/2010/main" xmlns:a16="http://schemas.microsoft.com/office/drawing/2014/main" xmlns="" w="9525">
                   <a:solidFill>
                     <a:srgbClr val="000000"/>
                   </a:solidFill>
@@ -34792,7 +37548,7 @@
             </a:ln>
             <a:extLst>
               <a:ext uri="{91240B29-F687-4f45-9708-019B960494DF}">
-                <a14:hiddenLine xmlns="" xmlns:a16="http://schemas.microsoft.com/office/drawing/2014/main" xmlns:a14="http://schemas.microsoft.com/office/drawing/2010/main" w="9525">
+                <a14:hiddenLine xmlns:a14="http://schemas.microsoft.com/office/drawing/2010/main" xmlns:a16="http://schemas.microsoft.com/office/drawing/2014/main" xmlns="" w="9525">
                   <a:solidFill>
                     <a:srgbClr val="000000"/>
                   </a:solidFill>
@@ -34897,7 +37653,7 @@
             </a:ln>
             <a:extLst>
               <a:ext uri="{91240B29-F687-4f45-9708-019B960494DF}">
-                <a14:hiddenLine xmlns="" xmlns:a16="http://schemas.microsoft.com/office/drawing/2014/main" xmlns:a14="http://schemas.microsoft.com/office/drawing/2010/main" w="9525">
+                <a14:hiddenLine xmlns:a14="http://schemas.microsoft.com/office/drawing/2010/main" xmlns:a16="http://schemas.microsoft.com/office/drawing/2014/main" xmlns="" w="9525">
                   <a:solidFill>
                     <a:srgbClr val="000000"/>
                   </a:solidFill>
@@ -34968,7 +37724,7 @@
             </a:ln>
             <a:extLst>
               <a:ext uri="{91240B29-F687-4f45-9708-019B960494DF}">
-                <a14:hiddenLine xmlns="" xmlns:a16="http://schemas.microsoft.com/office/drawing/2014/main" xmlns:a14="http://schemas.microsoft.com/office/drawing/2010/main" w="9525">
+                <a14:hiddenLine xmlns:a14="http://schemas.microsoft.com/office/drawing/2010/main" xmlns:a16="http://schemas.microsoft.com/office/drawing/2014/main" xmlns="" w="9525">
                   <a:solidFill>
                     <a:srgbClr val="000000"/>
                   </a:solidFill>
@@ -35073,7 +37829,7 @@
             </a:ln>
             <a:extLst>
               <a:ext uri="{91240B29-F687-4f45-9708-019B960494DF}">
-                <a14:hiddenLine xmlns="" xmlns:a16="http://schemas.microsoft.com/office/drawing/2014/main" xmlns:a14="http://schemas.microsoft.com/office/drawing/2010/main" w="9525">
+                <a14:hiddenLine xmlns:a14="http://schemas.microsoft.com/office/drawing/2010/main" xmlns:a16="http://schemas.microsoft.com/office/drawing/2014/main" xmlns="" w="9525">
                   <a:solidFill>
                     <a:srgbClr val="000000"/>
                   </a:solidFill>
@@ -35156,7 +37912,7 @@
             </a:ln>
             <a:extLst>
               <a:ext uri="{91240B29-F687-4f45-9708-019B960494DF}">
-                <a14:hiddenLine xmlns="" xmlns:a16="http://schemas.microsoft.com/office/drawing/2014/main" xmlns:a14="http://schemas.microsoft.com/office/drawing/2010/main" w="9525">
+                <a14:hiddenLine xmlns:a14="http://schemas.microsoft.com/office/drawing/2010/main" xmlns:a16="http://schemas.microsoft.com/office/drawing/2014/main" xmlns="" w="9525">
                   <a:solidFill>
                     <a:srgbClr val="000000"/>
                   </a:solidFill>
@@ -35261,7 +38017,7 @@
             </a:ln>
             <a:extLst>
               <a:ext uri="{91240B29-F687-4f45-9708-019B960494DF}">
-                <a14:hiddenLine xmlns="" xmlns:a16="http://schemas.microsoft.com/office/drawing/2014/main" xmlns:a14="http://schemas.microsoft.com/office/drawing/2010/main" w="9525">
+                <a14:hiddenLine xmlns:a14="http://schemas.microsoft.com/office/drawing/2010/main" xmlns:a16="http://schemas.microsoft.com/office/drawing/2014/main" xmlns="" w="9525">
                   <a:solidFill>
                     <a:srgbClr val="000000"/>
                   </a:solidFill>
@@ -35344,7 +38100,7 @@
             </a:ln>
             <a:extLst>
               <a:ext uri="{91240B29-F687-4f45-9708-019B960494DF}">
-                <a14:hiddenLine xmlns="" xmlns:a16="http://schemas.microsoft.com/office/drawing/2014/main" xmlns:a14="http://schemas.microsoft.com/office/drawing/2010/main" w="9525">
+                <a14:hiddenLine xmlns:a14="http://schemas.microsoft.com/office/drawing/2010/main" xmlns:a16="http://schemas.microsoft.com/office/drawing/2014/main" xmlns="" w="9525">
                   <a:solidFill>
                     <a:srgbClr val="000000"/>
                   </a:solidFill>
@@ -35449,7 +38205,7 @@
             </a:ln>
             <a:extLst>
               <a:ext uri="{91240B29-F687-4f45-9708-019B960494DF}">
-                <a14:hiddenLine xmlns="" xmlns:a16="http://schemas.microsoft.com/office/drawing/2014/main" xmlns:a14="http://schemas.microsoft.com/office/drawing/2010/main" w="9525">
+                <a14:hiddenLine xmlns:a14="http://schemas.microsoft.com/office/drawing/2010/main" xmlns:a16="http://schemas.microsoft.com/office/drawing/2014/main" xmlns="" w="9525">
                   <a:solidFill>
                     <a:srgbClr val="000000"/>
                   </a:solidFill>
@@ -35498,7 +38254,7 @@
             </a:ln>
             <a:extLst>
               <a:ext uri="{91240B29-F687-4f45-9708-019B960494DF}">
-                <a14:hiddenLine xmlns="" xmlns:a16="http://schemas.microsoft.com/office/drawing/2014/main" xmlns:a14="http://schemas.microsoft.com/office/drawing/2010/main" w="9525">
+                <a14:hiddenLine xmlns:a14="http://schemas.microsoft.com/office/drawing/2010/main" xmlns:a16="http://schemas.microsoft.com/office/drawing/2014/main" xmlns="" w="9525">
                   <a:solidFill>
                     <a:srgbClr val="000000"/>
                   </a:solidFill>
@@ -35603,7 +38359,7 @@
             </a:ln>
             <a:extLst>
               <a:ext uri="{91240B29-F687-4f45-9708-019B960494DF}">
-                <a14:hiddenLine xmlns="" xmlns:a16="http://schemas.microsoft.com/office/drawing/2014/main" xmlns:a14="http://schemas.microsoft.com/office/drawing/2010/main" w="9525">
+                <a14:hiddenLine xmlns:a14="http://schemas.microsoft.com/office/drawing/2010/main" xmlns:a16="http://schemas.microsoft.com/office/drawing/2014/main" xmlns="" w="9525">
                   <a:solidFill>
                     <a:srgbClr val="000000"/>
                   </a:solidFill>
@@ -35680,7 +38436,7 @@
             </a:ln>
             <a:extLst>
               <a:ext uri="{91240B29-F687-4f45-9708-019B960494DF}">
-                <a14:hiddenLine xmlns="" xmlns:a16="http://schemas.microsoft.com/office/drawing/2014/main" xmlns:a14="http://schemas.microsoft.com/office/drawing/2010/main" w="9525">
+                <a14:hiddenLine xmlns:a14="http://schemas.microsoft.com/office/drawing/2010/main" xmlns:a16="http://schemas.microsoft.com/office/drawing/2014/main" xmlns="" w="9525">
                   <a:solidFill>
                     <a:srgbClr val="000000"/>
                   </a:solidFill>
@@ -35757,7 +38513,7 @@
             </a:ln>
             <a:extLst>
               <a:ext uri="{91240B29-F687-4f45-9708-019B960494DF}">
-                <a14:hiddenLine xmlns="" xmlns:a16="http://schemas.microsoft.com/office/drawing/2014/main" xmlns:a14="http://schemas.microsoft.com/office/drawing/2010/main" w="9525">
+                <a14:hiddenLine xmlns:a14="http://schemas.microsoft.com/office/drawing/2010/main" xmlns:a16="http://schemas.microsoft.com/office/drawing/2014/main" xmlns="" w="9525">
                   <a:solidFill>
                     <a:srgbClr val="000000"/>
                   </a:solidFill>
@@ -35862,7 +38618,7 @@
             </a:ln>
             <a:extLst>
               <a:ext uri="{91240B29-F687-4f45-9708-019B960494DF}">
-                <a14:hiddenLine xmlns="" xmlns:a16="http://schemas.microsoft.com/office/drawing/2014/main" xmlns:a14="http://schemas.microsoft.com/office/drawing/2010/main" w="9525">
+                <a14:hiddenLine xmlns:a14="http://schemas.microsoft.com/office/drawing/2010/main" xmlns:a16="http://schemas.microsoft.com/office/drawing/2014/main" xmlns="" w="9525">
                   <a:solidFill>
                     <a:srgbClr val="000000"/>
                   </a:solidFill>
@@ -35945,7 +38701,7 @@
             </a:ln>
             <a:extLst>
               <a:ext uri="{91240B29-F687-4f45-9708-019B960494DF}">
-                <a14:hiddenLine xmlns="" xmlns:a16="http://schemas.microsoft.com/office/drawing/2014/main" xmlns:a14="http://schemas.microsoft.com/office/drawing/2010/main" w="9525">
+                <a14:hiddenLine xmlns:a14="http://schemas.microsoft.com/office/drawing/2010/main" xmlns:a16="http://schemas.microsoft.com/office/drawing/2014/main" xmlns="" w="9525">
                   <a:solidFill>
                     <a:srgbClr val="000000"/>
                   </a:solidFill>
@@ -36022,7 +38778,7 @@
             </a:ln>
             <a:extLst>
               <a:ext uri="{91240B29-F687-4f45-9708-019B960494DF}">
-                <a14:hiddenLine xmlns="" xmlns:a16="http://schemas.microsoft.com/office/drawing/2014/main" xmlns:a14="http://schemas.microsoft.com/office/drawing/2010/main" w="9525">
+                <a14:hiddenLine xmlns:a14="http://schemas.microsoft.com/office/drawing/2010/main" xmlns:a16="http://schemas.microsoft.com/office/drawing/2014/main" xmlns="" w="9525">
                   <a:solidFill>
                     <a:srgbClr val="000000"/>
                   </a:solidFill>
@@ -36127,7 +38883,7 @@
             </a:ln>
             <a:extLst>
               <a:ext uri="{91240B29-F687-4f45-9708-019B960494DF}">
-                <a14:hiddenLine xmlns="" xmlns:a16="http://schemas.microsoft.com/office/drawing/2014/main" xmlns:a14="http://schemas.microsoft.com/office/drawing/2010/main" w="9525">
+                <a14:hiddenLine xmlns:a14="http://schemas.microsoft.com/office/drawing/2010/main" xmlns:a16="http://schemas.microsoft.com/office/drawing/2014/main" xmlns="" w="9525">
                   <a:solidFill>
                     <a:srgbClr val="000000"/>
                   </a:solidFill>
@@ -36204,7 +38960,7 @@
             </a:ln>
             <a:extLst>
               <a:ext uri="{91240B29-F687-4f45-9708-019B960494DF}">
-                <a14:hiddenLine xmlns="" xmlns:a16="http://schemas.microsoft.com/office/drawing/2014/main" xmlns:a14="http://schemas.microsoft.com/office/drawing/2010/main" w="9525">
+                <a14:hiddenLine xmlns:a14="http://schemas.microsoft.com/office/drawing/2010/main" xmlns:a16="http://schemas.microsoft.com/office/drawing/2014/main" xmlns="" w="9525">
                   <a:solidFill>
                     <a:srgbClr val="000000"/>
                   </a:solidFill>
@@ -36309,7 +39065,7 @@
             </a:ln>
             <a:extLst>
               <a:ext uri="{91240B29-F687-4f45-9708-019B960494DF}">
-                <a14:hiddenLine xmlns="" xmlns:a16="http://schemas.microsoft.com/office/drawing/2014/main" xmlns:a14="http://schemas.microsoft.com/office/drawing/2010/main" w="9525">
+                <a14:hiddenLine xmlns:a14="http://schemas.microsoft.com/office/drawing/2010/main" xmlns:a16="http://schemas.microsoft.com/office/drawing/2014/main" xmlns="" w="9525">
                   <a:solidFill>
                     <a:srgbClr val="000000"/>
                   </a:solidFill>
@@ -36386,7 +39142,7 @@
             </a:ln>
             <a:extLst>
               <a:ext uri="{91240B29-F687-4f45-9708-019B960494DF}">
-                <a14:hiddenLine xmlns="" xmlns:a16="http://schemas.microsoft.com/office/drawing/2014/main" xmlns:a14="http://schemas.microsoft.com/office/drawing/2010/main" w="9525">
+                <a14:hiddenLine xmlns:a14="http://schemas.microsoft.com/office/drawing/2010/main" xmlns:a16="http://schemas.microsoft.com/office/drawing/2014/main" xmlns="" w="9525">
                   <a:solidFill>
                     <a:srgbClr val="000000"/>
                   </a:solidFill>
@@ -36491,7 +39247,7 @@
             </a:ln>
             <a:extLst>
               <a:ext uri="{91240B29-F687-4f45-9708-019B960494DF}">
-                <a14:hiddenLine xmlns="" xmlns:a16="http://schemas.microsoft.com/office/drawing/2014/main" xmlns:a14="http://schemas.microsoft.com/office/drawing/2010/main" w="9525">
+                <a14:hiddenLine xmlns:a14="http://schemas.microsoft.com/office/drawing/2010/main" xmlns:a16="http://schemas.microsoft.com/office/drawing/2014/main" xmlns="" w="9525">
                   <a:solidFill>
                     <a:srgbClr val="000000"/>
                   </a:solidFill>
@@ -36540,7 +39296,7 @@
             </a:ln>
             <a:extLst>
               <a:ext uri="{91240B29-F687-4f45-9708-019B960494DF}">
-                <a14:hiddenLine xmlns="" xmlns:a16="http://schemas.microsoft.com/office/drawing/2014/main" xmlns:a14="http://schemas.microsoft.com/office/drawing/2010/main" w="9525">
+                <a14:hiddenLine xmlns:a14="http://schemas.microsoft.com/office/drawing/2010/main" xmlns:a16="http://schemas.microsoft.com/office/drawing/2014/main" xmlns="" w="9525">
                   <a:solidFill>
                     <a:srgbClr val="000000"/>
                   </a:solidFill>
@@ -36620,7 +39376,7 @@
             </a:ln>
             <a:extLst>
               <a:ext uri="{91240B29-F687-4f45-9708-019B960494DF}">
-                <a14:hiddenLine xmlns="" xmlns:a16="http://schemas.microsoft.com/office/drawing/2014/main" xmlns:a14="http://schemas.microsoft.com/office/drawing/2010/main" w="9525">
+                <a14:hiddenLine xmlns:a14="http://schemas.microsoft.com/office/drawing/2010/main" xmlns:a16="http://schemas.microsoft.com/office/drawing/2014/main" xmlns="" w="9525">
                   <a:solidFill>
                     <a:srgbClr val="000000"/>
                   </a:solidFill>
@@ -36725,7 +39481,7 @@
             </a:ln>
             <a:extLst>
               <a:ext uri="{91240B29-F687-4f45-9708-019B960494DF}">
-                <a14:hiddenLine xmlns="" xmlns:a16="http://schemas.microsoft.com/office/drawing/2014/main" xmlns:a14="http://schemas.microsoft.com/office/drawing/2010/main" w="9525">
+                <a14:hiddenLine xmlns:a14="http://schemas.microsoft.com/office/drawing/2010/main" xmlns:a16="http://schemas.microsoft.com/office/drawing/2014/main" xmlns="" w="9525">
                   <a:solidFill>
                     <a:srgbClr val="000000"/>
                   </a:solidFill>
@@ -36802,7 +39558,7 @@
             </a:ln>
             <a:extLst>
               <a:ext uri="{91240B29-F687-4f45-9708-019B960494DF}">
-                <a14:hiddenLine xmlns="" xmlns:a16="http://schemas.microsoft.com/office/drawing/2014/main" xmlns:a14="http://schemas.microsoft.com/office/drawing/2010/main" w="9525">
+                <a14:hiddenLine xmlns:a14="http://schemas.microsoft.com/office/drawing/2010/main" xmlns:a16="http://schemas.microsoft.com/office/drawing/2014/main" xmlns="" w="9525">
                   <a:solidFill>
                     <a:srgbClr val="000000"/>
                   </a:solidFill>
@@ -36907,7 +39663,7 @@
             </a:ln>
             <a:extLst>
               <a:ext uri="{91240B29-F687-4f45-9708-019B960494DF}">
-                <a14:hiddenLine xmlns="" xmlns:a16="http://schemas.microsoft.com/office/drawing/2014/main" xmlns:a14="http://schemas.microsoft.com/office/drawing/2010/main" w="9525">
+                <a14:hiddenLine xmlns:a14="http://schemas.microsoft.com/office/drawing/2010/main" xmlns:a16="http://schemas.microsoft.com/office/drawing/2014/main" xmlns="" w="9525">
                   <a:solidFill>
                     <a:srgbClr val="000000"/>
                   </a:solidFill>
@@ -37012,7 +39768,7 @@
             </a:ln>
             <a:extLst>
               <a:ext uri="{91240B29-F687-4f45-9708-019B960494DF}">
-                <a14:hiddenLine xmlns="" xmlns:a16="http://schemas.microsoft.com/office/drawing/2014/main" xmlns:a14="http://schemas.microsoft.com/office/drawing/2010/main" w="9525">
+                <a14:hiddenLine xmlns:a14="http://schemas.microsoft.com/office/drawing/2010/main" xmlns:a16="http://schemas.microsoft.com/office/drawing/2014/main" xmlns="" w="9525">
                   <a:solidFill>
                     <a:srgbClr val="000000"/>
                   </a:solidFill>
@@ -37092,7 +39848,7 @@
             </a:ln>
             <a:extLst>
               <a:ext uri="{91240B29-F687-4f45-9708-019B960494DF}">
-                <a14:hiddenLine xmlns="" xmlns:a16="http://schemas.microsoft.com/office/drawing/2014/main" xmlns:a14="http://schemas.microsoft.com/office/drawing/2010/main" w="9525">
+                <a14:hiddenLine xmlns:a14="http://schemas.microsoft.com/office/drawing/2010/main" xmlns:a16="http://schemas.microsoft.com/office/drawing/2014/main" xmlns="" w="9525">
                   <a:solidFill>
                     <a:srgbClr val="000000"/>
                   </a:solidFill>
@@ -37169,7 +39925,7 @@
             </a:ln>
             <a:extLst>
               <a:ext uri="{91240B29-F687-4f45-9708-019B960494DF}">
-                <a14:hiddenLine xmlns="" xmlns:a16="http://schemas.microsoft.com/office/drawing/2014/main" xmlns:a14="http://schemas.microsoft.com/office/drawing/2010/main" w="9525">
+                <a14:hiddenLine xmlns:a14="http://schemas.microsoft.com/office/drawing/2010/main" xmlns:a16="http://schemas.microsoft.com/office/drawing/2014/main" xmlns="" w="9525">
                   <a:solidFill>
                     <a:srgbClr val="000000"/>
                   </a:solidFill>
@@ -37274,7 +40030,7 @@
             </a:ln>
             <a:extLst>
               <a:ext uri="{91240B29-F687-4f45-9708-019B960494DF}">
-                <a14:hiddenLine xmlns="" xmlns:a16="http://schemas.microsoft.com/office/drawing/2014/main" xmlns:a14="http://schemas.microsoft.com/office/drawing/2010/main" w="9525">
+                <a14:hiddenLine xmlns:a14="http://schemas.microsoft.com/office/drawing/2010/main" xmlns:a16="http://schemas.microsoft.com/office/drawing/2014/main" xmlns="" w="9525">
                   <a:solidFill>
                     <a:srgbClr val="000000"/>
                   </a:solidFill>
@@ -37379,7 +40135,7 @@
             </a:ln>
             <a:extLst>
               <a:ext uri="{91240B29-F687-4f45-9708-019B960494DF}">
-                <a14:hiddenLine xmlns="" xmlns:a16="http://schemas.microsoft.com/office/drawing/2014/main" xmlns:a14="http://schemas.microsoft.com/office/drawing/2010/main" w="9525">
+                <a14:hiddenLine xmlns:a14="http://schemas.microsoft.com/office/drawing/2010/main" xmlns:a16="http://schemas.microsoft.com/office/drawing/2014/main" xmlns="" w="9525">
                   <a:solidFill>
                     <a:srgbClr val="000000"/>
                   </a:solidFill>
@@ -37456,7 +40212,7 @@
             </a:ln>
             <a:extLst>
               <a:ext uri="{91240B29-F687-4f45-9708-019B960494DF}">
-                <a14:hiddenLine xmlns="" xmlns:a16="http://schemas.microsoft.com/office/drawing/2014/main" xmlns:a14="http://schemas.microsoft.com/office/drawing/2010/main" w="9525">
+                <a14:hiddenLine xmlns:a14="http://schemas.microsoft.com/office/drawing/2010/main" xmlns:a16="http://schemas.microsoft.com/office/drawing/2014/main" xmlns="" w="9525">
                   <a:solidFill>
                     <a:srgbClr val="000000"/>
                   </a:solidFill>
@@ -37591,7 +40347,7 @@
             </a:ln>
             <a:extLst>
               <a:ext uri="{91240B29-F687-4f45-9708-019B960494DF}">
-                <a14:hiddenLine xmlns="" xmlns:a16="http://schemas.microsoft.com/office/drawing/2014/main" xmlns:a14="http://schemas.microsoft.com/office/drawing/2010/main" w="9525">
+                <a14:hiddenLine xmlns:a14="http://schemas.microsoft.com/office/drawing/2010/main" xmlns:a16="http://schemas.microsoft.com/office/drawing/2014/main" xmlns="" w="9525">
                   <a:solidFill>
                     <a:srgbClr val="000000"/>
                   </a:solidFill>
@@ -37674,7 +40430,7 @@
             </a:ln>
             <a:extLst>
               <a:ext uri="{91240B29-F687-4f45-9708-019B960494DF}">
-                <a14:hiddenLine xmlns="" xmlns:a16="http://schemas.microsoft.com/office/drawing/2014/main" xmlns:a14="http://schemas.microsoft.com/office/drawing/2010/main" w="9525">
+                <a14:hiddenLine xmlns:a14="http://schemas.microsoft.com/office/drawing/2010/main" xmlns:a16="http://schemas.microsoft.com/office/drawing/2014/main" xmlns="" w="9525">
                   <a:solidFill>
                     <a:srgbClr val="000000"/>
                   </a:solidFill>
@@ -37779,7 +40535,7 @@
             </a:ln>
             <a:extLst>
               <a:ext uri="{91240B29-F687-4f45-9708-019B960494DF}">
-                <a14:hiddenLine xmlns="" xmlns:a16="http://schemas.microsoft.com/office/drawing/2014/main" xmlns:a14="http://schemas.microsoft.com/office/drawing/2010/main" w="9525">
+                <a14:hiddenLine xmlns:a14="http://schemas.microsoft.com/office/drawing/2010/main" xmlns:a16="http://schemas.microsoft.com/office/drawing/2014/main" xmlns="" w="9525">
                   <a:solidFill>
                     <a:srgbClr val="000000"/>
                   </a:solidFill>
@@ -37926,7 +40682,7 @@
             </a:ln>
             <a:extLst>
               <a:ext uri="{91240B29-F687-4f45-9708-019B960494DF}">
-                <a14:hiddenLine xmlns="" xmlns:a16="http://schemas.microsoft.com/office/drawing/2014/main" xmlns:p14="http://schemas.microsoft.com/office/powerpoint/2010/main" xmlns:a14="http://schemas.microsoft.com/office/drawing/2010/main" w="9525">
+                <a14:hiddenLine xmlns:a14="http://schemas.microsoft.com/office/drawing/2010/main" xmlns:p14="http://schemas.microsoft.com/office/powerpoint/2010/main" xmlns:a16="http://schemas.microsoft.com/office/drawing/2014/main" xmlns="" w="9525">
                   <a:solidFill>
                     <a:srgbClr val="000000"/>
                   </a:solidFill>
@@ -38031,7 +40787,7 @@
             </a:ln>
             <a:extLst>
               <a:ext uri="{91240B29-F687-4f45-9708-019B960494DF}">
-                <a14:hiddenLine xmlns="" xmlns:a16="http://schemas.microsoft.com/office/drawing/2014/main" xmlns:p14="http://schemas.microsoft.com/office/powerpoint/2010/main" xmlns:a14="http://schemas.microsoft.com/office/drawing/2010/main" w="9525">
+                <a14:hiddenLine xmlns:a14="http://schemas.microsoft.com/office/drawing/2010/main" xmlns:p14="http://schemas.microsoft.com/office/powerpoint/2010/main" xmlns:a16="http://schemas.microsoft.com/office/drawing/2014/main" xmlns="" w="9525">
                   <a:solidFill>
                     <a:srgbClr val="000000"/>
                   </a:solidFill>
@@ -38136,7 +40892,7 @@
             </a:ln>
             <a:extLst>
               <a:ext uri="{91240B29-F687-4f45-9708-019B960494DF}">
-                <a14:hiddenLine xmlns="" xmlns:a16="http://schemas.microsoft.com/office/drawing/2014/main" xmlns:p14="http://schemas.microsoft.com/office/powerpoint/2010/main" xmlns:a14="http://schemas.microsoft.com/office/drawing/2010/main" w="9525">
+                <a14:hiddenLine xmlns:a14="http://schemas.microsoft.com/office/drawing/2010/main" xmlns:p14="http://schemas.microsoft.com/office/powerpoint/2010/main" xmlns:a16="http://schemas.microsoft.com/office/drawing/2014/main" xmlns="" w="9525">
                   <a:solidFill>
                     <a:srgbClr val="000000"/>
                   </a:solidFill>
@@ -38185,7 +40941,7 @@
             </a:ln>
             <a:extLst>
               <a:ext uri="{91240B29-F687-4f45-9708-019B960494DF}">
-                <a14:hiddenLine xmlns="" xmlns:a16="http://schemas.microsoft.com/office/drawing/2014/main" xmlns:p14="http://schemas.microsoft.com/office/powerpoint/2010/main" xmlns:a14="http://schemas.microsoft.com/office/drawing/2010/main" w="9525">
+                <a14:hiddenLine xmlns:a14="http://schemas.microsoft.com/office/drawing/2010/main" xmlns:p14="http://schemas.microsoft.com/office/powerpoint/2010/main" xmlns:a16="http://schemas.microsoft.com/office/drawing/2014/main" xmlns="" w="9525">
                   <a:solidFill>
                     <a:srgbClr val="000000"/>
                   </a:solidFill>
@@ -38290,7 +41046,7 @@
             </a:ln>
             <a:extLst>
               <a:ext uri="{91240B29-F687-4f45-9708-019B960494DF}">
-                <a14:hiddenLine xmlns="" xmlns:a16="http://schemas.microsoft.com/office/drawing/2014/main" xmlns:p14="http://schemas.microsoft.com/office/powerpoint/2010/main" xmlns:a14="http://schemas.microsoft.com/office/drawing/2010/main" w="9525">
+                <a14:hiddenLine xmlns:a14="http://schemas.microsoft.com/office/drawing/2010/main" xmlns:p14="http://schemas.microsoft.com/office/powerpoint/2010/main" xmlns:a16="http://schemas.microsoft.com/office/drawing/2014/main" xmlns="" w="9525">
                   <a:solidFill>
                     <a:srgbClr val="000000"/>
                   </a:solidFill>
@@ -38367,7 +41123,7 @@
             </a:ln>
             <a:extLst>
               <a:ext uri="{91240B29-F687-4f45-9708-019B960494DF}">
-                <a14:hiddenLine xmlns="" xmlns:a16="http://schemas.microsoft.com/office/drawing/2014/main" xmlns:p14="http://schemas.microsoft.com/office/powerpoint/2010/main" xmlns:a14="http://schemas.microsoft.com/office/drawing/2010/main" w="9525">
+                <a14:hiddenLine xmlns:a14="http://schemas.microsoft.com/office/drawing/2010/main" xmlns:p14="http://schemas.microsoft.com/office/powerpoint/2010/main" xmlns:a16="http://schemas.microsoft.com/office/drawing/2014/main" xmlns="" w="9525">
                   <a:solidFill>
                     <a:srgbClr val="000000"/>
                   </a:solidFill>
@@ -38444,7 +41200,7 @@
             </a:ln>
             <a:extLst>
               <a:ext uri="{91240B29-F687-4f45-9708-019B960494DF}">
-                <a14:hiddenLine xmlns="" xmlns:a16="http://schemas.microsoft.com/office/drawing/2014/main" xmlns:p14="http://schemas.microsoft.com/office/powerpoint/2010/main" xmlns:a14="http://schemas.microsoft.com/office/drawing/2010/main" w="9525">
+                <a14:hiddenLine xmlns:a14="http://schemas.microsoft.com/office/drawing/2010/main" xmlns:p14="http://schemas.microsoft.com/office/powerpoint/2010/main" xmlns:a16="http://schemas.microsoft.com/office/drawing/2014/main" xmlns="" w="9525">
                   <a:solidFill>
                     <a:srgbClr val="000000"/>
                   </a:solidFill>
@@ -38549,7 +41305,7 @@
             </a:ln>
             <a:extLst>
               <a:ext uri="{91240B29-F687-4f45-9708-019B960494DF}">
-                <a14:hiddenLine xmlns="" xmlns:a16="http://schemas.microsoft.com/office/drawing/2014/main" xmlns:p14="http://schemas.microsoft.com/office/powerpoint/2010/main" xmlns:a14="http://schemas.microsoft.com/office/drawing/2010/main" w="9525">
+                <a14:hiddenLine xmlns:a14="http://schemas.microsoft.com/office/drawing/2010/main" xmlns:p14="http://schemas.microsoft.com/office/powerpoint/2010/main" xmlns:a16="http://schemas.microsoft.com/office/drawing/2014/main" xmlns="" w="9525">
                   <a:solidFill>
                     <a:srgbClr val="000000"/>
                   </a:solidFill>
@@ -38626,7 +41382,7 @@
             </a:ln>
             <a:extLst>
               <a:ext uri="{91240B29-F687-4f45-9708-019B960494DF}">
-                <a14:hiddenLine xmlns="" xmlns:a16="http://schemas.microsoft.com/office/drawing/2014/main" xmlns:p14="http://schemas.microsoft.com/office/powerpoint/2010/main" xmlns:a14="http://schemas.microsoft.com/office/drawing/2010/main" w="9525">
+                <a14:hiddenLine xmlns:a14="http://schemas.microsoft.com/office/drawing/2010/main" xmlns:p14="http://schemas.microsoft.com/office/powerpoint/2010/main" xmlns:a16="http://schemas.microsoft.com/office/drawing/2014/main" xmlns="" w="9525">
                   <a:solidFill>
                     <a:srgbClr val="000000"/>
                   </a:solidFill>
@@ -38703,7 +41459,7 @@
             </a:ln>
             <a:extLst>
               <a:ext uri="{91240B29-F687-4f45-9708-019B960494DF}">
-                <a14:hiddenLine xmlns="" xmlns:a16="http://schemas.microsoft.com/office/drawing/2014/main" xmlns:p14="http://schemas.microsoft.com/office/powerpoint/2010/main" xmlns:a14="http://schemas.microsoft.com/office/drawing/2010/main" w="9525">
+                <a14:hiddenLine xmlns:a14="http://schemas.microsoft.com/office/drawing/2010/main" xmlns:p14="http://schemas.microsoft.com/office/powerpoint/2010/main" xmlns:a16="http://schemas.microsoft.com/office/drawing/2014/main" xmlns="" w="9525">
                   <a:solidFill>
                     <a:srgbClr val="000000"/>
                   </a:solidFill>
@@ -38808,7 +41564,7 @@
             </a:ln>
             <a:extLst>
               <a:ext uri="{91240B29-F687-4f45-9708-019B960494DF}">
-                <a14:hiddenLine xmlns="" xmlns:a16="http://schemas.microsoft.com/office/drawing/2014/main" xmlns:p14="http://schemas.microsoft.com/office/powerpoint/2010/main" xmlns:a14="http://schemas.microsoft.com/office/drawing/2010/main" w="9525">
+                <a14:hiddenLine xmlns:a14="http://schemas.microsoft.com/office/drawing/2010/main" xmlns:p14="http://schemas.microsoft.com/office/powerpoint/2010/main" xmlns:a16="http://schemas.microsoft.com/office/drawing/2014/main" xmlns="" w="9525">
                   <a:solidFill>
                     <a:srgbClr val="000000"/>
                   </a:solidFill>
@@ -38913,7 +41669,7 @@
             </a:ln>
             <a:extLst>
               <a:ext uri="{91240B29-F687-4f45-9708-019B960494DF}">
-                <a14:hiddenLine xmlns="" xmlns:a16="http://schemas.microsoft.com/office/drawing/2014/main" xmlns:p14="http://schemas.microsoft.com/office/powerpoint/2010/main" xmlns:a14="http://schemas.microsoft.com/office/drawing/2010/main" w="9525">
+                <a14:hiddenLine xmlns:a14="http://schemas.microsoft.com/office/drawing/2010/main" xmlns:p14="http://schemas.microsoft.com/office/powerpoint/2010/main" xmlns:a16="http://schemas.microsoft.com/office/drawing/2014/main" xmlns="" w="9525">
                   <a:solidFill>
                     <a:srgbClr val="000000"/>
                   </a:solidFill>
@@ -38990,7 +41746,7 @@
             </a:ln>
             <a:extLst>
               <a:ext uri="{91240B29-F687-4f45-9708-019B960494DF}">
-                <a14:hiddenLine xmlns="" xmlns:a16="http://schemas.microsoft.com/office/drawing/2014/main" xmlns:p14="http://schemas.microsoft.com/office/powerpoint/2010/main" xmlns:a14="http://schemas.microsoft.com/office/drawing/2010/main" w="9525">
+                <a14:hiddenLine xmlns:a14="http://schemas.microsoft.com/office/drawing/2010/main" xmlns:p14="http://schemas.microsoft.com/office/powerpoint/2010/main" xmlns:a16="http://schemas.microsoft.com/office/drawing/2014/main" xmlns="" w="9525">
                   <a:solidFill>
                     <a:srgbClr val="000000"/>
                   </a:solidFill>
@@ -39115,7 +41871,7 @@
             </a:ln>
             <a:extLst>
               <a:ext uri="{91240B29-F687-4f45-9708-019B960494DF}">
-                <a14:hiddenLine xmlns="" xmlns:a16="http://schemas.microsoft.com/office/drawing/2014/main" xmlns:p14="http://schemas.microsoft.com/office/powerpoint/2010/main" xmlns:a14="http://schemas.microsoft.com/office/drawing/2010/main" w="9525">
+                <a14:hiddenLine xmlns:a14="http://schemas.microsoft.com/office/drawing/2010/main" xmlns:p14="http://schemas.microsoft.com/office/powerpoint/2010/main" xmlns:a16="http://schemas.microsoft.com/office/drawing/2014/main" xmlns="" w="9525">
                   <a:solidFill>
                     <a:srgbClr val="000000"/>
                   </a:solidFill>
@@ -39192,7 +41948,7 @@
             </a:ln>
             <a:extLst>
               <a:ext uri="{91240B29-F687-4f45-9708-019B960494DF}">
-                <a14:hiddenLine xmlns="" xmlns:a16="http://schemas.microsoft.com/office/drawing/2014/main" xmlns:p14="http://schemas.microsoft.com/office/powerpoint/2010/main" xmlns:a14="http://schemas.microsoft.com/office/drawing/2010/main" w="9525">
+                <a14:hiddenLine xmlns:a14="http://schemas.microsoft.com/office/drawing/2010/main" xmlns:p14="http://schemas.microsoft.com/office/powerpoint/2010/main" xmlns:a16="http://schemas.microsoft.com/office/drawing/2014/main" xmlns="" w="9525">
                   <a:solidFill>
                     <a:srgbClr val="000000"/>
                   </a:solidFill>
@@ -39297,7 +42053,7 @@
             </a:ln>
             <a:extLst>
               <a:ext uri="{91240B29-F687-4f45-9708-019B960494DF}">
-                <a14:hiddenLine xmlns="" xmlns:a16="http://schemas.microsoft.com/office/drawing/2014/main" xmlns:p14="http://schemas.microsoft.com/office/powerpoint/2010/main" xmlns:a14="http://schemas.microsoft.com/office/drawing/2010/main" w="9525">
+                <a14:hiddenLine xmlns:a14="http://schemas.microsoft.com/office/drawing/2010/main" xmlns:p14="http://schemas.microsoft.com/office/powerpoint/2010/main" xmlns:a16="http://schemas.microsoft.com/office/drawing/2014/main" xmlns="" w="9525">
                   <a:solidFill>
                     <a:srgbClr val="000000"/>
                   </a:solidFill>
@@ -39402,7 +42158,7 @@
             </a:ln>
             <a:extLst>
               <a:ext uri="{91240B29-F687-4f45-9708-019B960494DF}">
-                <a14:hiddenLine xmlns="" xmlns:a16="http://schemas.microsoft.com/office/drawing/2014/main" xmlns:p14="http://schemas.microsoft.com/office/powerpoint/2010/main" xmlns:a14="http://schemas.microsoft.com/office/drawing/2010/main" w="9525">
+                <a14:hiddenLine xmlns:a14="http://schemas.microsoft.com/office/drawing/2010/main" xmlns:p14="http://schemas.microsoft.com/office/powerpoint/2010/main" xmlns:a16="http://schemas.microsoft.com/office/drawing/2014/main" xmlns="" w="9525">
                   <a:solidFill>
                     <a:srgbClr val="000000"/>
                   </a:solidFill>
@@ -39479,7 +42235,7 @@
             </a:ln>
             <a:extLst>
               <a:ext uri="{91240B29-F687-4f45-9708-019B960494DF}">
-                <a14:hiddenLine xmlns="" xmlns:a16="http://schemas.microsoft.com/office/drawing/2014/main" xmlns:p14="http://schemas.microsoft.com/office/powerpoint/2010/main" xmlns:a14="http://schemas.microsoft.com/office/drawing/2010/main" w="9525">
+                <a14:hiddenLine xmlns:a14="http://schemas.microsoft.com/office/drawing/2010/main" xmlns:p14="http://schemas.microsoft.com/office/powerpoint/2010/main" xmlns:a16="http://schemas.microsoft.com/office/drawing/2014/main" xmlns="" w="9525">
                   <a:solidFill>
                     <a:srgbClr val="000000"/>
                   </a:solidFill>
@@ -39584,7 +42340,7 @@
             </a:ln>
             <a:extLst>
               <a:ext uri="{91240B29-F687-4f45-9708-019B960494DF}">
-                <a14:hiddenLine xmlns="" xmlns:a16="http://schemas.microsoft.com/office/drawing/2014/main" xmlns:p14="http://schemas.microsoft.com/office/powerpoint/2010/main" xmlns:a14="http://schemas.microsoft.com/office/drawing/2010/main" w="9525">
+                <a14:hiddenLine xmlns:a14="http://schemas.microsoft.com/office/drawing/2010/main" xmlns:p14="http://schemas.microsoft.com/office/powerpoint/2010/main" xmlns:a16="http://schemas.microsoft.com/office/drawing/2014/main" xmlns="" w="9525">
                   <a:solidFill>
                     <a:srgbClr val="000000"/>
                   </a:solidFill>
@@ -39689,7 +42445,7 @@
             </a:ln>
             <a:extLst>
               <a:ext uri="{91240B29-F687-4f45-9708-019B960494DF}">
-                <a14:hiddenLine xmlns="" xmlns:a16="http://schemas.microsoft.com/office/drawing/2014/main" xmlns:p14="http://schemas.microsoft.com/office/powerpoint/2010/main" xmlns:a14="http://schemas.microsoft.com/office/drawing/2010/main" w="9525">
+                <a14:hiddenLine xmlns:a14="http://schemas.microsoft.com/office/drawing/2010/main" xmlns:p14="http://schemas.microsoft.com/office/powerpoint/2010/main" xmlns:a16="http://schemas.microsoft.com/office/drawing/2014/main" xmlns="" w="9525">
                   <a:solidFill>
                     <a:srgbClr val="000000"/>
                   </a:solidFill>
@@ -39760,7 +42516,7 @@
             </a:ln>
             <a:extLst>
               <a:ext uri="{91240B29-F687-4f45-9708-019B960494DF}">
-                <a14:hiddenLine xmlns="" xmlns:a16="http://schemas.microsoft.com/office/drawing/2014/main" xmlns:p14="http://schemas.microsoft.com/office/powerpoint/2010/main" xmlns:a14="http://schemas.microsoft.com/office/drawing/2010/main" w="9525">
+                <a14:hiddenLine xmlns:a14="http://schemas.microsoft.com/office/drawing/2010/main" xmlns:p14="http://schemas.microsoft.com/office/powerpoint/2010/main" xmlns:a16="http://schemas.microsoft.com/office/drawing/2014/main" xmlns="" w="9525">
                   <a:solidFill>
                     <a:srgbClr val="000000"/>
                   </a:solidFill>
@@ -39865,7 +42621,7 @@
             </a:ln>
             <a:extLst>
               <a:ext uri="{91240B29-F687-4f45-9708-019B960494DF}">
-                <a14:hiddenLine xmlns="" xmlns:a16="http://schemas.microsoft.com/office/drawing/2014/main" xmlns:p14="http://schemas.microsoft.com/office/powerpoint/2010/main" xmlns:a14="http://schemas.microsoft.com/office/drawing/2010/main" w="9525">
+                <a14:hiddenLine xmlns:a14="http://schemas.microsoft.com/office/drawing/2010/main" xmlns:p14="http://schemas.microsoft.com/office/powerpoint/2010/main" xmlns:a16="http://schemas.microsoft.com/office/drawing/2014/main" xmlns="" w="9525">
                   <a:solidFill>
                     <a:srgbClr val="000000"/>
                   </a:solidFill>
@@ -39936,7 +42692,7 @@
             </a:ln>
             <a:extLst>
               <a:ext uri="{91240B29-F687-4f45-9708-019B960494DF}">
-                <a14:hiddenLine xmlns="" xmlns:a16="http://schemas.microsoft.com/office/drawing/2014/main" xmlns:p14="http://schemas.microsoft.com/office/powerpoint/2010/main" xmlns:a14="http://schemas.microsoft.com/office/drawing/2010/main" w="9525">
+                <a14:hiddenLine xmlns:a14="http://schemas.microsoft.com/office/drawing/2010/main" xmlns:p14="http://schemas.microsoft.com/office/powerpoint/2010/main" xmlns:a16="http://schemas.microsoft.com/office/drawing/2014/main" xmlns="" w="9525">
                   <a:solidFill>
                     <a:srgbClr val="000000"/>
                   </a:solidFill>
@@ -40041,7 +42797,7 @@
             </a:ln>
             <a:extLst>
               <a:ext uri="{91240B29-F687-4f45-9708-019B960494DF}">
-                <a14:hiddenLine xmlns="" xmlns:a16="http://schemas.microsoft.com/office/drawing/2014/main" xmlns:p14="http://schemas.microsoft.com/office/powerpoint/2010/main" xmlns:a14="http://schemas.microsoft.com/office/drawing/2010/main" w="9525">
+                <a14:hiddenLine xmlns:a14="http://schemas.microsoft.com/office/drawing/2010/main" xmlns:p14="http://schemas.microsoft.com/office/powerpoint/2010/main" xmlns:a16="http://schemas.microsoft.com/office/drawing/2014/main" xmlns="" w="9525">
                   <a:solidFill>
                     <a:srgbClr val="000000"/>
                   </a:solidFill>
@@ -40124,7 +42880,7 @@
             </a:ln>
             <a:extLst>
               <a:ext uri="{91240B29-F687-4f45-9708-019B960494DF}">
-                <a14:hiddenLine xmlns="" xmlns:a16="http://schemas.microsoft.com/office/drawing/2014/main" xmlns:p14="http://schemas.microsoft.com/office/powerpoint/2010/main" xmlns:a14="http://schemas.microsoft.com/office/drawing/2010/main" w="9525">
+                <a14:hiddenLine xmlns:a14="http://schemas.microsoft.com/office/drawing/2010/main" xmlns:p14="http://schemas.microsoft.com/office/powerpoint/2010/main" xmlns:a16="http://schemas.microsoft.com/office/drawing/2014/main" xmlns="" w="9525">
                   <a:solidFill>
                     <a:srgbClr val="000000"/>
                   </a:solidFill>
@@ -40229,7 +42985,7 @@
             </a:ln>
             <a:extLst>
               <a:ext uri="{91240B29-F687-4f45-9708-019B960494DF}">
-                <a14:hiddenLine xmlns="" xmlns:a16="http://schemas.microsoft.com/office/drawing/2014/main" xmlns:p14="http://schemas.microsoft.com/office/powerpoint/2010/main" xmlns:a14="http://schemas.microsoft.com/office/drawing/2010/main" w="9525">
+                <a14:hiddenLine xmlns:a14="http://schemas.microsoft.com/office/drawing/2010/main" xmlns:p14="http://schemas.microsoft.com/office/powerpoint/2010/main" xmlns:a16="http://schemas.microsoft.com/office/drawing/2014/main" xmlns="" w="9525">
                   <a:solidFill>
                     <a:srgbClr val="000000"/>
                   </a:solidFill>
@@ -40312,7 +43068,7 @@
             </a:ln>
             <a:extLst>
               <a:ext uri="{91240B29-F687-4f45-9708-019B960494DF}">
-                <a14:hiddenLine xmlns="" xmlns:a16="http://schemas.microsoft.com/office/drawing/2014/main" xmlns:p14="http://schemas.microsoft.com/office/powerpoint/2010/main" xmlns:a14="http://schemas.microsoft.com/office/drawing/2010/main" w="9525">
+                <a14:hiddenLine xmlns:a14="http://schemas.microsoft.com/office/drawing/2010/main" xmlns:p14="http://schemas.microsoft.com/office/powerpoint/2010/main" xmlns:a16="http://schemas.microsoft.com/office/drawing/2014/main" xmlns="" w="9525">
                   <a:solidFill>
                     <a:srgbClr val="000000"/>
                   </a:solidFill>
@@ -40417,7 +43173,7 @@
             </a:ln>
             <a:extLst>
               <a:ext uri="{91240B29-F687-4f45-9708-019B960494DF}">
-                <a14:hiddenLine xmlns="" xmlns:a16="http://schemas.microsoft.com/office/drawing/2014/main" xmlns:p14="http://schemas.microsoft.com/office/powerpoint/2010/main" xmlns:a14="http://schemas.microsoft.com/office/drawing/2010/main" w="9525">
+                <a14:hiddenLine xmlns:a14="http://schemas.microsoft.com/office/drawing/2010/main" xmlns:p14="http://schemas.microsoft.com/office/powerpoint/2010/main" xmlns:a16="http://schemas.microsoft.com/office/drawing/2014/main" xmlns="" w="9525">
                   <a:solidFill>
                     <a:srgbClr val="000000"/>
                   </a:solidFill>
@@ -40466,7 +43222,7 @@
             </a:ln>
             <a:extLst>
               <a:ext uri="{91240B29-F687-4f45-9708-019B960494DF}">
-                <a14:hiddenLine xmlns="" xmlns:a16="http://schemas.microsoft.com/office/drawing/2014/main" xmlns:p14="http://schemas.microsoft.com/office/powerpoint/2010/main" xmlns:a14="http://schemas.microsoft.com/office/drawing/2010/main" w="9525">
+                <a14:hiddenLine xmlns:a14="http://schemas.microsoft.com/office/drawing/2010/main" xmlns:p14="http://schemas.microsoft.com/office/powerpoint/2010/main" xmlns:a16="http://schemas.microsoft.com/office/drawing/2014/main" xmlns="" w="9525">
                   <a:solidFill>
                     <a:srgbClr val="000000"/>
                   </a:solidFill>
@@ -40571,7 +43327,7 @@
             </a:ln>
             <a:extLst>
               <a:ext uri="{91240B29-F687-4f45-9708-019B960494DF}">
-                <a14:hiddenLine xmlns="" xmlns:a16="http://schemas.microsoft.com/office/drawing/2014/main" xmlns:p14="http://schemas.microsoft.com/office/powerpoint/2010/main" xmlns:a14="http://schemas.microsoft.com/office/drawing/2010/main" w="9525">
+                <a14:hiddenLine xmlns:a14="http://schemas.microsoft.com/office/drawing/2010/main" xmlns:p14="http://schemas.microsoft.com/office/powerpoint/2010/main" xmlns:a16="http://schemas.microsoft.com/office/drawing/2014/main" xmlns="" w="9525">
                   <a:solidFill>
                     <a:srgbClr val="000000"/>
                   </a:solidFill>
@@ -40648,7 +43404,7 @@
             </a:ln>
             <a:extLst>
               <a:ext uri="{91240B29-F687-4f45-9708-019B960494DF}">
-                <a14:hiddenLine xmlns="" xmlns:a16="http://schemas.microsoft.com/office/drawing/2014/main" xmlns:p14="http://schemas.microsoft.com/office/powerpoint/2010/main" xmlns:a14="http://schemas.microsoft.com/office/drawing/2010/main" w="9525">
+                <a14:hiddenLine xmlns:a14="http://schemas.microsoft.com/office/drawing/2010/main" xmlns:p14="http://schemas.microsoft.com/office/powerpoint/2010/main" xmlns:a16="http://schemas.microsoft.com/office/drawing/2014/main" xmlns="" w="9525">
                   <a:solidFill>
                     <a:srgbClr val="000000"/>
                   </a:solidFill>
@@ -40725,7 +43481,7 @@
             </a:ln>
             <a:extLst>
               <a:ext uri="{91240B29-F687-4f45-9708-019B960494DF}">
-                <a14:hiddenLine xmlns="" xmlns:a16="http://schemas.microsoft.com/office/drawing/2014/main" xmlns:p14="http://schemas.microsoft.com/office/powerpoint/2010/main" xmlns:a14="http://schemas.microsoft.com/office/drawing/2010/main" w="9525">
+                <a14:hiddenLine xmlns:a14="http://schemas.microsoft.com/office/drawing/2010/main" xmlns:p14="http://schemas.microsoft.com/office/powerpoint/2010/main" xmlns:a16="http://schemas.microsoft.com/office/drawing/2014/main" xmlns="" w="9525">
                   <a:solidFill>
                     <a:srgbClr val="000000"/>
                   </a:solidFill>
@@ -40830,7 +43586,7 @@
             </a:ln>
             <a:extLst>
               <a:ext uri="{91240B29-F687-4f45-9708-019B960494DF}">
-                <a14:hiddenLine xmlns="" xmlns:a16="http://schemas.microsoft.com/office/drawing/2014/main" xmlns:p14="http://schemas.microsoft.com/office/powerpoint/2010/main" xmlns:a14="http://schemas.microsoft.com/office/drawing/2010/main" w="9525">
+                <a14:hiddenLine xmlns:a14="http://schemas.microsoft.com/office/drawing/2010/main" xmlns:p14="http://schemas.microsoft.com/office/powerpoint/2010/main" xmlns:a16="http://schemas.microsoft.com/office/drawing/2014/main" xmlns="" w="9525">
                   <a:solidFill>
                     <a:srgbClr val="000000"/>
                   </a:solidFill>
@@ -40913,7 +43669,7 @@
             </a:ln>
             <a:extLst>
               <a:ext uri="{91240B29-F687-4f45-9708-019B960494DF}">
-                <a14:hiddenLine xmlns="" xmlns:a16="http://schemas.microsoft.com/office/drawing/2014/main" xmlns:p14="http://schemas.microsoft.com/office/powerpoint/2010/main" xmlns:a14="http://schemas.microsoft.com/office/drawing/2010/main" w="9525">
+                <a14:hiddenLine xmlns:a14="http://schemas.microsoft.com/office/drawing/2010/main" xmlns:p14="http://schemas.microsoft.com/office/powerpoint/2010/main" xmlns:a16="http://schemas.microsoft.com/office/drawing/2014/main" xmlns="" w="9525">
                   <a:solidFill>
                     <a:srgbClr val="000000"/>
                   </a:solidFill>
@@ -40990,7 +43746,7 @@
             </a:ln>
             <a:extLst>
               <a:ext uri="{91240B29-F687-4f45-9708-019B960494DF}">
-                <a14:hiddenLine xmlns="" xmlns:a16="http://schemas.microsoft.com/office/drawing/2014/main" xmlns:p14="http://schemas.microsoft.com/office/powerpoint/2010/main" xmlns:a14="http://schemas.microsoft.com/office/drawing/2010/main" w="9525">
+                <a14:hiddenLine xmlns:a14="http://schemas.microsoft.com/office/drawing/2010/main" xmlns:p14="http://schemas.microsoft.com/office/powerpoint/2010/main" xmlns:a16="http://schemas.microsoft.com/office/drawing/2014/main" xmlns="" w="9525">
                   <a:solidFill>
                     <a:srgbClr val="000000"/>
                   </a:solidFill>
@@ -41095,7 +43851,7 @@
             </a:ln>
             <a:extLst>
               <a:ext uri="{91240B29-F687-4f45-9708-019B960494DF}">
-                <a14:hiddenLine xmlns="" xmlns:a16="http://schemas.microsoft.com/office/drawing/2014/main" xmlns:p14="http://schemas.microsoft.com/office/powerpoint/2010/main" xmlns:a14="http://schemas.microsoft.com/office/drawing/2010/main" w="9525">
+                <a14:hiddenLine xmlns:a14="http://schemas.microsoft.com/office/drawing/2010/main" xmlns:p14="http://schemas.microsoft.com/office/powerpoint/2010/main" xmlns:a16="http://schemas.microsoft.com/office/drawing/2014/main" xmlns="" w="9525">
                   <a:solidFill>
                     <a:srgbClr val="000000"/>
                   </a:solidFill>
@@ -41172,7 +43928,7 @@
             </a:ln>
             <a:extLst>
               <a:ext uri="{91240B29-F687-4f45-9708-019B960494DF}">
-                <a14:hiddenLine xmlns="" xmlns:a16="http://schemas.microsoft.com/office/drawing/2014/main" xmlns:p14="http://schemas.microsoft.com/office/powerpoint/2010/main" xmlns:a14="http://schemas.microsoft.com/office/drawing/2010/main" w="9525">
+                <a14:hiddenLine xmlns:a14="http://schemas.microsoft.com/office/drawing/2010/main" xmlns:p14="http://schemas.microsoft.com/office/powerpoint/2010/main" xmlns:a16="http://schemas.microsoft.com/office/drawing/2014/main" xmlns="" w="9525">
                   <a:solidFill>
                     <a:srgbClr val="000000"/>
                   </a:solidFill>
@@ -41277,7 +44033,7 @@
             </a:ln>
             <a:extLst>
               <a:ext uri="{91240B29-F687-4f45-9708-019B960494DF}">
-                <a14:hiddenLine xmlns="" xmlns:a16="http://schemas.microsoft.com/office/drawing/2014/main" xmlns:p14="http://schemas.microsoft.com/office/powerpoint/2010/main" xmlns:a14="http://schemas.microsoft.com/office/drawing/2010/main" w="9525">
+                <a14:hiddenLine xmlns:a14="http://schemas.microsoft.com/office/drawing/2010/main" xmlns:p14="http://schemas.microsoft.com/office/powerpoint/2010/main" xmlns:a16="http://schemas.microsoft.com/office/drawing/2014/main" xmlns="" w="9525">
                   <a:solidFill>
                     <a:srgbClr val="000000"/>
                   </a:solidFill>
@@ -41354,7 +44110,7 @@
             </a:ln>
             <a:extLst>
               <a:ext uri="{91240B29-F687-4f45-9708-019B960494DF}">
-                <a14:hiddenLine xmlns="" xmlns:a16="http://schemas.microsoft.com/office/drawing/2014/main" xmlns:p14="http://schemas.microsoft.com/office/powerpoint/2010/main" xmlns:a14="http://schemas.microsoft.com/office/drawing/2010/main" w="9525">
+                <a14:hiddenLine xmlns:a14="http://schemas.microsoft.com/office/drawing/2010/main" xmlns:p14="http://schemas.microsoft.com/office/powerpoint/2010/main" xmlns:a16="http://schemas.microsoft.com/office/drawing/2014/main" xmlns="" w="9525">
                   <a:solidFill>
                     <a:srgbClr val="000000"/>
                   </a:solidFill>
@@ -41459,7 +44215,7 @@
             </a:ln>
             <a:extLst>
               <a:ext uri="{91240B29-F687-4f45-9708-019B960494DF}">
-                <a14:hiddenLine xmlns="" xmlns:a16="http://schemas.microsoft.com/office/drawing/2014/main" xmlns:p14="http://schemas.microsoft.com/office/powerpoint/2010/main" xmlns:a14="http://schemas.microsoft.com/office/drawing/2010/main" w="9525">
+                <a14:hiddenLine xmlns:a14="http://schemas.microsoft.com/office/drawing/2010/main" xmlns:p14="http://schemas.microsoft.com/office/powerpoint/2010/main" xmlns:a16="http://schemas.microsoft.com/office/drawing/2014/main" xmlns="" w="9525">
                   <a:solidFill>
                     <a:srgbClr val="000000"/>
                   </a:solidFill>
@@ -41508,7 +44264,7 @@
             </a:ln>
             <a:extLst>
               <a:ext uri="{91240B29-F687-4f45-9708-019B960494DF}">
-                <a14:hiddenLine xmlns="" xmlns:a16="http://schemas.microsoft.com/office/drawing/2014/main" xmlns:p14="http://schemas.microsoft.com/office/powerpoint/2010/main" xmlns:a14="http://schemas.microsoft.com/office/drawing/2010/main" w="9525">
+                <a14:hiddenLine xmlns:a14="http://schemas.microsoft.com/office/drawing/2010/main" xmlns:p14="http://schemas.microsoft.com/office/powerpoint/2010/main" xmlns:a16="http://schemas.microsoft.com/office/drawing/2014/main" xmlns="" w="9525">
                   <a:solidFill>
                     <a:srgbClr val="000000"/>
                   </a:solidFill>
@@ -41588,7 +44344,7 @@
             </a:ln>
             <a:extLst>
               <a:ext uri="{91240B29-F687-4f45-9708-019B960494DF}">
-                <a14:hiddenLine xmlns="" xmlns:a16="http://schemas.microsoft.com/office/drawing/2014/main" xmlns:p14="http://schemas.microsoft.com/office/powerpoint/2010/main" xmlns:a14="http://schemas.microsoft.com/office/drawing/2010/main" w="9525">
+                <a14:hiddenLine xmlns:a14="http://schemas.microsoft.com/office/drawing/2010/main" xmlns:p14="http://schemas.microsoft.com/office/powerpoint/2010/main" xmlns:a16="http://schemas.microsoft.com/office/drawing/2014/main" xmlns="" w="9525">
                   <a:solidFill>
                     <a:srgbClr val="000000"/>
                   </a:solidFill>
@@ -41693,7 +44449,7 @@
             </a:ln>
             <a:extLst>
               <a:ext uri="{91240B29-F687-4f45-9708-019B960494DF}">
-                <a14:hiddenLine xmlns="" xmlns:a16="http://schemas.microsoft.com/office/drawing/2014/main" xmlns:p14="http://schemas.microsoft.com/office/powerpoint/2010/main" xmlns:a14="http://schemas.microsoft.com/office/drawing/2010/main" w="9525">
+                <a14:hiddenLine xmlns:a14="http://schemas.microsoft.com/office/drawing/2010/main" xmlns:p14="http://schemas.microsoft.com/office/powerpoint/2010/main" xmlns:a16="http://schemas.microsoft.com/office/drawing/2014/main" xmlns="" w="9525">
                   <a:solidFill>
                     <a:srgbClr val="000000"/>
                   </a:solidFill>
@@ -41770,7 +44526,7 @@
             </a:ln>
             <a:extLst>
               <a:ext uri="{91240B29-F687-4f45-9708-019B960494DF}">
-                <a14:hiddenLine xmlns="" xmlns:a16="http://schemas.microsoft.com/office/drawing/2014/main" xmlns:p14="http://schemas.microsoft.com/office/powerpoint/2010/main" xmlns:a14="http://schemas.microsoft.com/office/drawing/2010/main" w="9525">
+                <a14:hiddenLine xmlns:a14="http://schemas.microsoft.com/office/drawing/2010/main" xmlns:p14="http://schemas.microsoft.com/office/powerpoint/2010/main" xmlns:a16="http://schemas.microsoft.com/office/drawing/2014/main" xmlns="" w="9525">
                   <a:solidFill>
                     <a:srgbClr val="000000"/>
                   </a:solidFill>
@@ -41875,7 +44631,7 @@
             </a:ln>
             <a:extLst>
               <a:ext uri="{91240B29-F687-4f45-9708-019B960494DF}">
-                <a14:hiddenLine xmlns="" xmlns:a16="http://schemas.microsoft.com/office/drawing/2014/main" xmlns:p14="http://schemas.microsoft.com/office/powerpoint/2010/main" xmlns:a14="http://schemas.microsoft.com/office/drawing/2010/main" w="9525">
+                <a14:hiddenLine xmlns:a14="http://schemas.microsoft.com/office/drawing/2010/main" xmlns:p14="http://schemas.microsoft.com/office/powerpoint/2010/main" xmlns:a16="http://schemas.microsoft.com/office/drawing/2014/main" xmlns="" w="9525">
                   <a:solidFill>
                     <a:srgbClr val="000000"/>
                   </a:solidFill>
@@ -41980,7 +44736,7 @@
             </a:ln>
             <a:extLst>
               <a:ext uri="{91240B29-F687-4f45-9708-019B960494DF}">
-                <a14:hiddenLine xmlns="" xmlns:a16="http://schemas.microsoft.com/office/drawing/2014/main" xmlns:p14="http://schemas.microsoft.com/office/powerpoint/2010/main" xmlns:a14="http://schemas.microsoft.com/office/drawing/2010/main" w="9525">
+                <a14:hiddenLine xmlns:a14="http://schemas.microsoft.com/office/drawing/2010/main" xmlns:p14="http://schemas.microsoft.com/office/powerpoint/2010/main" xmlns:a16="http://schemas.microsoft.com/office/drawing/2014/main" xmlns="" w="9525">
                   <a:solidFill>
                     <a:srgbClr val="000000"/>
                   </a:solidFill>
@@ -42060,7 +44816,7 @@
             </a:ln>
             <a:extLst>
               <a:ext uri="{91240B29-F687-4f45-9708-019B960494DF}">
-                <a14:hiddenLine xmlns="" xmlns:a16="http://schemas.microsoft.com/office/drawing/2014/main" xmlns:p14="http://schemas.microsoft.com/office/powerpoint/2010/main" xmlns:a14="http://schemas.microsoft.com/office/drawing/2010/main" w="9525">
+                <a14:hiddenLine xmlns:a14="http://schemas.microsoft.com/office/drawing/2010/main" xmlns:p14="http://schemas.microsoft.com/office/powerpoint/2010/main" xmlns:a16="http://schemas.microsoft.com/office/drawing/2014/main" xmlns="" w="9525">
                   <a:solidFill>
                     <a:srgbClr val="000000"/>
                   </a:solidFill>
@@ -42137,7 +44893,7 @@
             </a:ln>
             <a:extLst>
               <a:ext uri="{91240B29-F687-4f45-9708-019B960494DF}">
-                <a14:hiddenLine xmlns="" xmlns:a16="http://schemas.microsoft.com/office/drawing/2014/main" xmlns:p14="http://schemas.microsoft.com/office/powerpoint/2010/main" xmlns:a14="http://schemas.microsoft.com/office/drawing/2010/main" w="9525">
+                <a14:hiddenLine xmlns:a14="http://schemas.microsoft.com/office/drawing/2010/main" xmlns:p14="http://schemas.microsoft.com/office/powerpoint/2010/main" xmlns:a16="http://schemas.microsoft.com/office/drawing/2014/main" xmlns="" w="9525">
                   <a:solidFill>
                     <a:srgbClr val="000000"/>
                   </a:solidFill>
@@ -42242,7 +44998,7 @@
             </a:ln>
             <a:extLst>
               <a:ext uri="{91240B29-F687-4f45-9708-019B960494DF}">
-                <a14:hiddenLine xmlns="" xmlns:a16="http://schemas.microsoft.com/office/drawing/2014/main" xmlns:p14="http://schemas.microsoft.com/office/powerpoint/2010/main" xmlns:a14="http://schemas.microsoft.com/office/drawing/2010/main" w="9525">
+                <a14:hiddenLine xmlns:a14="http://schemas.microsoft.com/office/drawing/2010/main" xmlns:p14="http://schemas.microsoft.com/office/powerpoint/2010/main" xmlns:a16="http://schemas.microsoft.com/office/drawing/2014/main" xmlns="" w="9525">
                   <a:solidFill>
                     <a:srgbClr val="000000"/>
                   </a:solidFill>
@@ -42347,7 +45103,7 @@
             </a:ln>
             <a:extLst>
               <a:ext uri="{91240B29-F687-4f45-9708-019B960494DF}">
-                <a14:hiddenLine xmlns="" xmlns:a16="http://schemas.microsoft.com/office/drawing/2014/main" xmlns:p14="http://schemas.microsoft.com/office/powerpoint/2010/main" xmlns:a14="http://schemas.microsoft.com/office/drawing/2010/main" w="9525">
+                <a14:hiddenLine xmlns:a14="http://schemas.microsoft.com/office/drawing/2010/main" xmlns:p14="http://schemas.microsoft.com/office/powerpoint/2010/main" xmlns:a16="http://schemas.microsoft.com/office/drawing/2014/main" xmlns="" w="9525">
                   <a:solidFill>
                     <a:srgbClr val="000000"/>
                   </a:solidFill>
@@ -42424,7 +45180,7 @@
             </a:ln>
             <a:extLst>
               <a:ext uri="{91240B29-F687-4f45-9708-019B960494DF}">
-                <a14:hiddenLine xmlns="" xmlns:a16="http://schemas.microsoft.com/office/drawing/2014/main" xmlns:p14="http://schemas.microsoft.com/office/powerpoint/2010/main" xmlns:a14="http://schemas.microsoft.com/office/drawing/2010/main" w="9525">
+                <a14:hiddenLine xmlns:a14="http://schemas.microsoft.com/office/drawing/2010/main" xmlns:p14="http://schemas.microsoft.com/office/powerpoint/2010/main" xmlns:a16="http://schemas.microsoft.com/office/drawing/2014/main" xmlns="" w="9525">
                   <a:solidFill>
                     <a:srgbClr val="000000"/>
                   </a:solidFill>
@@ -42559,7 +45315,7 @@
             </a:ln>
             <a:extLst>
               <a:ext uri="{91240B29-F687-4f45-9708-019B960494DF}">
-                <a14:hiddenLine xmlns="" xmlns:a16="http://schemas.microsoft.com/office/drawing/2014/main" xmlns:p14="http://schemas.microsoft.com/office/powerpoint/2010/main" xmlns:a14="http://schemas.microsoft.com/office/drawing/2010/main" w="9525">
+                <a14:hiddenLine xmlns:a14="http://schemas.microsoft.com/office/drawing/2010/main" xmlns:p14="http://schemas.microsoft.com/office/powerpoint/2010/main" xmlns:a16="http://schemas.microsoft.com/office/drawing/2014/main" xmlns="" w="9525">
                   <a:solidFill>
                     <a:srgbClr val="000000"/>
                   </a:solidFill>
@@ -42642,7 +45398,7 @@
             </a:ln>
             <a:extLst>
               <a:ext uri="{91240B29-F687-4f45-9708-019B960494DF}">
-                <a14:hiddenLine xmlns="" xmlns:a16="http://schemas.microsoft.com/office/drawing/2014/main" xmlns:p14="http://schemas.microsoft.com/office/powerpoint/2010/main" xmlns:a14="http://schemas.microsoft.com/office/drawing/2010/main" w="9525">
+                <a14:hiddenLine xmlns:a14="http://schemas.microsoft.com/office/drawing/2010/main" xmlns:p14="http://schemas.microsoft.com/office/powerpoint/2010/main" xmlns:a16="http://schemas.microsoft.com/office/drawing/2014/main" xmlns="" w="9525">
                   <a:solidFill>
                     <a:srgbClr val="000000"/>
                   </a:solidFill>
@@ -42747,7 +45503,7 @@
             </a:ln>
             <a:extLst>
               <a:ext uri="{91240B29-F687-4f45-9708-019B960494DF}">
-                <a14:hiddenLine xmlns="" xmlns:a16="http://schemas.microsoft.com/office/drawing/2014/main" xmlns:p14="http://schemas.microsoft.com/office/powerpoint/2010/main" xmlns:a14="http://schemas.microsoft.com/office/drawing/2010/main" w="9525">
+                <a14:hiddenLine xmlns:a14="http://schemas.microsoft.com/office/drawing/2010/main" xmlns:p14="http://schemas.microsoft.com/office/powerpoint/2010/main" xmlns:a16="http://schemas.microsoft.com/office/drawing/2014/main" xmlns="" w="9525">
                   <a:solidFill>
                     <a:srgbClr val="000000"/>
                   </a:solidFill>
@@ -42815,7 +45571,7 @@
           <a:noFill/>
           <a:extLst>
             <a:ext uri="{909E8E84-426E-40dd-AFC4-6F175D3DCCD1}">
-              <a14:hiddenFill xmlns="" xmlns:a16="http://schemas.microsoft.com/office/drawing/2014/main" xmlns:p14="http://schemas.microsoft.com/office/powerpoint/2010/main" xmlns:a14="http://schemas.microsoft.com/office/drawing/2010/main">
+              <a14:hiddenFill xmlns:a14="http://schemas.microsoft.com/office/drawing/2010/main" xmlns:p14="http://schemas.microsoft.com/office/powerpoint/2010/main" xmlns:a16="http://schemas.microsoft.com/office/drawing/2014/main" xmlns="">
                 <a:solidFill>
                   <a:srgbClr val="FFFFFF"/>
                 </a:solidFill>
@@ -43050,6 +45806,353 @@
     <p:extLst>
       <p:ext uri="{BB962C8B-B14F-4D97-AF65-F5344CB8AC3E}">
         <p14:creationId xmlns:p14="http://schemas.microsoft.com/office/powerpoint/2010/main" val="1555488580"/>
+      </p:ext>
+    </p:extLst>
+  </p:cSld>
+  <p:clrMapOvr>
+    <a:masterClrMapping/>
+  </p:clrMapOvr>
+</p:sld>
+</file>
+
+<file path=ppt/slides/slide9.xml><?xml version="1.0" encoding="utf-8"?>
+<p:sld xmlns:a="http://schemas.openxmlformats.org/drawingml/2006/main" xmlns:r="http://schemas.openxmlformats.org/officeDocument/2006/relationships" xmlns:p="http://schemas.openxmlformats.org/presentationml/2006/main">
+  <p:cSld>
+    <p:spTree>
+      <p:nvGrpSpPr>
+        <p:cNvPr id="1" name=""/>
+        <p:cNvGrpSpPr/>
+        <p:nvPr/>
+      </p:nvGrpSpPr>
+      <p:grpSpPr>
+        <a:xfrm>
+          <a:off x="0" y="0"/>
+          <a:ext cx="0" cy="0"/>
+          <a:chOff x="0" y="0"/>
+          <a:chExt cx="0" cy="0"/>
+        </a:xfrm>
+      </p:grpSpPr>
+      <p:sp>
+        <p:nvSpPr>
+          <p:cNvPr id="2" name="Titel 1">
+            <a:extLst>
+              <a:ext uri="{FF2B5EF4-FFF2-40B4-BE49-F238E27FC236}">
+                <a16:creationId xmlns:a16="http://schemas.microsoft.com/office/drawing/2014/main" id="{F76B00B8-20ED-A743-A4A0-761106D451DF}"/>
+              </a:ext>
+            </a:extLst>
+          </p:cNvPr>
+          <p:cNvSpPr>
+            <a:spLocks noGrp="1"/>
+          </p:cNvSpPr>
+          <p:nvPr>
+            <p:ph type="title"/>
+          </p:nvPr>
+        </p:nvSpPr>
+        <p:spPr/>
+        <p:txBody>
+          <a:bodyPr/>
+          <a:lstStyle/>
+          <a:p>
+            <a:r>
+              <a:rPr lang="en-US" dirty="0"/>
+              <a:t>Versioning</a:t>
+            </a:r>
+          </a:p>
+        </p:txBody>
+      </p:sp>
+      <p:sp>
+        <p:nvSpPr>
+          <p:cNvPr id="3" name="Inhaltsplatzhalter 2">
+            <a:extLst>
+              <a:ext uri="{FF2B5EF4-FFF2-40B4-BE49-F238E27FC236}">
+                <a16:creationId xmlns:a16="http://schemas.microsoft.com/office/drawing/2014/main" id="{D684157D-898D-B54C-8713-57F1D2760D13}"/>
+              </a:ext>
+            </a:extLst>
+          </p:cNvPr>
+          <p:cNvSpPr>
+            <a:spLocks noGrp="1"/>
+          </p:cNvSpPr>
+          <p:nvPr>
+            <p:ph idx="1"/>
+          </p:nvPr>
+        </p:nvSpPr>
+        <p:spPr>
+          <a:xfrm>
+            <a:off x="1141413" y="2079067"/>
+            <a:ext cx="9802758" cy="3940069"/>
+          </a:xfrm>
+        </p:spPr>
+        <p:txBody>
+          <a:bodyPr>
+            <a:normAutofit fontScale="85000" lnSpcReduction="20000"/>
+          </a:bodyPr>
+          <a:lstStyle/>
+          <a:p>
+            <a:r>
+              <a:rPr lang="en-US" dirty="0"/>
+              <a:t>Avoid it! But how?</a:t>
+            </a:r>
+          </a:p>
+          <a:p>
+            <a:pPr lvl="1"/>
+            <a:r>
+              <a:rPr lang="en-US" sz="2100" dirty="0"/>
+              <a:t>Separate internal (FE APIs) from open API’s</a:t>
+            </a:r>
+          </a:p>
+          <a:p>
+            <a:pPr lvl="1"/>
+            <a:r>
+              <a:rPr lang="en-US" sz="2100" dirty="0"/>
+              <a:t>keep compatible changes out of names</a:t>
+            </a:r>
+          </a:p>
+          <a:p>
+            <a:pPr lvl="1"/>
+            <a:r>
+              <a:rPr lang="en-US" sz="2100" dirty="0"/>
+              <a:t>avoid new major versions</a:t>
+            </a:r>
+          </a:p>
+          <a:p>
+            <a:pPr lvl="1"/>
+            <a:r>
+              <a:rPr lang="en-US" sz="2100" dirty="0"/>
+              <a:t>makes changes backwards-compatible</a:t>
+            </a:r>
+          </a:p>
+          <a:p>
+            <a:pPr lvl="1"/>
+            <a:r>
+              <a:rPr lang="en-US" sz="2100" dirty="0"/>
+              <a:t>think about forwards-compatibility</a:t>
+            </a:r>
+          </a:p>
+          <a:p>
+            <a:pPr lvl="1"/>
+            <a:r>
+              <a:rPr lang="en-US" sz="2100" dirty="0"/>
+              <a:t>Test it! </a:t>
+            </a:r>
+          </a:p>
+          <a:p>
+            <a:r>
+              <a:rPr lang="en-US" dirty="0"/>
+              <a:t>Versioning:</a:t>
+            </a:r>
+          </a:p>
+          <a:p>
+            <a:pPr lvl="1"/>
+            <a:r>
+              <a:rPr lang="en-US" dirty="0"/>
+              <a:t>By Path: /</a:t>
+            </a:r>
+            <a:r>
+              <a:rPr lang="en-US" dirty="0" err="1"/>
+              <a:t>api</a:t>
+            </a:r>
+            <a:r>
+              <a:rPr lang="en-US" dirty="0"/>
+              <a:t>/v1 , /</a:t>
+            </a:r>
+            <a:r>
+              <a:rPr lang="en-US" dirty="0" err="1"/>
+              <a:t>api</a:t>
+            </a:r>
+            <a:r>
+              <a:rPr lang="en-US" dirty="0"/>
+              <a:t>/v2 … </a:t>
+            </a:r>
+          </a:p>
+          <a:p>
+            <a:pPr lvl="1"/>
+            <a:r>
+              <a:rPr lang="en-US" dirty="0"/>
+              <a:t>By content negotiation Header: “Content-Type”: “application.vnd.acme.v1+json”</a:t>
+            </a:r>
+          </a:p>
+          <a:p>
+            <a:pPr lvl="1"/>
+            <a:r>
+              <a:rPr lang="en-US" dirty="0">
+                <a:solidFill>
+                  <a:schemeClr val="bg2">
+                    <a:lumMod val="20000"/>
+                    <a:lumOff val="80000"/>
+                  </a:schemeClr>
+                </a:solidFill>
+                <a:hlinkClick r:id="rId2"/>
+              </a:rPr>
+              <a:t>https://www.mnot.net/blog/2012/12/04/api-evolution</a:t>
+            </a:r>
+            <a:endParaRPr lang="en-US" dirty="0">
+              <a:solidFill>
+                <a:schemeClr val="bg2">
+                  <a:lumMod val="20000"/>
+                  <a:lumOff val="80000"/>
+                </a:schemeClr>
+              </a:solidFill>
+            </a:endParaRPr>
+          </a:p>
+          <a:p>
+            <a:pPr lvl="1"/>
+            <a:endParaRPr lang="en-US" dirty="0">
+              <a:solidFill>
+                <a:schemeClr val="bg2">
+                  <a:lumMod val="20000"/>
+                  <a:lumOff val="80000"/>
+                </a:schemeClr>
+              </a:solidFill>
+            </a:endParaRPr>
+          </a:p>
+        </p:txBody>
+      </p:sp>
+      <p:sp>
+        <p:nvSpPr>
+          <p:cNvPr id="5" name="Textfeld 4">
+            <a:extLst>
+              <a:ext uri="{FF2B5EF4-FFF2-40B4-BE49-F238E27FC236}">
+                <a16:creationId xmlns:a16="http://schemas.microsoft.com/office/drawing/2014/main" id="{539E6BE7-D4FA-6E4B-996F-1BEF03A7F4A7}"/>
+              </a:ext>
+            </a:extLst>
+          </p:cNvPr>
+          <p:cNvSpPr txBox="1"/>
+          <p:nvPr/>
+        </p:nvSpPr>
+        <p:spPr>
+          <a:xfrm>
+            <a:off x="7602772" y="2249487"/>
+            <a:ext cx="4343400" cy="1600438"/>
+          </a:xfrm>
+          <a:prstGeom prst="rect">
+            <a:avLst/>
+          </a:prstGeom>
+          <a:solidFill>
+            <a:schemeClr val="bg1"/>
+          </a:solidFill>
+          <a:ln w="22225">
+            <a:solidFill>
+              <a:schemeClr val="bg2">
+                <a:lumMod val="40000"/>
+                <a:lumOff val="60000"/>
+              </a:schemeClr>
+            </a:solidFill>
+          </a:ln>
+        </p:spPr>
+        <p:txBody>
+          <a:bodyPr wrap="square" rtlCol="0">
+            <a:spAutoFit/>
+          </a:bodyPr>
+          <a:lstStyle/>
+          <a:p>
+            <a:r>
+              <a:rPr lang="de-DE" sz="1400" dirty="0"/>
+              <a:t>===&gt; </a:t>
+            </a:r>
+          </a:p>
+          <a:p>
+            <a:r>
+              <a:rPr lang="de-DE" sz="1400" dirty="0"/>
+              <a:t>GET /</a:t>
+            </a:r>
+            <a:r>
+              <a:rPr lang="de-DE" sz="1400" dirty="0" err="1"/>
+              <a:t>users</a:t>
+            </a:r>
+            <a:r>
+              <a:rPr lang="de-DE" sz="1400" dirty="0"/>
+              <a:t>/3 HTTP/1.1 </a:t>
+            </a:r>
+          </a:p>
+          <a:p>
+            <a:r>
+              <a:rPr lang="de-DE" sz="1400" dirty="0" err="1"/>
+              <a:t>Accept</a:t>
+            </a:r>
+            <a:r>
+              <a:rPr lang="de-DE" sz="1400" dirty="0"/>
+              <a:t>: </a:t>
+            </a:r>
+            <a:r>
+              <a:rPr lang="de-DE" sz="1400" dirty="0" err="1">
+                <a:solidFill>
+                  <a:srgbClr val="FF0000"/>
+                </a:solidFill>
+              </a:rPr>
+              <a:t>application</a:t>
+            </a:r>
+            <a:r>
+              <a:rPr lang="de-DE" sz="1400" dirty="0">
+                <a:solidFill>
+                  <a:srgbClr val="FF0000"/>
+                </a:solidFill>
+              </a:rPr>
+              <a:t>/vnd.acme.v1+json </a:t>
+            </a:r>
+          </a:p>
+          <a:p>
+            <a:r>
+              <a:rPr lang="de-DE" sz="1400" dirty="0"/>
+              <a:t>&lt;=== </a:t>
+            </a:r>
+          </a:p>
+          <a:p>
+            <a:r>
+              <a:rPr lang="de-DE" sz="1400" dirty="0"/>
+              <a:t>HTTP/1.1 200 OK </a:t>
+            </a:r>
+          </a:p>
+          <a:p>
+            <a:r>
+              <a:rPr lang="de-DE" sz="1400" dirty="0"/>
+              <a:t>Content-Type: </a:t>
+            </a:r>
+            <a:r>
+              <a:rPr lang="de-DE" sz="1400" dirty="0" err="1">
+                <a:solidFill>
+                  <a:srgbClr val="FF0000"/>
+                </a:solidFill>
+              </a:rPr>
+              <a:t>application</a:t>
+            </a:r>
+            <a:r>
+              <a:rPr lang="de-DE" sz="1400" dirty="0">
+                <a:solidFill>
+                  <a:srgbClr val="FF0000"/>
+                </a:solidFill>
+              </a:rPr>
+              <a:t>/vnd.acme.v1+json </a:t>
+            </a:r>
+          </a:p>
+          <a:p>
+            <a:r>
+              <a:rPr lang="de-DE" sz="1400" dirty="0"/>
+              <a:t>{ "</a:t>
+            </a:r>
+            <a:r>
+              <a:rPr lang="de-DE" sz="1400" dirty="0" err="1"/>
+              <a:t>user</a:t>
+            </a:r>
+            <a:r>
+              <a:rPr lang="de-DE" sz="1400" dirty="0"/>
+              <a:t>": { "</a:t>
+            </a:r>
+            <a:r>
+              <a:rPr lang="de-DE" sz="1400" dirty="0" err="1"/>
+              <a:t>name</a:t>
+            </a:r>
+            <a:r>
+              <a:rPr lang="de-DE" sz="1400" dirty="0"/>
+              <a:t>": "John" } }</a:t>
+            </a:r>
+            <a:endParaRPr lang="en-US" sz="1400" dirty="0"/>
+          </a:p>
+        </p:txBody>
+      </p:sp>
+    </p:spTree>
+    <p:extLst>
+      <p:ext uri="{BB962C8B-B14F-4D97-AF65-F5344CB8AC3E}">
+        <p14:creationId xmlns:p14="http://schemas.microsoft.com/office/powerpoint/2010/main" val="2594939762"/>
       </p:ext>
     </p:extLst>
   </p:cSld>
